--- a/WAD/lectures/090--Introduction.to.Javascript.pptx
+++ b/WAD/lectures/090--Introduction.to.Javascript.pptx
@@ -5,7 +5,7 @@
     <p:sldMasterId id="2147483648" r:id="rId1"/>
   </p:sldMasterIdLst>
   <p:notesMasterIdLst>
-    <p:notesMasterId r:id="rId17"/>
+    <p:notesMasterId r:id="rId18"/>
   </p:notesMasterIdLst>
   <p:sldIdLst>
     <p:sldId id="256" r:id="rId2"/>
@@ -22,7 +22,8 @@
     <p:sldId id="267" r:id="rId13"/>
     <p:sldId id="268" r:id="rId14"/>
     <p:sldId id="269" r:id="rId15"/>
-    <p:sldId id="270" r:id="rId16"/>
+    <p:sldId id="271" r:id="rId16"/>
+    <p:sldId id="270" r:id="rId17"/>
   </p:sldIdLst>
   <p:sldSz cx="9144000" cy="6858000" type="screen4x3"/>
   <p:notesSz cx="6858000" cy="9144000"/>
@@ -153,7 +154,7 @@
   </p:defaultTextStyle>
   <p:extLst>
     <p:ext uri="{EFAFB233-063F-42B5-8137-9DF3F51BA10A}">
-      <p15:sldGuideLst xmlns:p15="http://schemas.microsoft.com/office/powerpoint/2012/main">
+      <p15:sldGuideLst xmlns:p15="http://schemas.microsoft.com/office/powerpoint/2012/main" xmlns="">
         <p15:guide id="1" orient="horz" pos="2160">
           <p15:clr>
             <a:srgbClr val="A4A3A4"/>
@@ -287,7 +288,7 @@
         <p:nvSpPr>
           <p:cNvPr id="23556" name="Rectangle 4"/>
           <p:cNvSpPr>
-            <a:spLocks noRot="1" noChangeArrowheads="1" noTextEdit="1"/>
+            <a:spLocks noGrp="1" noRot="1" noChangeAspect="1" noChangeArrowheads="1" noTextEdit="1"/>
           </p:cNvSpPr>
           <p:nvPr>
             <p:ph type="sldImg" idx="2"/>
@@ -312,7 +313,7 @@
           </a:ln>
           <a:extLst>
             <a:ext uri="{909E8E84-426E-40DD-AFC4-6F175D3DCCD1}">
-              <a14:hiddenFill xmlns:a14="http://schemas.microsoft.com/office/drawing/2010/main">
+              <a14:hiddenFill xmlns:a14="http://schemas.microsoft.com/office/drawing/2010/main" xmlns="">
                 <a:solidFill>
                   <a:srgbClr val="FFFFFF"/>
                 </a:solidFill>
@@ -483,7 +484,7 @@
     </p:spTree>
     <p:extLst>
       <p:ext uri="{BB962C8B-B14F-4D97-AF65-F5344CB8AC3E}">
-        <p14:creationId xmlns:p14="http://schemas.microsoft.com/office/powerpoint/2010/main" val="2395374056"/>
+        <p14:creationId xmlns:p14="http://schemas.microsoft.com/office/powerpoint/2010/main" xmlns="" val="2395374056"/>
       </p:ext>
     </p:extLst>
   </p:cSld>
@@ -652,14 +653,14 @@
           <a:noFill/>
           <a:extLst>
             <a:ext uri="{909E8E84-426E-40DD-AFC4-6F175D3DCCD1}">
-              <a14:hiddenFill xmlns:a14="http://schemas.microsoft.com/office/drawing/2010/main">
+              <a14:hiddenFill xmlns:a14="http://schemas.microsoft.com/office/drawing/2010/main" xmlns="">
                 <a:solidFill>
                   <a:srgbClr val="FFFFFF"/>
                 </a:solidFill>
               </a14:hiddenFill>
             </a:ext>
             <a:ext uri="{91240B29-F687-4F45-9708-019B960494DF}">
-              <a14:hiddenLine xmlns:a14="http://schemas.microsoft.com/office/drawing/2010/main" w="9525">
+              <a14:hiddenLine xmlns:a14="http://schemas.microsoft.com/office/drawing/2010/main" xmlns="" w="9525">
                 <a:solidFill>
                   <a:srgbClr val="000000"/>
                 </a:solidFill>
@@ -784,7 +785,7 @@
         <p:nvSpPr>
           <p:cNvPr id="24579" name="Rectangle 1"/>
           <p:cNvSpPr txBox="1">
-            <a:spLocks noChangeArrowheads="1" noTextEdit="1"/>
+            <a:spLocks noGrp="1" noRot="1" noChangeAspect="1" noChangeArrowheads="1" noTextEdit="1"/>
           </p:cNvSpPr>
           <p:nvPr>
             <p:ph type="sldImg"/>
@@ -801,7 +802,7 @@
         <p:nvSpPr>
           <p:cNvPr id="24580" name="Rectangle 2"/>
           <p:cNvSpPr txBox="1">
-            <a:spLocks noChangeArrowheads="1"/>
+            <a:spLocks noGrp="1" noChangeArrowheads="1"/>
           </p:cNvSpPr>
           <p:nvPr>
             <p:ph type="body" idx="1"/>
@@ -811,14 +812,14 @@
           <a:noFill/>
           <a:extLst>
             <a:ext uri="{909E8E84-426E-40DD-AFC4-6F175D3DCCD1}">
-              <a14:hiddenFill xmlns:a14="http://schemas.microsoft.com/office/drawing/2010/main">
+              <a14:hiddenFill xmlns:a14="http://schemas.microsoft.com/office/drawing/2010/main" xmlns="">
                 <a:solidFill>
                   <a:srgbClr val="FFFFFF"/>
                 </a:solidFill>
               </a14:hiddenFill>
             </a:ext>
             <a:ext uri="{91240B29-F687-4F45-9708-019B960494DF}">
-              <a14:hiddenLine xmlns:a14="http://schemas.microsoft.com/office/drawing/2010/main" w="9525" cap="flat">
+              <a14:hiddenLine xmlns:a14="http://schemas.microsoft.com/office/drawing/2010/main" xmlns="" w="9525" cap="flat">
                 <a:solidFill>
                   <a:srgbClr val="000000"/>
                 </a:solidFill>
@@ -840,7 +841,7 @@
     </p:spTree>
     <p:extLst>
       <p:ext uri="{BB962C8B-B14F-4D97-AF65-F5344CB8AC3E}">
-        <p14:creationId xmlns:p14="http://schemas.microsoft.com/office/powerpoint/2010/main" val="388511515"/>
+        <p14:creationId xmlns:p14="http://schemas.microsoft.com/office/powerpoint/2010/main" xmlns="" val="388511515"/>
       </p:ext>
     </p:extLst>
   </p:cSld>
@@ -889,14 +890,14 @@
           <a:noFill/>
           <a:extLst>
             <a:ext uri="{909E8E84-426E-40DD-AFC4-6F175D3DCCD1}">
-              <a14:hiddenFill xmlns:a14="http://schemas.microsoft.com/office/drawing/2010/main">
+              <a14:hiddenFill xmlns:a14="http://schemas.microsoft.com/office/drawing/2010/main" xmlns="">
                 <a:solidFill>
                   <a:srgbClr val="FFFFFF"/>
                 </a:solidFill>
               </a14:hiddenFill>
             </a:ext>
             <a:ext uri="{91240B29-F687-4F45-9708-019B960494DF}">
-              <a14:hiddenLine xmlns:a14="http://schemas.microsoft.com/office/drawing/2010/main" w="9525">
+              <a14:hiddenLine xmlns:a14="http://schemas.microsoft.com/office/drawing/2010/main" xmlns="" w="9525">
                 <a:solidFill>
                   <a:srgbClr val="000000"/>
                 </a:solidFill>
@@ -1021,7 +1022,7 @@
         <p:nvSpPr>
           <p:cNvPr id="33795" name="Rectangle 1"/>
           <p:cNvSpPr txBox="1">
-            <a:spLocks noChangeArrowheads="1" noTextEdit="1"/>
+            <a:spLocks noGrp="1" noRot="1" noChangeAspect="1" noChangeArrowheads="1" noTextEdit="1"/>
           </p:cNvSpPr>
           <p:nvPr>
             <p:ph type="sldImg"/>
@@ -1038,7 +1039,7 @@
         <p:nvSpPr>
           <p:cNvPr id="33796" name="Rectangle 2"/>
           <p:cNvSpPr txBox="1">
-            <a:spLocks noChangeArrowheads="1"/>
+            <a:spLocks noGrp="1" noChangeArrowheads="1"/>
           </p:cNvSpPr>
           <p:nvPr>
             <p:ph type="body" idx="1"/>
@@ -1048,14 +1049,14 @@
           <a:noFill/>
           <a:extLst>
             <a:ext uri="{909E8E84-426E-40DD-AFC4-6F175D3DCCD1}">
-              <a14:hiddenFill xmlns:a14="http://schemas.microsoft.com/office/drawing/2010/main">
+              <a14:hiddenFill xmlns:a14="http://schemas.microsoft.com/office/drawing/2010/main" xmlns="">
                 <a:solidFill>
                   <a:srgbClr val="FFFFFF"/>
                 </a:solidFill>
               </a14:hiddenFill>
             </a:ext>
             <a:ext uri="{91240B29-F687-4F45-9708-019B960494DF}">
-              <a14:hiddenLine xmlns:a14="http://schemas.microsoft.com/office/drawing/2010/main" w="9525" cap="flat">
+              <a14:hiddenLine xmlns:a14="http://schemas.microsoft.com/office/drawing/2010/main" xmlns="" w="9525" cap="flat">
                 <a:solidFill>
                   <a:srgbClr val="000000"/>
                 </a:solidFill>
@@ -1077,7 +1078,7 @@
     </p:spTree>
     <p:extLst>
       <p:ext uri="{BB962C8B-B14F-4D97-AF65-F5344CB8AC3E}">
-        <p14:creationId xmlns:p14="http://schemas.microsoft.com/office/powerpoint/2010/main" val="1478532010"/>
+        <p14:creationId xmlns:p14="http://schemas.microsoft.com/office/powerpoint/2010/main" xmlns="" val="1478532010"/>
       </p:ext>
     </p:extLst>
   </p:cSld>
@@ -1126,14 +1127,14 @@
           <a:noFill/>
           <a:extLst>
             <a:ext uri="{909E8E84-426E-40DD-AFC4-6F175D3DCCD1}">
-              <a14:hiddenFill xmlns:a14="http://schemas.microsoft.com/office/drawing/2010/main">
+              <a14:hiddenFill xmlns:a14="http://schemas.microsoft.com/office/drawing/2010/main" xmlns="">
                 <a:solidFill>
                   <a:srgbClr val="FFFFFF"/>
                 </a:solidFill>
               </a14:hiddenFill>
             </a:ext>
             <a:ext uri="{91240B29-F687-4F45-9708-019B960494DF}">
-              <a14:hiddenLine xmlns:a14="http://schemas.microsoft.com/office/drawing/2010/main" w="9525">
+              <a14:hiddenLine xmlns:a14="http://schemas.microsoft.com/office/drawing/2010/main" xmlns="" w="9525">
                 <a:solidFill>
                   <a:srgbClr val="000000"/>
                 </a:solidFill>
@@ -1258,7 +1259,7 @@
         <p:nvSpPr>
           <p:cNvPr id="34819" name="Rectangle 1"/>
           <p:cNvSpPr txBox="1">
-            <a:spLocks noChangeArrowheads="1" noTextEdit="1"/>
+            <a:spLocks noGrp="1" noRot="1" noChangeAspect="1" noChangeArrowheads="1" noTextEdit="1"/>
           </p:cNvSpPr>
           <p:nvPr>
             <p:ph type="sldImg"/>
@@ -1275,7 +1276,7 @@
         <p:nvSpPr>
           <p:cNvPr id="34820" name="Rectangle 2"/>
           <p:cNvSpPr txBox="1">
-            <a:spLocks noChangeArrowheads="1"/>
+            <a:spLocks noGrp="1" noChangeArrowheads="1"/>
           </p:cNvSpPr>
           <p:nvPr>
             <p:ph type="body" idx="1"/>
@@ -1285,14 +1286,14 @@
           <a:noFill/>
           <a:extLst>
             <a:ext uri="{909E8E84-426E-40DD-AFC4-6F175D3DCCD1}">
-              <a14:hiddenFill xmlns:a14="http://schemas.microsoft.com/office/drawing/2010/main">
+              <a14:hiddenFill xmlns:a14="http://schemas.microsoft.com/office/drawing/2010/main" xmlns="">
                 <a:solidFill>
                   <a:srgbClr val="FFFFFF"/>
                 </a:solidFill>
               </a14:hiddenFill>
             </a:ext>
             <a:ext uri="{91240B29-F687-4F45-9708-019B960494DF}">
-              <a14:hiddenLine xmlns:a14="http://schemas.microsoft.com/office/drawing/2010/main" w="9525" cap="flat">
+              <a14:hiddenLine xmlns:a14="http://schemas.microsoft.com/office/drawing/2010/main" xmlns="" w="9525" cap="flat">
                 <a:solidFill>
                   <a:srgbClr val="000000"/>
                 </a:solidFill>
@@ -1314,7 +1315,7 @@
     </p:spTree>
     <p:extLst>
       <p:ext uri="{BB962C8B-B14F-4D97-AF65-F5344CB8AC3E}">
-        <p14:creationId xmlns:p14="http://schemas.microsoft.com/office/powerpoint/2010/main" val="3803582813"/>
+        <p14:creationId xmlns:p14="http://schemas.microsoft.com/office/powerpoint/2010/main" xmlns="" val="3803582813"/>
       </p:ext>
     </p:extLst>
   </p:cSld>
@@ -1363,14 +1364,14 @@
           <a:noFill/>
           <a:extLst>
             <a:ext uri="{909E8E84-426E-40DD-AFC4-6F175D3DCCD1}">
-              <a14:hiddenFill xmlns:a14="http://schemas.microsoft.com/office/drawing/2010/main">
+              <a14:hiddenFill xmlns:a14="http://schemas.microsoft.com/office/drawing/2010/main" xmlns="">
                 <a:solidFill>
                   <a:srgbClr val="FFFFFF"/>
                 </a:solidFill>
               </a14:hiddenFill>
             </a:ext>
             <a:ext uri="{91240B29-F687-4F45-9708-019B960494DF}">
-              <a14:hiddenLine xmlns:a14="http://schemas.microsoft.com/office/drawing/2010/main" w="9525">
+              <a14:hiddenLine xmlns:a14="http://schemas.microsoft.com/office/drawing/2010/main" xmlns="" w="9525">
                 <a:solidFill>
                   <a:srgbClr val="000000"/>
                 </a:solidFill>
@@ -1495,7 +1496,7 @@
         <p:nvSpPr>
           <p:cNvPr id="35843" name="Rectangle 1"/>
           <p:cNvSpPr txBox="1">
-            <a:spLocks noChangeArrowheads="1" noTextEdit="1"/>
+            <a:spLocks noGrp="1" noRot="1" noChangeAspect="1" noChangeArrowheads="1" noTextEdit="1"/>
           </p:cNvSpPr>
           <p:nvPr>
             <p:ph type="sldImg"/>
@@ -1512,7 +1513,7 @@
         <p:nvSpPr>
           <p:cNvPr id="35844" name="Rectangle 2"/>
           <p:cNvSpPr txBox="1">
-            <a:spLocks noChangeArrowheads="1"/>
+            <a:spLocks noGrp="1" noChangeArrowheads="1"/>
           </p:cNvSpPr>
           <p:nvPr>
             <p:ph type="body" idx="1"/>
@@ -1522,14 +1523,14 @@
           <a:noFill/>
           <a:extLst>
             <a:ext uri="{909E8E84-426E-40DD-AFC4-6F175D3DCCD1}">
-              <a14:hiddenFill xmlns:a14="http://schemas.microsoft.com/office/drawing/2010/main">
+              <a14:hiddenFill xmlns:a14="http://schemas.microsoft.com/office/drawing/2010/main" xmlns="">
                 <a:solidFill>
                   <a:srgbClr val="FFFFFF"/>
                 </a:solidFill>
               </a14:hiddenFill>
             </a:ext>
             <a:ext uri="{91240B29-F687-4F45-9708-019B960494DF}">
-              <a14:hiddenLine xmlns:a14="http://schemas.microsoft.com/office/drawing/2010/main" w="9525" cap="flat">
+              <a14:hiddenLine xmlns:a14="http://schemas.microsoft.com/office/drawing/2010/main" xmlns="" w="9525" cap="flat">
                 <a:solidFill>
                   <a:srgbClr val="000000"/>
                 </a:solidFill>
@@ -1551,7 +1552,7 @@
     </p:spTree>
     <p:extLst>
       <p:ext uri="{BB962C8B-B14F-4D97-AF65-F5344CB8AC3E}">
-        <p14:creationId xmlns:p14="http://schemas.microsoft.com/office/powerpoint/2010/main" val="2993695088"/>
+        <p14:creationId xmlns:p14="http://schemas.microsoft.com/office/powerpoint/2010/main" xmlns="" val="2993695088"/>
       </p:ext>
     </p:extLst>
   </p:cSld>
@@ -1600,14 +1601,14 @@
           <a:noFill/>
           <a:extLst>
             <a:ext uri="{909E8E84-426E-40DD-AFC4-6F175D3DCCD1}">
-              <a14:hiddenFill xmlns:a14="http://schemas.microsoft.com/office/drawing/2010/main">
+              <a14:hiddenFill xmlns:a14="http://schemas.microsoft.com/office/drawing/2010/main" xmlns="">
                 <a:solidFill>
                   <a:srgbClr val="FFFFFF"/>
                 </a:solidFill>
               </a14:hiddenFill>
             </a:ext>
             <a:ext uri="{91240B29-F687-4F45-9708-019B960494DF}">
-              <a14:hiddenLine xmlns:a14="http://schemas.microsoft.com/office/drawing/2010/main" w="9525">
+              <a14:hiddenLine xmlns:a14="http://schemas.microsoft.com/office/drawing/2010/main" xmlns="" w="9525">
                 <a:solidFill>
                   <a:srgbClr val="000000"/>
                 </a:solidFill>
@@ -1732,7 +1733,7 @@
         <p:nvSpPr>
           <p:cNvPr id="36867" name="Rectangle 1"/>
           <p:cNvSpPr txBox="1">
-            <a:spLocks noChangeArrowheads="1" noTextEdit="1"/>
+            <a:spLocks noGrp="1" noRot="1" noChangeAspect="1" noChangeArrowheads="1" noTextEdit="1"/>
           </p:cNvSpPr>
           <p:nvPr>
             <p:ph type="sldImg"/>
@@ -1749,7 +1750,7 @@
         <p:nvSpPr>
           <p:cNvPr id="36868" name="Rectangle 2"/>
           <p:cNvSpPr txBox="1">
-            <a:spLocks noChangeArrowheads="1"/>
+            <a:spLocks noGrp="1" noChangeArrowheads="1"/>
           </p:cNvSpPr>
           <p:nvPr>
             <p:ph type="body" idx="1"/>
@@ -1759,14 +1760,14 @@
           <a:noFill/>
           <a:extLst>
             <a:ext uri="{909E8E84-426E-40DD-AFC4-6F175D3DCCD1}">
-              <a14:hiddenFill xmlns:a14="http://schemas.microsoft.com/office/drawing/2010/main">
+              <a14:hiddenFill xmlns:a14="http://schemas.microsoft.com/office/drawing/2010/main" xmlns="">
                 <a:solidFill>
                   <a:srgbClr val="FFFFFF"/>
                 </a:solidFill>
               </a14:hiddenFill>
             </a:ext>
             <a:ext uri="{91240B29-F687-4F45-9708-019B960494DF}">
-              <a14:hiddenLine xmlns:a14="http://schemas.microsoft.com/office/drawing/2010/main" w="9525" cap="flat">
+              <a14:hiddenLine xmlns:a14="http://schemas.microsoft.com/office/drawing/2010/main" xmlns="" w="9525" cap="flat">
                 <a:solidFill>
                   <a:srgbClr val="000000"/>
                 </a:solidFill>
@@ -1788,7 +1789,7 @@
     </p:spTree>
     <p:extLst>
       <p:ext uri="{BB962C8B-B14F-4D97-AF65-F5344CB8AC3E}">
-        <p14:creationId xmlns:p14="http://schemas.microsoft.com/office/powerpoint/2010/main" val="1094099529"/>
+        <p14:creationId xmlns:p14="http://schemas.microsoft.com/office/powerpoint/2010/main" xmlns="" val="1094099529"/>
       </p:ext>
     </p:extLst>
   </p:cSld>
@@ -1837,14 +1838,14 @@
           <a:noFill/>
           <a:extLst>
             <a:ext uri="{909E8E84-426E-40DD-AFC4-6F175D3DCCD1}">
-              <a14:hiddenFill xmlns:a14="http://schemas.microsoft.com/office/drawing/2010/main">
+              <a14:hiddenFill xmlns:a14="http://schemas.microsoft.com/office/drawing/2010/main" xmlns="">
                 <a:solidFill>
                   <a:srgbClr val="FFFFFF"/>
                 </a:solidFill>
               </a14:hiddenFill>
             </a:ext>
             <a:ext uri="{91240B29-F687-4F45-9708-019B960494DF}">
-              <a14:hiddenLine xmlns:a14="http://schemas.microsoft.com/office/drawing/2010/main" w="9525">
+              <a14:hiddenLine xmlns:a14="http://schemas.microsoft.com/office/drawing/2010/main" xmlns="" w="9525">
                 <a:solidFill>
                   <a:srgbClr val="000000"/>
                 </a:solidFill>
@@ -1969,7 +1970,7 @@
         <p:nvSpPr>
           <p:cNvPr id="37891" name="Rectangle 1"/>
           <p:cNvSpPr txBox="1">
-            <a:spLocks noChangeArrowheads="1" noTextEdit="1"/>
+            <a:spLocks noGrp="1" noRot="1" noChangeAspect="1" noChangeArrowheads="1" noTextEdit="1"/>
           </p:cNvSpPr>
           <p:nvPr>
             <p:ph type="sldImg"/>
@@ -1986,7 +1987,7 @@
         <p:nvSpPr>
           <p:cNvPr id="37892" name="Rectangle 2"/>
           <p:cNvSpPr txBox="1">
-            <a:spLocks noChangeArrowheads="1"/>
+            <a:spLocks noGrp="1" noChangeArrowheads="1"/>
           </p:cNvSpPr>
           <p:nvPr>
             <p:ph type="body" idx="1"/>
@@ -1996,14 +1997,14 @@
           <a:noFill/>
           <a:extLst>
             <a:ext uri="{909E8E84-426E-40DD-AFC4-6F175D3DCCD1}">
-              <a14:hiddenFill xmlns:a14="http://schemas.microsoft.com/office/drawing/2010/main">
+              <a14:hiddenFill xmlns:a14="http://schemas.microsoft.com/office/drawing/2010/main" xmlns="">
                 <a:solidFill>
                   <a:srgbClr val="FFFFFF"/>
                 </a:solidFill>
               </a14:hiddenFill>
             </a:ext>
             <a:ext uri="{91240B29-F687-4F45-9708-019B960494DF}">
-              <a14:hiddenLine xmlns:a14="http://schemas.microsoft.com/office/drawing/2010/main" w="9525" cap="flat">
+              <a14:hiddenLine xmlns:a14="http://schemas.microsoft.com/office/drawing/2010/main" xmlns="" w="9525" cap="flat">
                 <a:solidFill>
                   <a:srgbClr val="000000"/>
                 </a:solidFill>
@@ -2025,7 +2026,7 @@
     </p:spTree>
     <p:extLst>
       <p:ext uri="{BB962C8B-B14F-4D97-AF65-F5344CB8AC3E}">
-        <p14:creationId xmlns:p14="http://schemas.microsoft.com/office/powerpoint/2010/main" val="4145369065"/>
+        <p14:creationId xmlns:p14="http://schemas.microsoft.com/office/powerpoint/2010/main" xmlns="" val="4145369065"/>
       </p:ext>
     </p:extLst>
   </p:cSld>
@@ -2074,14 +2075,14 @@
           <a:noFill/>
           <a:extLst>
             <a:ext uri="{909E8E84-426E-40DD-AFC4-6F175D3DCCD1}">
-              <a14:hiddenFill xmlns:a14="http://schemas.microsoft.com/office/drawing/2010/main">
+              <a14:hiddenFill xmlns:a14="http://schemas.microsoft.com/office/drawing/2010/main" xmlns="">
                 <a:solidFill>
                   <a:srgbClr val="FFFFFF"/>
                 </a:solidFill>
               </a14:hiddenFill>
             </a:ext>
             <a:ext uri="{91240B29-F687-4F45-9708-019B960494DF}">
-              <a14:hiddenLine xmlns:a14="http://schemas.microsoft.com/office/drawing/2010/main" w="9525">
+              <a14:hiddenLine xmlns:a14="http://schemas.microsoft.com/office/drawing/2010/main" xmlns="" w="9525">
                 <a:solidFill>
                   <a:srgbClr val="000000"/>
                 </a:solidFill>
@@ -2196,7 +2197,7 @@
             <a:fld id="{668805EE-EFA9-4822-91D1-272E93BF294E}" type="slidenum">
               <a:rPr lang="en-US" altLang="en-US" sz="1200"/>
               <a:pPr/>
-              <a:t>15</a:t>
+              <a:t>16</a:t>
             </a:fld>
             <a:endParaRPr lang="en-US" altLang="en-US" sz="1200"/>
           </a:p>
@@ -2206,7 +2207,7 @@
         <p:nvSpPr>
           <p:cNvPr id="38915" name="Rectangle 1"/>
           <p:cNvSpPr txBox="1">
-            <a:spLocks noChangeArrowheads="1" noTextEdit="1"/>
+            <a:spLocks noGrp="1" noRot="1" noChangeAspect="1" noChangeArrowheads="1" noTextEdit="1"/>
           </p:cNvSpPr>
           <p:nvPr>
             <p:ph type="sldImg"/>
@@ -2223,7 +2224,7 @@
         <p:nvSpPr>
           <p:cNvPr id="38916" name="Rectangle 2"/>
           <p:cNvSpPr txBox="1">
-            <a:spLocks noChangeArrowheads="1"/>
+            <a:spLocks noGrp="1" noChangeArrowheads="1"/>
           </p:cNvSpPr>
           <p:nvPr>
             <p:ph type="body" idx="1"/>
@@ -2233,14 +2234,14 @@
           <a:noFill/>
           <a:extLst>
             <a:ext uri="{909E8E84-426E-40DD-AFC4-6F175D3DCCD1}">
-              <a14:hiddenFill xmlns:a14="http://schemas.microsoft.com/office/drawing/2010/main">
+              <a14:hiddenFill xmlns:a14="http://schemas.microsoft.com/office/drawing/2010/main" xmlns="">
                 <a:solidFill>
                   <a:srgbClr val="FFFFFF"/>
                 </a:solidFill>
               </a14:hiddenFill>
             </a:ext>
             <a:ext uri="{91240B29-F687-4F45-9708-019B960494DF}">
-              <a14:hiddenLine xmlns:a14="http://schemas.microsoft.com/office/drawing/2010/main" w="9525" cap="flat">
+              <a14:hiddenLine xmlns:a14="http://schemas.microsoft.com/office/drawing/2010/main" xmlns="" w="9525" cap="flat">
                 <a:solidFill>
                   <a:srgbClr val="000000"/>
                 </a:solidFill>
@@ -2262,7 +2263,7 @@
     </p:spTree>
     <p:extLst>
       <p:ext uri="{BB962C8B-B14F-4D97-AF65-F5344CB8AC3E}">
-        <p14:creationId xmlns:p14="http://schemas.microsoft.com/office/powerpoint/2010/main" val="2556465596"/>
+        <p14:creationId xmlns:p14="http://schemas.microsoft.com/office/powerpoint/2010/main" xmlns="" val="2556465596"/>
       </p:ext>
     </p:extLst>
   </p:cSld>
@@ -2311,14 +2312,14 @@
           <a:noFill/>
           <a:extLst>
             <a:ext uri="{909E8E84-426E-40DD-AFC4-6F175D3DCCD1}">
-              <a14:hiddenFill xmlns:a14="http://schemas.microsoft.com/office/drawing/2010/main">
+              <a14:hiddenFill xmlns:a14="http://schemas.microsoft.com/office/drawing/2010/main" xmlns="">
                 <a:solidFill>
                   <a:srgbClr val="FFFFFF"/>
                 </a:solidFill>
               </a14:hiddenFill>
             </a:ext>
             <a:ext uri="{91240B29-F687-4F45-9708-019B960494DF}">
-              <a14:hiddenLine xmlns:a14="http://schemas.microsoft.com/office/drawing/2010/main" w="9525">
+              <a14:hiddenLine xmlns:a14="http://schemas.microsoft.com/office/drawing/2010/main" xmlns="" w="9525">
                 <a:solidFill>
                   <a:srgbClr val="000000"/>
                 </a:solidFill>
@@ -2443,7 +2444,7 @@
         <p:nvSpPr>
           <p:cNvPr id="25603" name="Rectangle 1"/>
           <p:cNvSpPr txBox="1">
-            <a:spLocks noChangeArrowheads="1" noTextEdit="1"/>
+            <a:spLocks noGrp="1" noRot="1" noChangeAspect="1" noChangeArrowheads="1" noTextEdit="1"/>
           </p:cNvSpPr>
           <p:nvPr>
             <p:ph type="sldImg"/>
@@ -2460,7 +2461,7 @@
         <p:nvSpPr>
           <p:cNvPr id="25604" name="Rectangle 2"/>
           <p:cNvSpPr txBox="1">
-            <a:spLocks noChangeArrowheads="1"/>
+            <a:spLocks noGrp="1" noChangeArrowheads="1"/>
           </p:cNvSpPr>
           <p:nvPr>
             <p:ph type="body" idx="1"/>
@@ -2470,14 +2471,14 @@
           <a:noFill/>
           <a:extLst>
             <a:ext uri="{909E8E84-426E-40DD-AFC4-6F175D3DCCD1}">
-              <a14:hiddenFill xmlns:a14="http://schemas.microsoft.com/office/drawing/2010/main">
+              <a14:hiddenFill xmlns:a14="http://schemas.microsoft.com/office/drawing/2010/main" xmlns="">
                 <a:solidFill>
                   <a:srgbClr val="FFFFFF"/>
                 </a:solidFill>
               </a14:hiddenFill>
             </a:ext>
             <a:ext uri="{91240B29-F687-4F45-9708-019B960494DF}">
-              <a14:hiddenLine xmlns:a14="http://schemas.microsoft.com/office/drawing/2010/main" w="9525" cap="flat">
+              <a14:hiddenLine xmlns:a14="http://schemas.microsoft.com/office/drawing/2010/main" xmlns="" w="9525" cap="flat">
                 <a:solidFill>
                   <a:srgbClr val="000000"/>
                 </a:solidFill>
@@ -2499,7 +2500,7 @@
     </p:spTree>
     <p:extLst>
       <p:ext uri="{BB962C8B-B14F-4D97-AF65-F5344CB8AC3E}">
-        <p14:creationId xmlns:p14="http://schemas.microsoft.com/office/powerpoint/2010/main" val="706177337"/>
+        <p14:creationId xmlns:p14="http://schemas.microsoft.com/office/powerpoint/2010/main" xmlns="" val="706177337"/>
       </p:ext>
     </p:extLst>
   </p:cSld>
@@ -2548,14 +2549,14 @@
           <a:noFill/>
           <a:extLst>
             <a:ext uri="{909E8E84-426E-40DD-AFC4-6F175D3DCCD1}">
-              <a14:hiddenFill xmlns:a14="http://schemas.microsoft.com/office/drawing/2010/main">
+              <a14:hiddenFill xmlns:a14="http://schemas.microsoft.com/office/drawing/2010/main" xmlns="">
                 <a:solidFill>
                   <a:srgbClr val="FFFFFF"/>
                 </a:solidFill>
               </a14:hiddenFill>
             </a:ext>
             <a:ext uri="{91240B29-F687-4F45-9708-019B960494DF}">
-              <a14:hiddenLine xmlns:a14="http://schemas.microsoft.com/office/drawing/2010/main" w="9525">
+              <a14:hiddenLine xmlns:a14="http://schemas.microsoft.com/office/drawing/2010/main" xmlns="" w="9525">
                 <a:solidFill>
                   <a:srgbClr val="000000"/>
                 </a:solidFill>
@@ -2680,7 +2681,7 @@
         <p:nvSpPr>
           <p:cNvPr id="26627" name="Rectangle 1"/>
           <p:cNvSpPr txBox="1">
-            <a:spLocks noChangeArrowheads="1" noTextEdit="1"/>
+            <a:spLocks noGrp="1" noRot="1" noChangeAspect="1" noChangeArrowheads="1" noTextEdit="1"/>
           </p:cNvSpPr>
           <p:nvPr>
             <p:ph type="sldImg"/>
@@ -2697,7 +2698,7 @@
         <p:nvSpPr>
           <p:cNvPr id="26628" name="Rectangle 2"/>
           <p:cNvSpPr txBox="1">
-            <a:spLocks noChangeArrowheads="1"/>
+            <a:spLocks noGrp="1" noChangeArrowheads="1"/>
           </p:cNvSpPr>
           <p:nvPr>
             <p:ph type="body" idx="1"/>
@@ -2707,14 +2708,14 @@
           <a:noFill/>
           <a:extLst>
             <a:ext uri="{909E8E84-426E-40DD-AFC4-6F175D3DCCD1}">
-              <a14:hiddenFill xmlns:a14="http://schemas.microsoft.com/office/drawing/2010/main">
+              <a14:hiddenFill xmlns:a14="http://schemas.microsoft.com/office/drawing/2010/main" xmlns="">
                 <a:solidFill>
                   <a:srgbClr val="FFFFFF"/>
                 </a:solidFill>
               </a14:hiddenFill>
             </a:ext>
             <a:ext uri="{91240B29-F687-4F45-9708-019B960494DF}">
-              <a14:hiddenLine xmlns:a14="http://schemas.microsoft.com/office/drawing/2010/main" w="9525" cap="flat">
+              <a14:hiddenLine xmlns:a14="http://schemas.microsoft.com/office/drawing/2010/main" xmlns="" w="9525" cap="flat">
                 <a:solidFill>
                   <a:srgbClr val="000000"/>
                 </a:solidFill>
@@ -2736,7 +2737,7 @@
     </p:spTree>
     <p:extLst>
       <p:ext uri="{BB962C8B-B14F-4D97-AF65-F5344CB8AC3E}">
-        <p14:creationId xmlns:p14="http://schemas.microsoft.com/office/powerpoint/2010/main" val="1727569112"/>
+        <p14:creationId xmlns:p14="http://schemas.microsoft.com/office/powerpoint/2010/main" xmlns="" val="1727569112"/>
       </p:ext>
     </p:extLst>
   </p:cSld>
@@ -2785,14 +2786,14 @@
           <a:noFill/>
           <a:extLst>
             <a:ext uri="{909E8E84-426E-40DD-AFC4-6F175D3DCCD1}">
-              <a14:hiddenFill xmlns:a14="http://schemas.microsoft.com/office/drawing/2010/main">
+              <a14:hiddenFill xmlns:a14="http://schemas.microsoft.com/office/drawing/2010/main" xmlns="">
                 <a:solidFill>
                   <a:srgbClr val="FFFFFF"/>
                 </a:solidFill>
               </a14:hiddenFill>
             </a:ext>
             <a:ext uri="{91240B29-F687-4F45-9708-019B960494DF}">
-              <a14:hiddenLine xmlns:a14="http://schemas.microsoft.com/office/drawing/2010/main" w="9525">
+              <a14:hiddenLine xmlns:a14="http://schemas.microsoft.com/office/drawing/2010/main" xmlns="" w="9525">
                 <a:solidFill>
                   <a:srgbClr val="000000"/>
                 </a:solidFill>
@@ -2917,7 +2918,7 @@
         <p:nvSpPr>
           <p:cNvPr id="27651" name="Rectangle 1"/>
           <p:cNvSpPr txBox="1">
-            <a:spLocks noChangeArrowheads="1" noTextEdit="1"/>
+            <a:spLocks noGrp="1" noRot="1" noChangeAspect="1" noChangeArrowheads="1" noTextEdit="1"/>
           </p:cNvSpPr>
           <p:nvPr>
             <p:ph type="sldImg"/>
@@ -2934,7 +2935,7 @@
         <p:nvSpPr>
           <p:cNvPr id="27652" name="Rectangle 2"/>
           <p:cNvSpPr txBox="1">
-            <a:spLocks noChangeArrowheads="1"/>
+            <a:spLocks noGrp="1" noChangeArrowheads="1"/>
           </p:cNvSpPr>
           <p:nvPr>
             <p:ph type="body" idx="1"/>
@@ -2944,14 +2945,14 @@
           <a:noFill/>
           <a:extLst>
             <a:ext uri="{909E8E84-426E-40DD-AFC4-6F175D3DCCD1}">
-              <a14:hiddenFill xmlns:a14="http://schemas.microsoft.com/office/drawing/2010/main">
+              <a14:hiddenFill xmlns:a14="http://schemas.microsoft.com/office/drawing/2010/main" xmlns="">
                 <a:solidFill>
                   <a:srgbClr val="FFFFFF"/>
                 </a:solidFill>
               </a14:hiddenFill>
             </a:ext>
             <a:ext uri="{91240B29-F687-4F45-9708-019B960494DF}">
-              <a14:hiddenLine xmlns:a14="http://schemas.microsoft.com/office/drawing/2010/main" w="9525" cap="flat">
+              <a14:hiddenLine xmlns:a14="http://schemas.microsoft.com/office/drawing/2010/main" xmlns="" w="9525" cap="flat">
                 <a:solidFill>
                   <a:srgbClr val="000000"/>
                 </a:solidFill>
@@ -2973,7 +2974,7 @@
     </p:spTree>
     <p:extLst>
       <p:ext uri="{BB962C8B-B14F-4D97-AF65-F5344CB8AC3E}">
-        <p14:creationId xmlns:p14="http://schemas.microsoft.com/office/powerpoint/2010/main" val="274565703"/>
+        <p14:creationId xmlns:p14="http://schemas.microsoft.com/office/powerpoint/2010/main" xmlns="" val="274565703"/>
       </p:ext>
     </p:extLst>
   </p:cSld>
@@ -3022,14 +3023,14 @@
           <a:noFill/>
           <a:extLst>
             <a:ext uri="{909E8E84-426E-40DD-AFC4-6F175D3DCCD1}">
-              <a14:hiddenFill xmlns:a14="http://schemas.microsoft.com/office/drawing/2010/main">
+              <a14:hiddenFill xmlns:a14="http://schemas.microsoft.com/office/drawing/2010/main" xmlns="">
                 <a:solidFill>
                   <a:srgbClr val="FFFFFF"/>
                 </a:solidFill>
               </a14:hiddenFill>
             </a:ext>
             <a:ext uri="{91240B29-F687-4F45-9708-019B960494DF}">
-              <a14:hiddenLine xmlns:a14="http://schemas.microsoft.com/office/drawing/2010/main" w="9525">
+              <a14:hiddenLine xmlns:a14="http://schemas.microsoft.com/office/drawing/2010/main" xmlns="" w="9525">
                 <a:solidFill>
                   <a:srgbClr val="000000"/>
                 </a:solidFill>
@@ -3154,7 +3155,7 @@
         <p:nvSpPr>
           <p:cNvPr id="28675" name="Rectangle 1"/>
           <p:cNvSpPr txBox="1">
-            <a:spLocks noChangeArrowheads="1" noTextEdit="1"/>
+            <a:spLocks noGrp="1" noRot="1" noChangeAspect="1" noChangeArrowheads="1" noTextEdit="1"/>
           </p:cNvSpPr>
           <p:nvPr>
             <p:ph type="sldImg"/>
@@ -3171,7 +3172,7 @@
         <p:nvSpPr>
           <p:cNvPr id="28676" name="Rectangle 2"/>
           <p:cNvSpPr txBox="1">
-            <a:spLocks noChangeArrowheads="1"/>
+            <a:spLocks noGrp="1" noChangeArrowheads="1"/>
           </p:cNvSpPr>
           <p:nvPr>
             <p:ph type="body" idx="1"/>
@@ -3181,14 +3182,14 @@
           <a:noFill/>
           <a:extLst>
             <a:ext uri="{909E8E84-426E-40DD-AFC4-6F175D3DCCD1}">
-              <a14:hiddenFill xmlns:a14="http://schemas.microsoft.com/office/drawing/2010/main">
+              <a14:hiddenFill xmlns:a14="http://schemas.microsoft.com/office/drawing/2010/main" xmlns="">
                 <a:solidFill>
                   <a:srgbClr val="FFFFFF"/>
                 </a:solidFill>
               </a14:hiddenFill>
             </a:ext>
             <a:ext uri="{91240B29-F687-4F45-9708-019B960494DF}">
-              <a14:hiddenLine xmlns:a14="http://schemas.microsoft.com/office/drawing/2010/main" w="9525" cap="flat">
+              <a14:hiddenLine xmlns:a14="http://schemas.microsoft.com/office/drawing/2010/main" xmlns="" w="9525" cap="flat">
                 <a:solidFill>
                   <a:srgbClr val="000000"/>
                 </a:solidFill>
@@ -3210,7 +3211,7 @@
     </p:spTree>
     <p:extLst>
       <p:ext uri="{BB962C8B-B14F-4D97-AF65-F5344CB8AC3E}">
-        <p14:creationId xmlns:p14="http://schemas.microsoft.com/office/powerpoint/2010/main" val="3595201039"/>
+        <p14:creationId xmlns:p14="http://schemas.microsoft.com/office/powerpoint/2010/main" xmlns="" val="3595201039"/>
       </p:ext>
     </p:extLst>
   </p:cSld>
@@ -3259,14 +3260,14 @@
           <a:noFill/>
           <a:extLst>
             <a:ext uri="{909E8E84-426E-40DD-AFC4-6F175D3DCCD1}">
-              <a14:hiddenFill xmlns:a14="http://schemas.microsoft.com/office/drawing/2010/main">
+              <a14:hiddenFill xmlns:a14="http://schemas.microsoft.com/office/drawing/2010/main" xmlns="">
                 <a:solidFill>
                   <a:srgbClr val="FFFFFF"/>
                 </a:solidFill>
               </a14:hiddenFill>
             </a:ext>
             <a:ext uri="{91240B29-F687-4F45-9708-019B960494DF}">
-              <a14:hiddenLine xmlns:a14="http://schemas.microsoft.com/office/drawing/2010/main" w="9525">
+              <a14:hiddenLine xmlns:a14="http://schemas.microsoft.com/office/drawing/2010/main" xmlns="" w="9525">
                 <a:solidFill>
                   <a:srgbClr val="000000"/>
                 </a:solidFill>
@@ -3391,7 +3392,7 @@
         <p:nvSpPr>
           <p:cNvPr id="29699" name="Rectangle 1"/>
           <p:cNvSpPr txBox="1">
-            <a:spLocks noChangeArrowheads="1" noTextEdit="1"/>
+            <a:spLocks noGrp="1" noRot="1" noChangeAspect="1" noChangeArrowheads="1" noTextEdit="1"/>
           </p:cNvSpPr>
           <p:nvPr>
             <p:ph type="sldImg"/>
@@ -3408,7 +3409,7 @@
         <p:nvSpPr>
           <p:cNvPr id="29700" name="Rectangle 2"/>
           <p:cNvSpPr txBox="1">
-            <a:spLocks noChangeArrowheads="1"/>
+            <a:spLocks noGrp="1" noChangeArrowheads="1"/>
           </p:cNvSpPr>
           <p:nvPr>
             <p:ph type="body" idx="1"/>
@@ -3418,14 +3419,14 @@
           <a:noFill/>
           <a:extLst>
             <a:ext uri="{909E8E84-426E-40DD-AFC4-6F175D3DCCD1}">
-              <a14:hiddenFill xmlns:a14="http://schemas.microsoft.com/office/drawing/2010/main">
+              <a14:hiddenFill xmlns:a14="http://schemas.microsoft.com/office/drawing/2010/main" xmlns="">
                 <a:solidFill>
                   <a:srgbClr val="FFFFFF"/>
                 </a:solidFill>
               </a14:hiddenFill>
             </a:ext>
             <a:ext uri="{91240B29-F687-4F45-9708-019B960494DF}">
-              <a14:hiddenLine xmlns:a14="http://schemas.microsoft.com/office/drawing/2010/main" w="9525" cap="flat">
+              <a14:hiddenLine xmlns:a14="http://schemas.microsoft.com/office/drawing/2010/main" xmlns="" w="9525" cap="flat">
                 <a:solidFill>
                   <a:srgbClr val="000000"/>
                 </a:solidFill>
@@ -3447,7 +3448,7 @@
     </p:spTree>
     <p:extLst>
       <p:ext uri="{BB962C8B-B14F-4D97-AF65-F5344CB8AC3E}">
-        <p14:creationId xmlns:p14="http://schemas.microsoft.com/office/powerpoint/2010/main" val="964031603"/>
+        <p14:creationId xmlns:p14="http://schemas.microsoft.com/office/powerpoint/2010/main" xmlns="" val="964031603"/>
       </p:ext>
     </p:extLst>
   </p:cSld>
@@ -3496,14 +3497,14 @@
           <a:noFill/>
           <a:extLst>
             <a:ext uri="{909E8E84-426E-40DD-AFC4-6F175D3DCCD1}">
-              <a14:hiddenFill xmlns:a14="http://schemas.microsoft.com/office/drawing/2010/main">
+              <a14:hiddenFill xmlns:a14="http://schemas.microsoft.com/office/drawing/2010/main" xmlns="">
                 <a:solidFill>
                   <a:srgbClr val="FFFFFF"/>
                 </a:solidFill>
               </a14:hiddenFill>
             </a:ext>
             <a:ext uri="{91240B29-F687-4F45-9708-019B960494DF}">
-              <a14:hiddenLine xmlns:a14="http://schemas.microsoft.com/office/drawing/2010/main" w="9525">
+              <a14:hiddenLine xmlns:a14="http://schemas.microsoft.com/office/drawing/2010/main" xmlns="" w="9525">
                 <a:solidFill>
                   <a:srgbClr val="000000"/>
                 </a:solidFill>
@@ -3628,7 +3629,7 @@
         <p:nvSpPr>
           <p:cNvPr id="30723" name="Rectangle 1"/>
           <p:cNvSpPr txBox="1">
-            <a:spLocks noChangeArrowheads="1" noTextEdit="1"/>
+            <a:spLocks noGrp="1" noRot="1" noChangeAspect="1" noChangeArrowheads="1" noTextEdit="1"/>
           </p:cNvSpPr>
           <p:nvPr>
             <p:ph type="sldImg"/>
@@ -3645,7 +3646,7 @@
         <p:nvSpPr>
           <p:cNvPr id="30724" name="Rectangle 2"/>
           <p:cNvSpPr txBox="1">
-            <a:spLocks noChangeArrowheads="1"/>
+            <a:spLocks noGrp="1" noChangeArrowheads="1"/>
           </p:cNvSpPr>
           <p:nvPr>
             <p:ph type="body" idx="1"/>
@@ -3655,14 +3656,14 @@
           <a:noFill/>
           <a:extLst>
             <a:ext uri="{909E8E84-426E-40DD-AFC4-6F175D3DCCD1}">
-              <a14:hiddenFill xmlns:a14="http://schemas.microsoft.com/office/drawing/2010/main">
+              <a14:hiddenFill xmlns:a14="http://schemas.microsoft.com/office/drawing/2010/main" xmlns="">
                 <a:solidFill>
                   <a:srgbClr val="FFFFFF"/>
                 </a:solidFill>
               </a14:hiddenFill>
             </a:ext>
             <a:ext uri="{91240B29-F687-4F45-9708-019B960494DF}">
-              <a14:hiddenLine xmlns:a14="http://schemas.microsoft.com/office/drawing/2010/main" w="9525" cap="flat">
+              <a14:hiddenLine xmlns:a14="http://schemas.microsoft.com/office/drawing/2010/main" xmlns="" w="9525" cap="flat">
                 <a:solidFill>
                   <a:srgbClr val="000000"/>
                 </a:solidFill>
@@ -3684,7 +3685,7 @@
     </p:spTree>
     <p:extLst>
       <p:ext uri="{BB962C8B-B14F-4D97-AF65-F5344CB8AC3E}">
-        <p14:creationId xmlns:p14="http://schemas.microsoft.com/office/powerpoint/2010/main" val="3026785298"/>
+        <p14:creationId xmlns:p14="http://schemas.microsoft.com/office/powerpoint/2010/main" xmlns="" val="3026785298"/>
       </p:ext>
     </p:extLst>
   </p:cSld>
@@ -3733,14 +3734,14 @@
           <a:noFill/>
           <a:extLst>
             <a:ext uri="{909E8E84-426E-40DD-AFC4-6F175D3DCCD1}">
-              <a14:hiddenFill xmlns:a14="http://schemas.microsoft.com/office/drawing/2010/main">
+              <a14:hiddenFill xmlns:a14="http://schemas.microsoft.com/office/drawing/2010/main" xmlns="">
                 <a:solidFill>
                   <a:srgbClr val="FFFFFF"/>
                 </a:solidFill>
               </a14:hiddenFill>
             </a:ext>
             <a:ext uri="{91240B29-F687-4F45-9708-019B960494DF}">
-              <a14:hiddenLine xmlns:a14="http://schemas.microsoft.com/office/drawing/2010/main" w="9525">
+              <a14:hiddenLine xmlns:a14="http://schemas.microsoft.com/office/drawing/2010/main" xmlns="" w="9525">
                 <a:solidFill>
                   <a:srgbClr val="000000"/>
                 </a:solidFill>
@@ -3865,7 +3866,7 @@
         <p:nvSpPr>
           <p:cNvPr id="31747" name="Rectangle 1"/>
           <p:cNvSpPr txBox="1">
-            <a:spLocks noChangeArrowheads="1" noTextEdit="1"/>
+            <a:spLocks noGrp="1" noRot="1" noChangeAspect="1" noChangeArrowheads="1" noTextEdit="1"/>
           </p:cNvSpPr>
           <p:nvPr>
             <p:ph type="sldImg"/>
@@ -3882,7 +3883,7 @@
         <p:nvSpPr>
           <p:cNvPr id="31748" name="Rectangle 2"/>
           <p:cNvSpPr txBox="1">
-            <a:spLocks noChangeArrowheads="1"/>
+            <a:spLocks noGrp="1" noChangeArrowheads="1"/>
           </p:cNvSpPr>
           <p:nvPr>
             <p:ph type="body" idx="1"/>
@@ -3892,14 +3893,14 @@
           <a:noFill/>
           <a:extLst>
             <a:ext uri="{909E8E84-426E-40DD-AFC4-6F175D3DCCD1}">
-              <a14:hiddenFill xmlns:a14="http://schemas.microsoft.com/office/drawing/2010/main">
+              <a14:hiddenFill xmlns:a14="http://schemas.microsoft.com/office/drawing/2010/main" xmlns="">
                 <a:solidFill>
                   <a:srgbClr val="FFFFFF"/>
                 </a:solidFill>
               </a14:hiddenFill>
             </a:ext>
             <a:ext uri="{91240B29-F687-4F45-9708-019B960494DF}">
-              <a14:hiddenLine xmlns:a14="http://schemas.microsoft.com/office/drawing/2010/main" w="9525" cap="flat">
+              <a14:hiddenLine xmlns:a14="http://schemas.microsoft.com/office/drawing/2010/main" xmlns="" w="9525" cap="flat">
                 <a:solidFill>
                   <a:srgbClr val="000000"/>
                 </a:solidFill>
@@ -3921,7 +3922,7 @@
     </p:spTree>
     <p:extLst>
       <p:ext uri="{BB962C8B-B14F-4D97-AF65-F5344CB8AC3E}">
-        <p14:creationId xmlns:p14="http://schemas.microsoft.com/office/powerpoint/2010/main" val="1514107799"/>
+        <p14:creationId xmlns:p14="http://schemas.microsoft.com/office/powerpoint/2010/main" xmlns="" val="1514107799"/>
       </p:ext>
     </p:extLst>
   </p:cSld>
@@ -3970,14 +3971,14 @@
           <a:noFill/>
           <a:extLst>
             <a:ext uri="{909E8E84-426E-40DD-AFC4-6F175D3DCCD1}">
-              <a14:hiddenFill xmlns:a14="http://schemas.microsoft.com/office/drawing/2010/main">
+              <a14:hiddenFill xmlns:a14="http://schemas.microsoft.com/office/drawing/2010/main" xmlns="">
                 <a:solidFill>
                   <a:srgbClr val="FFFFFF"/>
                 </a:solidFill>
               </a14:hiddenFill>
             </a:ext>
             <a:ext uri="{91240B29-F687-4F45-9708-019B960494DF}">
-              <a14:hiddenLine xmlns:a14="http://schemas.microsoft.com/office/drawing/2010/main" w="9525">
+              <a14:hiddenLine xmlns:a14="http://schemas.microsoft.com/office/drawing/2010/main" xmlns="" w="9525">
                 <a:solidFill>
                   <a:srgbClr val="000000"/>
                 </a:solidFill>
@@ -4102,7 +4103,7 @@
         <p:nvSpPr>
           <p:cNvPr id="32771" name="Rectangle 1"/>
           <p:cNvSpPr txBox="1">
-            <a:spLocks noChangeArrowheads="1" noTextEdit="1"/>
+            <a:spLocks noGrp="1" noRot="1" noChangeAspect="1" noChangeArrowheads="1" noTextEdit="1"/>
           </p:cNvSpPr>
           <p:nvPr>
             <p:ph type="sldImg"/>
@@ -4119,7 +4120,7 @@
         <p:nvSpPr>
           <p:cNvPr id="32772" name="Rectangle 2"/>
           <p:cNvSpPr txBox="1">
-            <a:spLocks noChangeArrowheads="1"/>
+            <a:spLocks noGrp="1" noChangeArrowheads="1"/>
           </p:cNvSpPr>
           <p:nvPr>
             <p:ph type="body" idx="1"/>
@@ -4129,14 +4130,14 @@
           <a:noFill/>
           <a:extLst>
             <a:ext uri="{909E8E84-426E-40DD-AFC4-6F175D3DCCD1}">
-              <a14:hiddenFill xmlns:a14="http://schemas.microsoft.com/office/drawing/2010/main">
+              <a14:hiddenFill xmlns:a14="http://schemas.microsoft.com/office/drawing/2010/main" xmlns="">
                 <a:solidFill>
                   <a:srgbClr val="FFFFFF"/>
                 </a:solidFill>
               </a14:hiddenFill>
             </a:ext>
             <a:ext uri="{91240B29-F687-4F45-9708-019B960494DF}">
-              <a14:hiddenLine xmlns:a14="http://schemas.microsoft.com/office/drawing/2010/main" w="9525" cap="flat">
+              <a14:hiddenLine xmlns:a14="http://schemas.microsoft.com/office/drawing/2010/main" xmlns="" w="9525" cap="flat">
                 <a:solidFill>
                   <a:srgbClr val="000000"/>
                 </a:solidFill>
@@ -4158,7 +4159,7 @@
     </p:spTree>
     <p:extLst>
       <p:ext uri="{BB962C8B-B14F-4D97-AF65-F5344CB8AC3E}">
-        <p14:creationId xmlns:p14="http://schemas.microsoft.com/office/powerpoint/2010/main" val="4234850671"/>
+        <p14:creationId xmlns:p14="http://schemas.microsoft.com/office/powerpoint/2010/main" xmlns="" val="4234850671"/>
       </p:ext>
     </p:extLst>
   </p:cSld>
@@ -4285,7 +4286,7 @@
     </p:spTree>
     <p:extLst>
       <p:ext uri="{BB962C8B-B14F-4D97-AF65-F5344CB8AC3E}">
-        <p14:creationId xmlns:p14="http://schemas.microsoft.com/office/powerpoint/2010/main" val="4194925875"/>
+        <p14:creationId xmlns:p14="http://schemas.microsoft.com/office/powerpoint/2010/main" xmlns="" val="4194925875"/>
       </p:ext>
     </p:extLst>
   </p:cSld>
@@ -4422,7 +4423,7 @@
               <a:pPr>
                 <a:defRPr/>
               </a:pPr>
-              <a:t>10/28/2017</a:t>
+              <a:t>11/8/2017</a:t>
             </a:fld>
             <a:endParaRPr lang="en-US" altLang="en-US"/>
           </a:p>
@@ -4508,7 +4509,7 @@
     </p:spTree>
     <p:extLst>
       <p:ext uri="{BB962C8B-B14F-4D97-AF65-F5344CB8AC3E}">
-        <p14:creationId xmlns:p14="http://schemas.microsoft.com/office/powerpoint/2010/main" val="1741164192"/>
+        <p14:creationId xmlns:p14="http://schemas.microsoft.com/office/powerpoint/2010/main" xmlns="" val="1741164192"/>
       </p:ext>
     </p:extLst>
   </p:cSld>
@@ -4655,7 +4656,7 @@
               <a:pPr>
                 <a:defRPr/>
               </a:pPr>
-              <a:t>10/28/2017</a:t>
+              <a:t>11/8/2017</a:t>
             </a:fld>
             <a:endParaRPr lang="en-US" altLang="en-US"/>
           </a:p>
@@ -4741,7 +4742,7 @@
     </p:spTree>
     <p:extLst>
       <p:ext uri="{BB962C8B-B14F-4D97-AF65-F5344CB8AC3E}">
-        <p14:creationId xmlns:p14="http://schemas.microsoft.com/office/powerpoint/2010/main" val="2866338608"/>
+        <p14:creationId xmlns:p14="http://schemas.microsoft.com/office/powerpoint/2010/main" xmlns="" val="2866338608"/>
       </p:ext>
     </p:extLst>
   </p:cSld>
@@ -4846,7 +4847,7 @@
     </p:spTree>
     <p:extLst>
       <p:ext uri="{BB962C8B-B14F-4D97-AF65-F5344CB8AC3E}">
-        <p14:creationId xmlns:p14="http://schemas.microsoft.com/office/powerpoint/2010/main" val="2725100791"/>
+        <p14:creationId xmlns:p14="http://schemas.microsoft.com/office/powerpoint/2010/main" xmlns="" val="2725100791"/>
       </p:ext>
     </p:extLst>
   </p:cSld>
@@ -4973,7 +4974,7 @@
     </p:spTree>
     <p:extLst>
       <p:ext uri="{BB962C8B-B14F-4D97-AF65-F5344CB8AC3E}">
-        <p14:creationId xmlns:p14="http://schemas.microsoft.com/office/powerpoint/2010/main" val="694531350"/>
+        <p14:creationId xmlns:p14="http://schemas.microsoft.com/office/powerpoint/2010/main" xmlns="" val="694531350"/>
       </p:ext>
     </p:extLst>
   </p:cSld>
@@ -5140,7 +5141,7 @@
     </p:spTree>
     <p:extLst>
       <p:ext uri="{BB962C8B-B14F-4D97-AF65-F5344CB8AC3E}">
-        <p14:creationId xmlns:p14="http://schemas.microsoft.com/office/powerpoint/2010/main" val="1298835224"/>
+        <p14:creationId xmlns:p14="http://schemas.microsoft.com/office/powerpoint/2010/main" xmlns="" val="1298835224"/>
       </p:ext>
     </p:extLst>
   </p:cSld>
@@ -5442,7 +5443,7 @@
     </p:spTree>
     <p:extLst>
       <p:ext uri="{BB962C8B-B14F-4D97-AF65-F5344CB8AC3E}">
-        <p14:creationId xmlns:p14="http://schemas.microsoft.com/office/powerpoint/2010/main" val="2682297746"/>
+        <p14:creationId xmlns:p14="http://schemas.microsoft.com/office/powerpoint/2010/main" xmlns="" val="2682297746"/>
       </p:ext>
     </p:extLst>
   </p:cSld>
@@ -5527,7 +5528,7 @@
               <a:pPr>
                 <a:defRPr/>
               </a:pPr>
-              <a:t>10/28/2017</a:t>
+              <a:t>11/8/2017</a:t>
             </a:fld>
             <a:endParaRPr lang="en-US" altLang="en-US"/>
           </a:p>
@@ -5613,7 +5614,7 @@
     </p:spTree>
     <p:extLst>
       <p:ext uri="{BB962C8B-B14F-4D97-AF65-F5344CB8AC3E}">
-        <p14:creationId xmlns:p14="http://schemas.microsoft.com/office/powerpoint/2010/main" val="2927876315"/>
+        <p14:creationId xmlns:p14="http://schemas.microsoft.com/office/powerpoint/2010/main" xmlns="" val="2927876315"/>
       </p:ext>
     </p:extLst>
   </p:cSld>
@@ -5675,7 +5676,7 @@
               <a:pPr>
                 <a:defRPr/>
               </a:pPr>
-              <a:t>10/28/2017</a:t>
+              <a:t>11/8/2017</a:t>
             </a:fld>
             <a:endParaRPr lang="en-US" altLang="en-US"/>
           </a:p>
@@ -5761,7 +5762,7 @@
     </p:spTree>
     <p:extLst>
       <p:ext uri="{BB962C8B-B14F-4D97-AF65-F5344CB8AC3E}">
-        <p14:creationId xmlns:p14="http://schemas.microsoft.com/office/powerpoint/2010/main" val="3238583012"/>
+        <p14:creationId xmlns:p14="http://schemas.microsoft.com/office/powerpoint/2010/main" xmlns="" val="3238583012"/>
       </p:ext>
     </p:extLst>
   </p:cSld>
@@ -6005,7 +6006,7 @@
               <a:pPr>
                 <a:defRPr/>
               </a:pPr>
-              <a:t>10/28/2017</a:t>
+              <a:t>11/8/2017</a:t>
             </a:fld>
             <a:endParaRPr lang="en-US" altLang="en-US"/>
           </a:p>
@@ -6091,7 +6092,7 @@
     </p:spTree>
     <p:extLst>
       <p:ext uri="{BB962C8B-B14F-4D97-AF65-F5344CB8AC3E}">
-        <p14:creationId xmlns:p14="http://schemas.microsoft.com/office/powerpoint/2010/main" val="1520447279"/>
+        <p14:creationId xmlns:p14="http://schemas.microsoft.com/office/powerpoint/2010/main" xmlns="" val="1520447279"/>
       </p:ext>
     </p:extLst>
   </p:cSld>
@@ -6312,7 +6313,7 @@
               <a:pPr>
                 <a:defRPr/>
               </a:pPr>
-              <a:t>10/28/2017</a:t>
+              <a:t>11/8/2017</a:t>
             </a:fld>
             <a:endParaRPr lang="en-US" altLang="en-US"/>
           </a:p>
@@ -6398,7 +6399,7 @@
     </p:spTree>
     <p:extLst>
       <p:ext uri="{BB962C8B-B14F-4D97-AF65-F5344CB8AC3E}">
-        <p14:creationId xmlns:p14="http://schemas.microsoft.com/office/powerpoint/2010/main" val="17182400"/>
+        <p14:creationId xmlns:p14="http://schemas.microsoft.com/office/powerpoint/2010/main" xmlns="" val="17182400"/>
       </p:ext>
     </p:extLst>
   </p:cSld>
@@ -6457,14 +6458,14 @@
           </a:ln>
           <a:extLst>
             <a:ext uri="{909E8E84-426E-40DD-AFC4-6F175D3DCCD1}">
-              <a14:hiddenFill xmlns:a14="http://schemas.microsoft.com/office/drawing/2010/main">
+              <a14:hiddenFill xmlns:a14="http://schemas.microsoft.com/office/drawing/2010/main" xmlns="">
                 <a:solidFill>
                   <a:srgbClr val="FFFFFF"/>
                 </a:solidFill>
               </a14:hiddenFill>
             </a:ext>
             <a:ext uri="{91240B29-F687-4F45-9708-019B960494DF}">
-              <a14:hiddenLine xmlns:a14="http://schemas.microsoft.com/office/drawing/2010/main" w="9525">
+              <a14:hiddenLine xmlns:a14="http://schemas.microsoft.com/office/drawing/2010/main" xmlns="" w="9525">
                 <a:solidFill>
                   <a:srgbClr val="000000"/>
                 </a:solidFill>
@@ -6515,14 +6516,14 @@
           </a:ln>
           <a:extLst>
             <a:ext uri="{909E8E84-426E-40DD-AFC4-6F175D3DCCD1}">
-              <a14:hiddenFill xmlns:a14="http://schemas.microsoft.com/office/drawing/2010/main">
+              <a14:hiddenFill xmlns:a14="http://schemas.microsoft.com/office/drawing/2010/main" xmlns="">
                 <a:solidFill>
                   <a:srgbClr val="FFFFFF"/>
                 </a:solidFill>
               </a14:hiddenFill>
             </a:ext>
             <a:ext uri="{91240B29-F687-4F45-9708-019B960494DF}">
-              <a14:hiddenLine xmlns:a14="http://schemas.microsoft.com/office/drawing/2010/main" w="9525">
+              <a14:hiddenLine xmlns:a14="http://schemas.microsoft.com/office/drawing/2010/main" xmlns="" w="9525">
                 <a:solidFill>
                   <a:srgbClr val="000000"/>
                 </a:solidFill>
@@ -7025,14 +7026,14 @@
           </a:ln>
           <a:extLst>
             <a:ext uri="{909E8E84-426E-40DD-AFC4-6F175D3DCCD1}">
-              <a14:hiddenFill xmlns:a14="http://schemas.microsoft.com/office/drawing/2010/main">
+              <a14:hiddenFill xmlns:a14="http://schemas.microsoft.com/office/drawing/2010/main" xmlns="">
                 <a:solidFill>
                   <a:srgbClr val="FFFFFF"/>
                 </a:solidFill>
               </a14:hiddenFill>
             </a:ext>
             <a:ext uri="{91240B29-F687-4F45-9708-019B960494DF}">
-              <a14:hiddenLine xmlns:a14="http://schemas.microsoft.com/office/drawing/2010/main" w="9525">
+              <a14:hiddenLine xmlns:a14="http://schemas.microsoft.com/office/drawing/2010/main" xmlns="" w="9525">
                 <a:solidFill>
                   <a:srgbClr val="000000"/>
                 </a:solidFill>
@@ -7305,14 +7306,14 @@
           </a:ln>
           <a:extLst>
             <a:ext uri="{909E8E84-426E-40DD-AFC4-6F175D3DCCD1}">
-              <a14:hiddenFill xmlns:a14="http://schemas.microsoft.com/office/drawing/2010/main">
+              <a14:hiddenFill xmlns:a14="http://schemas.microsoft.com/office/drawing/2010/main" xmlns="">
                 <a:solidFill>
                   <a:srgbClr val="FFFFFF"/>
                 </a:solidFill>
               </a14:hiddenFill>
             </a:ext>
             <a:ext uri="{91240B29-F687-4F45-9708-019B960494DF}">
-              <a14:hiddenLine xmlns:a14="http://schemas.microsoft.com/office/drawing/2010/main" w="9525">
+              <a14:hiddenLine xmlns:a14="http://schemas.microsoft.com/office/drawing/2010/main" xmlns="" w="9525">
                 <a:solidFill>
                   <a:srgbClr val="000000"/>
                 </a:solidFill>
@@ -7589,14 +7590,14 @@
           </a:ln>
           <a:extLst>
             <a:ext uri="{909E8E84-426E-40DD-AFC4-6F175D3DCCD1}">
-              <a14:hiddenFill xmlns:a14="http://schemas.microsoft.com/office/drawing/2010/main">
+              <a14:hiddenFill xmlns:a14="http://schemas.microsoft.com/office/drawing/2010/main" xmlns="">
                 <a:solidFill>
                   <a:srgbClr val="FFFFFF"/>
                 </a:solidFill>
               </a14:hiddenFill>
             </a:ext>
             <a:ext uri="{91240B29-F687-4F45-9708-019B960494DF}">
-              <a14:hiddenLine xmlns:a14="http://schemas.microsoft.com/office/drawing/2010/main" w="9525">
+              <a14:hiddenLine xmlns:a14="http://schemas.microsoft.com/office/drawing/2010/main" xmlns="" w="9525">
                 <a:solidFill>
                   <a:srgbClr val="000000"/>
                 </a:solidFill>
@@ -7969,7 +7970,7 @@
           <a:blip r:embed="rId3">
             <a:extLst>
               <a:ext uri="{28A0092B-C50C-407E-A947-70E740481C1C}">
-                <a14:useLocalDpi xmlns:a14="http://schemas.microsoft.com/office/drawing/2010/main" val="0"/>
+                <a14:useLocalDpi xmlns:a14="http://schemas.microsoft.com/office/drawing/2010/main" xmlns="" val="0"/>
               </a:ext>
             </a:extLst>
           </a:blip>
@@ -7992,14 +7993,14 @@
           </a:ln>
           <a:extLst>
             <a:ext uri="{909E8E84-426E-40DD-AFC4-6F175D3DCCD1}">
-              <a14:hiddenFill xmlns:a14="http://schemas.microsoft.com/office/drawing/2010/main">
+              <a14:hiddenFill xmlns:a14="http://schemas.microsoft.com/office/drawing/2010/main" xmlns="">
                 <a:solidFill>
                   <a:srgbClr val="FFFFFF"/>
                 </a:solidFill>
               </a14:hiddenFill>
             </a:ext>
             <a:ext uri="{91240B29-F687-4F45-9708-019B960494DF}">
-              <a14:hiddenLine xmlns:a14="http://schemas.microsoft.com/office/drawing/2010/main" w="9525">
+              <a14:hiddenLine xmlns:a14="http://schemas.microsoft.com/office/drawing/2010/main" xmlns="" w="9525">
                 <a:solidFill>
                   <a:srgbClr val="000000"/>
                 </a:solidFill>
@@ -8023,7 +8024,7 @@
           <a:blip r:embed="rId4">
             <a:extLst>
               <a:ext uri="{28A0092B-C50C-407E-A947-70E740481C1C}">
-                <a14:useLocalDpi xmlns:a14="http://schemas.microsoft.com/office/drawing/2010/main" val="0"/>
+                <a14:useLocalDpi xmlns:a14="http://schemas.microsoft.com/office/drawing/2010/main" xmlns="" val="0"/>
               </a:ext>
             </a:extLst>
           </a:blip>
@@ -8046,14 +8047,14 @@
           </a:ln>
           <a:extLst>
             <a:ext uri="{909E8E84-426E-40DD-AFC4-6F175D3DCCD1}">
-              <a14:hiddenFill xmlns:a14="http://schemas.microsoft.com/office/drawing/2010/main">
+              <a14:hiddenFill xmlns:a14="http://schemas.microsoft.com/office/drawing/2010/main" xmlns="">
                 <a:solidFill>
                   <a:srgbClr val="FFFFFF"/>
                 </a:solidFill>
               </a14:hiddenFill>
             </a:ext>
             <a:ext uri="{91240B29-F687-4F45-9708-019B960494DF}">
-              <a14:hiddenLine xmlns:a14="http://schemas.microsoft.com/office/drawing/2010/main" w="9525">
+              <a14:hiddenLine xmlns:a14="http://schemas.microsoft.com/office/drawing/2010/main" xmlns="" w="9525">
                 <a:solidFill>
                   <a:srgbClr val="000000"/>
                 </a:solidFill>
@@ -8074,7 +8075,7 @@
   <p:timing>
     <p:tnLst>
       <p:par>
-        <p:cTn id="1" dur="indefinite" nodeType="tmRoot">
+        <p:cTn id="1" dur="indefinite" restart="never" nodeType="tmRoot">
           <p:childTnLst>
             <p:seq concurrent="1" nextAc="seek">
               <p:cTn id="2" dur="0" nodeType="mainSeq"/>
@@ -8187,7 +8188,7 @@
           <a:blip r:embed="rId3">
             <a:extLst>
               <a:ext uri="{28A0092B-C50C-407E-A947-70E740481C1C}">
-                <a14:useLocalDpi xmlns:a14="http://schemas.microsoft.com/office/drawing/2010/main" val="0"/>
+                <a14:useLocalDpi xmlns:a14="http://schemas.microsoft.com/office/drawing/2010/main" xmlns="" val="0"/>
               </a:ext>
             </a:extLst>
           </a:blip>
@@ -8210,14 +8211,14 @@
           </a:ln>
           <a:extLst>
             <a:ext uri="{909E8E84-426E-40DD-AFC4-6F175D3DCCD1}">
-              <a14:hiddenFill xmlns:a14="http://schemas.microsoft.com/office/drawing/2010/main">
+              <a14:hiddenFill xmlns:a14="http://schemas.microsoft.com/office/drawing/2010/main" xmlns="">
                 <a:solidFill>
                   <a:srgbClr val="FFFFFF"/>
                 </a:solidFill>
               </a14:hiddenFill>
             </a:ext>
             <a:ext uri="{91240B29-F687-4F45-9708-019B960494DF}">
-              <a14:hiddenLine xmlns:a14="http://schemas.microsoft.com/office/drawing/2010/main" w="9525">
+              <a14:hiddenLine xmlns:a14="http://schemas.microsoft.com/office/drawing/2010/main" xmlns="" w="9525">
                 <a:solidFill>
                   <a:srgbClr val="000000"/>
                 </a:solidFill>
@@ -8241,7 +8242,7 @@
           <a:blip r:embed="rId4">
             <a:extLst>
               <a:ext uri="{28A0092B-C50C-407E-A947-70E740481C1C}">
-                <a14:useLocalDpi xmlns:a14="http://schemas.microsoft.com/office/drawing/2010/main" val="0"/>
+                <a14:useLocalDpi xmlns:a14="http://schemas.microsoft.com/office/drawing/2010/main" xmlns="" val="0"/>
               </a:ext>
             </a:extLst>
           </a:blip>
@@ -8264,14 +8265,14 @@
           </a:ln>
           <a:extLst>
             <a:ext uri="{909E8E84-426E-40DD-AFC4-6F175D3DCCD1}">
-              <a14:hiddenFill xmlns:a14="http://schemas.microsoft.com/office/drawing/2010/main">
+              <a14:hiddenFill xmlns:a14="http://schemas.microsoft.com/office/drawing/2010/main" xmlns="">
                 <a:solidFill>
                   <a:srgbClr val="FFFFFF"/>
                 </a:solidFill>
               </a14:hiddenFill>
             </a:ext>
             <a:ext uri="{91240B29-F687-4F45-9708-019B960494DF}">
-              <a14:hiddenLine xmlns:a14="http://schemas.microsoft.com/office/drawing/2010/main" w="9525">
+              <a14:hiddenLine xmlns:a14="http://schemas.microsoft.com/office/drawing/2010/main" xmlns="" w="9525">
                 <a:solidFill>
                   <a:srgbClr val="000000"/>
                 </a:solidFill>
@@ -8292,7 +8293,7 @@
   <p:timing>
     <p:tnLst>
       <p:par>
-        <p:cTn id="1" dur="indefinite" nodeType="tmRoot">
+        <p:cTn id="1" dur="indefinite" restart="never" nodeType="tmRoot">
           <p:childTnLst>
             <p:seq concurrent="1" nextAc="seek">
               <p:cTn id="2" dur="0" nodeType="mainSeq"/>
@@ -8358,14 +8359,14 @@
           </a:ln>
           <a:extLst>
             <a:ext uri="{909E8E84-426E-40DD-AFC4-6F175D3DCCD1}">
-              <a14:hiddenFill xmlns:a14="http://schemas.microsoft.com/office/drawing/2010/main">
+              <a14:hiddenFill xmlns:a14="http://schemas.microsoft.com/office/drawing/2010/main" xmlns="">
                 <a:solidFill>
                   <a:srgbClr val="FFFFFF"/>
                 </a:solidFill>
               </a14:hiddenFill>
             </a:ext>
             <a:ext uri="{91240B29-F687-4F45-9708-019B960494DF}">
-              <a14:hiddenLine xmlns:a14="http://schemas.microsoft.com/office/drawing/2010/main" w="9525">
+              <a14:hiddenLine xmlns:a14="http://schemas.microsoft.com/office/drawing/2010/main" xmlns="" w="9525">
                 <a:solidFill>
                   <a:srgbClr val="000000"/>
                 </a:solidFill>
@@ -8638,14 +8639,14 @@
           </a:ln>
           <a:extLst>
             <a:ext uri="{909E8E84-426E-40DD-AFC4-6F175D3DCCD1}">
-              <a14:hiddenFill xmlns:a14="http://schemas.microsoft.com/office/drawing/2010/main">
+              <a14:hiddenFill xmlns:a14="http://schemas.microsoft.com/office/drawing/2010/main" xmlns="">
                 <a:solidFill>
                   <a:srgbClr val="FFFFFF"/>
                 </a:solidFill>
               </a14:hiddenFill>
             </a:ext>
             <a:ext uri="{91240B29-F687-4F45-9708-019B960494DF}">
-              <a14:hiddenLine xmlns:a14="http://schemas.microsoft.com/office/drawing/2010/main" w="9525">
+              <a14:hiddenLine xmlns:a14="http://schemas.microsoft.com/office/drawing/2010/main" xmlns="" w="9525">
                 <a:solidFill>
                   <a:srgbClr val="000000"/>
                 </a:solidFill>
@@ -8982,7 +8983,7 @@
   <p:timing>
     <p:tnLst>
       <p:par>
-        <p:cTn id="1" dur="indefinite" nodeType="tmRoot">
+        <p:cTn id="1" dur="indefinite" restart="never" nodeType="tmRoot">
           <p:childTnLst>
             <p:seq concurrent="1" nextAc="seek">
               <p:cTn id="2" dur="0" nodeType="mainSeq"/>
@@ -9048,14 +9049,14 @@
           </a:ln>
           <a:extLst>
             <a:ext uri="{909E8E84-426E-40DD-AFC4-6F175D3DCCD1}">
-              <a14:hiddenFill xmlns:a14="http://schemas.microsoft.com/office/drawing/2010/main">
+              <a14:hiddenFill xmlns:a14="http://schemas.microsoft.com/office/drawing/2010/main" xmlns="">
                 <a:solidFill>
                   <a:srgbClr val="FFFFFF"/>
                 </a:solidFill>
               </a14:hiddenFill>
             </a:ext>
             <a:ext uri="{91240B29-F687-4F45-9708-019B960494DF}">
-              <a14:hiddenLine xmlns:a14="http://schemas.microsoft.com/office/drawing/2010/main" w="9525">
+              <a14:hiddenLine xmlns:a14="http://schemas.microsoft.com/office/drawing/2010/main" xmlns="" w="9525">
                 <a:solidFill>
                   <a:srgbClr val="000000"/>
                 </a:solidFill>
@@ -9328,14 +9329,14 @@
           </a:ln>
           <a:extLst>
             <a:ext uri="{909E8E84-426E-40DD-AFC4-6F175D3DCCD1}">
-              <a14:hiddenFill xmlns:a14="http://schemas.microsoft.com/office/drawing/2010/main">
+              <a14:hiddenFill xmlns:a14="http://schemas.microsoft.com/office/drawing/2010/main" xmlns="">
                 <a:solidFill>
                   <a:srgbClr val="FFFFFF"/>
                 </a:solidFill>
               </a14:hiddenFill>
             </a:ext>
             <a:ext uri="{91240B29-F687-4F45-9708-019B960494DF}">
-              <a14:hiddenLine xmlns:a14="http://schemas.microsoft.com/office/drawing/2010/main" w="9525">
+              <a14:hiddenLine xmlns:a14="http://schemas.microsoft.com/office/drawing/2010/main" xmlns="" w="9525">
                 <a:solidFill>
                   <a:srgbClr val="000000"/>
                 </a:solidFill>
@@ -9738,14 +9739,14 @@
           </a:ln>
           <a:extLst>
             <a:ext uri="{909E8E84-426E-40DD-AFC4-6F175D3DCCD1}">
-              <a14:hiddenFill xmlns:a14="http://schemas.microsoft.com/office/drawing/2010/main">
+              <a14:hiddenFill xmlns:a14="http://schemas.microsoft.com/office/drawing/2010/main" xmlns="">
                 <a:solidFill>
                   <a:srgbClr val="FFFFFF"/>
                 </a:solidFill>
               </a14:hiddenFill>
             </a:ext>
             <a:ext uri="{91240B29-F687-4F45-9708-019B960494DF}">
-              <a14:hiddenLine xmlns:a14="http://schemas.microsoft.com/office/drawing/2010/main" w="9525">
+              <a14:hiddenLine xmlns:a14="http://schemas.microsoft.com/office/drawing/2010/main" xmlns="" w="9525">
                 <a:solidFill>
                   <a:srgbClr val="000000"/>
                 </a:solidFill>
@@ -10018,14 +10019,14 @@
           </a:ln>
           <a:extLst>
             <a:ext uri="{909E8E84-426E-40DD-AFC4-6F175D3DCCD1}">
-              <a14:hiddenFill xmlns:a14="http://schemas.microsoft.com/office/drawing/2010/main">
+              <a14:hiddenFill xmlns:a14="http://schemas.microsoft.com/office/drawing/2010/main" xmlns="">
                 <a:solidFill>
                   <a:srgbClr val="FFFFFF"/>
                 </a:solidFill>
               </a14:hiddenFill>
             </a:ext>
             <a:ext uri="{91240B29-F687-4F45-9708-019B960494DF}">
-              <a14:hiddenLine xmlns:a14="http://schemas.microsoft.com/office/drawing/2010/main" w="9525">
+              <a14:hiddenLine xmlns:a14="http://schemas.microsoft.com/office/drawing/2010/main" xmlns="" w="9525">
                 <a:solidFill>
                   <a:srgbClr val="000000"/>
                 </a:solidFill>
@@ -10196,6 +10197,138 @@
       </p:grpSpPr>
       <p:sp>
         <p:nvSpPr>
+          <p:cNvPr id="2" name="Title 1"/>
+          <p:cNvSpPr>
+            <a:spLocks noGrp="1"/>
+          </p:cNvSpPr>
+          <p:nvPr>
+            <p:ph type="title"/>
+          </p:nvPr>
+        </p:nvSpPr>
+        <p:spPr>
+          <a:xfrm>
+            <a:off x="685800" y="152400"/>
+            <a:ext cx="7772400" cy="1143000"/>
+          </a:xfrm>
+        </p:spPr>
+        <p:txBody>
+          <a:bodyPr/>
+          <a:lstStyle/>
+          <a:p>
+            <a:r>
+              <a:rPr lang="en-US" dirty="0" smtClean="0"/>
+              <a:t>Challenge</a:t>
+            </a:r>
+            <a:endParaRPr lang="en-US" dirty="0"/>
+          </a:p>
+        </p:txBody>
+      </p:sp>
+      <p:sp>
+        <p:nvSpPr>
+          <p:cNvPr id="3" name="Content Placeholder 2"/>
+          <p:cNvSpPr>
+            <a:spLocks noGrp="1"/>
+          </p:cNvSpPr>
+          <p:nvPr>
+            <p:ph idx="1"/>
+          </p:nvPr>
+        </p:nvSpPr>
+        <p:spPr>
+          <a:xfrm>
+            <a:off x="685800" y="4953000"/>
+            <a:ext cx="7772400" cy="1752600"/>
+          </a:xfrm>
+        </p:spPr>
+        <p:txBody>
+          <a:bodyPr>
+            <a:normAutofit fontScale="77500" lnSpcReduction="20000"/>
+          </a:bodyPr>
+          <a:lstStyle/>
+          <a:p>
+            <a:r>
+              <a:rPr lang="en-US" dirty="0" smtClean="0"/>
+              <a:t>Implement a </a:t>
+            </a:r>
+            <a:r>
+              <a:rPr lang="en-US" dirty="0" err="1" smtClean="0"/>
+              <a:t>Pinterest</a:t>
+            </a:r>
+            <a:r>
+              <a:rPr lang="en-US" dirty="0" smtClean="0"/>
+              <a:t> </a:t>
+            </a:r>
+            <a:r>
+              <a:rPr lang="en-US" dirty="0" smtClean="0"/>
+              <a:t>type website that uses </a:t>
+            </a:r>
+            <a:r>
+              <a:rPr lang="en-US" dirty="0" smtClean="0"/>
+              <a:t>cards for everything, including navigation, to help users move through the site. It’s one of the most effective outlines employing card-style design out there. Users of all ages seem to figure it out with ease.</a:t>
+            </a:r>
+            <a:endParaRPr lang="en-US" dirty="0"/>
+          </a:p>
+        </p:txBody>
+      </p:sp>
+      <p:pic>
+        <p:nvPicPr>
+          <p:cNvPr id="1026" name="Picture 2"/>
+          <p:cNvPicPr>
+            <a:picLocks noChangeAspect="1" noChangeArrowheads="1"/>
+          </p:cNvPicPr>
+          <p:nvPr/>
+        </p:nvPicPr>
+        <p:blipFill>
+          <a:blip r:embed="rId2"/>
+          <a:srcRect/>
+          <a:stretch>
+            <a:fillRect/>
+          </a:stretch>
+        </p:blipFill>
+        <p:spPr bwMode="auto">
+          <a:xfrm>
+            <a:off x="1524000" y="1250419"/>
+            <a:ext cx="6019800" cy="3473981"/>
+          </a:xfrm>
+          <a:prstGeom prst="rect">
+            <a:avLst/>
+          </a:prstGeom>
+          <a:noFill/>
+          <a:ln w="9525">
+            <a:noFill/>
+            <a:miter lim="800000"/>
+            <a:headEnd/>
+            <a:tailEnd/>
+          </a:ln>
+          <a:effectLst/>
+        </p:spPr>
+      </p:pic>
+    </p:spTree>
+  </p:cSld>
+  <p:clrMapOvr>
+    <a:masterClrMapping/>
+  </p:clrMapOvr>
+</p:sld>
+</file>
+
+<file path=ppt/slides/slide16.xml><?xml version="1.0" encoding="utf-8"?>
+<p:sld xmlns:a="http://schemas.openxmlformats.org/drawingml/2006/main" xmlns:r="http://schemas.openxmlformats.org/officeDocument/2006/relationships" xmlns:p="http://schemas.openxmlformats.org/presentationml/2006/main">
+  <p:cSld>
+    <p:spTree>
+      <p:nvGrpSpPr>
+        <p:cNvPr id="1" name=""/>
+        <p:cNvGrpSpPr/>
+        <p:nvPr/>
+      </p:nvGrpSpPr>
+      <p:grpSpPr>
+        <a:xfrm>
+          <a:off x="0" y="0"/>
+          <a:ext cx="0" cy="0"/>
+          <a:chOff x="0" y="0"/>
+          <a:chExt cx="0" cy="0"/>
+        </a:xfrm>
+      </p:grpSpPr>
+      <p:sp>
+        <p:nvSpPr>
           <p:cNvPr id="22530" name="Text Box 1"/>
           <p:cNvSpPr txBox="1">
             <a:spLocks noChangeArrowheads="1"/>
@@ -10216,14 +10349,14 @@
           </a:ln>
           <a:extLst>
             <a:ext uri="{909E8E84-426E-40DD-AFC4-6F175D3DCCD1}">
-              <a14:hiddenFill xmlns:a14="http://schemas.microsoft.com/office/drawing/2010/main">
+              <a14:hiddenFill xmlns:a14="http://schemas.microsoft.com/office/drawing/2010/main" xmlns="">
                 <a:solidFill>
                   <a:srgbClr val="FFFFFF"/>
                 </a:solidFill>
               </a14:hiddenFill>
             </a:ext>
             <a:ext uri="{91240B29-F687-4F45-9708-019B960494DF}">
-              <a14:hiddenLine xmlns:a14="http://schemas.microsoft.com/office/drawing/2010/main" w="9525">
+              <a14:hiddenLine xmlns:a14="http://schemas.microsoft.com/office/drawing/2010/main" xmlns="" w="9525">
                 <a:solidFill>
                   <a:srgbClr val="000000"/>
                 </a:solidFill>
@@ -10496,14 +10629,14 @@
           </a:ln>
           <a:extLst>
             <a:ext uri="{909E8E84-426E-40DD-AFC4-6F175D3DCCD1}">
-              <a14:hiddenFill xmlns:a14="http://schemas.microsoft.com/office/drawing/2010/main">
+              <a14:hiddenFill xmlns:a14="http://schemas.microsoft.com/office/drawing/2010/main" xmlns="">
                 <a:solidFill>
                   <a:srgbClr val="FFFFFF"/>
                 </a:solidFill>
               </a14:hiddenFill>
             </a:ext>
             <a:ext uri="{91240B29-F687-4F45-9708-019B960494DF}">
-              <a14:hiddenLine xmlns:a14="http://schemas.microsoft.com/office/drawing/2010/main" w="9525">
+              <a14:hiddenLine xmlns:a14="http://schemas.microsoft.com/office/drawing/2010/main" xmlns="" w="9525">
                 <a:solidFill>
                   <a:srgbClr val="000000"/>
                 </a:solidFill>
@@ -10631,7 +10764,7 @@
           <a:blip r:embed="rId3">
             <a:extLst>
               <a:ext uri="{28A0092B-C50C-407E-A947-70E740481C1C}">
-                <a14:useLocalDpi xmlns:a14="http://schemas.microsoft.com/office/drawing/2010/main" val="0"/>
+                <a14:useLocalDpi xmlns:a14="http://schemas.microsoft.com/office/drawing/2010/main" xmlns="" val="0"/>
               </a:ext>
             </a:extLst>
           </a:blip>
@@ -10654,14 +10787,14 @@
           </a:ln>
           <a:extLst>
             <a:ext uri="{909E8E84-426E-40DD-AFC4-6F175D3DCCD1}">
-              <a14:hiddenFill xmlns:a14="http://schemas.microsoft.com/office/drawing/2010/main">
+              <a14:hiddenFill xmlns:a14="http://schemas.microsoft.com/office/drawing/2010/main" xmlns="">
                 <a:solidFill>
                   <a:srgbClr val="FFFFFF"/>
                 </a:solidFill>
               </a14:hiddenFill>
             </a:ext>
             <a:ext uri="{91240B29-F687-4F45-9708-019B960494DF}">
-              <a14:hiddenLine xmlns:a14="http://schemas.microsoft.com/office/drawing/2010/main" w="9525">
+              <a14:hiddenLine xmlns:a14="http://schemas.microsoft.com/office/drawing/2010/main" xmlns="" w="9525">
                 <a:solidFill>
                   <a:srgbClr val="000000"/>
                 </a:solidFill>
@@ -10682,7 +10815,7 @@
   <p:timing>
     <p:tnLst>
       <p:par>
-        <p:cTn id="1" dur="indefinite" nodeType="tmRoot">
+        <p:cTn id="1" dur="indefinite" restart="never" nodeType="tmRoot">
           <p:childTnLst>
             <p:seq concurrent="1" nextAc="seek">
               <p:cTn id="2" dur="0" nodeType="mainSeq"/>
@@ -10748,14 +10881,14 @@
           </a:ln>
           <a:extLst>
             <a:ext uri="{909E8E84-426E-40DD-AFC4-6F175D3DCCD1}">
-              <a14:hiddenFill xmlns:a14="http://schemas.microsoft.com/office/drawing/2010/main">
+              <a14:hiddenFill xmlns:a14="http://schemas.microsoft.com/office/drawing/2010/main" xmlns="">
                 <a:solidFill>
                   <a:srgbClr val="FFFFFF"/>
                 </a:solidFill>
               </a14:hiddenFill>
             </a:ext>
             <a:ext uri="{91240B29-F687-4F45-9708-019B960494DF}">
-              <a14:hiddenLine xmlns:a14="http://schemas.microsoft.com/office/drawing/2010/main" w="9525">
+              <a14:hiddenLine xmlns:a14="http://schemas.microsoft.com/office/drawing/2010/main" xmlns="" w="9525">
                 <a:solidFill>
                   <a:srgbClr val="000000"/>
                 </a:solidFill>
@@ -11028,14 +11161,14 @@
           </a:ln>
           <a:extLst>
             <a:ext uri="{909E8E84-426E-40DD-AFC4-6F175D3DCCD1}">
-              <a14:hiddenFill xmlns:a14="http://schemas.microsoft.com/office/drawing/2010/main">
+              <a14:hiddenFill xmlns:a14="http://schemas.microsoft.com/office/drawing/2010/main" xmlns="">
                 <a:solidFill>
                   <a:srgbClr val="FFFFFF"/>
                 </a:solidFill>
               </a14:hiddenFill>
             </a:ext>
             <a:ext uri="{91240B29-F687-4F45-9708-019B960494DF}">
-              <a14:hiddenLine xmlns:a14="http://schemas.microsoft.com/office/drawing/2010/main" w="9525">
+              <a14:hiddenLine xmlns:a14="http://schemas.microsoft.com/office/drawing/2010/main" xmlns="" w="9525">
                 <a:solidFill>
                   <a:srgbClr val="000000"/>
                 </a:solidFill>
@@ -11547,7 +11680,7 @@
   <p:timing>
     <p:tnLst>
       <p:par>
-        <p:cTn id="1" dur="indefinite" nodeType="tmRoot">
+        <p:cTn id="1" dur="indefinite" restart="never" nodeType="tmRoot">
           <p:childTnLst>
             <p:seq concurrent="1" nextAc="seek">
               <p:cTn id="2" dur="0" nodeType="mainSeq"/>
@@ -11682,7 +11815,7 @@
           <a:blip r:embed="rId4">
             <a:extLst>
               <a:ext uri="{28A0092B-C50C-407E-A947-70E740481C1C}">
-                <a14:useLocalDpi xmlns:a14="http://schemas.microsoft.com/office/drawing/2010/main" val="0"/>
+                <a14:useLocalDpi xmlns:a14="http://schemas.microsoft.com/office/drawing/2010/main" xmlns="" val="0"/>
               </a:ext>
             </a:extLst>
           </a:blip>
@@ -11705,14 +11838,14 @@
           </a:ln>
           <a:extLst>
             <a:ext uri="{909E8E84-426E-40DD-AFC4-6F175D3DCCD1}">
-              <a14:hiddenFill xmlns:a14="http://schemas.microsoft.com/office/drawing/2010/main">
+              <a14:hiddenFill xmlns:a14="http://schemas.microsoft.com/office/drawing/2010/main" xmlns="">
                 <a:solidFill>
                   <a:srgbClr val="FFFFFF"/>
                 </a:solidFill>
               </a14:hiddenFill>
             </a:ext>
             <a:ext uri="{91240B29-F687-4F45-9708-019B960494DF}">
-              <a14:hiddenLine xmlns:a14="http://schemas.microsoft.com/office/drawing/2010/main" w="9525">
+              <a14:hiddenLine xmlns:a14="http://schemas.microsoft.com/office/drawing/2010/main" xmlns="" w="9525">
                 <a:solidFill>
                   <a:srgbClr val="000000"/>
                 </a:solidFill>
@@ -11733,7 +11866,7 @@
   <p:timing>
     <p:tnLst>
       <p:par>
-        <p:cTn id="1" dur="indefinite" nodeType="tmRoot">
+        <p:cTn id="1" dur="indefinite" restart="never" nodeType="tmRoot">
           <p:childTnLst>
             <p:seq concurrent="1" nextAc="seek">
               <p:cTn id="2" dur="0" nodeType="mainSeq"/>
@@ -11868,7 +12001,7 @@
           <a:blip r:embed="rId4">
             <a:extLst>
               <a:ext uri="{28A0092B-C50C-407E-A947-70E740481C1C}">
-                <a14:useLocalDpi xmlns:a14="http://schemas.microsoft.com/office/drawing/2010/main" val="0"/>
+                <a14:useLocalDpi xmlns:a14="http://schemas.microsoft.com/office/drawing/2010/main" xmlns="" val="0"/>
               </a:ext>
             </a:extLst>
           </a:blip>
@@ -11891,14 +12024,14 @@
           </a:ln>
           <a:extLst>
             <a:ext uri="{909E8E84-426E-40DD-AFC4-6F175D3DCCD1}">
-              <a14:hiddenFill xmlns:a14="http://schemas.microsoft.com/office/drawing/2010/main">
+              <a14:hiddenFill xmlns:a14="http://schemas.microsoft.com/office/drawing/2010/main" xmlns="">
                 <a:solidFill>
                   <a:srgbClr val="FFFFFF"/>
                 </a:solidFill>
               </a14:hiddenFill>
             </a:ext>
             <a:ext uri="{91240B29-F687-4F45-9708-019B960494DF}">
-              <a14:hiddenLine xmlns:a14="http://schemas.microsoft.com/office/drawing/2010/main" w="9525">
+              <a14:hiddenLine xmlns:a14="http://schemas.microsoft.com/office/drawing/2010/main" xmlns="" w="9525">
                 <a:solidFill>
                   <a:srgbClr val="000000"/>
                 </a:solidFill>
@@ -11919,7 +12052,7 @@
   <p:timing>
     <p:tnLst>
       <p:par>
-        <p:cTn id="1" dur="indefinite" nodeType="tmRoot">
+        <p:cTn id="1" dur="indefinite" restart="never" nodeType="tmRoot">
           <p:childTnLst>
             <p:seq concurrent="1" nextAc="seek">
               <p:cTn id="2" dur="0" nodeType="mainSeq"/>
@@ -12054,7 +12187,7 @@
           <a:blip r:embed="rId4">
             <a:extLst>
               <a:ext uri="{28A0092B-C50C-407E-A947-70E740481C1C}">
-                <a14:useLocalDpi xmlns:a14="http://schemas.microsoft.com/office/drawing/2010/main" val="0"/>
+                <a14:useLocalDpi xmlns:a14="http://schemas.microsoft.com/office/drawing/2010/main" xmlns="" val="0"/>
               </a:ext>
             </a:extLst>
           </a:blip>
@@ -12077,14 +12210,14 @@
           </a:ln>
           <a:extLst>
             <a:ext uri="{909E8E84-426E-40DD-AFC4-6F175D3DCCD1}">
-              <a14:hiddenFill xmlns:a14="http://schemas.microsoft.com/office/drawing/2010/main">
+              <a14:hiddenFill xmlns:a14="http://schemas.microsoft.com/office/drawing/2010/main" xmlns="">
                 <a:solidFill>
                   <a:srgbClr val="FFFFFF"/>
                 </a:solidFill>
               </a14:hiddenFill>
             </a:ext>
             <a:ext uri="{91240B29-F687-4F45-9708-019B960494DF}">
-              <a14:hiddenLine xmlns:a14="http://schemas.microsoft.com/office/drawing/2010/main" w="9525">
+              <a14:hiddenLine xmlns:a14="http://schemas.microsoft.com/office/drawing/2010/main" xmlns="" w="9525">
                 <a:solidFill>
                   <a:srgbClr val="000000"/>
                 </a:solidFill>
@@ -12108,7 +12241,7 @@
           <a:blip r:embed="rId5">
             <a:extLst>
               <a:ext uri="{28A0092B-C50C-407E-A947-70E740481C1C}">
-                <a14:useLocalDpi xmlns:a14="http://schemas.microsoft.com/office/drawing/2010/main" val="0"/>
+                <a14:useLocalDpi xmlns:a14="http://schemas.microsoft.com/office/drawing/2010/main" xmlns="" val="0"/>
               </a:ext>
             </a:extLst>
           </a:blip>
@@ -12131,14 +12264,14 @@
           </a:ln>
           <a:extLst>
             <a:ext uri="{909E8E84-426E-40DD-AFC4-6F175D3DCCD1}">
-              <a14:hiddenFill xmlns:a14="http://schemas.microsoft.com/office/drawing/2010/main">
+              <a14:hiddenFill xmlns:a14="http://schemas.microsoft.com/office/drawing/2010/main" xmlns="">
                 <a:solidFill>
                   <a:srgbClr val="FFFFFF"/>
                 </a:solidFill>
               </a14:hiddenFill>
             </a:ext>
             <a:ext uri="{91240B29-F687-4F45-9708-019B960494DF}">
-              <a14:hiddenLine xmlns:a14="http://schemas.microsoft.com/office/drawing/2010/main" w="9525">
+              <a14:hiddenLine xmlns:a14="http://schemas.microsoft.com/office/drawing/2010/main" xmlns="" w="9525">
                 <a:solidFill>
                   <a:srgbClr val="000000"/>
                 </a:solidFill>
@@ -12159,7 +12292,7 @@
   <p:timing>
     <p:tnLst>
       <p:par>
-        <p:cTn id="1" dur="indefinite" nodeType="tmRoot">
+        <p:cTn id="1" dur="indefinite" restart="never" nodeType="tmRoot">
           <p:childTnLst>
             <p:seq concurrent="1" nextAc="seek">
               <p:cTn id="2" dur="0" nodeType="mainSeq"/>
@@ -12272,7 +12405,7 @@
           <a:blip r:embed="rId3">
             <a:extLst>
               <a:ext uri="{28A0092B-C50C-407E-A947-70E740481C1C}">
-                <a14:useLocalDpi xmlns:a14="http://schemas.microsoft.com/office/drawing/2010/main" val="0"/>
+                <a14:useLocalDpi xmlns:a14="http://schemas.microsoft.com/office/drawing/2010/main" xmlns="" val="0"/>
               </a:ext>
             </a:extLst>
           </a:blip>
@@ -12295,14 +12428,14 @@
           </a:ln>
           <a:extLst>
             <a:ext uri="{909E8E84-426E-40DD-AFC4-6F175D3DCCD1}">
-              <a14:hiddenFill xmlns:a14="http://schemas.microsoft.com/office/drawing/2010/main">
+              <a14:hiddenFill xmlns:a14="http://schemas.microsoft.com/office/drawing/2010/main" xmlns="">
                 <a:solidFill>
                   <a:srgbClr val="FFFFFF"/>
                 </a:solidFill>
               </a14:hiddenFill>
             </a:ext>
             <a:ext uri="{91240B29-F687-4F45-9708-019B960494DF}">
-              <a14:hiddenLine xmlns:a14="http://schemas.microsoft.com/office/drawing/2010/main" w="9525">
+              <a14:hiddenLine xmlns:a14="http://schemas.microsoft.com/office/drawing/2010/main" xmlns="" w="9525">
                 <a:solidFill>
                   <a:srgbClr val="000000"/>
                 </a:solidFill>
@@ -12326,7 +12459,7 @@
           <a:blip r:embed="rId4">
             <a:extLst>
               <a:ext uri="{28A0092B-C50C-407E-A947-70E740481C1C}">
-                <a14:useLocalDpi xmlns:a14="http://schemas.microsoft.com/office/drawing/2010/main" val="0"/>
+                <a14:useLocalDpi xmlns:a14="http://schemas.microsoft.com/office/drawing/2010/main" xmlns="" val="0"/>
               </a:ext>
             </a:extLst>
           </a:blip>
@@ -12349,14 +12482,14 @@
           </a:ln>
           <a:extLst>
             <a:ext uri="{909E8E84-426E-40DD-AFC4-6F175D3DCCD1}">
-              <a14:hiddenFill xmlns:a14="http://schemas.microsoft.com/office/drawing/2010/main">
+              <a14:hiddenFill xmlns:a14="http://schemas.microsoft.com/office/drawing/2010/main" xmlns="">
                 <a:solidFill>
                   <a:srgbClr val="FFFFFF"/>
                 </a:solidFill>
               </a14:hiddenFill>
             </a:ext>
             <a:ext uri="{91240B29-F687-4F45-9708-019B960494DF}">
-              <a14:hiddenLine xmlns:a14="http://schemas.microsoft.com/office/drawing/2010/main" w="9525">
+              <a14:hiddenLine xmlns:a14="http://schemas.microsoft.com/office/drawing/2010/main" xmlns="" w="9525">
                 <a:solidFill>
                   <a:srgbClr val="000000"/>
                 </a:solidFill>
@@ -12377,7 +12510,7 @@
   <p:timing>
     <p:tnLst>
       <p:par>
-        <p:cTn id="1" dur="indefinite" nodeType="tmRoot">
+        <p:cTn id="1" dur="indefinite" restart="never" nodeType="tmRoot">
           <p:childTnLst>
             <p:seq concurrent="1" nextAc="seek">
               <p:cTn id="2" dur="0" nodeType="mainSeq"/>
@@ -12433,7 +12566,7 @@
           <a:blip r:embed="rId3">
             <a:extLst>
               <a:ext uri="{28A0092B-C50C-407E-A947-70E740481C1C}">
-                <a14:useLocalDpi xmlns:a14="http://schemas.microsoft.com/office/drawing/2010/main" val="0"/>
+                <a14:useLocalDpi xmlns:a14="http://schemas.microsoft.com/office/drawing/2010/main" xmlns="" val="0"/>
               </a:ext>
             </a:extLst>
           </a:blip>
@@ -12456,14 +12589,14 @@
           </a:ln>
           <a:extLst>
             <a:ext uri="{909E8E84-426E-40DD-AFC4-6F175D3DCCD1}">
-              <a14:hiddenFill xmlns:a14="http://schemas.microsoft.com/office/drawing/2010/main">
+              <a14:hiddenFill xmlns:a14="http://schemas.microsoft.com/office/drawing/2010/main" xmlns="">
                 <a:solidFill>
                   <a:srgbClr val="FFFFFF"/>
                 </a:solidFill>
               </a14:hiddenFill>
             </a:ext>
             <a:ext uri="{91240B29-F687-4F45-9708-019B960494DF}">
-              <a14:hiddenLine xmlns:a14="http://schemas.microsoft.com/office/drawing/2010/main" w="9525">
+              <a14:hiddenLine xmlns:a14="http://schemas.microsoft.com/office/drawing/2010/main" xmlns="" w="9525">
                 <a:solidFill>
                   <a:srgbClr val="000000"/>
                 </a:solidFill>
@@ -12549,7 +12682,7 @@
           <a:blip r:embed="rId4">
             <a:extLst>
               <a:ext uri="{28A0092B-C50C-407E-A947-70E740481C1C}">
-                <a14:useLocalDpi xmlns:a14="http://schemas.microsoft.com/office/drawing/2010/main" val="0"/>
+                <a14:useLocalDpi xmlns:a14="http://schemas.microsoft.com/office/drawing/2010/main" xmlns="" val="0"/>
               </a:ext>
             </a:extLst>
           </a:blip>
@@ -12572,14 +12705,14 @@
           </a:ln>
           <a:extLst>
             <a:ext uri="{909E8E84-426E-40DD-AFC4-6F175D3DCCD1}">
-              <a14:hiddenFill xmlns:a14="http://schemas.microsoft.com/office/drawing/2010/main">
+              <a14:hiddenFill xmlns:a14="http://schemas.microsoft.com/office/drawing/2010/main" xmlns="">
                 <a:solidFill>
                   <a:srgbClr val="FFFFFF"/>
                 </a:solidFill>
               </a14:hiddenFill>
             </a:ext>
             <a:ext uri="{91240B29-F687-4F45-9708-019B960494DF}">
-              <a14:hiddenLine xmlns:a14="http://schemas.microsoft.com/office/drawing/2010/main" w="9525">
+              <a14:hiddenLine xmlns:a14="http://schemas.microsoft.com/office/drawing/2010/main" xmlns="" w="9525">
                 <a:solidFill>
                   <a:srgbClr val="000000"/>
                 </a:solidFill>
@@ -12600,7 +12733,7 @@
   <p:timing>
     <p:tnLst>
       <p:par>
-        <p:cTn id="1" dur="indefinite" nodeType="tmRoot">
+        <p:cTn id="1" dur="indefinite" restart="never" nodeType="tmRoot">
           <p:childTnLst>
             <p:seq concurrent="1" nextAc="seek">
               <p:cTn id="2" dur="0" nodeType="mainSeq"/>
@@ -12656,7 +12789,7 @@
           <a:blip r:embed="rId3">
             <a:extLst>
               <a:ext uri="{28A0092B-C50C-407E-A947-70E740481C1C}">
-                <a14:useLocalDpi xmlns:a14="http://schemas.microsoft.com/office/drawing/2010/main" val="0"/>
+                <a14:useLocalDpi xmlns:a14="http://schemas.microsoft.com/office/drawing/2010/main" xmlns="" val="0"/>
               </a:ext>
             </a:extLst>
           </a:blip>
@@ -12679,14 +12812,14 @@
           </a:ln>
           <a:extLst>
             <a:ext uri="{909E8E84-426E-40DD-AFC4-6F175D3DCCD1}">
-              <a14:hiddenFill xmlns:a14="http://schemas.microsoft.com/office/drawing/2010/main">
+              <a14:hiddenFill xmlns:a14="http://schemas.microsoft.com/office/drawing/2010/main" xmlns="">
                 <a:solidFill>
                   <a:srgbClr val="FFFFFF"/>
                 </a:solidFill>
               </a14:hiddenFill>
             </a:ext>
             <a:ext uri="{91240B29-F687-4F45-9708-019B960494DF}">
-              <a14:hiddenLine xmlns:a14="http://schemas.microsoft.com/office/drawing/2010/main" w="9525">
+              <a14:hiddenLine xmlns:a14="http://schemas.microsoft.com/office/drawing/2010/main" xmlns="" w="9525">
                 <a:solidFill>
                   <a:srgbClr val="000000"/>
                 </a:solidFill>
@@ -12772,7 +12905,7 @@
           <a:blip r:embed="rId4">
             <a:extLst>
               <a:ext uri="{28A0092B-C50C-407E-A947-70E740481C1C}">
-                <a14:useLocalDpi xmlns:a14="http://schemas.microsoft.com/office/drawing/2010/main" val="0"/>
+                <a14:useLocalDpi xmlns:a14="http://schemas.microsoft.com/office/drawing/2010/main" xmlns="" val="0"/>
               </a:ext>
             </a:extLst>
           </a:blip>
@@ -12795,14 +12928,14 @@
           </a:ln>
           <a:extLst>
             <a:ext uri="{909E8E84-426E-40DD-AFC4-6F175D3DCCD1}">
-              <a14:hiddenFill xmlns:a14="http://schemas.microsoft.com/office/drawing/2010/main">
+              <a14:hiddenFill xmlns:a14="http://schemas.microsoft.com/office/drawing/2010/main" xmlns="">
                 <a:solidFill>
                   <a:srgbClr val="FFFFFF"/>
                 </a:solidFill>
               </a14:hiddenFill>
             </a:ext>
             <a:ext uri="{91240B29-F687-4F45-9708-019B960494DF}">
-              <a14:hiddenLine xmlns:a14="http://schemas.microsoft.com/office/drawing/2010/main" w="9525">
+              <a14:hiddenLine xmlns:a14="http://schemas.microsoft.com/office/drawing/2010/main" xmlns="" w="9525">
                 <a:solidFill>
                   <a:srgbClr val="000000"/>
                 </a:solidFill>
@@ -12823,7 +12956,7 @@
   <p:timing>
     <p:tnLst>
       <p:par>
-        <p:cTn id="1" dur="indefinite" nodeType="tmRoot">
+        <p:cTn id="1" dur="indefinite" restart="never" nodeType="tmRoot">
           <p:childTnLst>
             <p:seq concurrent="1" nextAc="seek">
               <p:cTn id="2" dur="0" nodeType="mainSeq"/>
@@ -13333,7 +13466,7 @@
   </a:extraClrSchemeLst>
   <a:extLst>
     <a:ext uri="{05A4C25C-085E-4340-85A3-A5531E510DB2}">
-      <thm15:themeFamily xmlns:thm15="http://schemas.microsoft.com/office/thememl/2012/main" name="Office Theme" id="{62F939B6-93AF-4DB8-9C6B-D6C7DFDC589F}" vid="{4A3C46E8-61CC-4603-A589-7422A47A8E4A}"/>
+      <thm15:themeFamily xmlns:thm15="http://schemas.microsoft.com/office/thememl/2012/main" xmlns="" name="Office Theme" id="{62F939B6-93AF-4DB8-9C6B-D6C7DFDC589F}" vid="{4A3C46E8-61CC-4603-A589-7422A47A8E4A}"/>
     </a:ext>
   </a:extLst>
 </a:theme>
@@ -13594,7 +13727,7 @@
   <a:extraClrSchemeLst/>
   <a:extLst>
     <a:ext uri="{05A4C25C-085E-4340-85A3-A5531E510DB2}">
-      <thm15:themeFamily xmlns:thm15="http://schemas.microsoft.com/office/thememl/2012/main" name="Office Theme" id="{62F939B6-93AF-4DB8-9C6B-D6C7DFDC589F}" vid="{4A3C46E8-61CC-4603-A589-7422A47A8E4A}"/>
+      <thm15:themeFamily xmlns:thm15="http://schemas.microsoft.com/office/thememl/2012/main" xmlns="" name="Office Theme" id="{62F939B6-93AF-4DB8-9C6B-D6C7DFDC589F}" vid="{4A3C46E8-61CC-4603-A589-7422A47A8E4A}"/>
     </a:ext>
   </a:extLst>
 </a:theme>

--- a/WAD/lectures/090--Introduction.to.Javascript.pptx
+++ b/WAD/lectures/090--Introduction.to.Javascript.pptx
@@ -5,25 +5,27 @@
     <p:sldMasterId id="2147483648" r:id="rId1"/>
   </p:sldMasterIdLst>
   <p:notesMasterIdLst>
-    <p:notesMasterId r:id="rId18"/>
+    <p:notesMasterId r:id="rId20"/>
   </p:notesMasterIdLst>
   <p:sldIdLst>
     <p:sldId id="256" r:id="rId2"/>
-    <p:sldId id="257" r:id="rId3"/>
-    <p:sldId id="258" r:id="rId4"/>
-    <p:sldId id="259" r:id="rId5"/>
-    <p:sldId id="260" r:id="rId6"/>
-    <p:sldId id="261" r:id="rId7"/>
-    <p:sldId id="262" r:id="rId8"/>
-    <p:sldId id="263" r:id="rId9"/>
-    <p:sldId id="264" r:id="rId10"/>
-    <p:sldId id="265" r:id="rId11"/>
-    <p:sldId id="266" r:id="rId12"/>
-    <p:sldId id="267" r:id="rId13"/>
-    <p:sldId id="268" r:id="rId14"/>
-    <p:sldId id="269" r:id="rId15"/>
-    <p:sldId id="271" r:id="rId16"/>
-    <p:sldId id="270" r:id="rId17"/>
+    <p:sldId id="273" r:id="rId3"/>
+    <p:sldId id="257" r:id="rId4"/>
+    <p:sldId id="274" r:id="rId5"/>
+    <p:sldId id="258" r:id="rId6"/>
+    <p:sldId id="259" r:id="rId7"/>
+    <p:sldId id="260" r:id="rId8"/>
+    <p:sldId id="261" r:id="rId9"/>
+    <p:sldId id="262" r:id="rId10"/>
+    <p:sldId id="263" r:id="rId11"/>
+    <p:sldId id="264" r:id="rId12"/>
+    <p:sldId id="265" r:id="rId13"/>
+    <p:sldId id="266" r:id="rId14"/>
+    <p:sldId id="267" r:id="rId15"/>
+    <p:sldId id="268" r:id="rId16"/>
+    <p:sldId id="269" r:id="rId17"/>
+    <p:sldId id="271" r:id="rId18"/>
+    <p:sldId id="270" r:id="rId19"/>
   </p:sldIdLst>
   <p:sldSz cx="9144000" cy="6858000" type="screen4x3"/>
   <p:notesSz cx="6858000" cy="9144000"/>
@@ -154,7 +156,7 @@
   </p:defaultTextStyle>
   <p:extLst>
     <p:ext uri="{EFAFB233-063F-42B5-8137-9DF3F51BA10A}">
-      <p15:sldGuideLst xmlns:p15="http://schemas.microsoft.com/office/powerpoint/2012/main" xmlns="">
+      <p15:sldGuideLst xmlns:p15="http://schemas.microsoft.com/office/powerpoint/2012/main">
         <p15:guide id="1" orient="horz" pos="2160">
           <p15:clr>
             <a:srgbClr val="A4A3A4"/>
@@ -313,7 +315,7 @@
           </a:ln>
           <a:extLst>
             <a:ext uri="{909E8E84-426E-40DD-AFC4-6F175D3DCCD1}">
-              <a14:hiddenFill xmlns:a14="http://schemas.microsoft.com/office/drawing/2010/main" xmlns="">
+              <a14:hiddenFill xmlns:a14="http://schemas.microsoft.com/office/drawing/2010/main">
                 <a:solidFill>
                   <a:srgbClr val="FFFFFF"/>
                 </a:solidFill>
@@ -484,7 +486,7 @@
     </p:spTree>
     <p:extLst>
       <p:ext uri="{BB962C8B-B14F-4D97-AF65-F5344CB8AC3E}">
-        <p14:creationId xmlns:p14="http://schemas.microsoft.com/office/powerpoint/2010/main" xmlns="" val="2395374056"/>
+        <p14:creationId xmlns:p14="http://schemas.microsoft.com/office/powerpoint/2010/main" val="2395374056"/>
       </p:ext>
     </p:extLst>
   </p:cSld>
@@ -653,14 +655,14 @@
           <a:noFill/>
           <a:extLst>
             <a:ext uri="{909E8E84-426E-40DD-AFC4-6F175D3DCCD1}">
-              <a14:hiddenFill xmlns:a14="http://schemas.microsoft.com/office/drawing/2010/main" xmlns="">
+              <a14:hiddenFill xmlns:a14="http://schemas.microsoft.com/office/drawing/2010/main">
                 <a:solidFill>
                   <a:srgbClr val="FFFFFF"/>
                 </a:solidFill>
               </a14:hiddenFill>
             </a:ext>
             <a:ext uri="{91240B29-F687-4F45-9708-019B960494DF}">
-              <a14:hiddenLine xmlns:a14="http://schemas.microsoft.com/office/drawing/2010/main" xmlns="" w="9525">
+              <a14:hiddenLine xmlns:a14="http://schemas.microsoft.com/office/drawing/2010/main" w="9525">
                 <a:solidFill>
                   <a:srgbClr val="000000"/>
                 </a:solidFill>
@@ -812,14 +814,14 @@
           <a:noFill/>
           <a:extLst>
             <a:ext uri="{909E8E84-426E-40DD-AFC4-6F175D3DCCD1}">
-              <a14:hiddenFill xmlns:a14="http://schemas.microsoft.com/office/drawing/2010/main" xmlns="">
+              <a14:hiddenFill xmlns:a14="http://schemas.microsoft.com/office/drawing/2010/main">
                 <a:solidFill>
                   <a:srgbClr val="FFFFFF"/>
                 </a:solidFill>
               </a14:hiddenFill>
             </a:ext>
             <a:ext uri="{91240B29-F687-4F45-9708-019B960494DF}">
-              <a14:hiddenLine xmlns:a14="http://schemas.microsoft.com/office/drawing/2010/main" xmlns="" w="9525" cap="flat">
+              <a14:hiddenLine xmlns:a14="http://schemas.microsoft.com/office/drawing/2010/main" w="9525" cap="flat">
                 <a:solidFill>
                   <a:srgbClr val="000000"/>
                 </a:solidFill>
@@ -841,7 +843,7 @@
     </p:spTree>
     <p:extLst>
       <p:ext uri="{BB962C8B-B14F-4D97-AF65-F5344CB8AC3E}">
-        <p14:creationId xmlns:p14="http://schemas.microsoft.com/office/powerpoint/2010/main" xmlns="" val="388511515"/>
+        <p14:creationId xmlns:p14="http://schemas.microsoft.com/office/powerpoint/2010/main" val="388511515"/>
       </p:ext>
     </p:extLst>
   </p:cSld>
@@ -890,14 +892,14 @@
           <a:noFill/>
           <a:extLst>
             <a:ext uri="{909E8E84-426E-40DD-AFC4-6F175D3DCCD1}">
-              <a14:hiddenFill xmlns:a14="http://schemas.microsoft.com/office/drawing/2010/main" xmlns="">
+              <a14:hiddenFill xmlns:a14="http://schemas.microsoft.com/office/drawing/2010/main">
                 <a:solidFill>
                   <a:srgbClr val="FFFFFF"/>
                 </a:solidFill>
               </a14:hiddenFill>
             </a:ext>
             <a:ext uri="{91240B29-F687-4F45-9708-019B960494DF}">
-              <a14:hiddenLine xmlns:a14="http://schemas.microsoft.com/office/drawing/2010/main" xmlns="" w="9525">
+              <a14:hiddenLine xmlns:a14="http://schemas.microsoft.com/office/drawing/2010/main" w="9525">
                 <a:solidFill>
                   <a:srgbClr val="000000"/>
                 </a:solidFill>
@@ -1012,7 +1014,7 @@
             <a:fld id="{C10BE9B9-1E29-4D60-8E98-352FDCDB4ED4}" type="slidenum">
               <a:rPr lang="en-US" altLang="en-US" sz="1200"/>
               <a:pPr/>
-              <a:t>10</a:t>
+              <a:t>12</a:t>
             </a:fld>
             <a:endParaRPr lang="en-US" altLang="en-US" sz="1200"/>
           </a:p>
@@ -1049,14 +1051,14 @@
           <a:noFill/>
           <a:extLst>
             <a:ext uri="{909E8E84-426E-40DD-AFC4-6F175D3DCCD1}">
-              <a14:hiddenFill xmlns:a14="http://schemas.microsoft.com/office/drawing/2010/main" xmlns="">
+              <a14:hiddenFill xmlns:a14="http://schemas.microsoft.com/office/drawing/2010/main">
                 <a:solidFill>
                   <a:srgbClr val="FFFFFF"/>
                 </a:solidFill>
               </a14:hiddenFill>
             </a:ext>
             <a:ext uri="{91240B29-F687-4F45-9708-019B960494DF}">
-              <a14:hiddenLine xmlns:a14="http://schemas.microsoft.com/office/drawing/2010/main" xmlns="" w="9525" cap="flat">
+              <a14:hiddenLine xmlns:a14="http://schemas.microsoft.com/office/drawing/2010/main" w="9525" cap="flat">
                 <a:solidFill>
                   <a:srgbClr val="000000"/>
                 </a:solidFill>
@@ -1078,7 +1080,7 @@
     </p:spTree>
     <p:extLst>
       <p:ext uri="{BB962C8B-B14F-4D97-AF65-F5344CB8AC3E}">
-        <p14:creationId xmlns:p14="http://schemas.microsoft.com/office/powerpoint/2010/main" xmlns="" val="1478532010"/>
+        <p14:creationId xmlns:p14="http://schemas.microsoft.com/office/powerpoint/2010/main" val="1478532010"/>
       </p:ext>
     </p:extLst>
   </p:cSld>
@@ -1127,14 +1129,14 @@
           <a:noFill/>
           <a:extLst>
             <a:ext uri="{909E8E84-426E-40DD-AFC4-6F175D3DCCD1}">
-              <a14:hiddenFill xmlns:a14="http://schemas.microsoft.com/office/drawing/2010/main" xmlns="">
+              <a14:hiddenFill xmlns:a14="http://schemas.microsoft.com/office/drawing/2010/main">
                 <a:solidFill>
                   <a:srgbClr val="FFFFFF"/>
                 </a:solidFill>
               </a14:hiddenFill>
             </a:ext>
             <a:ext uri="{91240B29-F687-4F45-9708-019B960494DF}">
-              <a14:hiddenLine xmlns:a14="http://schemas.microsoft.com/office/drawing/2010/main" xmlns="" w="9525">
+              <a14:hiddenLine xmlns:a14="http://schemas.microsoft.com/office/drawing/2010/main" w="9525">
                 <a:solidFill>
                   <a:srgbClr val="000000"/>
                 </a:solidFill>
@@ -1249,7 +1251,7 @@
             <a:fld id="{1BADB25C-1BB6-4F1C-B5CF-3DE9A81C897D}" type="slidenum">
               <a:rPr lang="en-US" altLang="en-US" sz="1200"/>
               <a:pPr/>
-              <a:t>11</a:t>
+              <a:t>13</a:t>
             </a:fld>
             <a:endParaRPr lang="en-US" altLang="en-US" sz="1200"/>
           </a:p>
@@ -1286,14 +1288,14 @@
           <a:noFill/>
           <a:extLst>
             <a:ext uri="{909E8E84-426E-40DD-AFC4-6F175D3DCCD1}">
-              <a14:hiddenFill xmlns:a14="http://schemas.microsoft.com/office/drawing/2010/main" xmlns="">
+              <a14:hiddenFill xmlns:a14="http://schemas.microsoft.com/office/drawing/2010/main">
                 <a:solidFill>
                   <a:srgbClr val="FFFFFF"/>
                 </a:solidFill>
               </a14:hiddenFill>
             </a:ext>
             <a:ext uri="{91240B29-F687-4F45-9708-019B960494DF}">
-              <a14:hiddenLine xmlns:a14="http://schemas.microsoft.com/office/drawing/2010/main" xmlns="" w="9525" cap="flat">
+              <a14:hiddenLine xmlns:a14="http://schemas.microsoft.com/office/drawing/2010/main" w="9525" cap="flat">
                 <a:solidFill>
                   <a:srgbClr val="000000"/>
                 </a:solidFill>
@@ -1315,7 +1317,7 @@
     </p:spTree>
     <p:extLst>
       <p:ext uri="{BB962C8B-B14F-4D97-AF65-F5344CB8AC3E}">
-        <p14:creationId xmlns:p14="http://schemas.microsoft.com/office/powerpoint/2010/main" xmlns="" val="3803582813"/>
+        <p14:creationId xmlns:p14="http://schemas.microsoft.com/office/powerpoint/2010/main" val="3803582813"/>
       </p:ext>
     </p:extLst>
   </p:cSld>
@@ -1364,14 +1366,14 @@
           <a:noFill/>
           <a:extLst>
             <a:ext uri="{909E8E84-426E-40DD-AFC4-6F175D3DCCD1}">
-              <a14:hiddenFill xmlns:a14="http://schemas.microsoft.com/office/drawing/2010/main" xmlns="">
+              <a14:hiddenFill xmlns:a14="http://schemas.microsoft.com/office/drawing/2010/main">
                 <a:solidFill>
                   <a:srgbClr val="FFFFFF"/>
                 </a:solidFill>
               </a14:hiddenFill>
             </a:ext>
             <a:ext uri="{91240B29-F687-4F45-9708-019B960494DF}">
-              <a14:hiddenLine xmlns:a14="http://schemas.microsoft.com/office/drawing/2010/main" xmlns="" w="9525">
+              <a14:hiddenLine xmlns:a14="http://schemas.microsoft.com/office/drawing/2010/main" w="9525">
                 <a:solidFill>
                   <a:srgbClr val="000000"/>
                 </a:solidFill>
@@ -1486,7 +1488,7 @@
             <a:fld id="{359E58F4-0EBB-4FDD-A20E-5A3015138469}" type="slidenum">
               <a:rPr lang="en-US" altLang="en-US" sz="1200"/>
               <a:pPr/>
-              <a:t>12</a:t>
+              <a:t>14</a:t>
             </a:fld>
             <a:endParaRPr lang="en-US" altLang="en-US" sz="1200"/>
           </a:p>
@@ -1523,14 +1525,14 @@
           <a:noFill/>
           <a:extLst>
             <a:ext uri="{909E8E84-426E-40DD-AFC4-6F175D3DCCD1}">
-              <a14:hiddenFill xmlns:a14="http://schemas.microsoft.com/office/drawing/2010/main" xmlns="">
+              <a14:hiddenFill xmlns:a14="http://schemas.microsoft.com/office/drawing/2010/main">
                 <a:solidFill>
                   <a:srgbClr val="FFFFFF"/>
                 </a:solidFill>
               </a14:hiddenFill>
             </a:ext>
             <a:ext uri="{91240B29-F687-4F45-9708-019B960494DF}">
-              <a14:hiddenLine xmlns:a14="http://schemas.microsoft.com/office/drawing/2010/main" xmlns="" w="9525" cap="flat">
+              <a14:hiddenLine xmlns:a14="http://schemas.microsoft.com/office/drawing/2010/main" w="9525" cap="flat">
                 <a:solidFill>
                   <a:srgbClr val="000000"/>
                 </a:solidFill>
@@ -1552,7 +1554,7 @@
     </p:spTree>
     <p:extLst>
       <p:ext uri="{BB962C8B-B14F-4D97-AF65-F5344CB8AC3E}">
-        <p14:creationId xmlns:p14="http://schemas.microsoft.com/office/powerpoint/2010/main" xmlns="" val="2993695088"/>
+        <p14:creationId xmlns:p14="http://schemas.microsoft.com/office/powerpoint/2010/main" val="2993695088"/>
       </p:ext>
     </p:extLst>
   </p:cSld>
@@ -1601,14 +1603,14 @@
           <a:noFill/>
           <a:extLst>
             <a:ext uri="{909E8E84-426E-40DD-AFC4-6F175D3DCCD1}">
-              <a14:hiddenFill xmlns:a14="http://schemas.microsoft.com/office/drawing/2010/main" xmlns="">
+              <a14:hiddenFill xmlns:a14="http://schemas.microsoft.com/office/drawing/2010/main">
                 <a:solidFill>
                   <a:srgbClr val="FFFFFF"/>
                 </a:solidFill>
               </a14:hiddenFill>
             </a:ext>
             <a:ext uri="{91240B29-F687-4F45-9708-019B960494DF}">
-              <a14:hiddenLine xmlns:a14="http://schemas.microsoft.com/office/drawing/2010/main" xmlns="" w="9525">
+              <a14:hiddenLine xmlns:a14="http://schemas.microsoft.com/office/drawing/2010/main" w="9525">
                 <a:solidFill>
                   <a:srgbClr val="000000"/>
                 </a:solidFill>
@@ -1723,7 +1725,7 @@
             <a:fld id="{AD22194F-0DE1-4F10-ABB6-C66B5239FA26}" type="slidenum">
               <a:rPr lang="en-US" altLang="en-US" sz="1200"/>
               <a:pPr/>
-              <a:t>13</a:t>
+              <a:t>15</a:t>
             </a:fld>
             <a:endParaRPr lang="en-US" altLang="en-US" sz="1200"/>
           </a:p>
@@ -1760,14 +1762,14 @@
           <a:noFill/>
           <a:extLst>
             <a:ext uri="{909E8E84-426E-40DD-AFC4-6F175D3DCCD1}">
-              <a14:hiddenFill xmlns:a14="http://schemas.microsoft.com/office/drawing/2010/main" xmlns="">
+              <a14:hiddenFill xmlns:a14="http://schemas.microsoft.com/office/drawing/2010/main">
                 <a:solidFill>
                   <a:srgbClr val="FFFFFF"/>
                 </a:solidFill>
               </a14:hiddenFill>
             </a:ext>
             <a:ext uri="{91240B29-F687-4F45-9708-019B960494DF}">
-              <a14:hiddenLine xmlns:a14="http://schemas.microsoft.com/office/drawing/2010/main" xmlns="" w="9525" cap="flat">
+              <a14:hiddenLine xmlns:a14="http://schemas.microsoft.com/office/drawing/2010/main" w="9525" cap="flat">
                 <a:solidFill>
                   <a:srgbClr val="000000"/>
                 </a:solidFill>
@@ -1789,7 +1791,7 @@
     </p:spTree>
     <p:extLst>
       <p:ext uri="{BB962C8B-B14F-4D97-AF65-F5344CB8AC3E}">
-        <p14:creationId xmlns:p14="http://schemas.microsoft.com/office/powerpoint/2010/main" xmlns="" val="1094099529"/>
+        <p14:creationId xmlns:p14="http://schemas.microsoft.com/office/powerpoint/2010/main" val="1094099529"/>
       </p:ext>
     </p:extLst>
   </p:cSld>
@@ -1838,14 +1840,14 @@
           <a:noFill/>
           <a:extLst>
             <a:ext uri="{909E8E84-426E-40DD-AFC4-6F175D3DCCD1}">
-              <a14:hiddenFill xmlns:a14="http://schemas.microsoft.com/office/drawing/2010/main" xmlns="">
+              <a14:hiddenFill xmlns:a14="http://schemas.microsoft.com/office/drawing/2010/main">
                 <a:solidFill>
                   <a:srgbClr val="FFFFFF"/>
                 </a:solidFill>
               </a14:hiddenFill>
             </a:ext>
             <a:ext uri="{91240B29-F687-4F45-9708-019B960494DF}">
-              <a14:hiddenLine xmlns:a14="http://schemas.microsoft.com/office/drawing/2010/main" xmlns="" w="9525">
+              <a14:hiddenLine xmlns:a14="http://schemas.microsoft.com/office/drawing/2010/main" w="9525">
                 <a:solidFill>
                   <a:srgbClr val="000000"/>
                 </a:solidFill>
@@ -1960,7 +1962,7 @@
             <a:fld id="{450868AE-190A-4802-8BCD-10028575FDD1}" type="slidenum">
               <a:rPr lang="en-US" altLang="en-US" sz="1200"/>
               <a:pPr/>
-              <a:t>14</a:t>
+              <a:t>16</a:t>
             </a:fld>
             <a:endParaRPr lang="en-US" altLang="en-US" sz="1200"/>
           </a:p>
@@ -1997,14 +1999,14 @@
           <a:noFill/>
           <a:extLst>
             <a:ext uri="{909E8E84-426E-40DD-AFC4-6F175D3DCCD1}">
-              <a14:hiddenFill xmlns:a14="http://schemas.microsoft.com/office/drawing/2010/main" xmlns="">
+              <a14:hiddenFill xmlns:a14="http://schemas.microsoft.com/office/drawing/2010/main">
                 <a:solidFill>
                   <a:srgbClr val="FFFFFF"/>
                 </a:solidFill>
               </a14:hiddenFill>
             </a:ext>
             <a:ext uri="{91240B29-F687-4F45-9708-019B960494DF}">
-              <a14:hiddenLine xmlns:a14="http://schemas.microsoft.com/office/drawing/2010/main" xmlns="" w="9525" cap="flat">
+              <a14:hiddenLine xmlns:a14="http://schemas.microsoft.com/office/drawing/2010/main" w="9525" cap="flat">
                 <a:solidFill>
                   <a:srgbClr val="000000"/>
                 </a:solidFill>
@@ -2026,7 +2028,7 @@
     </p:spTree>
     <p:extLst>
       <p:ext uri="{BB962C8B-B14F-4D97-AF65-F5344CB8AC3E}">
-        <p14:creationId xmlns:p14="http://schemas.microsoft.com/office/powerpoint/2010/main" xmlns="" val="4145369065"/>
+        <p14:creationId xmlns:p14="http://schemas.microsoft.com/office/powerpoint/2010/main" val="4145369065"/>
       </p:ext>
     </p:extLst>
   </p:cSld>
@@ -2075,14 +2077,14 @@
           <a:noFill/>
           <a:extLst>
             <a:ext uri="{909E8E84-426E-40DD-AFC4-6F175D3DCCD1}">
-              <a14:hiddenFill xmlns:a14="http://schemas.microsoft.com/office/drawing/2010/main" xmlns="">
+              <a14:hiddenFill xmlns:a14="http://schemas.microsoft.com/office/drawing/2010/main">
                 <a:solidFill>
                   <a:srgbClr val="FFFFFF"/>
                 </a:solidFill>
               </a14:hiddenFill>
             </a:ext>
             <a:ext uri="{91240B29-F687-4F45-9708-019B960494DF}">
-              <a14:hiddenLine xmlns:a14="http://schemas.microsoft.com/office/drawing/2010/main" xmlns="" w="9525">
+              <a14:hiddenLine xmlns:a14="http://schemas.microsoft.com/office/drawing/2010/main" w="9525">
                 <a:solidFill>
                   <a:srgbClr val="000000"/>
                 </a:solidFill>
@@ -2197,7 +2199,7 @@
             <a:fld id="{668805EE-EFA9-4822-91D1-272E93BF294E}" type="slidenum">
               <a:rPr lang="en-US" altLang="en-US" sz="1200"/>
               <a:pPr/>
-              <a:t>16</a:t>
+              <a:t>18</a:t>
             </a:fld>
             <a:endParaRPr lang="en-US" altLang="en-US" sz="1200"/>
           </a:p>
@@ -2234,14 +2236,14 @@
           <a:noFill/>
           <a:extLst>
             <a:ext uri="{909E8E84-426E-40DD-AFC4-6F175D3DCCD1}">
-              <a14:hiddenFill xmlns:a14="http://schemas.microsoft.com/office/drawing/2010/main" xmlns="">
+              <a14:hiddenFill xmlns:a14="http://schemas.microsoft.com/office/drawing/2010/main">
                 <a:solidFill>
                   <a:srgbClr val="FFFFFF"/>
                 </a:solidFill>
               </a14:hiddenFill>
             </a:ext>
             <a:ext uri="{91240B29-F687-4F45-9708-019B960494DF}">
-              <a14:hiddenLine xmlns:a14="http://schemas.microsoft.com/office/drawing/2010/main" xmlns="" w="9525" cap="flat">
+              <a14:hiddenLine xmlns:a14="http://schemas.microsoft.com/office/drawing/2010/main" w="9525" cap="flat">
                 <a:solidFill>
                   <a:srgbClr val="000000"/>
                 </a:solidFill>
@@ -2263,7 +2265,7 @@
     </p:spTree>
     <p:extLst>
       <p:ext uri="{BB962C8B-B14F-4D97-AF65-F5344CB8AC3E}">
-        <p14:creationId xmlns:p14="http://schemas.microsoft.com/office/powerpoint/2010/main" xmlns="" val="2556465596"/>
+        <p14:creationId xmlns:p14="http://schemas.microsoft.com/office/powerpoint/2010/main" val="2556465596"/>
       </p:ext>
     </p:extLst>
   </p:cSld>
@@ -2312,14 +2314,14 @@
           <a:noFill/>
           <a:extLst>
             <a:ext uri="{909E8E84-426E-40DD-AFC4-6F175D3DCCD1}">
-              <a14:hiddenFill xmlns:a14="http://schemas.microsoft.com/office/drawing/2010/main" xmlns="">
+              <a14:hiddenFill xmlns:a14="http://schemas.microsoft.com/office/drawing/2010/main">
                 <a:solidFill>
                   <a:srgbClr val="FFFFFF"/>
                 </a:solidFill>
               </a14:hiddenFill>
             </a:ext>
             <a:ext uri="{91240B29-F687-4F45-9708-019B960494DF}">
-              <a14:hiddenLine xmlns:a14="http://schemas.microsoft.com/office/drawing/2010/main" xmlns="" w="9525">
+              <a14:hiddenLine xmlns:a14="http://schemas.microsoft.com/office/drawing/2010/main" w="9525">
                 <a:solidFill>
                   <a:srgbClr val="000000"/>
                 </a:solidFill>
@@ -2434,7 +2436,7 @@
             <a:fld id="{99C92798-B8E1-40B3-999D-1168DB77F66E}" type="slidenum">
               <a:rPr lang="en-US" altLang="en-US" sz="1200"/>
               <a:pPr/>
-              <a:t>2</a:t>
+              <a:t>3</a:t>
             </a:fld>
             <a:endParaRPr lang="en-US" altLang="en-US" sz="1200"/>
           </a:p>
@@ -2471,14 +2473,14 @@
           <a:noFill/>
           <a:extLst>
             <a:ext uri="{909E8E84-426E-40DD-AFC4-6F175D3DCCD1}">
-              <a14:hiddenFill xmlns:a14="http://schemas.microsoft.com/office/drawing/2010/main" xmlns="">
+              <a14:hiddenFill xmlns:a14="http://schemas.microsoft.com/office/drawing/2010/main">
                 <a:solidFill>
                   <a:srgbClr val="FFFFFF"/>
                 </a:solidFill>
               </a14:hiddenFill>
             </a:ext>
             <a:ext uri="{91240B29-F687-4F45-9708-019B960494DF}">
-              <a14:hiddenLine xmlns:a14="http://schemas.microsoft.com/office/drawing/2010/main" xmlns="" w="9525" cap="flat">
+              <a14:hiddenLine xmlns:a14="http://schemas.microsoft.com/office/drawing/2010/main" w="9525" cap="flat">
                 <a:solidFill>
                   <a:srgbClr val="000000"/>
                 </a:solidFill>
@@ -2500,7 +2502,7 @@
     </p:spTree>
     <p:extLst>
       <p:ext uri="{BB962C8B-B14F-4D97-AF65-F5344CB8AC3E}">
-        <p14:creationId xmlns:p14="http://schemas.microsoft.com/office/powerpoint/2010/main" xmlns="" val="706177337"/>
+        <p14:creationId xmlns:p14="http://schemas.microsoft.com/office/powerpoint/2010/main" val="706177337"/>
       </p:ext>
     </p:extLst>
   </p:cSld>
@@ -2549,14 +2551,14 @@
           <a:noFill/>
           <a:extLst>
             <a:ext uri="{909E8E84-426E-40DD-AFC4-6F175D3DCCD1}">
-              <a14:hiddenFill xmlns:a14="http://schemas.microsoft.com/office/drawing/2010/main" xmlns="">
+              <a14:hiddenFill xmlns:a14="http://schemas.microsoft.com/office/drawing/2010/main">
                 <a:solidFill>
                   <a:srgbClr val="FFFFFF"/>
                 </a:solidFill>
               </a14:hiddenFill>
             </a:ext>
             <a:ext uri="{91240B29-F687-4F45-9708-019B960494DF}">
-              <a14:hiddenLine xmlns:a14="http://schemas.microsoft.com/office/drawing/2010/main" xmlns="" w="9525">
+              <a14:hiddenLine xmlns:a14="http://schemas.microsoft.com/office/drawing/2010/main" w="9525">
                 <a:solidFill>
                   <a:srgbClr val="000000"/>
                 </a:solidFill>
@@ -2671,7 +2673,7 @@
             <a:fld id="{FB014E97-DAF6-4D68-8E58-2C36A263E26A}" type="slidenum">
               <a:rPr lang="en-US" altLang="en-US" sz="1200"/>
               <a:pPr/>
-              <a:t>3</a:t>
+              <a:t>5</a:t>
             </a:fld>
             <a:endParaRPr lang="en-US" altLang="en-US" sz="1200"/>
           </a:p>
@@ -2708,14 +2710,14 @@
           <a:noFill/>
           <a:extLst>
             <a:ext uri="{909E8E84-426E-40DD-AFC4-6F175D3DCCD1}">
-              <a14:hiddenFill xmlns:a14="http://schemas.microsoft.com/office/drawing/2010/main" xmlns="">
+              <a14:hiddenFill xmlns:a14="http://schemas.microsoft.com/office/drawing/2010/main">
                 <a:solidFill>
                   <a:srgbClr val="FFFFFF"/>
                 </a:solidFill>
               </a14:hiddenFill>
             </a:ext>
             <a:ext uri="{91240B29-F687-4F45-9708-019B960494DF}">
-              <a14:hiddenLine xmlns:a14="http://schemas.microsoft.com/office/drawing/2010/main" xmlns="" w="9525" cap="flat">
+              <a14:hiddenLine xmlns:a14="http://schemas.microsoft.com/office/drawing/2010/main" w="9525" cap="flat">
                 <a:solidFill>
                   <a:srgbClr val="000000"/>
                 </a:solidFill>
@@ -2737,7 +2739,7 @@
     </p:spTree>
     <p:extLst>
       <p:ext uri="{BB962C8B-B14F-4D97-AF65-F5344CB8AC3E}">
-        <p14:creationId xmlns:p14="http://schemas.microsoft.com/office/powerpoint/2010/main" xmlns="" val="1727569112"/>
+        <p14:creationId xmlns:p14="http://schemas.microsoft.com/office/powerpoint/2010/main" val="1727569112"/>
       </p:ext>
     </p:extLst>
   </p:cSld>
@@ -2786,14 +2788,14 @@
           <a:noFill/>
           <a:extLst>
             <a:ext uri="{909E8E84-426E-40DD-AFC4-6F175D3DCCD1}">
-              <a14:hiddenFill xmlns:a14="http://schemas.microsoft.com/office/drawing/2010/main" xmlns="">
+              <a14:hiddenFill xmlns:a14="http://schemas.microsoft.com/office/drawing/2010/main">
                 <a:solidFill>
                   <a:srgbClr val="FFFFFF"/>
                 </a:solidFill>
               </a14:hiddenFill>
             </a:ext>
             <a:ext uri="{91240B29-F687-4F45-9708-019B960494DF}">
-              <a14:hiddenLine xmlns:a14="http://schemas.microsoft.com/office/drawing/2010/main" xmlns="" w="9525">
+              <a14:hiddenLine xmlns:a14="http://schemas.microsoft.com/office/drawing/2010/main" w="9525">
                 <a:solidFill>
                   <a:srgbClr val="000000"/>
                 </a:solidFill>
@@ -2908,7 +2910,7 @@
             <a:fld id="{6EB3F266-A490-4E63-8355-24B9F90859DB}" type="slidenum">
               <a:rPr lang="en-US" altLang="en-US" sz="1200"/>
               <a:pPr/>
-              <a:t>4</a:t>
+              <a:t>6</a:t>
             </a:fld>
             <a:endParaRPr lang="en-US" altLang="en-US" sz="1200"/>
           </a:p>
@@ -2945,14 +2947,14 @@
           <a:noFill/>
           <a:extLst>
             <a:ext uri="{909E8E84-426E-40DD-AFC4-6F175D3DCCD1}">
-              <a14:hiddenFill xmlns:a14="http://schemas.microsoft.com/office/drawing/2010/main" xmlns="">
+              <a14:hiddenFill xmlns:a14="http://schemas.microsoft.com/office/drawing/2010/main">
                 <a:solidFill>
                   <a:srgbClr val="FFFFFF"/>
                 </a:solidFill>
               </a14:hiddenFill>
             </a:ext>
             <a:ext uri="{91240B29-F687-4F45-9708-019B960494DF}">
-              <a14:hiddenLine xmlns:a14="http://schemas.microsoft.com/office/drawing/2010/main" xmlns="" w="9525" cap="flat">
+              <a14:hiddenLine xmlns:a14="http://schemas.microsoft.com/office/drawing/2010/main" w="9525" cap="flat">
                 <a:solidFill>
                   <a:srgbClr val="000000"/>
                 </a:solidFill>
@@ -2974,7 +2976,7 @@
     </p:spTree>
     <p:extLst>
       <p:ext uri="{BB962C8B-B14F-4D97-AF65-F5344CB8AC3E}">
-        <p14:creationId xmlns:p14="http://schemas.microsoft.com/office/powerpoint/2010/main" xmlns="" val="274565703"/>
+        <p14:creationId xmlns:p14="http://schemas.microsoft.com/office/powerpoint/2010/main" val="274565703"/>
       </p:ext>
     </p:extLst>
   </p:cSld>
@@ -3023,14 +3025,14 @@
           <a:noFill/>
           <a:extLst>
             <a:ext uri="{909E8E84-426E-40DD-AFC4-6F175D3DCCD1}">
-              <a14:hiddenFill xmlns:a14="http://schemas.microsoft.com/office/drawing/2010/main" xmlns="">
+              <a14:hiddenFill xmlns:a14="http://schemas.microsoft.com/office/drawing/2010/main">
                 <a:solidFill>
                   <a:srgbClr val="FFFFFF"/>
                 </a:solidFill>
               </a14:hiddenFill>
             </a:ext>
             <a:ext uri="{91240B29-F687-4F45-9708-019B960494DF}">
-              <a14:hiddenLine xmlns:a14="http://schemas.microsoft.com/office/drawing/2010/main" xmlns="" w="9525">
+              <a14:hiddenLine xmlns:a14="http://schemas.microsoft.com/office/drawing/2010/main" w="9525">
                 <a:solidFill>
                   <a:srgbClr val="000000"/>
                 </a:solidFill>
@@ -3145,7 +3147,7 @@
             <a:fld id="{CFEDDCC1-B905-46EC-AF05-4F19AE150659}" type="slidenum">
               <a:rPr lang="en-US" altLang="en-US" sz="1200"/>
               <a:pPr/>
-              <a:t>5</a:t>
+              <a:t>7</a:t>
             </a:fld>
             <a:endParaRPr lang="en-US" altLang="en-US" sz="1200"/>
           </a:p>
@@ -3182,14 +3184,14 @@
           <a:noFill/>
           <a:extLst>
             <a:ext uri="{909E8E84-426E-40DD-AFC4-6F175D3DCCD1}">
-              <a14:hiddenFill xmlns:a14="http://schemas.microsoft.com/office/drawing/2010/main" xmlns="">
+              <a14:hiddenFill xmlns:a14="http://schemas.microsoft.com/office/drawing/2010/main">
                 <a:solidFill>
                   <a:srgbClr val="FFFFFF"/>
                 </a:solidFill>
               </a14:hiddenFill>
             </a:ext>
             <a:ext uri="{91240B29-F687-4F45-9708-019B960494DF}">
-              <a14:hiddenLine xmlns:a14="http://schemas.microsoft.com/office/drawing/2010/main" xmlns="" w="9525" cap="flat">
+              <a14:hiddenLine xmlns:a14="http://schemas.microsoft.com/office/drawing/2010/main" w="9525" cap="flat">
                 <a:solidFill>
                   <a:srgbClr val="000000"/>
                 </a:solidFill>
@@ -3211,7 +3213,7 @@
     </p:spTree>
     <p:extLst>
       <p:ext uri="{BB962C8B-B14F-4D97-AF65-F5344CB8AC3E}">
-        <p14:creationId xmlns:p14="http://schemas.microsoft.com/office/powerpoint/2010/main" xmlns="" val="3595201039"/>
+        <p14:creationId xmlns:p14="http://schemas.microsoft.com/office/powerpoint/2010/main" val="3595201039"/>
       </p:ext>
     </p:extLst>
   </p:cSld>
@@ -3260,14 +3262,14 @@
           <a:noFill/>
           <a:extLst>
             <a:ext uri="{909E8E84-426E-40DD-AFC4-6F175D3DCCD1}">
-              <a14:hiddenFill xmlns:a14="http://schemas.microsoft.com/office/drawing/2010/main" xmlns="">
+              <a14:hiddenFill xmlns:a14="http://schemas.microsoft.com/office/drawing/2010/main">
                 <a:solidFill>
                   <a:srgbClr val="FFFFFF"/>
                 </a:solidFill>
               </a14:hiddenFill>
             </a:ext>
             <a:ext uri="{91240B29-F687-4F45-9708-019B960494DF}">
-              <a14:hiddenLine xmlns:a14="http://schemas.microsoft.com/office/drawing/2010/main" xmlns="" w="9525">
+              <a14:hiddenLine xmlns:a14="http://schemas.microsoft.com/office/drawing/2010/main" w="9525">
                 <a:solidFill>
                   <a:srgbClr val="000000"/>
                 </a:solidFill>
@@ -3382,7 +3384,7 @@
             <a:fld id="{B78FF122-BC93-4C27-93B5-A2C30E842B53}" type="slidenum">
               <a:rPr lang="en-US" altLang="en-US" sz="1200"/>
               <a:pPr/>
-              <a:t>6</a:t>
+              <a:t>8</a:t>
             </a:fld>
             <a:endParaRPr lang="en-US" altLang="en-US" sz="1200"/>
           </a:p>
@@ -3419,14 +3421,14 @@
           <a:noFill/>
           <a:extLst>
             <a:ext uri="{909E8E84-426E-40DD-AFC4-6F175D3DCCD1}">
-              <a14:hiddenFill xmlns:a14="http://schemas.microsoft.com/office/drawing/2010/main" xmlns="">
+              <a14:hiddenFill xmlns:a14="http://schemas.microsoft.com/office/drawing/2010/main">
                 <a:solidFill>
                   <a:srgbClr val="FFFFFF"/>
                 </a:solidFill>
               </a14:hiddenFill>
             </a:ext>
             <a:ext uri="{91240B29-F687-4F45-9708-019B960494DF}">
-              <a14:hiddenLine xmlns:a14="http://schemas.microsoft.com/office/drawing/2010/main" xmlns="" w="9525" cap="flat">
+              <a14:hiddenLine xmlns:a14="http://schemas.microsoft.com/office/drawing/2010/main" w="9525" cap="flat">
                 <a:solidFill>
                   <a:srgbClr val="000000"/>
                 </a:solidFill>
@@ -3448,7 +3450,7 @@
     </p:spTree>
     <p:extLst>
       <p:ext uri="{BB962C8B-B14F-4D97-AF65-F5344CB8AC3E}">
-        <p14:creationId xmlns:p14="http://schemas.microsoft.com/office/powerpoint/2010/main" xmlns="" val="964031603"/>
+        <p14:creationId xmlns:p14="http://schemas.microsoft.com/office/powerpoint/2010/main" val="964031603"/>
       </p:ext>
     </p:extLst>
   </p:cSld>
@@ -3497,14 +3499,14 @@
           <a:noFill/>
           <a:extLst>
             <a:ext uri="{909E8E84-426E-40DD-AFC4-6F175D3DCCD1}">
-              <a14:hiddenFill xmlns:a14="http://schemas.microsoft.com/office/drawing/2010/main" xmlns="">
+              <a14:hiddenFill xmlns:a14="http://schemas.microsoft.com/office/drawing/2010/main">
                 <a:solidFill>
                   <a:srgbClr val="FFFFFF"/>
                 </a:solidFill>
               </a14:hiddenFill>
             </a:ext>
             <a:ext uri="{91240B29-F687-4F45-9708-019B960494DF}">
-              <a14:hiddenLine xmlns:a14="http://schemas.microsoft.com/office/drawing/2010/main" xmlns="" w="9525">
+              <a14:hiddenLine xmlns:a14="http://schemas.microsoft.com/office/drawing/2010/main" w="9525">
                 <a:solidFill>
                   <a:srgbClr val="000000"/>
                 </a:solidFill>
@@ -3619,7 +3621,7 @@
             <a:fld id="{0EAAD529-FB7F-4D8D-8360-948EDA121AE5}" type="slidenum">
               <a:rPr lang="en-US" altLang="en-US" sz="1200"/>
               <a:pPr/>
-              <a:t>7</a:t>
+              <a:t>9</a:t>
             </a:fld>
             <a:endParaRPr lang="en-US" altLang="en-US" sz="1200"/>
           </a:p>
@@ -3656,14 +3658,14 @@
           <a:noFill/>
           <a:extLst>
             <a:ext uri="{909E8E84-426E-40DD-AFC4-6F175D3DCCD1}">
-              <a14:hiddenFill xmlns:a14="http://schemas.microsoft.com/office/drawing/2010/main" xmlns="">
+              <a14:hiddenFill xmlns:a14="http://schemas.microsoft.com/office/drawing/2010/main">
                 <a:solidFill>
                   <a:srgbClr val="FFFFFF"/>
                 </a:solidFill>
               </a14:hiddenFill>
             </a:ext>
             <a:ext uri="{91240B29-F687-4F45-9708-019B960494DF}">
-              <a14:hiddenLine xmlns:a14="http://schemas.microsoft.com/office/drawing/2010/main" xmlns="" w="9525" cap="flat">
+              <a14:hiddenLine xmlns:a14="http://schemas.microsoft.com/office/drawing/2010/main" w="9525" cap="flat">
                 <a:solidFill>
                   <a:srgbClr val="000000"/>
                 </a:solidFill>
@@ -3685,7 +3687,7 @@
     </p:spTree>
     <p:extLst>
       <p:ext uri="{BB962C8B-B14F-4D97-AF65-F5344CB8AC3E}">
-        <p14:creationId xmlns:p14="http://schemas.microsoft.com/office/powerpoint/2010/main" xmlns="" val="3026785298"/>
+        <p14:creationId xmlns:p14="http://schemas.microsoft.com/office/powerpoint/2010/main" val="3026785298"/>
       </p:ext>
     </p:extLst>
   </p:cSld>
@@ -3734,14 +3736,14 @@
           <a:noFill/>
           <a:extLst>
             <a:ext uri="{909E8E84-426E-40DD-AFC4-6F175D3DCCD1}">
-              <a14:hiddenFill xmlns:a14="http://schemas.microsoft.com/office/drawing/2010/main" xmlns="">
+              <a14:hiddenFill xmlns:a14="http://schemas.microsoft.com/office/drawing/2010/main">
                 <a:solidFill>
                   <a:srgbClr val="FFFFFF"/>
                 </a:solidFill>
               </a14:hiddenFill>
             </a:ext>
             <a:ext uri="{91240B29-F687-4F45-9708-019B960494DF}">
-              <a14:hiddenLine xmlns:a14="http://schemas.microsoft.com/office/drawing/2010/main" xmlns="" w="9525">
+              <a14:hiddenLine xmlns:a14="http://schemas.microsoft.com/office/drawing/2010/main" w="9525">
                 <a:solidFill>
                   <a:srgbClr val="000000"/>
                 </a:solidFill>
@@ -3856,7 +3858,7 @@
             <a:fld id="{FA7BDCBE-AB33-4EA9-96E5-F14C87E8F4AB}" type="slidenum">
               <a:rPr lang="en-US" altLang="en-US" sz="1200"/>
               <a:pPr/>
-              <a:t>8</a:t>
+              <a:t>10</a:t>
             </a:fld>
             <a:endParaRPr lang="en-US" altLang="en-US" sz="1200"/>
           </a:p>
@@ -3893,14 +3895,14 @@
           <a:noFill/>
           <a:extLst>
             <a:ext uri="{909E8E84-426E-40DD-AFC4-6F175D3DCCD1}">
-              <a14:hiddenFill xmlns:a14="http://schemas.microsoft.com/office/drawing/2010/main" xmlns="">
+              <a14:hiddenFill xmlns:a14="http://schemas.microsoft.com/office/drawing/2010/main">
                 <a:solidFill>
                   <a:srgbClr val="FFFFFF"/>
                 </a:solidFill>
               </a14:hiddenFill>
             </a:ext>
             <a:ext uri="{91240B29-F687-4F45-9708-019B960494DF}">
-              <a14:hiddenLine xmlns:a14="http://schemas.microsoft.com/office/drawing/2010/main" xmlns="" w="9525" cap="flat">
+              <a14:hiddenLine xmlns:a14="http://schemas.microsoft.com/office/drawing/2010/main" w="9525" cap="flat">
                 <a:solidFill>
                   <a:srgbClr val="000000"/>
                 </a:solidFill>
@@ -3922,7 +3924,7 @@
     </p:spTree>
     <p:extLst>
       <p:ext uri="{BB962C8B-B14F-4D97-AF65-F5344CB8AC3E}">
-        <p14:creationId xmlns:p14="http://schemas.microsoft.com/office/powerpoint/2010/main" xmlns="" val="1514107799"/>
+        <p14:creationId xmlns:p14="http://schemas.microsoft.com/office/powerpoint/2010/main" val="1514107799"/>
       </p:ext>
     </p:extLst>
   </p:cSld>
@@ -3971,14 +3973,14 @@
           <a:noFill/>
           <a:extLst>
             <a:ext uri="{909E8E84-426E-40DD-AFC4-6F175D3DCCD1}">
-              <a14:hiddenFill xmlns:a14="http://schemas.microsoft.com/office/drawing/2010/main" xmlns="">
+              <a14:hiddenFill xmlns:a14="http://schemas.microsoft.com/office/drawing/2010/main">
                 <a:solidFill>
                   <a:srgbClr val="FFFFFF"/>
                 </a:solidFill>
               </a14:hiddenFill>
             </a:ext>
             <a:ext uri="{91240B29-F687-4F45-9708-019B960494DF}">
-              <a14:hiddenLine xmlns:a14="http://schemas.microsoft.com/office/drawing/2010/main" xmlns="" w="9525">
+              <a14:hiddenLine xmlns:a14="http://schemas.microsoft.com/office/drawing/2010/main" w="9525">
                 <a:solidFill>
                   <a:srgbClr val="000000"/>
                 </a:solidFill>
@@ -4093,7 +4095,7 @@
             <a:fld id="{DC20F06C-123D-42B4-975B-195B7C4E9BE3}" type="slidenum">
               <a:rPr lang="en-US" altLang="en-US" sz="1200"/>
               <a:pPr/>
-              <a:t>9</a:t>
+              <a:t>11</a:t>
             </a:fld>
             <a:endParaRPr lang="en-US" altLang="en-US" sz="1200"/>
           </a:p>
@@ -4130,14 +4132,14 @@
           <a:noFill/>
           <a:extLst>
             <a:ext uri="{909E8E84-426E-40DD-AFC4-6F175D3DCCD1}">
-              <a14:hiddenFill xmlns:a14="http://schemas.microsoft.com/office/drawing/2010/main" xmlns="">
+              <a14:hiddenFill xmlns:a14="http://schemas.microsoft.com/office/drawing/2010/main">
                 <a:solidFill>
                   <a:srgbClr val="FFFFFF"/>
                 </a:solidFill>
               </a14:hiddenFill>
             </a:ext>
             <a:ext uri="{91240B29-F687-4F45-9708-019B960494DF}">
-              <a14:hiddenLine xmlns:a14="http://schemas.microsoft.com/office/drawing/2010/main" xmlns="" w="9525" cap="flat">
+              <a14:hiddenLine xmlns:a14="http://schemas.microsoft.com/office/drawing/2010/main" w="9525" cap="flat">
                 <a:solidFill>
                   <a:srgbClr val="000000"/>
                 </a:solidFill>
@@ -4159,7 +4161,7 @@
     </p:spTree>
     <p:extLst>
       <p:ext uri="{BB962C8B-B14F-4D97-AF65-F5344CB8AC3E}">
-        <p14:creationId xmlns:p14="http://schemas.microsoft.com/office/powerpoint/2010/main" xmlns="" val="4234850671"/>
+        <p14:creationId xmlns:p14="http://schemas.microsoft.com/office/powerpoint/2010/main" val="4234850671"/>
       </p:ext>
     </p:extLst>
   </p:cSld>
@@ -4286,7 +4288,7 @@
     </p:spTree>
     <p:extLst>
       <p:ext uri="{BB962C8B-B14F-4D97-AF65-F5344CB8AC3E}">
-        <p14:creationId xmlns:p14="http://schemas.microsoft.com/office/powerpoint/2010/main" xmlns="" val="4194925875"/>
+        <p14:creationId xmlns:p14="http://schemas.microsoft.com/office/powerpoint/2010/main" val="4194925875"/>
       </p:ext>
     </p:extLst>
   </p:cSld>
@@ -4423,7 +4425,7 @@
               <a:pPr>
                 <a:defRPr/>
               </a:pPr>
-              <a:t>11/8/2017</a:t>
+              <a:t>11/19/2017</a:t>
             </a:fld>
             <a:endParaRPr lang="en-US" altLang="en-US"/>
           </a:p>
@@ -4509,7 +4511,7 @@
     </p:spTree>
     <p:extLst>
       <p:ext uri="{BB962C8B-B14F-4D97-AF65-F5344CB8AC3E}">
-        <p14:creationId xmlns:p14="http://schemas.microsoft.com/office/powerpoint/2010/main" xmlns="" val="1741164192"/>
+        <p14:creationId xmlns:p14="http://schemas.microsoft.com/office/powerpoint/2010/main" val="1741164192"/>
       </p:ext>
     </p:extLst>
   </p:cSld>
@@ -4656,7 +4658,7 @@
               <a:pPr>
                 <a:defRPr/>
               </a:pPr>
-              <a:t>11/8/2017</a:t>
+              <a:t>11/19/2017</a:t>
             </a:fld>
             <a:endParaRPr lang="en-US" altLang="en-US"/>
           </a:p>
@@ -4742,7 +4744,7 @@
     </p:spTree>
     <p:extLst>
       <p:ext uri="{BB962C8B-B14F-4D97-AF65-F5344CB8AC3E}">
-        <p14:creationId xmlns:p14="http://schemas.microsoft.com/office/powerpoint/2010/main" xmlns="" val="2866338608"/>
+        <p14:creationId xmlns:p14="http://schemas.microsoft.com/office/powerpoint/2010/main" val="2866338608"/>
       </p:ext>
     </p:extLst>
   </p:cSld>
@@ -4847,7 +4849,7 @@
     </p:spTree>
     <p:extLst>
       <p:ext uri="{BB962C8B-B14F-4D97-AF65-F5344CB8AC3E}">
-        <p14:creationId xmlns:p14="http://schemas.microsoft.com/office/powerpoint/2010/main" xmlns="" val="2725100791"/>
+        <p14:creationId xmlns:p14="http://schemas.microsoft.com/office/powerpoint/2010/main" val="2725100791"/>
       </p:ext>
     </p:extLst>
   </p:cSld>
@@ -4974,7 +4976,7 @@
     </p:spTree>
     <p:extLst>
       <p:ext uri="{BB962C8B-B14F-4D97-AF65-F5344CB8AC3E}">
-        <p14:creationId xmlns:p14="http://schemas.microsoft.com/office/powerpoint/2010/main" xmlns="" val="694531350"/>
+        <p14:creationId xmlns:p14="http://schemas.microsoft.com/office/powerpoint/2010/main" val="694531350"/>
       </p:ext>
     </p:extLst>
   </p:cSld>
@@ -5141,7 +5143,7 @@
     </p:spTree>
     <p:extLst>
       <p:ext uri="{BB962C8B-B14F-4D97-AF65-F5344CB8AC3E}">
-        <p14:creationId xmlns:p14="http://schemas.microsoft.com/office/powerpoint/2010/main" xmlns="" val="1298835224"/>
+        <p14:creationId xmlns:p14="http://schemas.microsoft.com/office/powerpoint/2010/main" val="1298835224"/>
       </p:ext>
     </p:extLst>
   </p:cSld>
@@ -5443,7 +5445,7 @@
     </p:spTree>
     <p:extLst>
       <p:ext uri="{BB962C8B-B14F-4D97-AF65-F5344CB8AC3E}">
-        <p14:creationId xmlns:p14="http://schemas.microsoft.com/office/powerpoint/2010/main" xmlns="" val="2682297746"/>
+        <p14:creationId xmlns:p14="http://schemas.microsoft.com/office/powerpoint/2010/main" val="2682297746"/>
       </p:ext>
     </p:extLst>
   </p:cSld>
@@ -5528,7 +5530,7 @@
               <a:pPr>
                 <a:defRPr/>
               </a:pPr>
-              <a:t>11/8/2017</a:t>
+              <a:t>11/19/2017</a:t>
             </a:fld>
             <a:endParaRPr lang="en-US" altLang="en-US"/>
           </a:p>
@@ -5614,7 +5616,7 @@
     </p:spTree>
     <p:extLst>
       <p:ext uri="{BB962C8B-B14F-4D97-AF65-F5344CB8AC3E}">
-        <p14:creationId xmlns:p14="http://schemas.microsoft.com/office/powerpoint/2010/main" xmlns="" val="2927876315"/>
+        <p14:creationId xmlns:p14="http://schemas.microsoft.com/office/powerpoint/2010/main" val="2927876315"/>
       </p:ext>
     </p:extLst>
   </p:cSld>
@@ -5676,7 +5678,7 @@
               <a:pPr>
                 <a:defRPr/>
               </a:pPr>
-              <a:t>11/8/2017</a:t>
+              <a:t>11/19/2017</a:t>
             </a:fld>
             <a:endParaRPr lang="en-US" altLang="en-US"/>
           </a:p>
@@ -5762,7 +5764,7 @@
     </p:spTree>
     <p:extLst>
       <p:ext uri="{BB962C8B-B14F-4D97-AF65-F5344CB8AC3E}">
-        <p14:creationId xmlns:p14="http://schemas.microsoft.com/office/powerpoint/2010/main" xmlns="" val="3238583012"/>
+        <p14:creationId xmlns:p14="http://schemas.microsoft.com/office/powerpoint/2010/main" val="3238583012"/>
       </p:ext>
     </p:extLst>
   </p:cSld>
@@ -6006,7 +6008,7 @@
               <a:pPr>
                 <a:defRPr/>
               </a:pPr>
-              <a:t>11/8/2017</a:t>
+              <a:t>11/19/2017</a:t>
             </a:fld>
             <a:endParaRPr lang="en-US" altLang="en-US"/>
           </a:p>
@@ -6092,7 +6094,7 @@
     </p:spTree>
     <p:extLst>
       <p:ext uri="{BB962C8B-B14F-4D97-AF65-F5344CB8AC3E}">
-        <p14:creationId xmlns:p14="http://schemas.microsoft.com/office/powerpoint/2010/main" xmlns="" val="1520447279"/>
+        <p14:creationId xmlns:p14="http://schemas.microsoft.com/office/powerpoint/2010/main" val="1520447279"/>
       </p:ext>
     </p:extLst>
   </p:cSld>
@@ -6313,7 +6315,7 @@
               <a:pPr>
                 <a:defRPr/>
               </a:pPr>
-              <a:t>11/8/2017</a:t>
+              <a:t>11/19/2017</a:t>
             </a:fld>
             <a:endParaRPr lang="en-US" altLang="en-US"/>
           </a:p>
@@ -6399,7 +6401,7 @@
     </p:spTree>
     <p:extLst>
       <p:ext uri="{BB962C8B-B14F-4D97-AF65-F5344CB8AC3E}">
-        <p14:creationId xmlns:p14="http://schemas.microsoft.com/office/powerpoint/2010/main" xmlns="" val="17182400"/>
+        <p14:creationId xmlns:p14="http://schemas.microsoft.com/office/powerpoint/2010/main" val="17182400"/>
       </p:ext>
     </p:extLst>
   </p:cSld>
@@ -6458,14 +6460,14 @@
           </a:ln>
           <a:extLst>
             <a:ext uri="{909E8E84-426E-40DD-AFC4-6F175D3DCCD1}">
-              <a14:hiddenFill xmlns:a14="http://schemas.microsoft.com/office/drawing/2010/main" xmlns="">
+              <a14:hiddenFill xmlns:a14="http://schemas.microsoft.com/office/drawing/2010/main">
                 <a:solidFill>
                   <a:srgbClr val="FFFFFF"/>
                 </a:solidFill>
               </a14:hiddenFill>
             </a:ext>
             <a:ext uri="{91240B29-F687-4F45-9708-019B960494DF}">
-              <a14:hiddenLine xmlns:a14="http://schemas.microsoft.com/office/drawing/2010/main" xmlns="" w="9525">
+              <a14:hiddenLine xmlns:a14="http://schemas.microsoft.com/office/drawing/2010/main" w="9525">
                 <a:solidFill>
                   <a:srgbClr val="000000"/>
                 </a:solidFill>
@@ -6516,14 +6518,14 @@
           </a:ln>
           <a:extLst>
             <a:ext uri="{909E8E84-426E-40DD-AFC4-6F175D3DCCD1}">
-              <a14:hiddenFill xmlns:a14="http://schemas.microsoft.com/office/drawing/2010/main" xmlns="">
+              <a14:hiddenFill xmlns:a14="http://schemas.microsoft.com/office/drawing/2010/main">
                 <a:solidFill>
                   <a:srgbClr val="FFFFFF"/>
                 </a:solidFill>
               </a14:hiddenFill>
             </a:ext>
             <a:ext uri="{91240B29-F687-4F45-9708-019B960494DF}">
-              <a14:hiddenLine xmlns:a14="http://schemas.microsoft.com/office/drawing/2010/main" xmlns="" w="9525">
+              <a14:hiddenLine xmlns:a14="http://schemas.microsoft.com/office/drawing/2010/main" w="9525">
                 <a:solidFill>
                   <a:srgbClr val="000000"/>
                 </a:solidFill>
@@ -7026,14 +7028,14 @@
           </a:ln>
           <a:extLst>
             <a:ext uri="{909E8E84-426E-40DD-AFC4-6F175D3DCCD1}">
-              <a14:hiddenFill xmlns:a14="http://schemas.microsoft.com/office/drawing/2010/main" xmlns="">
+              <a14:hiddenFill xmlns:a14="http://schemas.microsoft.com/office/drawing/2010/main">
                 <a:solidFill>
                   <a:srgbClr val="FFFFFF"/>
                 </a:solidFill>
               </a14:hiddenFill>
             </a:ext>
             <a:ext uri="{91240B29-F687-4F45-9708-019B960494DF}">
-              <a14:hiddenLine xmlns:a14="http://schemas.microsoft.com/office/drawing/2010/main" xmlns="" w="9525">
+              <a14:hiddenLine xmlns:a14="http://schemas.microsoft.com/office/drawing/2010/main" w="9525">
                 <a:solidFill>
                   <a:srgbClr val="000000"/>
                 </a:solidFill>
@@ -7306,14 +7308,14 @@
           </a:ln>
           <a:extLst>
             <a:ext uri="{909E8E84-426E-40DD-AFC4-6F175D3DCCD1}">
-              <a14:hiddenFill xmlns:a14="http://schemas.microsoft.com/office/drawing/2010/main" xmlns="">
+              <a14:hiddenFill xmlns:a14="http://schemas.microsoft.com/office/drawing/2010/main">
                 <a:solidFill>
                   <a:srgbClr val="FFFFFF"/>
                 </a:solidFill>
               </a14:hiddenFill>
             </a:ext>
             <a:ext uri="{91240B29-F687-4F45-9708-019B960494DF}">
-              <a14:hiddenLine xmlns:a14="http://schemas.microsoft.com/office/drawing/2010/main" xmlns="" w="9525">
+              <a14:hiddenLine xmlns:a14="http://schemas.microsoft.com/office/drawing/2010/main" w="9525">
                 <a:solidFill>
                   <a:srgbClr val="000000"/>
                 </a:solidFill>
@@ -7590,14 +7592,14 @@
           </a:ln>
           <a:extLst>
             <a:ext uri="{909E8E84-426E-40DD-AFC4-6F175D3DCCD1}">
-              <a14:hiddenFill xmlns:a14="http://schemas.microsoft.com/office/drawing/2010/main" xmlns="">
+              <a14:hiddenFill xmlns:a14="http://schemas.microsoft.com/office/drawing/2010/main">
                 <a:solidFill>
                   <a:srgbClr val="FFFFFF"/>
                 </a:solidFill>
               </a14:hiddenFill>
             </a:ext>
             <a:ext uri="{91240B29-F687-4F45-9708-019B960494DF}">
-              <a14:hiddenLine xmlns:a14="http://schemas.microsoft.com/office/drawing/2010/main" xmlns="" w="9525">
+              <a14:hiddenLine xmlns:a14="http://schemas.microsoft.com/office/drawing/2010/main" w="9525">
                 <a:solidFill>
                   <a:srgbClr val="000000"/>
                 </a:solidFill>
@@ -7901,9 +7903,63 @@
           <a:chExt cx="0" cy="0"/>
         </a:xfrm>
       </p:grpSpPr>
+      <p:pic>
+        <p:nvPicPr>
+          <p:cNvPr id="15362" name="Picture 1"/>
+          <p:cNvPicPr>
+            <a:picLocks noChangeAspect="1" noChangeArrowheads="1"/>
+          </p:cNvPicPr>
+          <p:nvPr/>
+        </p:nvPicPr>
+        <p:blipFill>
+          <a:blip r:embed="rId3">
+            <a:extLst>
+              <a:ext uri="{28A0092B-C50C-407E-A947-70E740481C1C}">
+                <a14:useLocalDpi xmlns:a14="http://schemas.microsoft.com/office/drawing/2010/main" val="0"/>
+              </a:ext>
+            </a:extLst>
+          </a:blip>
+          <a:srcRect/>
+          <a:stretch>
+            <a:fillRect/>
+          </a:stretch>
+        </p:blipFill>
+        <p:spPr bwMode="auto">
+          <a:xfrm>
+            <a:off x="365125" y="549275"/>
+            <a:ext cx="4705350" cy="6038850"/>
+          </a:xfrm>
+          <a:prstGeom prst="rect">
+            <a:avLst/>
+          </a:prstGeom>
+          <a:noFill/>
+          <a:ln>
+            <a:noFill/>
+          </a:ln>
+          <a:extLst>
+            <a:ext uri="{909E8E84-426E-40DD-AFC4-6F175D3DCCD1}">
+              <a14:hiddenFill xmlns:a14="http://schemas.microsoft.com/office/drawing/2010/main">
+                <a:solidFill>
+                  <a:srgbClr val="FFFFFF"/>
+                </a:solidFill>
+              </a14:hiddenFill>
+            </a:ext>
+            <a:ext uri="{91240B29-F687-4F45-9708-019B960494DF}">
+              <a14:hiddenLine xmlns:a14="http://schemas.microsoft.com/office/drawing/2010/main" w="9525">
+                <a:solidFill>
+                  <a:srgbClr val="000000"/>
+                </a:solidFill>
+                <a:round/>
+                <a:headEnd/>
+                <a:tailEnd/>
+              </a14:hiddenLine>
+            </a:ext>
+          </a:extLst>
+        </p:spPr>
+      </p:pic>
       <p:sp>
         <p:nvSpPr>
-          <p:cNvPr id="17410" name="Rectangle 1"/>
+          <p:cNvPr id="15363" name="Rectangle 2"/>
           <p:cNvSpPr>
             <a:spLocks noGrp="1" noChangeArrowheads="1"/>
           </p:cNvSpPr>
@@ -7911,7 +7967,12 @@
             <p:ph type="title" idx="4294967295"/>
           </p:nvPr>
         </p:nvSpPr>
-        <p:spPr/>
+        <p:spPr>
+          <a:xfrm>
+            <a:off x="3932238" y="182563"/>
+            <a:ext cx="4754562" cy="1143000"/>
+          </a:xfrm>
+        </p:spPr>
         <p:txBody>
           <a:bodyPr/>
           <a:lstStyle/>
@@ -7934,14 +7995,14 @@
             </a:pPr>
             <a:r>
               <a:rPr lang="en-US" altLang="en-US" smtClean="0"/>
-              <a:t>Javascript Popup Window</a:t>
+              <a:t>Confirm Dialog</a:t>
             </a:r>
           </a:p>
         </p:txBody>
       </p:sp>
       <p:sp>
         <p:nvSpPr>
-          <p:cNvPr id="17411" name="Rectangle 2"/>
+          <p:cNvPr id="15364" name="Rectangle 3"/>
           <p:cNvSpPr>
             <a:spLocks noGrp="1" noChangeArrowheads="1"/>
           </p:cNvSpPr>
@@ -7960,17 +8021,17 @@
       </p:sp>
       <p:pic>
         <p:nvPicPr>
-          <p:cNvPr id="17412" name="Picture 3"/>
+          <p:cNvPr id="15365" name="Picture 4"/>
           <p:cNvPicPr>
             <a:picLocks noChangeAspect="1" noChangeArrowheads="1"/>
           </p:cNvPicPr>
           <p:nvPr/>
         </p:nvPicPr>
         <p:blipFill>
-          <a:blip r:embed="rId3">
+          <a:blip r:embed="rId4">
             <a:extLst>
               <a:ext uri="{28A0092B-C50C-407E-A947-70E740481C1C}">
-                <a14:useLocalDpi xmlns:a14="http://schemas.microsoft.com/office/drawing/2010/main" xmlns="" val="0"/>
+                <a14:useLocalDpi xmlns:a14="http://schemas.microsoft.com/office/drawing/2010/main" val="0"/>
               </a:ext>
             </a:extLst>
           </a:blip>
@@ -7981,8 +8042,8 @@
         </p:blipFill>
         <p:spPr bwMode="auto">
           <a:xfrm>
-            <a:off x="549275" y="1646238"/>
-            <a:ext cx="4664075" cy="2074862"/>
+            <a:off x="4213225" y="5029200"/>
+            <a:ext cx="3924300" cy="1585913"/>
           </a:xfrm>
           <a:prstGeom prst="rect">
             <a:avLst/>
@@ -7993,68 +8054,14 @@
           </a:ln>
           <a:extLst>
             <a:ext uri="{909E8E84-426E-40DD-AFC4-6F175D3DCCD1}">
-              <a14:hiddenFill xmlns:a14="http://schemas.microsoft.com/office/drawing/2010/main" xmlns="">
+              <a14:hiddenFill xmlns:a14="http://schemas.microsoft.com/office/drawing/2010/main">
                 <a:solidFill>
                   <a:srgbClr val="FFFFFF"/>
                 </a:solidFill>
               </a14:hiddenFill>
             </a:ext>
             <a:ext uri="{91240B29-F687-4F45-9708-019B960494DF}">
-              <a14:hiddenLine xmlns:a14="http://schemas.microsoft.com/office/drawing/2010/main" xmlns="" w="9525">
-                <a:solidFill>
-                  <a:srgbClr val="000000"/>
-                </a:solidFill>
-                <a:round/>
-                <a:headEnd/>
-                <a:tailEnd/>
-              </a14:hiddenLine>
-            </a:ext>
-          </a:extLst>
-        </p:spPr>
-      </p:pic>
-      <p:pic>
-        <p:nvPicPr>
-          <p:cNvPr id="17413" name="Picture 4"/>
-          <p:cNvPicPr>
-            <a:picLocks noChangeAspect="1" noChangeArrowheads="1"/>
-          </p:cNvPicPr>
-          <p:nvPr/>
-        </p:nvPicPr>
-        <p:blipFill>
-          <a:blip r:embed="rId4">
-            <a:extLst>
-              <a:ext uri="{28A0092B-C50C-407E-A947-70E740481C1C}">
-                <a14:useLocalDpi xmlns:a14="http://schemas.microsoft.com/office/drawing/2010/main" xmlns="" val="0"/>
-              </a:ext>
-            </a:extLst>
-          </a:blip>
-          <a:srcRect/>
-          <a:stretch>
-            <a:fillRect/>
-          </a:stretch>
-        </p:blipFill>
-        <p:spPr bwMode="auto">
-          <a:xfrm>
-            <a:off x="638175" y="4022725"/>
-            <a:ext cx="6611938" cy="2468563"/>
-          </a:xfrm>
-          <a:prstGeom prst="rect">
-            <a:avLst/>
-          </a:prstGeom>
-          <a:noFill/>
-          <a:ln>
-            <a:noFill/>
-          </a:ln>
-          <a:extLst>
-            <a:ext uri="{909E8E84-426E-40DD-AFC4-6F175D3DCCD1}">
-              <a14:hiddenFill xmlns:a14="http://schemas.microsoft.com/office/drawing/2010/main" xmlns="">
-                <a:solidFill>
-                  <a:srgbClr val="FFFFFF"/>
-                </a:solidFill>
-              </a14:hiddenFill>
-            </a:ext>
-            <a:ext uri="{91240B29-F687-4F45-9708-019B960494DF}">
-              <a14:hiddenLine xmlns:a14="http://schemas.microsoft.com/office/drawing/2010/main" xmlns="" w="9525">
+              <a14:hiddenLine xmlns:a14="http://schemas.microsoft.com/office/drawing/2010/main" w="9525">
                 <a:solidFill>
                   <a:srgbClr val="000000"/>
                 </a:solidFill>
@@ -8119,9 +8126,63 @@
           <a:chExt cx="0" cy="0"/>
         </a:xfrm>
       </p:grpSpPr>
+      <p:pic>
+        <p:nvPicPr>
+          <p:cNvPr id="16386" name="Picture 1"/>
+          <p:cNvPicPr>
+            <a:picLocks noChangeAspect="1" noChangeArrowheads="1"/>
+          </p:cNvPicPr>
+          <p:nvPr/>
+        </p:nvPicPr>
+        <p:blipFill>
+          <a:blip r:embed="rId3">
+            <a:extLst>
+              <a:ext uri="{28A0092B-C50C-407E-A947-70E740481C1C}">
+                <a14:useLocalDpi xmlns:a14="http://schemas.microsoft.com/office/drawing/2010/main" val="0"/>
+              </a:ext>
+            </a:extLst>
+          </a:blip>
+          <a:srcRect/>
+          <a:stretch>
+            <a:fillRect/>
+          </a:stretch>
+        </p:blipFill>
+        <p:spPr bwMode="auto">
+          <a:xfrm>
+            <a:off x="339725" y="549275"/>
+            <a:ext cx="4414838" cy="4479925"/>
+          </a:xfrm>
+          <a:prstGeom prst="rect">
+            <a:avLst/>
+          </a:prstGeom>
+          <a:noFill/>
+          <a:ln>
+            <a:noFill/>
+          </a:ln>
+          <a:extLst>
+            <a:ext uri="{909E8E84-426E-40DD-AFC4-6F175D3DCCD1}">
+              <a14:hiddenFill xmlns:a14="http://schemas.microsoft.com/office/drawing/2010/main">
+                <a:solidFill>
+                  <a:srgbClr val="FFFFFF"/>
+                </a:solidFill>
+              </a14:hiddenFill>
+            </a:ext>
+            <a:ext uri="{91240B29-F687-4F45-9708-019B960494DF}">
+              <a14:hiddenLine xmlns:a14="http://schemas.microsoft.com/office/drawing/2010/main" w="9525">
+                <a:solidFill>
+                  <a:srgbClr val="000000"/>
+                </a:solidFill>
+                <a:round/>
+                <a:headEnd/>
+                <a:tailEnd/>
+              </a14:hiddenLine>
+            </a:ext>
+          </a:extLst>
+        </p:spPr>
+      </p:pic>
       <p:sp>
         <p:nvSpPr>
-          <p:cNvPr id="18434" name="Rectangle 1"/>
+          <p:cNvPr id="16387" name="Rectangle 2"/>
           <p:cNvSpPr>
             <a:spLocks noGrp="1" noChangeArrowheads="1"/>
           </p:cNvSpPr>
@@ -8129,7 +8190,12 @@
             <p:ph type="title" idx="4294967295"/>
           </p:nvPr>
         </p:nvSpPr>
-        <p:spPr/>
+        <p:spPr>
+          <a:xfrm>
+            <a:off x="4251325" y="274638"/>
+            <a:ext cx="4708525" cy="1143000"/>
+          </a:xfrm>
+        </p:spPr>
         <p:txBody>
           <a:bodyPr/>
           <a:lstStyle/>
@@ -8152,14 +8218,14 @@
             </a:pPr>
             <a:r>
               <a:rPr lang="en-US" altLang="en-US" smtClean="0"/>
-              <a:t>Parameters New Window</a:t>
+              <a:t>Prompt Box</a:t>
             </a:r>
           </a:p>
         </p:txBody>
       </p:sp>
       <p:sp>
         <p:nvSpPr>
-          <p:cNvPr id="18435" name="Rectangle 2"/>
+          <p:cNvPr id="16388" name="Rectangle 3"/>
           <p:cNvSpPr>
             <a:spLocks noGrp="1" noChangeArrowheads="1"/>
           </p:cNvSpPr>
@@ -8178,17 +8244,17 @@
       </p:sp>
       <p:pic>
         <p:nvPicPr>
-          <p:cNvPr id="18436" name="Picture 3"/>
+          <p:cNvPr id="16389" name="Picture 4"/>
           <p:cNvPicPr>
             <a:picLocks noChangeAspect="1" noChangeArrowheads="1"/>
           </p:cNvPicPr>
           <p:nvPr/>
         </p:nvPicPr>
         <p:blipFill>
-          <a:blip r:embed="rId3">
+          <a:blip r:embed="rId4">
             <a:extLst>
               <a:ext uri="{28A0092B-C50C-407E-A947-70E740481C1C}">
-                <a14:useLocalDpi xmlns:a14="http://schemas.microsoft.com/office/drawing/2010/main" xmlns="" val="0"/>
+                <a14:useLocalDpi xmlns:a14="http://schemas.microsoft.com/office/drawing/2010/main" val="0"/>
               </a:ext>
             </a:extLst>
           </a:blip>
@@ -8199,8 +8265,8 @@
         </p:blipFill>
         <p:spPr bwMode="auto">
           <a:xfrm>
-            <a:off x="346075" y="1828800"/>
-            <a:ext cx="8432800" cy="3502025"/>
+            <a:off x="4297363" y="4699000"/>
+            <a:ext cx="4389437" cy="1793875"/>
           </a:xfrm>
           <a:prstGeom prst="rect">
             <a:avLst/>
@@ -8211,68 +8277,14 @@
           </a:ln>
           <a:extLst>
             <a:ext uri="{909E8E84-426E-40DD-AFC4-6F175D3DCCD1}">
-              <a14:hiddenFill xmlns:a14="http://schemas.microsoft.com/office/drawing/2010/main" xmlns="">
+              <a14:hiddenFill xmlns:a14="http://schemas.microsoft.com/office/drawing/2010/main">
                 <a:solidFill>
                   <a:srgbClr val="FFFFFF"/>
                 </a:solidFill>
               </a14:hiddenFill>
             </a:ext>
             <a:ext uri="{91240B29-F687-4F45-9708-019B960494DF}">
-              <a14:hiddenLine xmlns:a14="http://schemas.microsoft.com/office/drawing/2010/main" xmlns="" w="9525">
-                <a:solidFill>
-                  <a:srgbClr val="000000"/>
-                </a:solidFill>
-                <a:round/>
-                <a:headEnd/>
-                <a:tailEnd/>
-              </a14:hiddenLine>
-            </a:ext>
-          </a:extLst>
-        </p:spPr>
-      </p:pic>
-      <p:pic>
-        <p:nvPicPr>
-          <p:cNvPr id="18437" name="Picture 4"/>
-          <p:cNvPicPr>
-            <a:picLocks noChangeAspect="1" noChangeArrowheads="1"/>
-          </p:cNvPicPr>
-          <p:nvPr/>
-        </p:nvPicPr>
-        <p:blipFill>
-          <a:blip r:embed="rId4">
-            <a:extLst>
-              <a:ext uri="{28A0092B-C50C-407E-A947-70E740481C1C}">
-                <a14:useLocalDpi xmlns:a14="http://schemas.microsoft.com/office/drawing/2010/main" xmlns="" val="0"/>
-              </a:ext>
-            </a:extLst>
-          </a:blip>
-          <a:srcRect/>
-          <a:stretch>
-            <a:fillRect/>
-          </a:stretch>
-        </p:blipFill>
-        <p:spPr bwMode="auto">
-          <a:xfrm>
-            <a:off x="6364288" y="5121275"/>
-            <a:ext cx="2047875" cy="1449388"/>
-          </a:xfrm>
-          <a:prstGeom prst="rect">
-            <a:avLst/>
-          </a:prstGeom>
-          <a:noFill/>
-          <a:ln>
-            <a:noFill/>
-          </a:ln>
-          <a:extLst>
-            <a:ext uri="{909E8E84-426E-40DD-AFC4-6F175D3DCCD1}">
-              <a14:hiddenFill xmlns:a14="http://schemas.microsoft.com/office/drawing/2010/main" xmlns="">
-                <a:solidFill>
-                  <a:srgbClr val="FFFFFF"/>
-                </a:solidFill>
-              </a14:hiddenFill>
-            </a:ext>
-            <a:ext uri="{91240B29-F687-4F45-9708-019B960494DF}">
-              <a14:hiddenLine xmlns:a14="http://schemas.microsoft.com/office/drawing/2010/main" xmlns="" w="9525">
+              <a14:hiddenLine xmlns:a14="http://schemas.microsoft.com/office/drawing/2010/main" w="9525">
                 <a:solidFill>
                   <a:srgbClr val="000000"/>
                 </a:solidFill>
@@ -8339,48 +8351,20 @@
       </p:grpSpPr>
       <p:sp>
         <p:nvSpPr>
-          <p:cNvPr id="19458" name="Text Box 1"/>
-          <p:cNvSpPr txBox="1">
-            <a:spLocks noChangeArrowheads="1"/>
+          <p:cNvPr id="17410" name="Rectangle 1"/>
+          <p:cNvSpPr>
+            <a:spLocks noGrp="1" noChangeArrowheads="1"/>
           </p:cNvSpPr>
-          <p:nvPr/>
+          <p:nvPr>
+            <p:ph type="title" idx="4294967295"/>
+          </p:nvPr>
         </p:nvSpPr>
-        <p:spPr bwMode="auto">
-          <a:xfrm>
-            <a:off x="685800" y="609600"/>
-            <a:ext cx="7772400" cy="1143000"/>
-          </a:xfrm>
-          <a:prstGeom prst="rect">
-            <a:avLst/>
-          </a:prstGeom>
-          <a:noFill/>
-          <a:ln>
-            <a:noFill/>
-          </a:ln>
-          <a:extLst>
-            <a:ext uri="{909E8E84-426E-40DD-AFC4-6F175D3DCCD1}">
-              <a14:hiddenFill xmlns:a14="http://schemas.microsoft.com/office/drawing/2010/main" xmlns="">
-                <a:solidFill>
-                  <a:srgbClr val="FFFFFF"/>
-                </a:solidFill>
-              </a14:hiddenFill>
-            </a:ext>
-            <a:ext uri="{91240B29-F687-4F45-9708-019B960494DF}">
-              <a14:hiddenLine xmlns:a14="http://schemas.microsoft.com/office/drawing/2010/main" xmlns="" w="9525">
-                <a:solidFill>
-                  <a:srgbClr val="000000"/>
-                </a:solidFill>
-                <a:round/>
-                <a:headEnd/>
-                <a:tailEnd/>
-              </a14:hiddenLine>
-            </a:ext>
-          </a:extLst>
-        </p:spPr>
+        <p:spPr/>
         <p:txBody>
-          <a:bodyPr anchor="ctr"/>
-          <a:lstStyle>
-            <a:lvl1pPr>
+          <a:bodyPr/>
+          <a:lstStyle/>
+          <a:p>
+            <a:pPr>
               <a:tabLst>
                 <a:tab pos="0" algn="l"/>
                 <a:tab pos="914400" algn="l"/>
@@ -8395,240 +8379,58 @@
                 <a:tab pos="9144000" algn="l"/>
                 <a:tab pos="10058400" algn="l"/>
               </a:tabLst>
-              <a:defRPr sz="2400">
-                <a:solidFill>
-                  <a:schemeClr val="tx1"/>
-                </a:solidFill>
-                <a:latin typeface="Times New Roman" panose="02020603050405020304" pitchFamily="18" charset="0"/>
-              </a:defRPr>
-            </a:lvl1pPr>
-            <a:lvl2pPr marL="742950" indent="-285750">
-              <a:tabLst>
-                <a:tab pos="0" algn="l"/>
-                <a:tab pos="914400" algn="l"/>
-                <a:tab pos="1828800" algn="l"/>
-                <a:tab pos="2743200" algn="l"/>
-                <a:tab pos="3657600" algn="l"/>
-                <a:tab pos="4572000" algn="l"/>
-                <a:tab pos="5486400" algn="l"/>
-                <a:tab pos="6400800" algn="l"/>
-                <a:tab pos="7315200" algn="l"/>
-                <a:tab pos="8229600" algn="l"/>
-                <a:tab pos="9144000" algn="l"/>
-                <a:tab pos="10058400" algn="l"/>
-              </a:tabLst>
-              <a:defRPr sz="2400">
-                <a:solidFill>
-                  <a:schemeClr val="tx1"/>
-                </a:solidFill>
-                <a:latin typeface="Times New Roman" panose="02020603050405020304" pitchFamily="18" charset="0"/>
-              </a:defRPr>
-            </a:lvl2pPr>
-            <a:lvl3pPr marL="1143000" indent="-228600">
-              <a:tabLst>
-                <a:tab pos="0" algn="l"/>
-                <a:tab pos="914400" algn="l"/>
-                <a:tab pos="1828800" algn="l"/>
-                <a:tab pos="2743200" algn="l"/>
-                <a:tab pos="3657600" algn="l"/>
-                <a:tab pos="4572000" algn="l"/>
-                <a:tab pos="5486400" algn="l"/>
-                <a:tab pos="6400800" algn="l"/>
-                <a:tab pos="7315200" algn="l"/>
-                <a:tab pos="8229600" algn="l"/>
-                <a:tab pos="9144000" algn="l"/>
-                <a:tab pos="10058400" algn="l"/>
-              </a:tabLst>
-              <a:defRPr sz="2400">
-                <a:solidFill>
-                  <a:schemeClr val="tx1"/>
-                </a:solidFill>
-                <a:latin typeface="Times New Roman" panose="02020603050405020304" pitchFamily="18" charset="0"/>
-              </a:defRPr>
-            </a:lvl3pPr>
-            <a:lvl4pPr marL="1600200" indent="-228600">
-              <a:tabLst>
-                <a:tab pos="0" algn="l"/>
-                <a:tab pos="914400" algn="l"/>
-                <a:tab pos="1828800" algn="l"/>
-                <a:tab pos="2743200" algn="l"/>
-                <a:tab pos="3657600" algn="l"/>
-                <a:tab pos="4572000" algn="l"/>
-                <a:tab pos="5486400" algn="l"/>
-                <a:tab pos="6400800" algn="l"/>
-                <a:tab pos="7315200" algn="l"/>
-                <a:tab pos="8229600" algn="l"/>
-                <a:tab pos="9144000" algn="l"/>
-                <a:tab pos="10058400" algn="l"/>
-              </a:tabLst>
-              <a:defRPr sz="2400">
-                <a:solidFill>
-                  <a:schemeClr val="tx1"/>
-                </a:solidFill>
-                <a:latin typeface="Times New Roman" panose="02020603050405020304" pitchFamily="18" charset="0"/>
-              </a:defRPr>
-            </a:lvl4pPr>
-            <a:lvl5pPr marL="2057400" indent="-228600">
-              <a:tabLst>
-                <a:tab pos="0" algn="l"/>
-                <a:tab pos="914400" algn="l"/>
-                <a:tab pos="1828800" algn="l"/>
-                <a:tab pos="2743200" algn="l"/>
-                <a:tab pos="3657600" algn="l"/>
-                <a:tab pos="4572000" algn="l"/>
-                <a:tab pos="5486400" algn="l"/>
-                <a:tab pos="6400800" algn="l"/>
-                <a:tab pos="7315200" algn="l"/>
-                <a:tab pos="8229600" algn="l"/>
-                <a:tab pos="9144000" algn="l"/>
-                <a:tab pos="10058400" algn="l"/>
-              </a:tabLst>
-              <a:defRPr sz="2400">
-                <a:solidFill>
-                  <a:schemeClr val="tx1"/>
-                </a:solidFill>
-                <a:latin typeface="Times New Roman" panose="02020603050405020304" pitchFamily="18" charset="0"/>
-              </a:defRPr>
-            </a:lvl5pPr>
-            <a:lvl6pPr marL="2514600" indent="-228600" eaLnBrk="0" fontAlgn="base" hangingPunct="0">
-              <a:spcBef>
-                <a:spcPct val="0"/>
-              </a:spcBef>
-              <a:spcAft>
-                <a:spcPct val="0"/>
-              </a:spcAft>
-              <a:tabLst>
-                <a:tab pos="0" algn="l"/>
-                <a:tab pos="914400" algn="l"/>
-                <a:tab pos="1828800" algn="l"/>
-                <a:tab pos="2743200" algn="l"/>
-                <a:tab pos="3657600" algn="l"/>
-                <a:tab pos="4572000" algn="l"/>
-                <a:tab pos="5486400" algn="l"/>
-                <a:tab pos="6400800" algn="l"/>
-                <a:tab pos="7315200" algn="l"/>
-                <a:tab pos="8229600" algn="l"/>
-                <a:tab pos="9144000" algn="l"/>
-                <a:tab pos="10058400" algn="l"/>
-              </a:tabLst>
-              <a:defRPr sz="2400">
-                <a:solidFill>
-                  <a:schemeClr val="tx1"/>
-                </a:solidFill>
-                <a:latin typeface="Times New Roman" panose="02020603050405020304" pitchFamily="18" charset="0"/>
-              </a:defRPr>
-            </a:lvl6pPr>
-            <a:lvl7pPr marL="2971800" indent="-228600" eaLnBrk="0" fontAlgn="base" hangingPunct="0">
-              <a:spcBef>
-                <a:spcPct val="0"/>
-              </a:spcBef>
-              <a:spcAft>
-                <a:spcPct val="0"/>
-              </a:spcAft>
-              <a:tabLst>
-                <a:tab pos="0" algn="l"/>
-                <a:tab pos="914400" algn="l"/>
-                <a:tab pos="1828800" algn="l"/>
-                <a:tab pos="2743200" algn="l"/>
-                <a:tab pos="3657600" algn="l"/>
-                <a:tab pos="4572000" algn="l"/>
-                <a:tab pos="5486400" algn="l"/>
-                <a:tab pos="6400800" algn="l"/>
-                <a:tab pos="7315200" algn="l"/>
-                <a:tab pos="8229600" algn="l"/>
-                <a:tab pos="9144000" algn="l"/>
-                <a:tab pos="10058400" algn="l"/>
-              </a:tabLst>
-              <a:defRPr sz="2400">
-                <a:solidFill>
-                  <a:schemeClr val="tx1"/>
-                </a:solidFill>
-                <a:latin typeface="Times New Roman" panose="02020603050405020304" pitchFamily="18" charset="0"/>
-              </a:defRPr>
-            </a:lvl7pPr>
-            <a:lvl8pPr marL="3429000" indent="-228600" eaLnBrk="0" fontAlgn="base" hangingPunct="0">
-              <a:spcBef>
-                <a:spcPct val="0"/>
-              </a:spcBef>
-              <a:spcAft>
-                <a:spcPct val="0"/>
-              </a:spcAft>
-              <a:tabLst>
-                <a:tab pos="0" algn="l"/>
-                <a:tab pos="914400" algn="l"/>
-                <a:tab pos="1828800" algn="l"/>
-                <a:tab pos="2743200" algn="l"/>
-                <a:tab pos="3657600" algn="l"/>
-                <a:tab pos="4572000" algn="l"/>
-                <a:tab pos="5486400" algn="l"/>
-                <a:tab pos="6400800" algn="l"/>
-                <a:tab pos="7315200" algn="l"/>
-                <a:tab pos="8229600" algn="l"/>
-                <a:tab pos="9144000" algn="l"/>
-                <a:tab pos="10058400" algn="l"/>
-              </a:tabLst>
-              <a:defRPr sz="2400">
-                <a:solidFill>
-                  <a:schemeClr val="tx1"/>
-                </a:solidFill>
-                <a:latin typeface="Times New Roman" panose="02020603050405020304" pitchFamily="18" charset="0"/>
-              </a:defRPr>
-            </a:lvl8pPr>
-            <a:lvl9pPr marL="3886200" indent="-228600" eaLnBrk="0" fontAlgn="base" hangingPunct="0">
-              <a:spcBef>
-                <a:spcPct val="0"/>
-              </a:spcBef>
-              <a:spcAft>
-                <a:spcPct val="0"/>
-              </a:spcAft>
-              <a:tabLst>
-                <a:tab pos="0" algn="l"/>
-                <a:tab pos="914400" algn="l"/>
-                <a:tab pos="1828800" algn="l"/>
-                <a:tab pos="2743200" algn="l"/>
-                <a:tab pos="3657600" algn="l"/>
-                <a:tab pos="4572000" algn="l"/>
-                <a:tab pos="5486400" algn="l"/>
-                <a:tab pos="6400800" algn="l"/>
-                <a:tab pos="7315200" algn="l"/>
-                <a:tab pos="8229600" algn="l"/>
-                <a:tab pos="9144000" algn="l"/>
-                <a:tab pos="10058400" algn="l"/>
-              </a:tabLst>
-              <a:defRPr sz="2400">
-                <a:solidFill>
-                  <a:schemeClr val="tx1"/>
-                </a:solidFill>
-                <a:latin typeface="Times New Roman" panose="02020603050405020304" pitchFamily="18" charset="0"/>
-              </a:defRPr>
-            </a:lvl9pPr>
-          </a:lstStyle>
-          <a:p>
-            <a:pPr algn="ctr"/>
+            </a:pPr>
             <a:r>
-              <a:rPr lang="en-GB" altLang="en-US" sz="4400">
-                <a:solidFill>
-                  <a:srgbClr val="000000"/>
-                </a:solidFill>
-                <a:latin typeface="Arial" panose="020B0604020202020204" pitchFamily="34" charset="0"/>
-              </a:rPr>
-              <a:t>This Week</a:t>
+              <a:rPr lang="en-US" altLang="en-US" smtClean="0"/>
+              <a:t>Javascript Popup Window</a:t>
             </a:r>
           </a:p>
         </p:txBody>
       </p:sp>
       <p:sp>
         <p:nvSpPr>
-          <p:cNvPr id="19459" name="Text Box 2"/>
-          <p:cNvSpPr txBox="1">
-            <a:spLocks noChangeArrowheads="1"/>
+          <p:cNvPr id="17411" name="Rectangle 2"/>
+          <p:cNvSpPr>
+            <a:spLocks noGrp="1" noChangeArrowheads="1"/>
           </p:cNvSpPr>
+          <p:nvPr>
+            <p:ph type="body" idx="4294967295"/>
+          </p:nvPr>
+        </p:nvSpPr>
+        <p:spPr/>
+        <p:txBody>
+          <a:bodyPr/>
+          <a:lstStyle/>
+          <a:p>
+            <a:endParaRPr lang="en-US" altLang="en-US" smtClean="0"/>
+          </a:p>
+        </p:txBody>
+      </p:sp>
+      <p:pic>
+        <p:nvPicPr>
+          <p:cNvPr id="17412" name="Picture 3"/>
+          <p:cNvPicPr>
+            <a:picLocks noChangeAspect="1" noChangeArrowheads="1"/>
+          </p:cNvPicPr>
           <p:nvPr/>
-        </p:nvSpPr>
+        </p:nvPicPr>
+        <p:blipFill>
+          <a:blip r:embed="rId3">
+            <a:extLst>
+              <a:ext uri="{28A0092B-C50C-407E-A947-70E740481C1C}">
+                <a14:useLocalDpi xmlns:a14="http://schemas.microsoft.com/office/drawing/2010/main" val="0"/>
+              </a:ext>
+            </a:extLst>
+          </a:blip>
+          <a:srcRect/>
+          <a:stretch>
+            <a:fillRect/>
+          </a:stretch>
+        </p:blipFill>
         <p:spPr bwMode="auto">
           <a:xfrm>
-            <a:off x="685800" y="1752600"/>
-            <a:ext cx="7772400" cy="4343400"/>
+            <a:off x="549275" y="1646238"/>
+            <a:ext cx="4664075" cy="2074862"/>
           </a:xfrm>
           <a:prstGeom prst="rect">
             <a:avLst/>
@@ -8639,14 +8441,14 @@
           </a:ln>
           <a:extLst>
             <a:ext uri="{909E8E84-426E-40DD-AFC4-6F175D3DCCD1}">
-              <a14:hiddenFill xmlns:a14="http://schemas.microsoft.com/office/drawing/2010/main" xmlns="">
+              <a14:hiddenFill xmlns:a14="http://schemas.microsoft.com/office/drawing/2010/main">
                 <a:solidFill>
                   <a:srgbClr val="FFFFFF"/>
                 </a:solidFill>
               </a14:hiddenFill>
             </a:ext>
             <a:ext uri="{91240B29-F687-4F45-9708-019B960494DF}">
-              <a14:hiddenLine xmlns:a14="http://schemas.microsoft.com/office/drawing/2010/main" xmlns="" w="9525">
+              <a14:hiddenLine xmlns:a14="http://schemas.microsoft.com/office/drawing/2010/main" w="9525">
                 <a:solidFill>
                   <a:srgbClr val="000000"/>
                 </a:solidFill>
@@ -8657,323 +8459,61 @@
             </a:ext>
           </a:extLst>
         </p:spPr>
-        <p:txBody>
-          <a:bodyPr/>
-          <a:lstStyle>
-            <a:lvl1pPr marL="341313" indent="-341313">
-              <a:tabLst>
-                <a:tab pos="911225" algn="l"/>
-                <a:tab pos="1825625" algn="l"/>
-                <a:tab pos="2740025" algn="l"/>
-                <a:tab pos="3654425" algn="l"/>
-                <a:tab pos="4568825" algn="l"/>
-                <a:tab pos="5483225" algn="l"/>
-                <a:tab pos="6397625" algn="l"/>
-                <a:tab pos="7312025" algn="l"/>
-                <a:tab pos="8226425" algn="l"/>
-                <a:tab pos="9140825" algn="l"/>
-                <a:tab pos="10055225" algn="l"/>
-              </a:tabLst>
-              <a:defRPr sz="2400">
-                <a:solidFill>
-                  <a:schemeClr val="tx1"/>
-                </a:solidFill>
-                <a:latin typeface="Times New Roman" panose="02020603050405020304" pitchFamily="18" charset="0"/>
-              </a:defRPr>
-            </a:lvl1pPr>
-            <a:lvl2pPr marL="741363" indent="-284163">
-              <a:tabLst>
-                <a:tab pos="911225" algn="l"/>
-                <a:tab pos="1825625" algn="l"/>
-                <a:tab pos="2740025" algn="l"/>
-                <a:tab pos="3654425" algn="l"/>
-                <a:tab pos="4568825" algn="l"/>
-                <a:tab pos="5483225" algn="l"/>
-                <a:tab pos="6397625" algn="l"/>
-                <a:tab pos="7312025" algn="l"/>
-                <a:tab pos="8226425" algn="l"/>
-                <a:tab pos="9140825" algn="l"/>
-                <a:tab pos="10055225" algn="l"/>
-              </a:tabLst>
-              <a:defRPr sz="2400">
-                <a:solidFill>
-                  <a:schemeClr val="tx1"/>
-                </a:solidFill>
-                <a:latin typeface="Times New Roman" panose="02020603050405020304" pitchFamily="18" charset="0"/>
-              </a:defRPr>
-            </a:lvl2pPr>
-            <a:lvl3pPr marL="1143000" indent="-228600">
-              <a:tabLst>
-                <a:tab pos="911225" algn="l"/>
-                <a:tab pos="1825625" algn="l"/>
-                <a:tab pos="2740025" algn="l"/>
-                <a:tab pos="3654425" algn="l"/>
-                <a:tab pos="4568825" algn="l"/>
-                <a:tab pos="5483225" algn="l"/>
-                <a:tab pos="6397625" algn="l"/>
-                <a:tab pos="7312025" algn="l"/>
-                <a:tab pos="8226425" algn="l"/>
-                <a:tab pos="9140825" algn="l"/>
-                <a:tab pos="10055225" algn="l"/>
-              </a:tabLst>
-              <a:defRPr sz="2400">
-                <a:solidFill>
-                  <a:schemeClr val="tx1"/>
-                </a:solidFill>
-                <a:latin typeface="Times New Roman" panose="02020603050405020304" pitchFamily="18" charset="0"/>
-              </a:defRPr>
-            </a:lvl3pPr>
-            <a:lvl4pPr marL="1600200" indent="-228600">
-              <a:tabLst>
-                <a:tab pos="911225" algn="l"/>
-                <a:tab pos="1825625" algn="l"/>
-                <a:tab pos="2740025" algn="l"/>
-                <a:tab pos="3654425" algn="l"/>
-                <a:tab pos="4568825" algn="l"/>
-                <a:tab pos="5483225" algn="l"/>
-                <a:tab pos="6397625" algn="l"/>
-                <a:tab pos="7312025" algn="l"/>
-                <a:tab pos="8226425" algn="l"/>
-                <a:tab pos="9140825" algn="l"/>
-                <a:tab pos="10055225" algn="l"/>
-              </a:tabLst>
-              <a:defRPr sz="2400">
-                <a:solidFill>
-                  <a:schemeClr val="tx1"/>
-                </a:solidFill>
-                <a:latin typeface="Times New Roman" panose="02020603050405020304" pitchFamily="18" charset="0"/>
-              </a:defRPr>
-            </a:lvl4pPr>
-            <a:lvl5pPr marL="2057400" indent="-228600">
-              <a:tabLst>
-                <a:tab pos="911225" algn="l"/>
-                <a:tab pos="1825625" algn="l"/>
-                <a:tab pos="2740025" algn="l"/>
-                <a:tab pos="3654425" algn="l"/>
-                <a:tab pos="4568825" algn="l"/>
-                <a:tab pos="5483225" algn="l"/>
-                <a:tab pos="6397625" algn="l"/>
-                <a:tab pos="7312025" algn="l"/>
-                <a:tab pos="8226425" algn="l"/>
-                <a:tab pos="9140825" algn="l"/>
-                <a:tab pos="10055225" algn="l"/>
-              </a:tabLst>
-              <a:defRPr sz="2400">
-                <a:solidFill>
-                  <a:schemeClr val="tx1"/>
-                </a:solidFill>
-                <a:latin typeface="Times New Roman" panose="02020603050405020304" pitchFamily="18" charset="0"/>
-              </a:defRPr>
-            </a:lvl5pPr>
-            <a:lvl6pPr marL="2514600" indent="-228600" eaLnBrk="0" fontAlgn="base" hangingPunct="0">
-              <a:spcBef>
-                <a:spcPct val="0"/>
-              </a:spcBef>
-              <a:spcAft>
-                <a:spcPct val="0"/>
-              </a:spcAft>
-              <a:tabLst>
-                <a:tab pos="911225" algn="l"/>
-                <a:tab pos="1825625" algn="l"/>
-                <a:tab pos="2740025" algn="l"/>
-                <a:tab pos="3654425" algn="l"/>
-                <a:tab pos="4568825" algn="l"/>
-                <a:tab pos="5483225" algn="l"/>
-                <a:tab pos="6397625" algn="l"/>
-                <a:tab pos="7312025" algn="l"/>
-                <a:tab pos="8226425" algn="l"/>
-                <a:tab pos="9140825" algn="l"/>
-                <a:tab pos="10055225" algn="l"/>
-              </a:tabLst>
-              <a:defRPr sz="2400">
-                <a:solidFill>
-                  <a:schemeClr val="tx1"/>
-                </a:solidFill>
-                <a:latin typeface="Times New Roman" panose="02020603050405020304" pitchFamily="18" charset="0"/>
-              </a:defRPr>
-            </a:lvl6pPr>
-            <a:lvl7pPr marL="2971800" indent="-228600" eaLnBrk="0" fontAlgn="base" hangingPunct="0">
-              <a:spcBef>
-                <a:spcPct val="0"/>
-              </a:spcBef>
-              <a:spcAft>
-                <a:spcPct val="0"/>
-              </a:spcAft>
-              <a:tabLst>
-                <a:tab pos="911225" algn="l"/>
-                <a:tab pos="1825625" algn="l"/>
-                <a:tab pos="2740025" algn="l"/>
-                <a:tab pos="3654425" algn="l"/>
-                <a:tab pos="4568825" algn="l"/>
-                <a:tab pos="5483225" algn="l"/>
-                <a:tab pos="6397625" algn="l"/>
-                <a:tab pos="7312025" algn="l"/>
-                <a:tab pos="8226425" algn="l"/>
-                <a:tab pos="9140825" algn="l"/>
-                <a:tab pos="10055225" algn="l"/>
-              </a:tabLst>
-              <a:defRPr sz="2400">
-                <a:solidFill>
-                  <a:schemeClr val="tx1"/>
-                </a:solidFill>
-                <a:latin typeface="Times New Roman" panose="02020603050405020304" pitchFamily="18" charset="0"/>
-              </a:defRPr>
-            </a:lvl7pPr>
-            <a:lvl8pPr marL="3429000" indent="-228600" eaLnBrk="0" fontAlgn="base" hangingPunct="0">
-              <a:spcBef>
-                <a:spcPct val="0"/>
-              </a:spcBef>
-              <a:spcAft>
-                <a:spcPct val="0"/>
-              </a:spcAft>
-              <a:tabLst>
-                <a:tab pos="911225" algn="l"/>
-                <a:tab pos="1825625" algn="l"/>
-                <a:tab pos="2740025" algn="l"/>
-                <a:tab pos="3654425" algn="l"/>
-                <a:tab pos="4568825" algn="l"/>
-                <a:tab pos="5483225" algn="l"/>
-                <a:tab pos="6397625" algn="l"/>
-                <a:tab pos="7312025" algn="l"/>
-                <a:tab pos="8226425" algn="l"/>
-                <a:tab pos="9140825" algn="l"/>
-                <a:tab pos="10055225" algn="l"/>
-              </a:tabLst>
-              <a:defRPr sz="2400">
-                <a:solidFill>
-                  <a:schemeClr val="tx1"/>
-                </a:solidFill>
-                <a:latin typeface="Times New Roman" panose="02020603050405020304" pitchFamily="18" charset="0"/>
-              </a:defRPr>
-            </a:lvl8pPr>
-            <a:lvl9pPr marL="3886200" indent="-228600" eaLnBrk="0" fontAlgn="base" hangingPunct="0">
-              <a:spcBef>
-                <a:spcPct val="0"/>
-              </a:spcBef>
-              <a:spcAft>
-                <a:spcPct val="0"/>
-              </a:spcAft>
-              <a:tabLst>
-                <a:tab pos="911225" algn="l"/>
-                <a:tab pos="1825625" algn="l"/>
-                <a:tab pos="2740025" algn="l"/>
-                <a:tab pos="3654425" algn="l"/>
-                <a:tab pos="4568825" algn="l"/>
-                <a:tab pos="5483225" algn="l"/>
-                <a:tab pos="6397625" algn="l"/>
-                <a:tab pos="7312025" algn="l"/>
-                <a:tab pos="8226425" algn="l"/>
-                <a:tab pos="9140825" algn="l"/>
-                <a:tab pos="10055225" algn="l"/>
-              </a:tabLst>
-              <a:defRPr sz="2400">
-                <a:solidFill>
-                  <a:schemeClr val="tx1"/>
-                </a:solidFill>
-                <a:latin typeface="Times New Roman" panose="02020603050405020304" pitchFamily="18" charset="0"/>
-              </a:defRPr>
-            </a:lvl9pPr>
-          </a:lstStyle>
-          <a:p>
-            <a:pPr>
-              <a:spcBef>
-                <a:spcPts val="800"/>
-              </a:spcBef>
-              <a:buFont typeface="Times New Roman" panose="02020603050405020304" pitchFamily="18" charset="0"/>
-              <a:buBlip>
-                <a:blip r:embed="rId3"/>
-              </a:buBlip>
-            </a:pPr>
-            <a:r>
-              <a:rPr lang="en-GB" altLang="en-US" sz="3200">
+      </p:pic>
+      <p:pic>
+        <p:nvPicPr>
+          <p:cNvPr id="17413" name="Picture 4"/>
+          <p:cNvPicPr>
+            <a:picLocks noChangeAspect="1" noChangeArrowheads="1"/>
+          </p:cNvPicPr>
+          <p:nvPr/>
+        </p:nvPicPr>
+        <p:blipFill>
+          <a:blip r:embed="rId4">
+            <a:extLst>
+              <a:ext uri="{28A0092B-C50C-407E-A947-70E740481C1C}">
+                <a14:useLocalDpi xmlns:a14="http://schemas.microsoft.com/office/drawing/2010/main" val="0"/>
+              </a:ext>
+            </a:extLst>
+          </a:blip>
+          <a:srcRect/>
+          <a:stretch>
+            <a:fillRect/>
+          </a:stretch>
+        </p:blipFill>
+        <p:spPr bwMode="auto">
+          <a:xfrm>
+            <a:off x="638175" y="4022725"/>
+            <a:ext cx="6611938" cy="2468563"/>
+          </a:xfrm>
+          <a:prstGeom prst="rect">
+            <a:avLst/>
+          </a:prstGeom>
+          <a:noFill/>
+          <a:ln>
+            <a:noFill/>
+          </a:ln>
+          <a:extLst>
+            <a:ext uri="{909E8E84-426E-40DD-AFC4-6F175D3DCCD1}">
+              <a14:hiddenFill xmlns:a14="http://schemas.microsoft.com/office/drawing/2010/main">
+                <a:solidFill>
+                  <a:srgbClr val="FFFFFF"/>
+                </a:solidFill>
+              </a14:hiddenFill>
+            </a:ext>
+            <a:ext uri="{91240B29-F687-4F45-9708-019B960494DF}">
+              <a14:hiddenLine xmlns:a14="http://schemas.microsoft.com/office/drawing/2010/main" w="9525">
                 <a:solidFill>
                   <a:srgbClr val="000000"/>
                 </a:solidFill>
-                <a:latin typeface="Arial" panose="020B0604020202020204" pitchFamily="34" charset="0"/>
-              </a:rPr>
-              <a:t>Review Slides</a:t>
-            </a:r>
-          </a:p>
-          <a:p>
-            <a:pPr>
-              <a:spcBef>
-                <a:spcPts val="800"/>
-              </a:spcBef>
-              <a:buFont typeface="Times New Roman" panose="02020603050405020304" pitchFamily="18" charset="0"/>
-              <a:buBlip>
-                <a:blip r:embed="rId3"/>
-              </a:buBlip>
-            </a:pPr>
-            <a:r>
-              <a:rPr lang="en-GB" altLang="en-US" sz="3200">
-                <a:solidFill>
-                  <a:srgbClr val="000000"/>
-                </a:solidFill>
-                <a:latin typeface="Arial" panose="020B0604020202020204" pitchFamily="34" charset="0"/>
-              </a:rPr>
-              <a:t>Read Associated Chapters</a:t>
-            </a:r>
-          </a:p>
-          <a:p>
-            <a:pPr>
-              <a:spcBef>
-                <a:spcPts val="800"/>
-              </a:spcBef>
-              <a:buFont typeface="Times New Roman" panose="02020603050405020304" pitchFamily="18" charset="0"/>
-              <a:buBlip>
-                <a:blip r:embed="rId3"/>
-              </a:buBlip>
-            </a:pPr>
-            <a:r>
-              <a:rPr lang="en-GB" altLang="en-US" sz="3200">
-                <a:solidFill>
-                  <a:srgbClr val="000000"/>
-                </a:solidFill>
-                <a:latin typeface="Arial" panose="020B0604020202020204" pitchFamily="34" charset="0"/>
-              </a:rPr>
-              <a:t>Weekly Tasks</a:t>
-            </a:r>
-          </a:p>
-          <a:p>
-            <a:pPr lvl="1">
-              <a:spcBef>
-                <a:spcPts val="700"/>
-              </a:spcBef>
-              <a:buFont typeface="Wingdings 3" panose="05040102010807070707" pitchFamily="18" charset="2"/>
-              <a:buChar char=""/>
-            </a:pPr>
-            <a:r>
-              <a:rPr lang="en-GB" altLang="en-US" sz="2800">
-                <a:solidFill>
-                  <a:srgbClr val="000000"/>
-                </a:solidFill>
-                <a:latin typeface="Arial" panose="020B0604020202020204" pitchFamily="34" charset="0"/>
-              </a:rPr>
-              <a:t>Update GitHub Account/Webpage</a:t>
-            </a:r>
-          </a:p>
-          <a:p>
-            <a:pPr>
-              <a:spcBef>
-                <a:spcPts val="800"/>
-              </a:spcBef>
-              <a:buFont typeface="Arial" panose="020B0604020202020204" pitchFamily="34" charset="0"/>
-              <a:buBlip>
-                <a:blip r:embed="rId3"/>
-              </a:buBlip>
-            </a:pPr>
-            <a:r>
-              <a:rPr lang="en-GB" altLang="en-US" sz="3200" b="1" u="sng">
-                <a:solidFill>
-                  <a:srgbClr val="000000"/>
-                </a:solidFill>
-                <a:latin typeface="Arial" panose="020B0604020202020204" pitchFamily="34" charset="0"/>
-              </a:rPr>
-              <a:t>Online Quizzes</a:t>
-            </a:r>
-          </a:p>
-        </p:txBody>
-      </p:sp>
+                <a:round/>
+                <a:headEnd/>
+                <a:tailEnd/>
+              </a14:hiddenLine>
+            </a:ext>
+          </a:extLst>
+        </p:spPr>
+      </p:pic>
     </p:spTree>
   </p:cSld>
   <p:clrMapOvr>
@@ -9029,48 +8569,20 @@
       </p:grpSpPr>
       <p:sp>
         <p:nvSpPr>
-          <p:cNvPr id="20482" name="Text Box 1"/>
-          <p:cNvSpPr txBox="1">
-            <a:spLocks noChangeArrowheads="1"/>
+          <p:cNvPr id="18434" name="Rectangle 1"/>
+          <p:cNvSpPr>
+            <a:spLocks noGrp="1" noChangeArrowheads="1"/>
           </p:cNvSpPr>
-          <p:nvPr/>
+          <p:nvPr>
+            <p:ph type="title" idx="4294967295"/>
+          </p:nvPr>
         </p:nvSpPr>
-        <p:spPr bwMode="auto">
-          <a:xfrm>
-            <a:off x="685800" y="609600"/>
-            <a:ext cx="7772400" cy="1143000"/>
-          </a:xfrm>
-          <a:prstGeom prst="rect">
-            <a:avLst/>
-          </a:prstGeom>
-          <a:noFill/>
-          <a:ln>
-            <a:noFill/>
-          </a:ln>
-          <a:extLst>
-            <a:ext uri="{909E8E84-426E-40DD-AFC4-6F175D3DCCD1}">
-              <a14:hiddenFill xmlns:a14="http://schemas.microsoft.com/office/drawing/2010/main" xmlns="">
-                <a:solidFill>
-                  <a:srgbClr val="FFFFFF"/>
-                </a:solidFill>
-              </a14:hiddenFill>
-            </a:ext>
-            <a:ext uri="{91240B29-F687-4F45-9708-019B960494DF}">
-              <a14:hiddenLine xmlns:a14="http://schemas.microsoft.com/office/drawing/2010/main" xmlns="" w="9525">
-                <a:solidFill>
-                  <a:srgbClr val="000000"/>
-                </a:solidFill>
-                <a:round/>
-                <a:headEnd/>
-                <a:tailEnd/>
-              </a14:hiddenLine>
-            </a:ext>
-          </a:extLst>
-        </p:spPr>
+        <p:spPr/>
         <p:txBody>
-          <a:bodyPr anchor="ctr"/>
-          <a:lstStyle>
-            <a:lvl1pPr>
+          <a:bodyPr/>
+          <a:lstStyle/>
+          <a:p>
+            <a:pPr>
               <a:tabLst>
                 <a:tab pos="0" algn="l"/>
                 <a:tab pos="914400" algn="l"/>
@@ -9085,240 +8597,58 @@
                 <a:tab pos="9144000" algn="l"/>
                 <a:tab pos="10058400" algn="l"/>
               </a:tabLst>
-              <a:defRPr sz="2400">
-                <a:solidFill>
-                  <a:schemeClr val="tx1"/>
-                </a:solidFill>
-                <a:latin typeface="Times New Roman" panose="02020603050405020304" pitchFamily="18" charset="0"/>
-              </a:defRPr>
-            </a:lvl1pPr>
-            <a:lvl2pPr marL="742950" indent="-285750">
-              <a:tabLst>
-                <a:tab pos="0" algn="l"/>
-                <a:tab pos="914400" algn="l"/>
-                <a:tab pos="1828800" algn="l"/>
-                <a:tab pos="2743200" algn="l"/>
-                <a:tab pos="3657600" algn="l"/>
-                <a:tab pos="4572000" algn="l"/>
-                <a:tab pos="5486400" algn="l"/>
-                <a:tab pos="6400800" algn="l"/>
-                <a:tab pos="7315200" algn="l"/>
-                <a:tab pos="8229600" algn="l"/>
-                <a:tab pos="9144000" algn="l"/>
-                <a:tab pos="10058400" algn="l"/>
-              </a:tabLst>
-              <a:defRPr sz="2400">
-                <a:solidFill>
-                  <a:schemeClr val="tx1"/>
-                </a:solidFill>
-                <a:latin typeface="Times New Roman" panose="02020603050405020304" pitchFamily="18" charset="0"/>
-              </a:defRPr>
-            </a:lvl2pPr>
-            <a:lvl3pPr marL="1143000" indent="-228600">
-              <a:tabLst>
-                <a:tab pos="0" algn="l"/>
-                <a:tab pos="914400" algn="l"/>
-                <a:tab pos="1828800" algn="l"/>
-                <a:tab pos="2743200" algn="l"/>
-                <a:tab pos="3657600" algn="l"/>
-                <a:tab pos="4572000" algn="l"/>
-                <a:tab pos="5486400" algn="l"/>
-                <a:tab pos="6400800" algn="l"/>
-                <a:tab pos="7315200" algn="l"/>
-                <a:tab pos="8229600" algn="l"/>
-                <a:tab pos="9144000" algn="l"/>
-                <a:tab pos="10058400" algn="l"/>
-              </a:tabLst>
-              <a:defRPr sz="2400">
-                <a:solidFill>
-                  <a:schemeClr val="tx1"/>
-                </a:solidFill>
-                <a:latin typeface="Times New Roman" panose="02020603050405020304" pitchFamily="18" charset="0"/>
-              </a:defRPr>
-            </a:lvl3pPr>
-            <a:lvl4pPr marL="1600200" indent="-228600">
-              <a:tabLst>
-                <a:tab pos="0" algn="l"/>
-                <a:tab pos="914400" algn="l"/>
-                <a:tab pos="1828800" algn="l"/>
-                <a:tab pos="2743200" algn="l"/>
-                <a:tab pos="3657600" algn="l"/>
-                <a:tab pos="4572000" algn="l"/>
-                <a:tab pos="5486400" algn="l"/>
-                <a:tab pos="6400800" algn="l"/>
-                <a:tab pos="7315200" algn="l"/>
-                <a:tab pos="8229600" algn="l"/>
-                <a:tab pos="9144000" algn="l"/>
-                <a:tab pos="10058400" algn="l"/>
-              </a:tabLst>
-              <a:defRPr sz="2400">
-                <a:solidFill>
-                  <a:schemeClr val="tx1"/>
-                </a:solidFill>
-                <a:latin typeface="Times New Roman" panose="02020603050405020304" pitchFamily="18" charset="0"/>
-              </a:defRPr>
-            </a:lvl4pPr>
-            <a:lvl5pPr marL="2057400" indent="-228600">
-              <a:tabLst>
-                <a:tab pos="0" algn="l"/>
-                <a:tab pos="914400" algn="l"/>
-                <a:tab pos="1828800" algn="l"/>
-                <a:tab pos="2743200" algn="l"/>
-                <a:tab pos="3657600" algn="l"/>
-                <a:tab pos="4572000" algn="l"/>
-                <a:tab pos="5486400" algn="l"/>
-                <a:tab pos="6400800" algn="l"/>
-                <a:tab pos="7315200" algn="l"/>
-                <a:tab pos="8229600" algn="l"/>
-                <a:tab pos="9144000" algn="l"/>
-                <a:tab pos="10058400" algn="l"/>
-              </a:tabLst>
-              <a:defRPr sz="2400">
-                <a:solidFill>
-                  <a:schemeClr val="tx1"/>
-                </a:solidFill>
-                <a:latin typeface="Times New Roman" panose="02020603050405020304" pitchFamily="18" charset="0"/>
-              </a:defRPr>
-            </a:lvl5pPr>
-            <a:lvl6pPr marL="2514600" indent="-228600" eaLnBrk="0" fontAlgn="base" hangingPunct="0">
-              <a:spcBef>
-                <a:spcPct val="0"/>
-              </a:spcBef>
-              <a:spcAft>
-                <a:spcPct val="0"/>
-              </a:spcAft>
-              <a:tabLst>
-                <a:tab pos="0" algn="l"/>
-                <a:tab pos="914400" algn="l"/>
-                <a:tab pos="1828800" algn="l"/>
-                <a:tab pos="2743200" algn="l"/>
-                <a:tab pos="3657600" algn="l"/>
-                <a:tab pos="4572000" algn="l"/>
-                <a:tab pos="5486400" algn="l"/>
-                <a:tab pos="6400800" algn="l"/>
-                <a:tab pos="7315200" algn="l"/>
-                <a:tab pos="8229600" algn="l"/>
-                <a:tab pos="9144000" algn="l"/>
-                <a:tab pos="10058400" algn="l"/>
-              </a:tabLst>
-              <a:defRPr sz="2400">
-                <a:solidFill>
-                  <a:schemeClr val="tx1"/>
-                </a:solidFill>
-                <a:latin typeface="Times New Roman" panose="02020603050405020304" pitchFamily="18" charset="0"/>
-              </a:defRPr>
-            </a:lvl6pPr>
-            <a:lvl7pPr marL="2971800" indent="-228600" eaLnBrk="0" fontAlgn="base" hangingPunct="0">
-              <a:spcBef>
-                <a:spcPct val="0"/>
-              </a:spcBef>
-              <a:spcAft>
-                <a:spcPct val="0"/>
-              </a:spcAft>
-              <a:tabLst>
-                <a:tab pos="0" algn="l"/>
-                <a:tab pos="914400" algn="l"/>
-                <a:tab pos="1828800" algn="l"/>
-                <a:tab pos="2743200" algn="l"/>
-                <a:tab pos="3657600" algn="l"/>
-                <a:tab pos="4572000" algn="l"/>
-                <a:tab pos="5486400" algn="l"/>
-                <a:tab pos="6400800" algn="l"/>
-                <a:tab pos="7315200" algn="l"/>
-                <a:tab pos="8229600" algn="l"/>
-                <a:tab pos="9144000" algn="l"/>
-                <a:tab pos="10058400" algn="l"/>
-              </a:tabLst>
-              <a:defRPr sz="2400">
-                <a:solidFill>
-                  <a:schemeClr val="tx1"/>
-                </a:solidFill>
-                <a:latin typeface="Times New Roman" panose="02020603050405020304" pitchFamily="18" charset="0"/>
-              </a:defRPr>
-            </a:lvl7pPr>
-            <a:lvl8pPr marL="3429000" indent="-228600" eaLnBrk="0" fontAlgn="base" hangingPunct="0">
-              <a:spcBef>
-                <a:spcPct val="0"/>
-              </a:spcBef>
-              <a:spcAft>
-                <a:spcPct val="0"/>
-              </a:spcAft>
-              <a:tabLst>
-                <a:tab pos="0" algn="l"/>
-                <a:tab pos="914400" algn="l"/>
-                <a:tab pos="1828800" algn="l"/>
-                <a:tab pos="2743200" algn="l"/>
-                <a:tab pos="3657600" algn="l"/>
-                <a:tab pos="4572000" algn="l"/>
-                <a:tab pos="5486400" algn="l"/>
-                <a:tab pos="6400800" algn="l"/>
-                <a:tab pos="7315200" algn="l"/>
-                <a:tab pos="8229600" algn="l"/>
-                <a:tab pos="9144000" algn="l"/>
-                <a:tab pos="10058400" algn="l"/>
-              </a:tabLst>
-              <a:defRPr sz="2400">
-                <a:solidFill>
-                  <a:schemeClr val="tx1"/>
-                </a:solidFill>
-                <a:latin typeface="Times New Roman" panose="02020603050405020304" pitchFamily="18" charset="0"/>
-              </a:defRPr>
-            </a:lvl8pPr>
-            <a:lvl9pPr marL="3886200" indent="-228600" eaLnBrk="0" fontAlgn="base" hangingPunct="0">
-              <a:spcBef>
-                <a:spcPct val="0"/>
-              </a:spcBef>
-              <a:spcAft>
-                <a:spcPct val="0"/>
-              </a:spcAft>
-              <a:tabLst>
-                <a:tab pos="0" algn="l"/>
-                <a:tab pos="914400" algn="l"/>
-                <a:tab pos="1828800" algn="l"/>
-                <a:tab pos="2743200" algn="l"/>
-                <a:tab pos="3657600" algn="l"/>
-                <a:tab pos="4572000" algn="l"/>
-                <a:tab pos="5486400" algn="l"/>
-                <a:tab pos="6400800" algn="l"/>
-                <a:tab pos="7315200" algn="l"/>
-                <a:tab pos="8229600" algn="l"/>
-                <a:tab pos="9144000" algn="l"/>
-                <a:tab pos="10058400" algn="l"/>
-              </a:tabLst>
-              <a:defRPr sz="2400">
-                <a:solidFill>
-                  <a:schemeClr val="tx1"/>
-                </a:solidFill>
-                <a:latin typeface="Times New Roman" panose="02020603050405020304" pitchFamily="18" charset="0"/>
-              </a:defRPr>
-            </a:lvl9pPr>
-          </a:lstStyle>
-          <a:p>
-            <a:pPr algn="ctr"/>
+            </a:pPr>
             <a:r>
-              <a:rPr lang="en-GB" altLang="en-US" sz="4400">
-                <a:solidFill>
-                  <a:srgbClr val="000000"/>
-                </a:solidFill>
-                <a:latin typeface="Arial" panose="020B0604020202020204" pitchFamily="34" charset="0"/>
-              </a:rPr>
-              <a:t>Summary</a:t>
+              <a:rPr lang="en-US" altLang="en-US" smtClean="0"/>
+              <a:t>Parameters New Window</a:t>
             </a:r>
           </a:p>
         </p:txBody>
       </p:sp>
       <p:sp>
         <p:nvSpPr>
-          <p:cNvPr id="20483" name="Text Box 2"/>
-          <p:cNvSpPr txBox="1">
-            <a:spLocks noChangeArrowheads="1"/>
+          <p:cNvPr id="18435" name="Rectangle 2"/>
+          <p:cNvSpPr>
+            <a:spLocks noGrp="1" noChangeArrowheads="1"/>
           </p:cNvSpPr>
+          <p:nvPr>
+            <p:ph type="body" idx="4294967295"/>
+          </p:nvPr>
+        </p:nvSpPr>
+        <p:spPr/>
+        <p:txBody>
+          <a:bodyPr/>
+          <a:lstStyle/>
+          <a:p>
+            <a:endParaRPr lang="en-US" altLang="en-US" smtClean="0"/>
+          </a:p>
+        </p:txBody>
+      </p:sp>
+      <p:pic>
+        <p:nvPicPr>
+          <p:cNvPr id="18436" name="Picture 3"/>
+          <p:cNvPicPr>
+            <a:picLocks noChangeAspect="1" noChangeArrowheads="1"/>
+          </p:cNvPicPr>
           <p:nvPr/>
-        </p:nvSpPr>
+        </p:nvPicPr>
+        <p:blipFill>
+          <a:blip r:embed="rId3">
+            <a:extLst>
+              <a:ext uri="{28A0092B-C50C-407E-A947-70E740481C1C}">
+                <a14:useLocalDpi xmlns:a14="http://schemas.microsoft.com/office/drawing/2010/main" val="0"/>
+              </a:ext>
+            </a:extLst>
+          </a:blip>
+          <a:srcRect/>
+          <a:stretch>
+            <a:fillRect/>
+          </a:stretch>
+        </p:blipFill>
         <p:spPr bwMode="auto">
           <a:xfrm>
-            <a:off x="685800" y="1981200"/>
-            <a:ext cx="7772400" cy="4114800"/>
+            <a:off x="346075" y="1828800"/>
+            <a:ext cx="8432800" cy="3502025"/>
           </a:xfrm>
           <a:prstGeom prst="rect">
             <a:avLst/>
@@ -9329,14 +8659,14 @@
           </a:ln>
           <a:extLst>
             <a:ext uri="{909E8E84-426E-40DD-AFC4-6F175D3DCCD1}">
-              <a14:hiddenFill xmlns:a14="http://schemas.microsoft.com/office/drawing/2010/main" xmlns="">
+              <a14:hiddenFill xmlns:a14="http://schemas.microsoft.com/office/drawing/2010/main">
                 <a:solidFill>
                   <a:srgbClr val="FFFFFF"/>
                 </a:solidFill>
               </a14:hiddenFill>
             </a:ext>
             <a:ext uri="{91240B29-F687-4F45-9708-019B960494DF}">
-              <a14:hiddenLine xmlns:a14="http://schemas.microsoft.com/office/drawing/2010/main" xmlns="" w="9525">
+              <a14:hiddenLine xmlns:a14="http://schemas.microsoft.com/office/drawing/2010/main" w="9525">
                 <a:solidFill>
                   <a:srgbClr val="000000"/>
                 </a:solidFill>
@@ -9347,323 +8677,61 @@
             </a:ext>
           </a:extLst>
         </p:spPr>
-        <p:txBody>
-          <a:bodyPr/>
-          <a:lstStyle>
-            <a:lvl1pPr marL="341313" indent="-341313">
-              <a:tabLst>
-                <a:tab pos="911225" algn="l"/>
-                <a:tab pos="1825625" algn="l"/>
-                <a:tab pos="2740025" algn="l"/>
-                <a:tab pos="3654425" algn="l"/>
-                <a:tab pos="4568825" algn="l"/>
-                <a:tab pos="5483225" algn="l"/>
-                <a:tab pos="6397625" algn="l"/>
-                <a:tab pos="7312025" algn="l"/>
-                <a:tab pos="8226425" algn="l"/>
-                <a:tab pos="9140825" algn="l"/>
-                <a:tab pos="10055225" algn="l"/>
-              </a:tabLst>
-              <a:defRPr sz="2400">
-                <a:solidFill>
-                  <a:schemeClr val="tx1"/>
-                </a:solidFill>
-                <a:latin typeface="Times New Roman" panose="02020603050405020304" pitchFamily="18" charset="0"/>
-              </a:defRPr>
-            </a:lvl1pPr>
-            <a:lvl2pPr marL="741363" indent="-284163">
-              <a:tabLst>
-                <a:tab pos="911225" algn="l"/>
-                <a:tab pos="1825625" algn="l"/>
-                <a:tab pos="2740025" algn="l"/>
-                <a:tab pos="3654425" algn="l"/>
-                <a:tab pos="4568825" algn="l"/>
-                <a:tab pos="5483225" algn="l"/>
-                <a:tab pos="6397625" algn="l"/>
-                <a:tab pos="7312025" algn="l"/>
-                <a:tab pos="8226425" algn="l"/>
-                <a:tab pos="9140825" algn="l"/>
-                <a:tab pos="10055225" algn="l"/>
-              </a:tabLst>
-              <a:defRPr sz="2400">
-                <a:solidFill>
-                  <a:schemeClr val="tx1"/>
-                </a:solidFill>
-                <a:latin typeface="Times New Roman" panose="02020603050405020304" pitchFamily="18" charset="0"/>
-              </a:defRPr>
-            </a:lvl2pPr>
-            <a:lvl3pPr marL="1143000" indent="-228600">
-              <a:tabLst>
-                <a:tab pos="911225" algn="l"/>
-                <a:tab pos="1825625" algn="l"/>
-                <a:tab pos="2740025" algn="l"/>
-                <a:tab pos="3654425" algn="l"/>
-                <a:tab pos="4568825" algn="l"/>
-                <a:tab pos="5483225" algn="l"/>
-                <a:tab pos="6397625" algn="l"/>
-                <a:tab pos="7312025" algn="l"/>
-                <a:tab pos="8226425" algn="l"/>
-                <a:tab pos="9140825" algn="l"/>
-                <a:tab pos="10055225" algn="l"/>
-              </a:tabLst>
-              <a:defRPr sz="2400">
-                <a:solidFill>
-                  <a:schemeClr val="tx1"/>
-                </a:solidFill>
-                <a:latin typeface="Times New Roman" panose="02020603050405020304" pitchFamily="18" charset="0"/>
-              </a:defRPr>
-            </a:lvl3pPr>
-            <a:lvl4pPr marL="1600200" indent="-228600">
-              <a:tabLst>
-                <a:tab pos="911225" algn="l"/>
-                <a:tab pos="1825625" algn="l"/>
-                <a:tab pos="2740025" algn="l"/>
-                <a:tab pos="3654425" algn="l"/>
-                <a:tab pos="4568825" algn="l"/>
-                <a:tab pos="5483225" algn="l"/>
-                <a:tab pos="6397625" algn="l"/>
-                <a:tab pos="7312025" algn="l"/>
-                <a:tab pos="8226425" algn="l"/>
-                <a:tab pos="9140825" algn="l"/>
-                <a:tab pos="10055225" algn="l"/>
-              </a:tabLst>
-              <a:defRPr sz="2400">
-                <a:solidFill>
-                  <a:schemeClr val="tx1"/>
-                </a:solidFill>
-                <a:latin typeface="Times New Roman" panose="02020603050405020304" pitchFamily="18" charset="0"/>
-              </a:defRPr>
-            </a:lvl4pPr>
-            <a:lvl5pPr marL="2057400" indent="-228600">
-              <a:tabLst>
-                <a:tab pos="911225" algn="l"/>
-                <a:tab pos="1825625" algn="l"/>
-                <a:tab pos="2740025" algn="l"/>
-                <a:tab pos="3654425" algn="l"/>
-                <a:tab pos="4568825" algn="l"/>
-                <a:tab pos="5483225" algn="l"/>
-                <a:tab pos="6397625" algn="l"/>
-                <a:tab pos="7312025" algn="l"/>
-                <a:tab pos="8226425" algn="l"/>
-                <a:tab pos="9140825" algn="l"/>
-                <a:tab pos="10055225" algn="l"/>
-              </a:tabLst>
-              <a:defRPr sz="2400">
-                <a:solidFill>
-                  <a:schemeClr val="tx1"/>
-                </a:solidFill>
-                <a:latin typeface="Times New Roman" panose="02020603050405020304" pitchFamily="18" charset="0"/>
-              </a:defRPr>
-            </a:lvl5pPr>
-            <a:lvl6pPr marL="2514600" indent="-228600" eaLnBrk="0" fontAlgn="base" hangingPunct="0">
-              <a:spcBef>
-                <a:spcPct val="0"/>
-              </a:spcBef>
-              <a:spcAft>
-                <a:spcPct val="0"/>
-              </a:spcAft>
-              <a:tabLst>
-                <a:tab pos="911225" algn="l"/>
-                <a:tab pos="1825625" algn="l"/>
-                <a:tab pos="2740025" algn="l"/>
-                <a:tab pos="3654425" algn="l"/>
-                <a:tab pos="4568825" algn="l"/>
-                <a:tab pos="5483225" algn="l"/>
-                <a:tab pos="6397625" algn="l"/>
-                <a:tab pos="7312025" algn="l"/>
-                <a:tab pos="8226425" algn="l"/>
-                <a:tab pos="9140825" algn="l"/>
-                <a:tab pos="10055225" algn="l"/>
-              </a:tabLst>
-              <a:defRPr sz="2400">
-                <a:solidFill>
-                  <a:schemeClr val="tx1"/>
-                </a:solidFill>
-                <a:latin typeface="Times New Roman" panose="02020603050405020304" pitchFamily="18" charset="0"/>
-              </a:defRPr>
-            </a:lvl6pPr>
-            <a:lvl7pPr marL="2971800" indent="-228600" eaLnBrk="0" fontAlgn="base" hangingPunct="0">
-              <a:spcBef>
-                <a:spcPct val="0"/>
-              </a:spcBef>
-              <a:spcAft>
-                <a:spcPct val="0"/>
-              </a:spcAft>
-              <a:tabLst>
-                <a:tab pos="911225" algn="l"/>
-                <a:tab pos="1825625" algn="l"/>
-                <a:tab pos="2740025" algn="l"/>
-                <a:tab pos="3654425" algn="l"/>
-                <a:tab pos="4568825" algn="l"/>
-                <a:tab pos="5483225" algn="l"/>
-                <a:tab pos="6397625" algn="l"/>
-                <a:tab pos="7312025" algn="l"/>
-                <a:tab pos="8226425" algn="l"/>
-                <a:tab pos="9140825" algn="l"/>
-                <a:tab pos="10055225" algn="l"/>
-              </a:tabLst>
-              <a:defRPr sz="2400">
-                <a:solidFill>
-                  <a:schemeClr val="tx1"/>
-                </a:solidFill>
-                <a:latin typeface="Times New Roman" panose="02020603050405020304" pitchFamily="18" charset="0"/>
-              </a:defRPr>
-            </a:lvl7pPr>
-            <a:lvl8pPr marL="3429000" indent="-228600" eaLnBrk="0" fontAlgn="base" hangingPunct="0">
-              <a:spcBef>
-                <a:spcPct val="0"/>
-              </a:spcBef>
-              <a:spcAft>
-                <a:spcPct val="0"/>
-              </a:spcAft>
-              <a:tabLst>
-                <a:tab pos="911225" algn="l"/>
-                <a:tab pos="1825625" algn="l"/>
-                <a:tab pos="2740025" algn="l"/>
-                <a:tab pos="3654425" algn="l"/>
-                <a:tab pos="4568825" algn="l"/>
-                <a:tab pos="5483225" algn="l"/>
-                <a:tab pos="6397625" algn="l"/>
-                <a:tab pos="7312025" algn="l"/>
-                <a:tab pos="8226425" algn="l"/>
-                <a:tab pos="9140825" algn="l"/>
-                <a:tab pos="10055225" algn="l"/>
-              </a:tabLst>
-              <a:defRPr sz="2400">
-                <a:solidFill>
-                  <a:schemeClr val="tx1"/>
-                </a:solidFill>
-                <a:latin typeface="Times New Roman" panose="02020603050405020304" pitchFamily="18" charset="0"/>
-              </a:defRPr>
-            </a:lvl8pPr>
-            <a:lvl9pPr marL="3886200" indent="-228600" eaLnBrk="0" fontAlgn="base" hangingPunct="0">
-              <a:spcBef>
-                <a:spcPct val="0"/>
-              </a:spcBef>
-              <a:spcAft>
-                <a:spcPct val="0"/>
-              </a:spcAft>
-              <a:tabLst>
-                <a:tab pos="911225" algn="l"/>
-                <a:tab pos="1825625" algn="l"/>
-                <a:tab pos="2740025" algn="l"/>
-                <a:tab pos="3654425" algn="l"/>
-                <a:tab pos="4568825" algn="l"/>
-                <a:tab pos="5483225" algn="l"/>
-                <a:tab pos="6397625" algn="l"/>
-                <a:tab pos="7312025" algn="l"/>
-                <a:tab pos="8226425" algn="l"/>
-                <a:tab pos="9140825" algn="l"/>
-                <a:tab pos="10055225" algn="l"/>
-              </a:tabLst>
-              <a:defRPr sz="2400">
-                <a:solidFill>
-                  <a:schemeClr val="tx1"/>
-                </a:solidFill>
-                <a:latin typeface="Times New Roman" panose="02020603050405020304" pitchFamily="18" charset="0"/>
-              </a:defRPr>
-            </a:lvl9pPr>
-          </a:lstStyle>
-          <a:p>
-            <a:pPr>
-              <a:spcBef>
-                <a:spcPts val="800"/>
-              </a:spcBef>
-              <a:buFont typeface="Times New Roman" panose="02020603050405020304" pitchFamily="18" charset="0"/>
-              <a:buBlip>
-                <a:blip r:embed="rId3"/>
-              </a:buBlip>
-            </a:pPr>
-            <a:r>
-              <a:rPr lang="en-GB" altLang="en-US" sz="3200">
+      </p:pic>
+      <p:pic>
+        <p:nvPicPr>
+          <p:cNvPr id="18437" name="Picture 4"/>
+          <p:cNvPicPr>
+            <a:picLocks noChangeAspect="1" noChangeArrowheads="1"/>
+          </p:cNvPicPr>
+          <p:nvPr/>
+        </p:nvPicPr>
+        <p:blipFill>
+          <a:blip r:embed="rId4">
+            <a:extLst>
+              <a:ext uri="{28A0092B-C50C-407E-A947-70E740481C1C}">
+                <a14:useLocalDpi xmlns:a14="http://schemas.microsoft.com/office/drawing/2010/main" val="0"/>
+              </a:ext>
+            </a:extLst>
+          </a:blip>
+          <a:srcRect/>
+          <a:stretch>
+            <a:fillRect/>
+          </a:stretch>
+        </p:blipFill>
+        <p:spPr bwMode="auto">
+          <a:xfrm>
+            <a:off x="6364288" y="5121275"/>
+            <a:ext cx="2047875" cy="1449388"/>
+          </a:xfrm>
+          <a:prstGeom prst="rect">
+            <a:avLst/>
+          </a:prstGeom>
+          <a:noFill/>
+          <a:ln>
+            <a:noFill/>
+          </a:ln>
+          <a:extLst>
+            <a:ext uri="{909E8E84-426E-40DD-AFC4-6F175D3DCCD1}">
+              <a14:hiddenFill xmlns:a14="http://schemas.microsoft.com/office/drawing/2010/main">
+                <a:solidFill>
+                  <a:srgbClr val="FFFFFF"/>
+                </a:solidFill>
+              </a14:hiddenFill>
+            </a:ext>
+            <a:ext uri="{91240B29-F687-4F45-9708-019B960494DF}">
+              <a14:hiddenLine xmlns:a14="http://schemas.microsoft.com/office/drawing/2010/main" w="9525">
                 <a:solidFill>
                   <a:srgbClr val="000000"/>
                 </a:solidFill>
-                <a:latin typeface="Arial" panose="020B0604020202020204" pitchFamily="34" charset="0"/>
-              </a:rPr>
-              <a:t>Overview of Javascript</a:t>
-            </a:r>
-          </a:p>
-          <a:p>
-            <a:pPr>
-              <a:spcBef>
-                <a:spcPts val="800"/>
-              </a:spcBef>
-              <a:buFont typeface="Times New Roman" panose="02020603050405020304" pitchFamily="18" charset="0"/>
-              <a:buBlip>
-                <a:blip r:embed="rId3"/>
-              </a:buBlip>
-            </a:pPr>
-            <a:r>
-              <a:rPr lang="en-GB" altLang="en-US" sz="3200">
-                <a:solidFill>
-                  <a:srgbClr val="000000"/>
-                </a:solidFill>
-                <a:latin typeface="Arial" panose="020B0604020202020204" pitchFamily="34" charset="0"/>
-              </a:rPr>
-              <a:t>Basic Formatting</a:t>
-            </a:r>
-          </a:p>
-          <a:p>
-            <a:pPr lvl="1">
-              <a:spcBef>
-                <a:spcPts val="700"/>
-              </a:spcBef>
-              <a:buFont typeface="Wingdings 3" panose="05040102010807070707" pitchFamily="18" charset="2"/>
-              <a:buChar char=""/>
-            </a:pPr>
-            <a:r>
-              <a:rPr lang="en-GB" altLang="en-US" sz="2800">
-                <a:solidFill>
-                  <a:srgbClr val="000000"/>
-                </a:solidFill>
-                <a:latin typeface="Arial" panose="020B0604020202020204" pitchFamily="34" charset="0"/>
-              </a:rPr>
-              <a:t>Script, Functions, ...</a:t>
-            </a:r>
-          </a:p>
-          <a:p>
-            <a:pPr>
-              <a:spcBef>
-                <a:spcPts val="800"/>
-              </a:spcBef>
-              <a:buFont typeface="Arial" panose="020B0604020202020204" pitchFamily="34" charset="0"/>
-              <a:buBlip>
-                <a:blip r:embed="rId3"/>
-              </a:buBlip>
-            </a:pPr>
-            <a:r>
-              <a:rPr lang="en-GB" altLang="en-US" sz="3200">
-                <a:solidFill>
-                  <a:srgbClr val="000000"/>
-                </a:solidFill>
-                <a:latin typeface="Arial" panose="020B0604020202020204" pitchFamily="34" charset="0"/>
-              </a:rPr>
-              <a:t>Altering webpage operation (through Javascript)</a:t>
-            </a:r>
-          </a:p>
-          <a:p>
-            <a:pPr>
-              <a:spcBef>
-                <a:spcPts val="800"/>
-              </a:spcBef>
-              <a:buFont typeface="Arial" panose="020B0604020202020204" pitchFamily="34" charset="0"/>
-              <a:buBlip>
-                <a:blip r:embed="rId3"/>
-              </a:buBlip>
-            </a:pPr>
-            <a:r>
-              <a:rPr lang="en-GB" altLang="en-US" sz="3200">
-                <a:solidFill>
-                  <a:srgbClr val="000000"/>
-                </a:solidFill>
-                <a:latin typeface="Arial" panose="020B0604020202020204" pitchFamily="34" charset="0"/>
-              </a:rPr>
-              <a:t>Hands-On/Practical</a:t>
-            </a:r>
-          </a:p>
-        </p:txBody>
-      </p:sp>
+                <a:round/>
+                <a:headEnd/>
+                <a:tailEnd/>
+              </a14:hiddenLine>
+            </a:ext>
+          </a:extLst>
+        </p:spPr>
+      </p:pic>
     </p:spTree>
   </p:cSld>
   <p:clrMapOvr>
@@ -9719,7 +8787,7 @@
       </p:grpSpPr>
       <p:sp>
         <p:nvSpPr>
-          <p:cNvPr id="21506" name="Text Box 1"/>
+          <p:cNvPr id="19458" name="Text Box 1"/>
           <p:cNvSpPr txBox="1">
             <a:spLocks noChangeArrowheads="1"/>
           </p:cNvSpPr>
@@ -9739,14 +8807,14 @@
           </a:ln>
           <a:extLst>
             <a:ext uri="{909E8E84-426E-40DD-AFC4-6F175D3DCCD1}">
-              <a14:hiddenFill xmlns:a14="http://schemas.microsoft.com/office/drawing/2010/main" xmlns="">
+              <a14:hiddenFill xmlns:a14="http://schemas.microsoft.com/office/drawing/2010/main">
                 <a:solidFill>
                   <a:srgbClr val="FFFFFF"/>
                 </a:solidFill>
               </a14:hiddenFill>
             </a:ext>
             <a:ext uri="{91240B29-F687-4F45-9708-019B960494DF}">
-              <a14:hiddenLine xmlns:a14="http://schemas.microsoft.com/office/drawing/2010/main" xmlns="" w="9525">
+              <a14:hiddenLine xmlns:a14="http://schemas.microsoft.com/office/drawing/2010/main" w="9525">
                 <a:solidFill>
                   <a:srgbClr val="000000"/>
                 </a:solidFill>
@@ -9984,7 +9052,7 @@
             </a:lvl9pPr>
           </a:lstStyle>
           <a:p>
-            <a:pPr algn="ctr" eaLnBrk="1" hangingPunct="1"/>
+            <a:pPr algn="ctr"/>
             <a:r>
               <a:rPr lang="en-GB" altLang="en-US" sz="4400">
                 <a:solidFill>
@@ -9992,14 +9060,14 @@
                 </a:solidFill>
                 <a:latin typeface="Arial" panose="020B0604020202020204" pitchFamily="34" charset="0"/>
               </a:rPr>
-              <a:t>Questions/Discussion</a:t>
+              <a:t>This Week</a:t>
             </a:r>
           </a:p>
         </p:txBody>
       </p:sp>
       <p:sp>
         <p:nvSpPr>
-          <p:cNvPr id="21507" name="Text Box 2"/>
+          <p:cNvPr id="19459" name="Text Box 2"/>
           <p:cNvSpPr txBox="1">
             <a:spLocks noChangeArrowheads="1"/>
           </p:cNvSpPr>
@@ -10007,8 +9075,8 @@
         </p:nvSpPr>
         <p:spPr bwMode="auto">
           <a:xfrm>
-            <a:off x="685800" y="1981200"/>
-            <a:ext cx="7772400" cy="4114800"/>
+            <a:off x="685800" y="1752600"/>
+            <a:ext cx="7772400" cy="4343400"/>
           </a:xfrm>
           <a:prstGeom prst="rect">
             <a:avLst/>
@@ -10019,14 +9087,14 @@
           </a:ln>
           <a:extLst>
             <a:ext uri="{909E8E84-426E-40DD-AFC4-6F175D3DCCD1}">
-              <a14:hiddenFill xmlns:a14="http://schemas.microsoft.com/office/drawing/2010/main" xmlns="">
+              <a14:hiddenFill xmlns:a14="http://schemas.microsoft.com/office/drawing/2010/main">
                 <a:solidFill>
                   <a:srgbClr val="FFFFFF"/>
                 </a:solidFill>
               </a14:hiddenFill>
             </a:ext>
             <a:ext uri="{91240B29-F687-4F45-9708-019B960494DF}">
-              <a14:hiddenLine xmlns:a14="http://schemas.microsoft.com/office/drawing/2010/main" xmlns="" w="9525">
+              <a14:hiddenLine xmlns:a14="http://schemas.microsoft.com/office/drawing/2010/main" w="9525">
                 <a:solidFill>
                   <a:srgbClr val="000000"/>
                 </a:solidFill>
@@ -10038,9 +9106,22 @@
           </a:extLst>
         </p:spPr>
         <p:txBody>
-          <a:bodyPr wrap="none" anchor="ctr"/>
+          <a:bodyPr/>
           <a:lstStyle>
-            <a:lvl1pPr>
+            <a:lvl1pPr marL="341313" indent="-341313">
+              <a:tabLst>
+                <a:tab pos="911225" algn="l"/>
+                <a:tab pos="1825625" algn="l"/>
+                <a:tab pos="2740025" algn="l"/>
+                <a:tab pos="3654425" algn="l"/>
+                <a:tab pos="4568825" algn="l"/>
+                <a:tab pos="5483225" algn="l"/>
+                <a:tab pos="6397625" algn="l"/>
+                <a:tab pos="7312025" algn="l"/>
+                <a:tab pos="8226425" algn="l"/>
+                <a:tab pos="9140825" algn="l"/>
+                <a:tab pos="10055225" algn="l"/>
+              </a:tabLst>
               <a:defRPr sz="2400">
                 <a:solidFill>
                   <a:schemeClr val="tx1"/>
@@ -10048,7 +9129,20 @@
                 <a:latin typeface="Times New Roman" panose="02020603050405020304" pitchFamily="18" charset="0"/>
               </a:defRPr>
             </a:lvl1pPr>
-            <a:lvl2pPr marL="742950" indent="-285750">
+            <a:lvl2pPr marL="741363" indent="-284163">
+              <a:tabLst>
+                <a:tab pos="911225" algn="l"/>
+                <a:tab pos="1825625" algn="l"/>
+                <a:tab pos="2740025" algn="l"/>
+                <a:tab pos="3654425" algn="l"/>
+                <a:tab pos="4568825" algn="l"/>
+                <a:tab pos="5483225" algn="l"/>
+                <a:tab pos="6397625" algn="l"/>
+                <a:tab pos="7312025" algn="l"/>
+                <a:tab pos="8226425" algn="l"/>
+                <a:tab pos="9140825" algn="l"/>
+                <a:tab pos="10055225" algn="l"/>
+              </a:tabLst>
               <a:defRPr sz="2400">
                 <a:solidFill>
                   <a:schemeClr val="tx1"/>
@@ -10057,6 +9151,19 @@
               </a:defRPr>
             </a:lvl2pPr>
             <a:lvl3pPr marL="1143000" indent="-228600">
+              <a:tabLst>
+                <a:tab pos="911225" algn="l"/>
+                <a:tab pos="1825625" algn="l"/>
+                <a:tab pos="2740025" algn="l"/>
+                <a:tab pos="3654425" algn="l"/>
+                <a:tab pos="4568825" algn="l"/>
+                <a:tab pos="5483225" algn="l"/>
+                <a:tab pos="6397625" algn="l"/>
+                <a:tab pos="7312025" algn="l"/>
+                <a:tab pos="8226425" algn="l"/>
+                <a:tab pos="9140825" algn="l"/>
+                <a:tab pos="10055225" algn="l"/>
+              </a:tabLst>
               <a:defRPr sz="2400">
                 <a:solidFill>
                   <a:schemeClr val="tx1"/>
@@ -10065,6 +9172,19 @@
               </a:defRPr>
             </a:lvl3pPr>
             <a:lvl4pPr marL="1600200" indent="-228600">
+              <a:tabLst>
+                <a:tab pos="911225" algn="l"/>
+                <a:tab pos="1825625" algn="l"/>
+                <a:tab pos="2740025" algn="l"/>
+                <a:tab pos="3654425" algn="l"/>
+                <a:tab pos="4568825" algn="l"/>
+                <a:tab pos="5483225" algn="l"/>
+                <a:tab pos="6397625" algn="l"/>
+                <a:tab pos="7312025" algn="l"/>
+                <a:tab pos="8226425" algn="l"/>
+                <a:tab pos="9140825" algn="l"/>
+                <a:tab pos="10055225" algn="l"/>
+              </a:tabLst>
               <a:defRPr sz="2400">
                 <a:solidFill>
                   <a:schemeClr val="tx1"/>
@@ -10073,6 +9193,19 @@
               </a:defRPr>
             </a:lvl4pPr>
             <a:lvl5pPr marL="2057400" indent="-228600">
+              <a:tabLst>
+                <a:tab pos="911225" algn="l"/>
+                <a:tab pos="1825625" algn="l"/>
+                <a:tab pos="2740025" algn="l"/>
+                <a:tab pos="3654425" algn="l"/>
+                <a:tab pos="4568825" algn="l"/>
+                <a:tab pos="5483225" algn="l"/>
+                <a:tab pos="6397625" algn="l"/>
+                <a:tab pos="7312025" algn="l"/>
+                <a:tab pos="8226425" algn="l"/>
+                <a:tab pos="9140825" algn="l"/>
+                <a:tab pos="10055225" algn="l"/>
+              </a:tabLst>
               <a:defRPr sz="2400">
                 <a:solidFill>
                   <a:schemeClr val="tx1"/>
@@ -10087,6 +9220,19 @@
               <a:spcAft>
                 <a:spcPct val="0"/>
               </a:spcAft>
+              <a:tabLst>
+                <a:tab pos="911225" algn="l"/>
+                <a:tab pos="1825625" algn="l"/>
+                <a:tab pos="2740025" algn="l"/>
+                <a:tab pos="3654425" algn="l"/>
+                <a:tab pos="4568825" algn="l"/>
+                <a:tab pos="5483225" algn="l"/>
+                <a:tab pos="6397625" algn="l"/>
+                <a:tab pos="7312025" algn="l"/>
+                <a:tab pos="8226425" algn="l"/>
+                <a:tab pos="9140825" algn="l"/>
+                <a:tab pos="10055225" algn="l"/>
+              </a:tabLst>
               <a:defRPr sz="2400">
                 <a:solidFill>
                   <a:schemeClr val="tx1"/>
@@ -10101,6 +9247,19 @@
               <a:spcAft>
                 <a:spcPct val="0"/>
               </a:spcAft>
+              <a:tabLst>
+                <a:tab pos="911225" algn="l"/>
+                <a:tab pos="1825625" algn="l"/>
+                <a:tab pos="2740025" algn="l"/>
+                <a:tab pos="3654425" algn="l"/>
+                <a:tab pos="4568825" algn="l"/>
+                <a:tab pos="5483225" algn="l"/>
+                <a:tab pos="6397625" algn="l"/>
+                <a:tab pos="7312025" algn="l"/>
+                <a:tab pos="8226425" algn="l"/>
+                <a:tab pos="9140825" algn="l"/>
+                <a:tab pos="10055225" algn="l"/>
+              </a:tabLst>
               <a:defRPr sz="2400">
                 <a:solidFill>
                   <a:schemeClr val="tx1"/>
@@ -10115,6 +9274,19 @@
               <a:spcAft>
                 <a:spcPct val="0"/>
               </a:spcAft>
+              <a:tabLst>
+                <a:tab pos="911225" algn="l"/>
+                <a:tab pos="1825625" algn="l"/>
+                <a:tab pos="2740025" algn="l"/>
+                <a:tab pos="3654425" algn="l"/>
+                <a:tab pos="4568825" algn="l"/>
+                <a:tab pos="5483225" algn="l"/>
+                <a:tab pos="6397625" algn="l"/>
+                <a:tab pos="7312025" algn="l"/>
+                <a:tab pos="8226425" algn="l"/>
+                <a:tab pos="9140825" algn="l"/>
+                <a:tab pos="10055225" algn="l"/>
+              </a:tabLst>
               <a:defRPr sz="2400">
                 <a:solidFill>
                   <a:schemeClr val="tx1"/>
@@ -10129,6 +9301,19 @@
               <a:spcAft>
                 <a:spcPct val="0"/>
               </a:spcAft>
+              <a:tabLst>
+                <a:tab pos="911225" algn="l"/>
+                <a:tab pos="1825625" algn="l"/>
+                <a:tab pos="2740025" algn="l"/>
+                <a:tab pos="3654425" algn="l"/>
+                <a:tab pos="4568825" algn="l"/>
+                <a:tab pos="5483225" algn="l"/>
+                <a:tab pos="6397625" algn="l"/>
+                <a:tab pos="7312025" algn="l"/>
+                <a:tab pos="8226425" algn="l"/>
+                <a:tab pos="9140825" algn="l"/>
+                <a:tab pos="10055225" algn="l"/>
+              </a:tabLst>
               <a:defRPr sz="2400">
                 <a:solidFill>
                   <a:schemeClr val="tx1"/>
@@ -10138,7 +9323,102 @@
             </a:lvl9pPr>
           </a:lstStyle>
           <a:p>
-            <a:endParaRPr lang="en-US" altLang="en-US"/>
+            <a:pPr>
+              <a:spcBef>
+                <a:spcPts val="800"/>
+              </a:spcBef>
+              <a:buFont typeface="Times New Roman" panose="02020603050405020304" pitchFamily="18" charset="0"/>
+              <a:buBlip>
+                <a:blip r:embed="rId3"/>
+              </a:buBlip>
+            </a:pPr>
+            <a:r>
+              <a:rPr lang="en-GB" altLang="en-US" sz="3200">
+                <a:solidFill>
+                  <a:srgbClr val="000000"/>
+                </a:solidFill>
+                <a:latin typeface="Arial" panose="020B0604020202020204" pitchFamily="34" charset="0"/>
+              </a:rPr>
+              <a:t>Review Slides</a:t>
+            </a:r>
+          </a:p>
+          <a:p>
+            <a:pPr>
+              <a:spcBef>
+                <a:spcPts val="800"/>
+              </a:spcBef>
+              <a:buFont typeface="Times New Roman" panose="02020603050405020304" pitchFamily="18" charset="0"/>
+              <a:buBlip>
+                <a:blip r:embed="rId3"/>
+              </a:buBlip>
+            </a:pPr>
+            <a:r>
+              <a:rPr lang="en-GB" altLang="en-US" sz="3200">
+                <a:solidFill>
+                  <a:srgbClr val="000000"/>
+                </a:solidFill>
+                <a:latin typeface="Arial" panose="020B0604020202020204" pitchFamily="34" charset="0"/>
+              </a:rPr>
+              <a:t>Read Associated Chapters</a:t>
+            </a:r>
+          </a:p>
+          <a:p>
+            <a:pPr>
+              <a:spcBef>
+                <a:spcPts val="800"/>
+              </a:spcBef>
+              <a:buFont typeface="Times New Roman" panose="02020603050405020304" pitchFamily="18" charset="0"/>
+              <a:buBlip>
+                <a:blip r:embed="rId3"/>
+              </a:buBlip>
+            </a:pPr>
+            <a:r>
+              <a:rPr lang="en-GB" altLang="en-US" sz="3200">
+                <a:solidFill>
+                  <a:srgbClr val="000000"/>
+                </a:solidFill>
+                <a:latin typeface="Arial" panose="020B0604020202020204" pitchFamily="34" charset="0"/>
+              </a:rPr>
+              <a:t>Weekly Tasks</a:t>
+            </a:r>
+          </a:p>
+          <a:p>
+            <a:pPr lvl="1">
+              <a:spcBef>
+                <a:spcPts val="700"/>
+              </a:spcBef>
+              <a:buFont typeface="Wingdings 3" panose="05040102010807070707" pitchFamily="18" charset="2"/>
+              <a:buChar char=""/>
+            </a:pPr>
+            <a:r>
+              <a:rPr lang="en-GB" altLang="en-US" sz="2800">
+                <a:solidFill>
+                  <a:srgbClr val="000000"/>
+                </a:solidFill>
+                <a:latin typeface="Arial" panose="020B0604020202020204" pitchFamily="34" charset="0"/>
+              </a:rPr>
+              <a:t>Update GitHub Account/Webpage</a:t>
+            </a:r>
+          </a:p>
+          <a:p>
+            <a:pPr>
+              <a:spcBef>
+                <a:spcPts val="800"/>
+              </a:spcBef>
+              <a:buFont typeface="Arial" panose="020B0604020202020204" pitchFamily="34" charset="0"/>
+              <a:buBlip>
+                <a:blip r:embed="rId3"/>
+              </a:buBlip>
+            </a:pPr>
+            <a:r>
+              <a:rPr lang="en-GB" altLang="en-US" sz="3200" b="1" u="sng">
+                <a:solidFill>
+                  <a:srgbClr val="000000"/>
+                </a:solidFill>
+                <a:latin typeface="Arial" panose="020B0604020202020204" pitchFamily="34" charset="0"/>
+              </a:rPr>
+              <a:t>Online Quizzes</a:t>
+            </a:r>
           </a:p>
         </p:txBody>
       </p:sp>
@@ -10197,6 +9477,1174 @@
       </p:grpSpPr>
       <p:sp>
         <p:nvSpPr>
+          <p:cNvPr id="20482" name="Text Box 1"/>
+          <p:cNvSpPr txBox="1">
+            <a:spLocks noChangeArrowheads="1"/>
+          </p:cNvSpPr>
+          <p:nvPr/>
+        </p:nvSpPr>
+        <p:spPr bwMode="auto">
+          <a:xfrm>
+            <a:off x="685800" y="609600"/>
+            <a:ext cx="7772400" cy="1143000"/>
+          </a:xfrm>
+          <a:prstGeom prst="rect">
+            <a:avLst/>
+          </a:prstGeom>
+          <a:noFill/>
+          <a:ln>
+            <a:noFill/>
+          </a:ln>
+          <a:extLst>
+            <a:ext uri="{909E8E84-426E-40DD-AFC4-6F175D3DCCD1}">
+              <a14:hiddenFill xmlns:a14="http://schemas.microsoft.com/office/drawing/2010/main">
+                <a:solidFill>
+                  <a:srgbClr val="FFFFFF"/>
+                </a:solidFill>
+              </a14:hiddenFill>
+            </a:ext>
+            <a:ext uri="{91240B29-F687-4F45-9708-019B960494DF}">
+              <a14:hiddenLine xmlns:a14="http://schemas.microsoft.com/office/drawing/2010/main" w="9525">
+                <a:solidFill>
+                  <a:srgbClr val="000000"/>
+                </a:solidFill>
+                <a:round/>
+                <a:headEnd/>
+                <a:tailEnd/>
+              </a14:hiddenLine>
+            </a:ext>
+          </a:extLst>
+        </p:spPr>
+        <p:txBody>
+          <a:bodyPr anchor="ctr"/>
+          <a:lstStyle>
+            <a:lvl1pPr>
+              <a:tabLst>
+                <a:tab pos="0" algn="l"/>
+                <a:tab pos="914400" algn="l"/>
+                <a:tab pos="1828800" algn="l"/>
+                <a:tab pos="2743200" algn="l"/>
+                <a:tab pos="3657600" algn="l"/>
+                <a:tab pos="4572000" algn="l"/>
+                <a:tab pos="5486400" algn="l"/>
+                <a:tab pos="6400800" algn="l"/>
+                <a:tab pos="7315200" algn="l"/>
+                <a:tab pos="8229600" algn="l"/>
+                <a:tab pos="9144000" algn="l"/>
+                <a:tab pos="10058400" algn="l"/>
+              </a:tabLst>
+              <a:defRPr sz="2400">
+                <a:solidFill>
+                  <a:schemeClr val="tx1"/>
+                </a:solidFill>
+                <a:latin typeface="Times New Roman" panose="02020603050405020304" pitchFamily="18" charset="0"/>
+              </a:defRPr>
+            </a:lvl1pPr>
+            <a:lvl2pPr marL="742950" indent="-285750">
+              <a:tabLst>
+                <a:tab pos="0" algn="l"/>
+                <a:tab pos="914400" algn="l"/>
+                <a:tab pos="1828800" algn="l"/>
+                <a:tab pos="2743200" algn="l"/>
+                <a:tab pos="3657600" algn="l"/>
+                <a:tab pos="4572000" algn="l"/>
+                <a:tab pos="5486400" algn="l"/>
+                <a:tab pos="6400800" algn="l"/>
+                <a:tab pos="7315200" algn="l"/>
+                <a:tab pos="8229600" algn="l"/>
+                <a:tab pos="9144000" algn="l"/>
+                <a:tab pos="10058400" algn="l"/>
+              </a:tabLst>
+              <a:defRPr sz="2400">
+                <a:solidFill>
+                  <a:schemeClr val="tx1"/>
+                </a:solidFill>
+                <a:latin typeface="Times New Roman" panose="02020603050405020304" pitchFamily="18" charset="0"/>
+              </a:defRPr>
+            </a:lvl2pPr>
+            <a:lvl3pPr marL="1143000" indent="-228600">
+              <a:tabLst>
+                <a:tab pos="0" algn="l"/>
+                <a:tab pos="914400" algn="l"/>
+                <a:tab pos="1828800" algn="l"/>
+                <a:tab pos="2743200" algn="l"/>
+                <a:tab pos="3657600" algn="l"/>
+                <a:tab pos="4572000" algn="l"/>
+                <a:tab pos="5486400" algn="l"/>
+                <a:tab pos="6400800" algn="l"/>
+                <a:tab pos="7315200" algn="l"/>
+                <a:tab pos="8229600" algn="l"/>
+                <a:tab pos="9144000" algn="l"/>
+                <a:tab pos="10058400" algn="l"/>
+              </a:tabLst>
+              <a:defRPr sz="2400">
+                <a:solidFill>
+                  <a:schemeClr val="tx1"/>
+                </a:solidFill>
+                <a:latin typeface="Times New Roman" panose="02020603050405020304" pitchFamily="18" charset="0"/>
+              </a:defRPr>
+            </a:lvl3pPr>
+            <a:lvl4pPr marL="1600200" indent="-228600">
+              <a:tabLst>
+                <a:tab pos="0" algn="l"/>
+                <a:tab pos="914400" algn="l"/>
+                <a:tab pos="1828800" algn="l"/>
+                <a:tab pos="2743200" algn="l"/>
+                <a:tab pos="3657600" algn="l"/>
+                <a:tab pos="4572000" algn="l"/>
+                <a:tab pos="5486400" algn="l"/>
+                <a:tab pos="6400800" algn="l"/>
+                <a:tab pos="7315200" algn="l"/>
+                <a:tab pos="8229600" algn="l"/>
+                <a:tab pos="9144000" algn="l"/>
+                <a:tab pos="10058400" algn="l"/>
+              </a:tabLst>
+              <a:defRPr sz="2400">
+                <a:solidFill>
+                  <a:schemeClr val="tx1"/>
+                </a:solidFill>
+                <a:latin typeface="Times New Roman" panose="02020603050405020304" pitchFamily="18" charset="0"/>
+              </a:defRPr>
+            </a:lvl4pPr>
+            <a:lvl5pPr marL="2057400" indent="-228600">
+              <a:tabLst>
+                <a:tab pos="0" algn="l"/>
+                <a:tab pos="914400" algn="l"/>
+                <a:tab pos="1828800" algn="l"/>
+                <a:tab pos="2743200" algn="l"/>
+                <a:tab pos="3657600" algn="l"/>
+                <a:tab pos="4572000" algn="l"/>
+                <a:tab pos="5486400" algn="l"/>
+                <a:tab pos="6400800" algn="l"/>
+                <a:tab pos="7315200" algn="l"/>
+                <a:tab pos="8229600" algn="l"/>
+                <a:tab pos="9144000" algn="l"/>
+                <a:tab pos="10058400" algn="l"/>
+              </a:tabLst>
+              <a:defRPr sz="2400">
+                <a:solidFill>
+                  <a:schemeClr val="tx1"/>
+                </a:solidFill>
+                <a:latin typeface="Times New Roman" panose="02020603050405020304" pitchFamily="18" charset="0"/>
+              </a:defRPr>
+            </a:lvl5pPr>
+            <a:lvl6pPr marL="2514600" indent="-228600" eaLnBrk="0" fontAlgn="base" hangingPunct="0">
+              <a:spcBef>
+                <a:spcPct val="0"/>
+              </a:spcBef>
+              <a:spcAft>
+                <a:spcPct val="0"/>
+              </a:spcAft>
+              <a:tabLst>
+                <a:tab pos="0" algn="l"/>
+                <a:tab pos="914400" algn="l"/>
+                <a:tab pos="1828800" algn="l"/>
+                <a:tab pos="2743200" algn="l"/>
+                <a:tab pos="3657600" algn="l"/>
+                <a:tab pos="4572000" algn="l"/>
+                <a:tab pos="5486400" algn="l"/>
+                <a:tab pos="6400800" algn="l"/>
+                <a:tab pos="7315200" algn="l"/>
+                <a:tab pos="8229600" algn="l"/>
+                <a:tab pos="9144000" algn="l"/>
+                <a:tab pos="10058400" algn="l"/>
+              </a:tabLst>
+              <a:defRPr sz="2400">
+                <a:solidFill>
+                  <a:schemeClr val="tx1"/>
+                </a:solidFill>
+                <a:latin typeface="Times New Roman" panose="02020603050405020304" pitchFamily="18" charset="0"/>
+              </a:defRPr>
+            </a:lvl6pPr>
+            <a:lvl7pPr marL="2971800" indent="-228600" eaLnBrk="0" fontAlgn="base" hangingPunct="0">
+              <a:spcBef>
+                <a:spcPct val="0"/>
+              </a:spcBef>
+              <a:spcAft>
+                <a:spcPct val="0"/>
+              </a:spcAft>
+              <a:tabLst>
+                <a:tab pos="0" algn="l"/>
+                <a:tab pos="914400" algn="l"/>
+                <a:tab pos="1828800" algn="l"/>
+                <a:tab pos="2743200" algn="l"/>
+                <a:tab pos="3657600" algn="l"/>
+                <a:tab pos="4572000" algn="l"/>
+                <a:tab pos="5486400" algn="l"/>
+                <a:tab pos="6400800" algn="l"/>
+                <a:tab pos="7315200" algn="l"/>
+                <a:tab pos="8229600" algn="l"/>
+                <a:tab pos="9144000" algn="l"/>
+                <a:tab pos="10058400" algn="l"/>
+              </a:tabLst>
+              <a:defRPr sz="2400">
+                <a:solidFill>
+                  <a:schemeClr val="tx1"/>
+                </a:solidFill>
+                <a:latin typeface="Times New Roman" panose="02020603050405020304" pitchFamily="18" charset="0"/>
+              </a:defRPr>
+            </a:lvl7pPr>
+            <a:lvl8pPr marL="3429000" indent="-228600" eaLnBrk="0" fontAlgn="base" hangingPunct="0">
+              <a:spcBef>
+                <a:spcPct val="0"/>
+              </a:spcBef>
+              <a:spcAft>
+                <a:spcPct val="0"/>
+              </a:spcAft>
+              <a:tabLst>
+                <a:tab pos="0" algn="l"/>
+                <a:tab pos="914400" algn="l"/>
+                <a:tab pos="1828800" algn="l"/>
+                <a:tab pos="2743200" algn="l"/>
+                <a:tab pos="3657600" algn="l"/>
+                <a:tab pos="4572000" algn="l"/>
+                <a:tab pos="5486400" algn="l"/>
+                <a:tab pos="6400800" algn="l"/>
+                <a:tab pos="7315200" algn="l"/>
+                <a:tab pos="8229600" algn="l"/>
+                <a:tab pos="9144000" algn="l"/>
+                <a:tab pos="10058400" algn="l"/>
+              </a:tabLst>
+              <a:defRPr sz="2400">
+                <a:solidFill>
+                  <a:schemeClr val="tx1"/>
+                </a:solidFill>
+                <a:latin typeface="Times New Roman" panose="02020603050405020304" pitchFamily="18" charset="0"/>
+              </a:defRPr>
+            </a:lvl8pPr>
+            <a:lvl9pPr marL="3886200" indent="-228600" eaLnBrk="0" fontAlgn="base" hangingPunct="0">
+              <a:spcBef>
+                <a:spcPct val="0"/>
+              </a:spcBef>
+              <a:spcAft>
+                <a:spcPct val="0"/>
+              </a:spcAft>
+              <a:tabLst>
+                <a:tab pos="0" algn="l"/>
+                <a:tab pos="914400" algn="l"/>
+                <a:tab pos="1828800" algn="l"/>
+                <a:tab pos="2743200" algn="l"/>
+                <a:tab pos="3657600" algn="l"/>
+                <a:tab pos="4572000" algn="l"/>
+                <a:tab pos="5486400" algn="l"/>
+                <a:tab pos="6400800" algn="l"/>
+                <a:tab pos="7315200" algn="l"/>
+                <a:tab pos="8229600" algn="l"/>
+                <a:tab pos="9144000" algn="l"/>
+                <a:tab pos="10058400" algn="l"/>
+              </a:tabLst>
+              <a:defRPr sz="2400">
+                <a:solidFill>
+                  <a:schemeClr val="tx1"/>
+                </a:solidFill>
+                <a:latin typeface="Times New Roman" panose="02020603050405020304" pitchFamily="18" charset="0"/>
+              </a:defRPr>
+            </a:lvl9pPr>
+          </a:lstStyle>
+          <a:p>
+            <a:pPr algn="ctr"/>
+            <a:r>
+              <a:rPr lang="en-GB" altLang="en-US" sz="4400">
+                <a:solidFill>
+                  <a:srgbClr val="000000"/>
+                </a:solidFill>
+                <a:latin typeface="Arial" panose="020B0604020202020204" pitchFamily="34" charset="0"/>
+              </a:rPr>
+              <a:t>Summary</a:t>
+            </a:r>
+          </a:p>
+        </p:txBody>
+      </p:sp>
+      <p:sp>
+        <p:nvSpPr>
+          <p:cNvPr id="20483" name="Text Box 2"/>
+          <p:cNvSpPr txBox="1">
+            <a:spLocks noChangeArrowheads="1"/>
+          </p:cNvSpPr>
+          <p:nvPr/>
+        </p:nvSpPr>
+        <p:spPr bwMode="auto">
+          <a:xfrm>
+            <a:off x="685800" y="1981200"/>
+            <a:ext cx="7772400" cy="4114800"/>
+          </a:xfrm>
+          <a:prstGeom prst="rect">
+            <a:avLst/>
+          </a:prstGeom>
+          <a:noFill/>
+          <a:ln>
+            <a:noFill/>
+          </a:ln>
+          <a:extLst>
+            <a:ext uri="{909E8E84-426E-40DD-AFC4-6F175D3DCCD1}">
+              <a14:hiddenFill xmlns:a14="http://schemas.microsoft.com/office/drawing/2010/main">
+                <a:solidFill>
+                  <a:srgbClr val="FFFFFF"/>
+                </a:solidFill>
+              </a14:hiddenFill>
+            </a:ext>
+            <a:ext uri="{91240B29-F687-4F45-9708-019B960494DF}">
+              <a14:hiddenLine xmlns:a14="http://schemas.microsoft.com/office/drawing/2010/main" w="9525">
+                <a:solidFill>
+                  <a:srgbClr val="000000"/>
+                </a:solidFill>
+                <a:round/>
+                <a:headEnd/>
+                <a:tailEnd/>
+              </a14:hiddenLine>
+            </a:ext>
+          </a:extLst>
+        </p:spPr>
+        <p:txBody>
+          <a:bodyPr/>
+          <a:lstStyle>
+            <a:lvl1pPr marL="341313" indent="-341313">
+              <a:tabLst>
+                <a:tab pos="911225" algn="l"/>
+                <a:tab pos="1825625" algn="l"/>
+                <a:tab pos="2740025" algn="l"/>
+                <a:tab pos="3654425" algn="l"/>
+                <a:tab pos="4568825" algn="l"/>
+                <a:tab pos="5483225" algn="l"/>
+                <a:tab pos="6397625" algn="l"/>
+                <a:tab pos="7312025" algn="l"/>
+                <a:tab pos="8226425" algn="l"/>
+                <a:tab pos="9140825" algn="l"/>
+                <a:tab pos="10055225" algn="l"/>
+              </a:tabLst>
+              <a:defRPr sz="2400">
+                <a:solidFill>
+                  <a:schemeClr val="tx1"/>
+                </a:solidFill>
+                <a:latin typeface="Times New Roman" panose="02020603050405020304" pitchFamily="18" charset="0"/>
+              </a:defRPr>
+            </a:lvl1pPr>
+            <a:lvl2pPr marL="741363" indent="-284163">
+              <a:tabLst>
+                <a:tab pos="911225" algn="l"/>
+                <a:tab pos="1825625" algn="l"/>
+                <a:tab pos="2740025" algn="l"/>
+                <a:tab pos="3654425" algn="l"/>
+                <a:tab pos="4568825" algn="l"/>
+                <a:tab pos="5483225" algn="l"/>
+                <a:tab pos="6397625" algn="l"/>
+                <a:tab pos="7312025" algn="l"/>
+                <a:tab pos="8226425" algn="l"/>
+                <a:tab pos="9140825" algn="l"/>
+                <a:tab pos="10055225" algn="l"/>
+              </a:tabLst>
+              <a:defRPr sz="2400">
+                <a:solidFill>
+                  <a:schemeClr val="tx1"/>
+                </a:solidFill>
+                <a:latin typeface="Times New Roman" panose="02020603050405020304" pitchFamily="18" charset="0"/>
+              </a:defRPr>
+            </a:lvl2pPr>
+            <a:lvl3pPr marL="1143000" indent="-228600">
+              <a:tabLst>
+                <a:tab pos="911225" algn="l"/>
+                <a:tab pos="1825625" algn="l"/>
+                <a:tab pos="2740025" algn="l"/>
+                <a:tab pos="3654425" algn="l"/>
+                <a:tab pos="4568825" algn="l"/>
+                <a:tab pos="5483225" algn="l"/>
+                <a:tab pos="6397625" algn="l"/>
+                <a:tab pos="7312025" algn="l"/>
+                <a:tab pos="8226425" algn="l"/>
+                <a:tab pos="9140825" algn="l"/>
+                <a:tab pos="10055225" algn="l"/>
+              </a:tabLst>
+              <a:defRPr sz="2400">
+                <a:solidFill>
+                  <a:schemeClr val="tx1"/>
+                </a:solidFill>
+                <a:latin typeface="Times New Roman" panose="02020603050405020304" pitchFamily="18" charset="0"/>
+              </a:defRPr>
+            </a:lvl3pPr>
+            <a:lvl4pPr marL="1600200" indent="-228600">
+              <a:tabLst>
+                <a:tab pos="911225" algn="l"/>
+                <a:tab pos="1825625" algn="l"/>
+                <a:tab pos="2740025" algn="l"/>
+                <a:tab pos="3654425" algn="l"/>
+                <a:tab pos="4568825" algn="l"/>
+                <a:tab pos="5483225" algn="l"/>
+                <a:tab pos="6397625" algn="l"/>
+                <a:tab pos="7312025" algn="l"/>
+                <a:tab pos="8226425" algn="l"/>
+                <a:tab pos="9140825" algn="l"/>
+                <a:tab pos="10055225" algn="l"/>
+              </a:tabLst>
+              <a:defRPr sz="2400">
+                <a:solidFill>
+                  <a:schemeClr val="tx1"/>
+                </a:solidFill>
+                <a:latin typeface="Times New Roman" panose="02020603050405020304" pitchFamily="18" charset="0"/>
+              </a:defRPr>
+            </a:lvl4pPr>
+            <a:lvl5pPr marL="2057400" indent="-228600">
+              <a:tabLst>
+                <a:tab pos="911225" algn="l"/>
+                <a:tab pos="1825625" algn="l"/>
+                <a:tab pos="2740025" algn="l"/>
+                <a:tab pos="3654425" algn="l"/>
+                <a:tab pos="4568825" algn="l"/>
+                <a:tab pos="5483225" algn="l"/>
+                <a:tab pos="6397625" algn="l"/>
+                <a:tab pos="7312025" algn="l"/>
+                <a:tab pos="8226425" algn="l"/>
+                <a:tab pos="9140825" algn="l"/>
+                <a:tab pos="10055225" algn="l"/>
+              </a:tabLst>
+              <a:defRPr sz="2400">
+                <a:solidFill>
+                  <a:schemeClr val="tx1"/>
+                </a:solidFill>
+                <a:latin typeface="Times New Roman" panose="02020603050405020304" pitchFamily="18" charset="0"/>
+              </a:defRPr>
+            </a:lvl5pPr>
+            <a:lvl6pPr marL="2514600" indent="-228600" eaLnBrk="0" fontAlgn="base" hangingPunct="0">
+              <a:spcBef>
+                <a:spcPct val="0"/>
+              </a:spcBef>
+              <a:spcAft>
+                <a:spcPct val="0"/>
+              </a:spcAft>
+              <a:tabLst>
+                <a:tab pos="911225" algn="l"/>
+                <a:tab pos="1825625" algn="l"/>
+                <a:tab pos="2740025" algn="l"/>
+                <a:tab pos="3654425" algn="l"/>
+                <a:tab pos="4568825" algn="l"/>
+                <a:tab pos="5483225" algn="l"/>
+                <a:tab pos="6397625" algn="l"/>
+                <a:tab pos="7312025" algn="l"/>
+                <a:tab pos="8226425" algn="l"/>
+                <a:tab pos="9140825" algn="l"/>
+                <a:tab pos="10055225" algn="l"/>
+              </a:tabLst>
+              <a:defRPr sz="2400">
+                <a:solidFill>
+                  <a:schemeClr val="tx1"/>
+                </a:solidFill>
+                <a:latin typeface="Times New Roman" panose="02020603050405020304" pitchFamily="18" charset="0"/>
+              </a:defRPr>
+            </a:lvl6pPr>
+            <a:lvl7pPr marL="2971800" indent="-228600" eaLnBrk="0" fontAlgn="base" hangingPunct="0">
+              <a:spcBef>
+                <a:spcPct val="0"/>
+              </a:spcBef>
+              <a:spcAft>
+                <a:spcPct val="0"/>
+              </a:spcAft>
+              <a:tabLst>
+                <a:tab pos="911225" algn="l"/>
+                <a:tab pos="1825625" algn="l"/>
+                <a:tab pos="2740025" algn="l"/>
+                <a:tab pos="3654425" algn="l"/>
+                <a:tab pos="4568825" algn="l"/>
+                <a:tab pos="5483225" algn="l"/>
+                <a:tab pos="6397625" algn="l"/>
+                <a:tab pos="7312025" algn="l"/>
+                <a:tab pos="8226425" algn="l"/>
+                <a:tab pos="9140825" algn="l"/>
+                <a:tab pos="10055225" algn="l"/>
+              </a:tabLst>
+              <a:defRPr sz="2400">
+                <a:solidFill>
+                  <a:schemeClr val="tx1"/>
+                </a:solidFill>
+                <a:latin typeface="Times New Roman" panose="02020603050405020304" pitchFamily="18" charset="0"/>
+              </a:defRPr>
+            </a:lvl7pPr>
+            <a:lvl8pPr marL="3429000" indent="-228600" eaLnBrk="0" fontAlgn="base" hangingPunct="0">
+              <a:spcBef>
+                <a:spcPct val="0"/>
+              </a:spcBef>
+              <a:spcAft>
+                <a:spcPct val="0"/>
+              </a:spcAft>
+              <a:tabLst>
+                <a:tab pos="911225" algn="l"/>
+                <a:tab pos="1825625" algn="l"/>
+                <a:tab pos="2740025" algn="l"/>
+                <a:tab pos="3654425" algn="l"/>
+                <a:tab pos="4568825" algn="l"/>
+                <a:tab pos="5483225" algn="l"/>
+                <a:tab pos="6397625" algn="l"/>
+                <a:tab pos="7312025" algn="l"/>
+                <a:tab pos="8226425" algn="l"/>
+                <a:tab pos="9140825" algn="l"/>
+                <a:tab pos="10055225" algn="l"/>
+              </a:tabLst>
+              <a:defRPr sz="2400">
+                <a:solidFill>
+                  <a:schemeClr val="tx1"/>
+                </a:solidFill>
+                <a:latin typeface="Times New Roman" panose="02020603050405020304" pitchFamily="18" charset="0"/>
+              </a:defRPr>
+            </a:lvl8pPr>
+            <a:lvl9pPr marL="3886200" indent="-228600" eaLnBrk="0" fontAlgn="base" hangingPunct="0">
+              <a:spcBef>
+                <a:spcPct val="0"/>
+              </a:spcBef>
+              <a:spcAft>
+                <a:spcPct val="0"/>
+              </a:spcAft>
+              <a:tabLst>
+                <a:tab pos="911225" algn="l"/>
+                <a:tab pos="1825625" algn="l"/>
+                <a:tab pos="2740025" algn="l"/>
+                <a:tab pos="3654425" algn="l"/>
+                <a:tab pos="4568825" algn="l"/>
+                <a:tab pos="5483225" algn="l"/>
+                <a:tab pos="6397625" algn="l"/>
+                <a:tab pos="7312025" algn="l"/>
+                <a:tab pos="8226425" algn="l"/>
+                <a:tab pos="9140825" algn="l"/>
+                <a:tab pos="10055225" algn="l"/>
+              </a:tabLst>
+              <a:defRPr sz="2400">
+                <a:solidFill>
+                  <a:schemeClr val="tx1"/>
+                </a:solidFill>
+                <a:latin typeface="Times New Roman" panose="02020603050405020304" pitchFamily="18" charset="0"/>
+              </a:defRPr>
+            </a:lvl9pPr>
+          </a:lstStyle>
+          <a:p>
+            <a:pPr>
+              <a:spcBef>
+                <a:spcPts val="800"/>
+              </a:spcBef>
+              <a:buFont typeface="Times New Roman" panose="02020603050405020304" pitchFamily="18" charset="0"/>
+              <a:buBlip>
+                <a:blip r:embed="rId3"/>
+              </a:buBlip>
+            </a:pPr>
+            <a:r>
+              <a:rPr lang="en-GB" altLang="en-US" sz="3200">
+                <a:solidFill>
+                  <a:srgbClr val="000000"/>
+                </a:solidFill>
+                <a:latin typeface="Arial" panose="020B0604020202020204" pitchFamily="34" charset="0"/>
+              </a:rPr>
+              <a:t>Overview of Javascript</a:t>
+            </a:r>
+          </a:p>
+          <a:p>
+            <a:pPr>
+              <a:spcBef>
+                <a:spcPts val="800"/>
+              </a:spcBef>
+              <a:buFont typeface="Times New Roman" panose="02020603050405020304" pitchFamily="18" charset="0"/>
+              <a:buBlip>
+                <a:blip r:embed="rId3"/>
+              </a:buBlip>
+            </a:pPr>
+            <a:r>
+              <a:rPr lang="en-GB" altLang="en-US" sz="3200">
+                <a:solidFill>
+                  <a:srgbClr val="000000"/>
+                </a:solidFill>
+                <a:latin typeface="Arial" panose="020B0604020202020204" pitchFamily="34" charset="0"/>
+              </a:rPr>
+              <a:t>Basic Formatting</a:t>
+            </a:r>
+          </a:p>
+          <a:p>
+            <a:pPr lvl="1">
+              <a:spcBef>
+                <a:spcPts val="700"/>
+              </a:spcBef>
+              <a:buFont typeface="Wingdings 3" panose="05040102010807070707" pitchFamily="18" charset="2"/>
+              <a:buChar char=""/>
+            </a:pPr>
+            <a:r>
+              <a:rPr lang="en-GB" altLang="en-US" sz="2800">
+                <a:solidFill>
+                  <a:srgbClr val="000000"/>
+                </a:solidFill>
+                <a:latin typeface="Arial" panose="020B0604020202020204" pitchFamily="34" charset="0"/>
+              </a:rPr>
+              <a:t>Script, Functions, ...</a:t>
+            </a:r>
+          </a:p>
+          <a:p>
+            <a:pPr>
+              <a:spcBef>
+                <a:spcPts val="800"/>
+              </a:spcBef>
+              <a:buFont typeface="Arial" panose="020B0604020202020204" pitchFamily="34" charset="0"/>
+              <a:buBlip>
+                <a:blip r:embed="rId3"/>
+              </a:buBlip>
+            </a:pPr>
+            <a:r>
+              <a:rPr lang="en-GB" altLang="en-US" sz="3200">
+                <a:solidFill>
+                  <a:srgbClr val="000000"/>
+                </a:solidFill>
+                <a:latin typeface="Arial" panose="020B0604020202020204" pitchFamily="34" charset="0"/>
+              </a:rPr>
+              <a:t>Altering webpage operation (through Javascript)</a:t>
+            </a:r>
+          </a:p>
+          <a:p>
+            <a:pPr>
+              <a:spcBef>
+                <a:spcPts val="800"/>
+              </a:spcBef>
+              <a:buFont typeface="Arial" panose="020B0604020202020204" pitchFamily="34" charset="0"/>
+              <a:buBlip>
+                <a:blip r:embed="rId3"/>
+              </a:buBlip>
+            </a:pPr>
+            <a:r>
+              <a:rPr lang="en-GB" altLang="en-US" sz="3200">
+                <a:solidFill>
+                  <a:srgbClr val="000000"/>
+                </a:solidFill>
+                <a:latin typeface="Arial" panose="020B0604020202020204" pitchFamily="34" charset="0"/>
+              </a:rPr>
+              <a:t>Hands-On/Practical</a:t>
+            </a:r>
+          </a:p>
+        </p:txBody>
+      </p:sp>
+    </p:spTree>
+  </p:cSld>
+  <p:clrMapOvr>
+    <a:masterClrMapping/>
+  </p:clrMapOvr>
+  <p:transition spd="med"/>
+  <p:timing>
+    <p:tnLst>
+      <p:par>
+        <p:cTn id="1" dur="indefinite" restart="never" nodeType="tmRoot">
+          <p:childTnLst>
+            <p:seq concurrent="1" nextAc="seek">
+              <p:cTn id="2" dur="0" nodeType="mainSeq"/>
+              <p:prevCondLst>
+                <p:cond evt="onPrev" delay="0">
+                  <p:tgtEl>
+                    <p:sldTgt/>
+                  </p:tgtEl>
+                </p:cond>
+              </p:prevCondLst>
+              <p:nextCondLst>
+                <p:cond evt="onNext" delay="0">
+                  <p:tgtEl>
+                    <p:sldTgt/>
+                  </p:tgtEl>
+                </p:cond>
+              </p:nextCondLst>
+            </p:seq>
+          </p:childTnLst>
+        </p:cTn>
+      </p:par>
+    </p:tnLst>
+  </p:timing>
+</p:sld>
+</file>
+
+<file path=ppt/slides/slide16.xml><?xml version="1.0" encoding="utf-8"?>
+<p:sld xmlns:a="http://schemas.openxmlformats.org/drawingml/2006/main" xmlns:r="http://schemas.openxmlformats.org/officeDocument/2006/relationships" xmlns:p="http://schemas.openxmlformats.org/presentationml/2006/main">
+  <p:cSld>
+    <p:spTree>
+      <p:nvGrpSpPr>
+        <p:cNvPr id="1" name=""/>
+        <p:cNvGrpSpPr/>
+        <p:nvPr/>
+      </p:nvGrpSpPr>
+      <p:grpSpPr>
+        <a:xfrm>
+          <a:off x="0" y="0"/>
+          <a:ext cx="0" cy="0"/>
+          <a:chOff x="0" y="0"/>
+          <a:chExt cx="0" cy="0"/>
+        </a:xfrm>
+      </p:grpSpPr>
+      <p:sp>
+        <p:nvSpPr>
+          <p:cNvPr id="21506" name="Text Box 1"/>
+          <p:cNvSpPr txBox="1">
+            <a:spLocks noChangeArrowheads="1"/>
+          </p:cNvSpPr>
+          <p:nvPr/>
+        </p:nvSpPr>
+        <p:spPr bwMode="auto">
+          <a:xfrm>
+            <a:off x="685800" y="609600"/>
+            <a:ext cx="7772400" cy="1143000"/>
+          </a:xfrm>
+          <a:prstGeom prst="rect">
+            <a:avLst/>
+          </a:prstGeom>
+          <a:noFill/>
+          <a:ln>
+            <a:noFill/>
+          </a:ln>
+          <a:extLst>
+            <a:ext uri="{909E8E84-426E-40DD-AFC4-6F175D3DCCD1}">
+              <a14:hiddenFill xmlns:a14="http://schemas.microsoft.com/office/drawing/2010/main">
+                <a:solidFill>
+                  <a:srgbClr val="FFFFFF"/>
+                </a:solidFill>
+              </a14:hiddenFill>
+            </a:ext>
+            <a:ext uri="{91240B29-F687-4F45-9708-019B960494DF}">
+              <a14:hiddenLine xmlns:a14="http://schemas.microsoft.com/office/drawing/2010/main" w="9525">
+                <a:solidFill>
+                  <a:srgbClr val="000000"/>
+                </a:solidFill>
+                <a:round/>
+                <a:headEnd/>
+                <a:tailEnd/>
+              </a14:hiddenLine>
+            </a:ext>
+          </a:extLst>
+        </p:spPr>
+        <p:txBody>
+          <a:bodyPr anchor="ctr"/>
+          <a:lstStyle>
+            <a:lvl1pPr>
+              <a:tabLst>
+                <a:tab pos="0" algn="l"/>
+                <a:tab pos="914400" algn="l"/>
+                <a:tab pos="1828800" algn="l"/>
+                <a:tab pos="2743200" algn="l"/>
+                <a:tab pos="3657600" algn="l"/>
+                <a:tab pos="4572000" algn="l"/>
+                <a:tab pos="5486400" algn="l"/>
+                <a:tab pos="6400800" algn="l"/>
+                <a:tab pos="7315200" algn="l"/>
+                <a:tab pos="8229600" algn="l"/>
+                <a:tab pos="9144000" algn="l"/>
+                <a:tab pos="10058400" algn="l"/>
+              </a:tabLst>
+              <a:defRPr sz="2400">
+                <a:solidFill>
+                  <a:schemeClr val="tx1"/>
+                </a:solidFill>
+                <a:latin typeface="Times New Roman" panose="02020603050405020304" pitchFamily="18" charset="0"/>
+              </a:defRPr>
+            </a:lvl1pPr>
+            <a:lvl2pPr marL="742950" indent="-285750">
+              <a:tabLst>
+                <a:tab pos="0" algn="l"/>
+                <a:tab pos="914400" algn="l"/>
+                <a:tab pos="1828800" algn="l"/>
+                <a:tab pos="2743200" algn="l"/>
+                <a:tab pos="3657600" algn="l"/>
+                <a:tab pos="4572000" algn="l"/>
+                <a:tab pos="5486400" algn="l"/>
+                <a:tab pos="6400800" algn="l"/>
+                <a:tab pos="7315200" algn="l"/>
+                <a:tab pos="8229600" algn="l"/>
+                <a:tab pos="9144000" algn="l"/>
+                <a:tab pos="10058400" algn="l"/>
+              </a:tabLst>
+              <a:defRPr sz="2400">
+                <a:solidFill>
+                  <a:schemeClr val="tx1"/>
+                </a:solidFill>
+                <a:latin typeface="Times New Roman" panose="02020603050405020304" pitchFamily="18" charset="0"/>
+              </a:defRPr>
+            </a:lvl2pPr>
+            <a:lvl3pPr marL="1143000" indent="-228600">
+              <a:tabLst>
+                <a:tab pos="0" algn="l"/>
+                <a:tab pos="914400" algn="l"/>
+                <a:tab pos="1828800" algn="l"/>
+                <a:tab pos="2743200" algn="l"/>
+                <a:tab pos="3657600" algn="l"/>
+                <a:tab pos="4572000" algn="l"/>
+                <a:tab pos="5486400" algn="l"/>
+                <a:tab pos="6400800" algn="l"/>
+                <a:tab pos="7315200" algn="l"/>
+                <a:tab pos="8229600" algn="l"/>
+                <a:tab pos="9144000" algn="l"/>
+                <a:tab pos="10058400" algn="l"/>
+              </a:tabLst>
+              <a:defRPr sz="2400">
+                <a:solidFill>
+                  <a:schemeClr val="tx1"/>
+                </a:solidFill>
+                <a:latin typeface="Times New Roman" panose="02020603050405020304" pitchFamily="18" charset="0"/>
+              </a:defRPr>
+            </a:lvl3pPr>
+            <a:lvl4pPr marL="1600200" indent="-228600">
+              <a:tabLst>
+                <a:tab pos="0" algn="l"/>
+                <a:tab pos="914400" algn="l"/>
+                <a:tab pos="1828800" algn="l"/>
+                <a:tab pos="2743200" algn="l"/>
+                <a:tab pos="3657600" algn="l"/>
+                <a:tab pos="4572000" algn="l"/>
+                <a:tab pos="5486400" algn="l"/>
+                <a:tab pos="6400800" algn="l"/>
+                <a:tab pos="7315200" algn="l"/>
+                <a:tab pos="8229600" algn="l"/>
+                <a:tab pos="9144000" algn="l"/>
+                <a:tab pos="10058400" algn="l"/>
+              </a:tabLst>
+              <a:defRPr sz="2400">
+                <a:solidFill>
+                  <a:schemeClr val="tx1"/>
+                </a:solidFill>
+                <a:latin typeface="Times New Roman" panose="02020603050405020304" pitchFamily="18" charset="0"/>
+              </a:defRPr>
+            </a:lvl4pPr>
+            <a:lvl5pPr marL="2057400" indent="-228600">
+              <a:tabLst>
+                <a:tab pos="0" algn="l"/>
+                <a:tab pos="914400" algn="l"/>
+                <a:tab pos="1828800" algn="l"/>
+                <a:tab pos="2743200" algn="l"/>
+                <a:tab pos="3657600" algn="l"/>
+                <a:tab pos="4572000" algn="l"/>
+                <a:tab pos="5486400" algn="l"/>
+                <a:tab pos="6400800" algn="l"/>
+                <a:tab pos="7315200" algn="l"/>
+                <a:tab pos="8229600" algn="l"/>
+                <a:tab pos="9144000" algn="l"/>
+                <a:tab pos="10058400" algn="l"/>
+              </a:tabLst>
+              <a:defRPr sz="2400">
+                <a:solidFill>
+                  <a:schemeClr val="tx1"/>
+                </a:solidFill>
+                <a:latin typeface="Times New Roman" panose="02020603050405020304" pitchFamily="18" charset="0"/>
+              </a:defRPr>
+            </a:lvl5pPr>
+            <a:lvl6pPr marL="2514600" indent="-228600" eaLnBrk="0" fontAlgn="base" hangingPunct="0">
+              <a:spcBef>
+                <a:spcPct val="0"/>
+              </a:spcBef>
+              <a:spcAft>
+                <a:spcPct val="0"/>
+              </a:spcAft>
+              <a:tabLst>
+                <a:tab pos="0" algn="l"/>
+                <a:tab pos="914400" algn="l"/>
+                <a:tab pos="1828800" algn="l"/>
+                <a:tab pos="2743200" algn="l"/>
+                <a:tab pos="3657600" algn="l"/>
+                <a:tab pos="4572000" algn="l"/>
+                <a:tab pos="5486400" algn="l"/>
+                <a:tab pos="6400800" algn="l"/>
+                <a:tab pos="7315200" algn="l"/>
+                <a:tab pos="8229600" algn="l"/>
+                <a:tab pos="9144000" algn="l"/>
+                <a:tab pos="10058400" algn="l"/>
+              </a:tabLst>
+              <a:defRPr sz="2400">
+                <a:solidFill>
+                  <a:schemeClr val="tx1"/>
+                </a:solidFill>
+                <a:latin typeface="Times New Roman" panose="02020603050405020304" pitchFamily="18" charset="0"/>
+              </a:defRPr>
+            </a:lvl6pPr>
+            <a:lvl7pPr marL="2971800" indent="-228600" eaLnBrk="0" fontAlgn="base" hangingPunct="0">
+              <a:spcBef>
+                <a:spcPct val="0"/>
+              </a:spcBef>
+              <a:spcAft>
+                <a:spcPct val="0"/>
+              </a:spcAft>
+              <a:tabLst>
+                <a:tab pos="0" algn="l"/>
+                <a:tab pos="914400" algn="l"/>
+                <a:tab pos="1828800" algn="l"/>
+                <a:tab pos="2743200" algn="l"/>
+                <a:tab pos="3657600" algn="l"/>
+                <a:tab pos="4572000" algn="l"/>
+                <a:tab pos="5486400" algn="l"/>
+                <a:tab pos="6400800" algn="l"/>
+                <a:tab pos="7315200" algn="l"/>
+                <a:tab pos="8229600" algn="l"/>
+                <a:tab pos="9144000" algn="l"/>
+                <a:tab pos="10058400" algn="l"/>
+              </a:tabLst>
+              <a:defRPr sz="2400">
+                <a:solidFill>
+                  <a:schemeClr val="tx1"/>
+                </a:solidFill>
+                <a:latin typeface="Times New Roman" panose="02020603050405020304" pitchFamily="18" charset="0"/>
+              </a:defRPr>
+            </a:lvl7pPr>
+            <a:lvl8pPr marL="3429000" indent="-228600" eaLnBrk="0" fontAlgn="base" hangingPunct="0">
+              <a:spcBef>
+                <a:spcPct val="0"/>
+              </a:spcBef>
+              <a:spcAft>
+                <a:spcPct val="0"/>
+              </a:spcAft>
+              <a:tabLst>
+                <a:tab pos="0" algn="l"/>
+                <a:tab pos="914400" algn="l"/>
+                <a:tab pos="1828800" algn="l"/>
+                <a:tab pos="2743200" algn="l"/>
+                <a:tab pos="3657600" algn="l"/>
+                <a:tab pos="4572000" algn="l"/>
+                <a:tab pos="5486400" algn="l"/>
+                <a:tab pos="6400800" algn="l"/>
+                <a:tab pos="7315200" algn="l"/>
+                <a:tab pos="8229600" algn="l"/>
+                <a:tab pos="9144000" algn="l"/>
+                <a:tab pos="10058400" algn="l"/>
+              </a:tabLst>
+              <a:defRPr sz="2400">
+                <a:solidFill>
+                  <a:schemeClr val="tx1"/>
+                </a:solidFill>
+                <a:latin typeface="Times New Roman" panose="02020603050405020304" pitchFamily="18" charset="0"/>
+              </a:defRPr>
+            </a:lvl8pPr>
+            <a:lvl9pPr marL="3886200" indent="-228600" eaLnBrk="0" fontAlgn="base" hangingPunct="0">
+              <a:spcBef>
+                <a:spcPct val="0"/>
+              </a:spcBef>
+              <a:spcAft>
+                <a:spcPct val="0"/>
+              </a:spcAft>
+              <a:tabLst>
+                <a:tab pos="0" algn="l"/>
+                <a:tab pos="914400" algn="l"/>
+                <a:tab pos="1828800" algn="l"/>
+                <a:tab pos="2743200" algn="l"/>
+                <a:tab pos="3657600" algn="l"/>
+                <a:tab pos="4572000" algn="l"/>
+                <a:tab pos="5486400" algn="l"/>
+                <a:tab pos="6400800" algn="l"/>
+                <a:tab pos="7315200" algn="l"/>
+                <a:tab pos="8229600" algn="l"/>
+                <a:tab pos="9144000" algn="l"/>
+                <a:tab pos="10058400" algn="l"/>
+              </a:tabLst>
+              <a:defRPr sz="2400">
+                <a:solidFill>
+                  <a:schemeClr val="tx1"/>
+                </a:solidFill>
+                <a:latin typeface="Times New Roman" panose="02020603050405020304" pitchFamily="18" charset="0"/>
+              </a:defRPr>
+            </a:lvl9pPr>
+          </a:lstStyle>
+          <a:p>
+            <a:pPr algn="ctr" eaLnBrk="1" hangingPunct="1"/>
+            <a:r>
+              <a:rPr lang="en-GB" altLang="en-US" sz="4400">
+                <a:solidFill>
+                  <a:srgbClr val="000000"/>
+                </a:solidFill>
+                <a:latin typeface="Arial" panose="020B0604020202020204" pitchFamily="34" charset="0"/>
+              </a:rPr>
+              <a:t>Questions/Discussion</a:t>
+            </a:r>
+          </a:p>
+        </p:txBody>
+      </p:sp>
+      <p:sp>
+        <p:nvSpPr>
+          <p:cNvPr id="21507" name="Text Box 2"/>
+          <p:cNvSpPr txBox="1">
+            <a:spLocks noChangeArrowheads="1"/>
+          </p:cNvSpPr>
+          <p:nvPr/>
+        </p:nvSpPr>
+        <p:spPr bwMode="auto">
+          <a:xfrm>
+            <a:off x="685800" y="1981200"/>
+            <a:ext cx="7772400" cy="4114800"/>
+          </a:xfrm>
+          <a:prstGeom prst="rect">
+            <a:avLst/>
+          </a:prstGeom>
+          <a:noFill/>
+          <a:ln>
+            <a:noFill/>
+          </a:ln>
+          <a:extLst>
+            <a:ext uri="{909E8E84-426E-40DD-AFC4-6F175D3DCCD1}">
+              <a14:hiddenFill xmlns:a14="http://schemas.microsoft.com/office/drawing/2010/main">
+                <a:solidFill>
+                  <a:srgbClr val="FFFFFF"/>
+                </a:solidFill>
+              </a14:hiddenFill>
+            </a:ext>
+            <a:ext uri="{91240B29-F687-4F45-9708-019B960494DF}">
+              <a14:hiddenLine xmlns:a14="http://schemas.microsoft.com/office/drawing/2010/main" w="9525">
+                <a:solidFill>
+                  <a:srgbClr val="000000"/>
+                </a:solidFill>
+                <a:round/>
+                <a:headEnd/>
+                <a:tailEnd/>
+              </a14:hiddenLine>
+            </a:ext>
+          </a:extLst>
+        </p:spPr>
+        <p:txBody>
+          <a:bodyPr wrap="none" anchor="ctr"/>
+          <a:lstStyle>
+            <a:lvl1pPr>
+              <a:defRPr sz="2400">
+                <a:solidFill>
+                  <a:schemeClr val="tx1"/>
+                </a:solidFill>
+                <a:latin typeface="Times New Roman" panose="02020603050405020304" pitchFamily="18" charset="0"/>
+              </a:defRPr>
+            </a:lvl1pPr>
+            <a:lvl2pPr marL="742950" indent="-285750">
+              <a:defRPr sz="2400">
+                <a:solidFill>
+                  <a:schemeClr val="tx1"/>
+                </a:solidFill>
+                <a:latin typeface="Times New Roman" panose="02020603050405020304" pitchFamily="18" charset="0"/>
+              </a:defRPr>
+            </a:lvl2pPr>
+            <a:lvl3pPr marL="1143000" indent="-228600">
+              <a:defRPr sz="2400">
+                <a:solidFill>
+                  <a:schemeClr val="tx1"/>
+                </a:solidFill>
+                <a:latin typeface="Times New Roman" panose="02020603050405020304" pitchFamily="18" charset="0"/>
+              </a:defRPr>
+            </a:lvl3pPr>
+            <a:lvl4pPr marL="1600200" indent="-228600">
+              <a:defRPr sz="2400">
+                <a:solidFill>
+                  <a:schemeClr val="tx1"/>
+                </a:solidFill>
+                <a:latin typeface="Times New Roman" panose="02020603050405020304" pitchFamily="18" charset="0"/>
+              </a:defRPr>
+            </a:lvl4pPr>
+            <a:lvl5pPr marL="2057400" indent="-228600">
+              <a:defRPr sz="2400">
+                <a:solidFill>
+                  <a:schemeClr val="tx1"/>
+                </a:solidFill>
+                <a:latin typeface="Times New Roman" panose="02020603050405020304" pitchFamily="18" charset="0"/>
+              </a:defRPr>
+            </a:lvl5pPr>
+            <a:lvl6pPr marL="2514600" indent="-228600" eaLnBrk="0" fontAlgn="base" hangingPunct="0">
+              <a:spcBef>
+                <a:spcPct val="0"/>
+              </a:spcBef>
+              <a:spcAft>
+                <a:spcPct val="0"/>
+              </a:spcAft>
+              <a:defRPr sz="2400">
+                <a:solidFill>
+                  <a:schemeClr val="tx1"/>
+                </a:solidFill>
+                <a:latin typeface="Times New Roman" panose="02020603050405020304" pitchFamily="18" charset="0"/>
+              </a:defRPr>
+            </a:lvl6pPr>
+            <a:lvl7pPr marL="2971800" indent="-228600" eaLnBrk="0" fontAlgn="base" hangingPunct="0">
+              <a:spcBef>
+                <a:spcPct val="0"/>
+              </a:spcBef>
+              <a:spcAft>
+                <a:spcPct val="0"/>
+              </a:spcAft>
+              <a:defRPr sz="2400">
+                <a:solidFill>
+                  <a:schemeClr val="tx1"/>
+                </a:solidFill>
+                <a:latin typeface="Times New Roman" panose="02020603050405020304" pitchFamily="18" charset="0"/>
+              </a:defRPr>
+            </a:lvl7pPr>
+            <a:lvl8pPr marL="3429000" indent="-228600" eaLnBrk="0" fontAlgn="base" hangingPunct="0">
+              <a:spcBef>
+                <a:spcPct val="0"/>
+              </a:spcBef>
+              <a:spcAft>
+                <a:spcPct val="0"/>
+              </a:spcAft>
+              <a:defRPr sz="2400">
+                <a:solidFill>
+                  <a:schemeClr val="tx1"/>
+                </a:solidFill>
+                <a:latin typeface="Times New Roman" panose="02020603050405020304" pitchFamily="18" charset="0"/>
+              </a:defRPr>
+            </a:lvl8pPr>
+            <a:lvl9pPr marL="3886200" indent="-228600" eaLnBrk="0" fontAlgn="base" hangingPunct="0">
+              <a:spcBef>
+                <a:spcPct val="0"/>
+              </a:spcBef>
+              <a:spcAft>
+                <a:spcPct val="0"/>
+              </a:spcAft>
+              <a:defRPr sz="2400">
+                <a:solidFill>
+                  <a:schemeClr val="tx1"/>
+                </a:solidFill>
+                <a:latin typeface="Times New Roman" panose="02020603050405020304" pitchFamily="18" charset="0"/>
+              </a:defRPr>
+            </a:lvl9pPr>
+          </a:lstStyle>
+          <a:p>
+            <a:endParaRPr lang="en-US" altLang="en-US"/>
+          </a:p>
+        </p:txBody>
+      </p:sp>
+    </p:spTree>
+  </p:cSld>
+  <p:clrMapOvr>
+    <a:masterClrMapping/>
+  </p:clrMapOvr>
+  <p:transition spd="med"/>
+  <p:timing>
+    <p:tnLst>
+      <p:par>
+        <p:cTn id="1" dur="indefinite" restart="never" nodeType="tmRoot">
+          <p:childTnLst>
+            <p:seq concurrent="1" nextAc="seek">
+              <p:cTn id="2" dur="0" nodeType="mainSeq"/>
+              <p:prevCondLst>
+                <p:cond evt="onPrev" delay="0">
+                  <p:tgtEl>
+                    <p:sldTgt/>
+                  </p:tgtEl>
+                </p:cond>
+              </p:prevCondLst>
+              <p:nextCondLst>
+                <p:cond evt="onNext" delay="0">
+                  <p:tgtEl>
+                    <p:sldTgt/>
+                  </p:tgtEl>
+                </p:cond>
+              </p:nextCondLst>
+            </p:seq>
+          </p:childTnLst>
+        </p:cTn>
+      </p:par>
+    </p:tnLst>
+  </p:timing>
+</p:sld>
+</file>
+
+<file path=ppt/slides/slide17.xml><?xml version="1.0" encoding="utf-8"?>
+<p:sld xmlns:a="http://schemas.openxmlformats.org/drawingml/2006/main" xmlns:r="http://schemas.openxmlformats.org/officeDocument/2006/relationships" xmlns:p="http://schemas.openxmlformats.org/presentationml/2006/main">
+  <p:cSld>
+    <p:spTree>
+      <p:nvGrpSpPr>
+        <p:cNvPr id="1" name=""/>
+        <p:cNvGrpSpPr/>
+        <p:nvPr/>
+      </p:nvGrpSpPr>
+      <p:grpSpPr>
+        <a:xfrm>
+          <a:off x="0" y="0"/>
+          <a:ext cx="0" cy="0"/>
+          <a:chOff x="0" y="0"/>
+          <a:chExt cx="0" cy="0"/>
+        </a:xfrm>
+      </p:grpSpPr>
+      <p:sp>
+        <p:nvSpPr>
           <p:cNvPr id="2" name="Title 1"/>
           <p:cNvSpPr>
             <a:spLocks noGrp="1"/>
@@ -10255,15 +10703,7 @@
             </a:r>
             <a:r>
               <a:rPr lang="en-US" dirty="0" smtClean="0"/>
-              <a:t> </a:t>
-            </a:r>
-            <a:r>
-              <a:rPr lang="en-US" dirty="0" smtClean="0"/>
-              <a:t>type website that uses </a:t>
-            </a:r>
-            <a:r>
-              <a:rPr lang="en-US" dirty="0" smtClean="0"/>
-              <a:t>cards for everything, including navigation, to help users move through the site. It’s one of the most effective outlines employing card-style design out there. Users of all ages seem to figure it out with ease.</a:t>
+              <a:t> type website that uses cards for everything, including navigation, to help users move through the site. It’s one of the most effective outlines employing card-style design out there. Users of all ages seem to figure it out with ease.</a:t>
             </a:r>
             <a:endParaRPr lang="en-US" dirty="0"/>
           </a:p>
@@ -10310,7 +10750,7 @@
 </p:sld>
 </file>
 
-<file path=ppt/slides/slide16.xml><?xml version="1.0" encoding="utf-8"?>
+<file path=ppt/slides/slide18.xml><?xml version="1.0" encoding="utf-8"?>
 <p:sld xmlns:a="http://schemas.openxmlformats.org/drawingml/2006/main" xmlns:r="http://schemas.openxmlformats.org/officeDocument/2006/relationships" xmlns:p="http://schemas.openxmlformats.org/presentationml/2006/main">
   <p:cSld>
     <p:spTree>
@@ -10349,14 +10789,14 @@
           </a:ln>
           <a:extLst>
             <a:ext uri="{909E8E84-426E-40DD-AFC4-6F175D3DCCD1}">
-              <a14:hiddenFill xmlns:a14="http://schemas.microsoft.com/office/drawing/2010/main" xmlns="">
+              <a14:hiddenFill xmlns:a14="http://schemas.microsoft.com/office/drawing/2010/main">
                 <a:solidFill>
                   <a:srgbClr val="FFFFFF"/>
                 </a:solidFill>
               </a14:hiddenFill>
             </a:ext>
             <a:ext uri="{91240B29-F687-4F45-9708-019B960494DF}">
-              <a14:hiddenLine xmlns:a14="http://schemas.microsoft.com/office/drawing/2010/main" xmlns="" w="9525">
+              <a14:hiddenLine xmlns:a14="http://schemas.microsoft.com/office/drawing/2010/main" w="9525">
                 <a:solidFill>
                   <a:srgbClr val="000000"/>
                 </a:solidFill>
@@ -10629,14 +11069,14 @@
           </a:ln>
           <a:extLst>
             <a:ext uri="{909E8E84-426E-40DD-AFC4-6F175D3DCCD1}">
-              <a14:hiddenFill xmlns:a14="http://schemas.microsoft.com/office/drawing/2010/main" xmlns="">
+              <a14:hiddenFill xmlns:a14="http://schemas.microsoft.com/office/drawing/2010/main">
                 <a:solidFill>
                   <a:srgbClr val="FFFFFF"/>
                 </a:solidFill>
               </a14:hiddenFill>
             </a:ext>
             <a:ext uri="{91240B29-F687-4F45-9708-019B960494DF}">
-              <a14:hiddenLine xmlns:a14="http://schemas.microsoft.com/office/drawing/2010/main" xmlns="" w="9525">
+              <a14:hiddenLine xmlns:a14="http://schemas.microsoft.com/office/drawing/2010/main" w="9525">
                 <a:solidFill>
                   <a:srgbClr val="000000"/>
                 </a:solidFill>
@@ -10764,7 +11204,7 @@
           <a:blip r:embed="rId3">
             <a:extLst>
               <a:ext uri="{28A0092B-C50C-407E-A947-70E740481C1C}">
-                <a14:useLocalDpi xmlns:a14="http://schemas.microsoft.com/office/drawing/2010/main" xmlns="" val="0"/>
+                <a14:useLocalDpi xmlns:a14="http://schemas.microsoft.com/office/drawing/2010/main" val="0"/>
               </a:ext>
             </a:extLst>
           </a:blip>
@@ -10787,14 +11227,14 @@
           </a:ln>
           <a:extLst>
             <a:ext uri="{909E8E84-426E-40DD-AFC4-6F175D3DCCD1}">
-              <a14:hiddenFill xmlns:a14="http://schemas.microsoft.com/office/drawing/2010/main" xmlns="">
+              <a14:hiddenFill xmlns:a14="http://schemas.microsoft.com/office/drawing/2010/main">
                 <a:solidFill>
                   <a:srgbClr val="FFFFFF"/>
                 </a:solidFill>
               </a14:hiddenFill>
             </a:ext>
             <a:ext uri="{91240B29-F687-4F45-9708-019B960494DF}">
-              <a14:hiddenLine xmlns:a14="http://schemas.microsoft.com/office/drawing/2010/main" xmlns="" w="9525">
+              <a14:hiddenLine xmlns:a14="http://schemas.microsoft.com/office/drawing/2010/main" w="9525">
                 <a:solidFill>
                   <a:srgbClr val="000000"/>
                 </a:solidFill>
@@ -10861,6 +11301,88 @@
       </p:grpSpPr>
       <p:sp>
         <p:nvSpPr>
+          <p:cNvPr id="2" name="Title 1"/>
+          <p:cNvSpPr>
+            <a:spLocks noGrp="1"/>
+          </p:cNvSpPr>
+          <p:nvPr>
+            <p:ph type="title"/>
+          </p:nvPr>
+        </p:nvSpPr>
+        <p:spPr/>
+        <p:txBody>
+          <a:bodyPr/>
+          <a:lstStyle/>
+          <a:p>
+            <a:r>
+              <a:rPr lang="en-GB" dirty="0" smtClean="0"/>
+              <a:t>Next Week</a:t>
+            </a:r>
+            <a:endParaRPr lang="en-GB" dirty="0"/>
+          </a:p>
+        </p:txBody>
+      </p:sp>
+      <p:sp>
+        <p:nvSpPr>
+          <p:cNvPr id="3" name="Content Placeholder 2"/>
+          <p:cNvSpPr>
+            <a:spLocks noGrp="1"/>
+          </p:cNvSpPr>
+          <p:nvPr>
+            <p:ph idx="1"/>
+          </p:nvPr>
+        </p:nvSpPr>
+        <p:spPr/>
+        <p:txBody>
+          <a:bodyPr/>
+          <a:lstStyle/>
+          <a:p>
+            <a:r>
+              <a:rPr lang="en-GB" dirty="0" smtClean="0"/>
+              <a:t>Revision Week</a:t>
+            </a:r>
+          </a:p>
+          <a:p>
+            <a:r>
+              <a:rPr lang="en-GB" dirty="0" smtClean="0"/>
+              <a:t>No Lectures</a:t>
+            </a:r>
+            <a:endParaRPr lang="en-GB" dirty="0"/>
+          </a:p>
+        </p:txBody>
+      </p:sp>
+    </p:spTree>
+    <p:extLst>
+      <p:ext uri="{BB962C8B-B14F-4D97-AF65-F5344CB8AC3E}">
+        <p14:creationId xmlns:p14="http://schemas.microsoft.com/office/powerpoint/2010/main" val="4247796886"/>
+      </p:ext>
+    </p:extLst>
+  </p:cSld>
+  <p:clrMapOvr>
+    <a:masterClrMapping/>
+  </p:clrMapOvr>
+</p:sld>
+</file>
+
+<file path=ppt/slides/slide3.xml><?xml version="1.0" encoding="utf-8"?>
+<p:sld xmlns:a="http://schemas.openxmlformats.org/drawingml/2006/main" xmlns:r="http://schemas.openxmlformats.org/officeDocument/2006/relationships" xmlns:p="http://schemas.openxmlformats.org/presentationml/2006/main">
+  <p:cSld>
+    <p:spTree>
+      <p:nvGrpSpPr>
+        <p:cNvPr id="1" name=""/>
+        <p:cNvGrpSpPr/>
+        <p:nvPr/>
+      </p:nvGrpSpPr>
+      <p:grpSpPr>
+        <a:xfrm>
+          <a:off x="0" y="0"/>
+          <a:ext cx="0" cy="0"/>
+          <a:chOff x="0" y="0"/>
+          <a:chExt cx="0" cy="0"/>
+        </a:xfrm>
+      </p:grpSpPr>
+      <p:sp>
+        <p:nvSpPr>
           <p:cNvPr id="9218" name="Text Box 1"/>
           <p:cNvSpPr txBox="1">
             <a:spLocks noChangeArrowheads="1"/>
@@ -10881,14 +11403,14 @@
           </a:ln>
           <a:extLst>
             <a:ext uri="{909E8E84-426E-40DD-AFC4-6F175D3DCCD1}">
-              <a14:hiddenFill xmlns:a14="http://schemas.microsoft.com/office/drawing/2010/main" xmlns="">
+              <a14:hiddenFill xmlns:a14="http://schemas.microsoft.com/office/drawing/2010/main">
                 <a:solidFill>
                   <a:srgbClr val="FFFFFF"/>
                 </a:solidFill>
               </a14:hiddenFill>
             </a:ext>
             <a:ext uri="{91240B29-F687-4F45-9708-019B960494DF}">
-              <a14:hiddenLine xmlns:a14="http://schemas.microsoft.com/office/drawing/2010/main" xmlns="" w="9525">
+              <a14:hiddenLine xmlns:a14="http://schemas.microsoft.com/office/drawing/2010/main" w="9525">
                 <a:solidFill>
                   <a:srgbClr val="000000"/>
                 </a:solidFill>
@@ -11161,14 +11683,14 @@
           </a:ln>
           <a:extLst>
             <a:ext uri="{909E8E84-426E-40DD-AFC4-6F175D3DCCD1}">
-              <a14:hiddenFill xmlns:a14="http://schemas.microsoft.com/office/drawing/2010/main" xmlns="">
+              <a14:hiddenFill xmlns:a14="http://schemas.microsoft.com/office/drawing/2010/main">
                 <a:solidFill>
                   <a:srgbClr val="FFFFFF"/>
                 </a:solidFill>
               </a14:hiddenFill>
             </a:ext>
             <a:ext uri="{91240B29-F687-4F45-9708-019B960494DF}">
-              <a14:hiddenLine xmlns:a14="http://schemas.microsoft.com/office/drawing/2010/main" xmlns="" w="9525">
+              <a14:hiddenLine xmlns:a14="http://schemas.microsoft.com/office/drawing/2010/main" w="9525">
                 <a:solidFill>
                   <a:srgbClr val="000000"/>
                 </a:solidFill>
@@ -11407,13 +11929,13 @@
               </a:buBlip>
             </a:pPr>
             <a:r>
-              <a:rPr lang="en-US" altLang="en-US" sz="3200">
+              <a:rPr lang="en-US" altLang="en-US" sz="3200" dirty="0" smtClean="0">
                 <a:solidFill>
                   <a:srgbClr val="000000"/>
                 </a:solidFill>
                 <a:latin typeface="Arial" panose="020B0604020202020204" pitchFamily="34" charset="0"/>
               </a:rPr>
-              <a:t>What is Javascript?</a:t>
+              <a:t>Review</a:t>
             </a:r>
           </a:p>
           <a:p>
@@ -11427,13 +11949,40 @@
               </a:buBlip>
             </a:pPr>
             <a:r>
-              <a:rPr lang="en-US" altLang="en-US" sz="3200">
+              <a:rPr lang="en-US" altLang="en-US" sz="3200" dirty="0" smtClean="0">
                 <a:solidFill>
                   <a:srgbClr val="000000"/>
                 </a:solidFill>
                 <a:latin typeface="Arial" panose="020B0604020202020204" pitchFamily="34" charset="0"/>
               </a:rPr>
-              <a:t>Summary</a:t>
+              <a:t>What </a:t>
+            </a:r>
+            <a:r>
+              <a:rPr lang="en-US" altLang="en-US" sz="3200" dirty="0">
+                <a:solidFill>
+                  <a:srgbClr val="000000"/>
+                </a:solidFill>
+                <a:latin typeface="Arial" panose="020B0604020202020204" pitchFamily="34" charset="0"/>
+              </a:rPr>
+              <a:t>is </a:t>
+            </a:r>
+            <a:r>
+              <a:rPr lang="en-US" altLang="en-US" sz="3200" dirty="0" err="1">
+                <a:solidFill>
+                  <a:srgbClr val="000000"/>
+                </a:solidFill>
+                <a:latin typeface="Arial" panose="020B0604020202020204" pitchFamily="34" charset="0"/>
+              </a:rPr>
+              <a:t>Javascript</a:t>
+            </a:r>
+            <a:r>
+              <a:rPr lang="en-US" altLang="en-US" sz="3200" dirty="0" smtClean="0">
+                <a:solidFill>
+                  <a:srgbClr val="000000"/>
+                </a:solidFill>
+                <a:latin typeface="Arial" panose="020B0604020202020204" pitchFamily="34" charset="0"/>
+              </a:rPr>
+              <a:t>?</a:t>
             </a:r>
           </a:p>
           <a:p>
@@ -11447,226 +11996,68 @@
               </a:buBlip>
             </a:pPr>
             <a:r>
-              <a:rPr lang="en-US" altLang="en-US" sz="3200">
+              <a:rPr lang="en-US" altLang="en-US" sz="3200" dirty="0" err="1" smtClean="0">
                 <a:solidFill>
                   <a:srgbClr val="000000"/>
                 </a:solidFill>
                 <a:latin typeface="Arial" panose="020B0604020202020204" pitchFamily="34" charset="0"/>
               </a:rPr>
-              <a:t>Review/Discussion</a:t>
+              <a:t>Javascript</a:t>
             </a:r>
-          </a:p>
-        </p:txBody>
-      </p:sp>
-    </p:spTree>
-  </p:cSld>
-  <p:clrMapOvr>
-    <a:masterClrMapping/>
-  </p:clrMapOvr>
-  <p:transition spd="med"/>
-  <p:timing>
-    <p:tnLst>
-      <p:par>
-        <p:cTn id="1" dur="indefinite" restart="never" nodeType="tmRoot">
-          <p:childTnLst>
-            <p:seq concurrent="1" nextAc="seek">
-              <p:cTn id="2" dur="0" nodeType="mainSeq"/>
-              <p:prevCondLst>
-                <p:cond evt="onPrev" delay="0">
-                  <p:tgtEl>
-                    <p:sldTgt/>
-                  </p:tgtEl>
-                </p:cond>
-              </p:prevCondLst>
-              <p:nextCondLst>
-                <p:cond evt="onNext" delay="0">
-                  <p:tgtEl>
-                    <p:sldTgt/>
-                  </p:tgtEl>
-                </p:cond>
-              </p:nextCondLst>
-            </p:seq>
-          </p:childTnLst>
-        </p:cTn>
-      </p:par>
-    </p:tnLst>
-  </p:timing>
-</p:sld>
-</file>
-
-<file path=ppt/slides/slide3.xml><?xml version="1.0" encoding="utf-8"?>
-<p:sld xmlns:a="http://schemas.openxmlformats.org/drawingml/2006/main" xmlns:r="http://schemas.openxmlformats.org/officeDocument/2006/relationships" xmlns:p="http://schemas.openxmlformats.org/presentationml/2006/main">
-  <p:cSld>
-    <p:spTree>
-      <p:nvGrpSpPr>
-        <p:cNvPr id="1" name=""/>
-        <p:cNvGrpSpPr/>
-        <p:nvPr/>
-      </p:nvGrpSpPr>
-      <p:grpSpPr>
-        <a:xfrm>
-          <a:off x="0" y="0"/>
-          <a:ext cx="0" cy="0"/>
-          <a:chOff x="0" y="0"/>
-          <a:chExt cx="0" cy="0"/>
-        </a:xfrm>
-      </p:grpSpPr>
-      <p:sp>
-        <p:nvSpPr>
-          <p:cNvPr id="10242" name="Rectangle 1"/>
-          <p:cNvSpPr>
-            <a:spLocks noGrp="1" noChangeArrowheads="1"/>
-          </p:cNvSpPr>
-          <p:nvPr>
-            <p:ph type="title" idx="4294967295"/>
-          </p:nvPr>
-        </p:nvSpPr>
-        <p:spPr/>
-        <p:txBody>
-          <a:bodyPr/>
-          <a:lstStyle/>
-          <a:p>
-            <a:pPr>
-              <a:tabLst>
-                <a:tab pos="0" algn="l"/>
-                <a:tab pos="914400" algn="l"/>
-                <a:tab pos="1828800" algn="l"/>
-                <a:tab pos="2743200" algn="l"/>
-                <a:tab pos="3657600" algn="l"/>
-                <a:tab pos="4572000" algn="l"/>
-                <a:tab pos="5486400" algn="l"/>
-                <a:tab pos="6400800" algn="l"/>
-                <a:tab pos="7315200" algn="l"/>
-                <a:tab pos="8229600" algn="l"/>
-                <a:tab pos="9144000" algn="l"/>
-                <a:tab pos="10058400" algn="l"/>
-              </a:tabLst>
-            </a:pPr>
             <a:r>
-              <a:rPr lang="en-US" altLang="en-US" smtClean="0"/>
-              <a:t>Review</a:t>
+              <a:rPr lang="en-US" altLang="en-US" sz="3200" dirty="0" smtClean="0">
+                <a:solidFill>
+                  <a:srgbClr val="000000"/>
+                </a:solidFill>
+                <a:latin typeface="Arial" panose="020B0604020202020204" pitchFamily="34" charset="0"/>
+              </a:rPr>
+              <a:t> Examples/Syntax</a:t>
             </a:r>
-          </a:p>
-        </p:txBody>
-      </p:sp>
-      <p:sp>
-        <p:nvSpPr>
-          <p:cNvPr id="10243" name="Rectangle 2"/>
-          <p:cNvSpPr>
-            <a:spLocks noGrp="1" noChangeArrowheads="1"/>
-          </p:cNvSpPr>
-          <p:nvPr>
-            <p:ph type="body" idx="4294967295"/>
-          </p:nvPr>
-        </p:nvSpPr>
-        <p:spPr/>
-        <p:txBody>
-          <a:bodyPr/>
-          <a:lstStyle/>
-          <a:p>
-            <a:pPr marL="341313" indent="-341313">
+            <a:endParaRPr lang="en-US" altLang="en-US" sz="3200" dirty="0">
+              <a:solidFill>
+                <a:srgbClr val="000000"/>
+              </a:solidFill>
+              <a:latin typeface="Arial" panose="020B0604020202020204" pitchFamily="34" charset="0"/>
+            </a:endParaRPr>
+          </a:p>
+          <a:p>
+            <a:pPr eaLnBrk="1" hangingPunct="1">
+              <a:spcBef>
+                <a:spcPts val="800"/>
+              </a:spcBef>
               <a:buFont typeface="Times New Roman" panose="02020603050405020304" pitchFamily="18" charset="0"/>
               <a:buBlip>
                 <a:blip r:embed="rId3"/>
               </a:buBlip>
-              <a:tabLst>
-                <a:tab pos="911225" algn="l"/>
-                <a:tab pos="1825625" algn="l"/>
-                <a:tab pos="2740025" algn="l"/>
-                <a:tab pos="3654425" algn="l"/>
-                <a:tab pos="4568825" algn="l"/>
-                <a:tab pos="5483225" algn="l"/>
-                <a:tab pos="6397625" algn="l"/>
-                <a:tab pos="7312025" algn="l"/>
-                <a:tab pos="8226425" algn="l"/>
-                <a:tab pos="9140825" algn="l"/>
-                <a:tab pos="10055225" algn="l"/>
-              </a:tabLst>
             </a:pPr>
             <a:r>
-              <a:rPr lang="en-US" altLang="en-US" smtClean="0"/>
-              <a:t>Javascript between the tags </a:t>
+              <a:rPr lang="en-US" altLang="en-US" sz="3200" dirty="0">
+                <a:solidFill>
+                  <a:srgbClr val="000000"/>
+                </a:solidFill>
+                <a:latin typeface="Arial" panose="020B0604020202020204" pitchFamily="34" charset="0"/>
+              </a:rPr>
+              <a:t>Summary</a:t>
             </a:r>
           </a:p>
           <a:p>
-            <a:pPr marL="341313" indent="-341313">
-              <a:tabLst>
-                <a:tab pos="911225" algn="l"/>
-                <a:tab pos="1825625" algn="l"/>
-                <a:tab pos="2740025" algn="l"/>
-                <a:tab pos="3654425" algn="l"/>
-                <a:tab pos="4568825" algn="l"/>
-                <a:tab pos="5483225" algn="l"/>
-                <a:tab pos="6397625" algn="l"/>
-                <a:tab pos="7312025" algn="l"/>
-                <a:tab pos="8226425" algn="l"/>
-                <a:tab pos="9140825" algn="l"/>
-                <a:tab pos="10055225" algn="l"/>
-              </a:tabLst>
-            </a:pPr>
-            <a:endParaRPr lang="en-US" altLang="en-US" smtClean="0"/>
-          </a:p>
-          <a:p>
-            <a:pPr marL="341313" indent="-341313">
-              <a:tabLst>
-                <a:tab pos="911225" algn="l"/>
-                <a:tab pos="1825625" algn="l"/>
-                <a:tab pos="2740025" algn="l"/>
-                <a:tab pos="3654425" algn="l"/>
-                <a:tab pos="4568825" algn="l"/>
-                <a:tab pos="5483225" algn="l"/>
-                <a:tab pos="6397625" algn="l"/>
-                <a:tab pos="7312025" algn="l"/>
-                <a:tab pos="8226425" algn="l"/>
-                <a:tab pos="9140825" algn="l"/>
-                <a:tab pos="10055225" algn="l"/>
-              </a:tabLst>
+            <a:pPr eaLnBrk="1" hangingPunct="1">
+              <a:spcBef>
+                <a:spcPts val="800"/>
+              </a:spcBef>
+              <a:buFont typeface="Times New Roman" panose="02020603050405020304" pitchFamily="18" charset="0"/>
+              <a:buBlip>
+                <a:blip r:embed="rId3"/>
+              </a:buBlip>
             </a:pPr>
             <a:r>
-              <a:rPr lang="en-US" altLang="en-US" smtClean="0"/>
-              <a:t>&lt; script &gt; </a:t>
-            </a:r>
-          </a:p>
-          <a:p>
-            <a:pPr marL="341313" indent="-341313">
-              <a:tabLst>
-                <a:tab pos="911225" algn="l"/>
-                <a:tab pos="1825625" algn="l"/>
-                <a:tab pos="2740025" algn="l"/>
-                <a:tab pos="3654425" algn="l"/>
-                <a:tab pos="4568825" algn="l"/>
-                <a:tab pos="5483225" algn="l"/>
-                <a:tab pos="6397625" algn="l"/>
-                <a:tab pos="7312025" algn="l"/>
-                <a:tab pos="8226425" algn="l"/>
-                <a:tab pos="9140825" algn="l"/>
-                <a:tab pos="10055225" algn="l"/>
-              </a:tabLst>
-            </a:pPr>
-            <a:r>
-              <a:rPr lang="en-US" altLang="en-US" smtClean="0"/>
-              <a:t>     ... </a:t>
-            </a:r>
-          </a:p>
-          <a:p>
-            <a:pPr marL="341313" indent="-341313">
-              <a:tabLst>
-                <a:tab pos="911225" algn="l"/>
-                <a:tab pos="1825625" algn="l"/>
-                <a:tab pos="2740025" algn="l"/>
-                <a:tab pos="3654425" algn="l"/>
-                <a:tab pos="4568825" algn="l"/>
-                <a:tab pos="5483225" algn="l"/>
-                <a:tab pos="6397625" algn="l"/>
-                <a:tab pos="7312025" algn="l"/>
-                <a:tab pos="8226425" algn="l"/>
-                <a:tab pos="9140825" algn="l"/>
-                <a:tab pos="10055225" algn="l"/>
-              </a:tabLst>
-            </a:pPr>
-            <a:r>
-              <a:rPr lang="en-US" altLang="en-US" smtClean="0"/>
-              <a:t>&lt; /script &gt; </a:t>
+              <a:rPr lang="en-US" altLang="en-US" sz="3200" dirty="0">
+                <a:solidFill>
+                  <a:srgbClr val="000000"/>
+                </a:solidFill>
+                <a:latin typeface="Arial" panose="020B0604020202020204" pitchFamily="34" charset="0"/>
+              </a:rPr>
+              <a:t>Review/Discussion</a:t>
             </a:r>
           </a:p>
         </p:txBody>
@@ -11726,12 +12117,12 @@
       </p:grpSpPr>
       <p:sp>
         <p:nvSpPr>
-          <p:cNvPr id="11266" name="Rectangle 1"/>
+          <p:cNvPr id="2" name="Footer Placeholder 1"/>
           <p:cNvSpPr>
-            <a:spLocks noGrp="1" noChangeArrowheads="1"/>
+            <a:spLocks noGrp="1"/>
           </p:cNvSpPr>
           <p:nvPr>
-            <p:ph type="title" idx="4294967295"/>
+            <p:ph type="ftr" sz="quarter" idx="11"/>
           </p:nvPr>
         </p:nvSpPr>
         <p:spPr/>
@@ -11740,36 +12131,24 @@
           <a:lstStyle/>
           <a:p>
             <a:pPr>
-              <a:tabLst>
-                <a:tab pos="0" algn="l"/>
-                <a:tab pos="914400" algn="l"/>
-                <a:tab pos="1828800" algn="l"/>
-                <a:tab pos="2743200" algn="l"/>
-                <a:tab pos="3657600" algn="l"/>
-                <a:tab pos="4572000" algn="l"/>
-                <a:tab pos="5486400" algn="l"/>
-                <a:tab pos="6400800" algn="l"/>
-                <a:tab pos="7315200" algn="l"/>
-                <a:tab pos="8229600" algn="l"/>
-                <a:tab pos="9144000" algn="l"/>
-                <a:tab pos="10058400" algn="l"/>
-              </a:tabLst>
+              <a:defRPr/>
             </a:pPr>
             <a:r>
               <a:rPr lang="en-US" altLang="en-US" smtClean="0"/>
-              <a:t>Review</a:t>
+              <a:t>zjnu</a:t>
             </a:r>
+            <a:endParaRPr lang="en-US" altLang="en-US"/>
           </a:p>
         </p:txBody>
       </p:sp>
       <p:sp>
         <p:nvSpPr>
-          <p:cNvPr id="11267" name="Rectangle 2"/>
+          <p:cNvPr id="3" name="Slide Number Placeholder 2"/>
           <p:cNvSpPr>
-            <a:spLocks noGrp="1" noChangeArrowheads="1"/>
+            <a:spLocks noGrp="1"/>
           </p:cNvSpPr>
           <p:nvPr>
-            <p:ph type="body" idx="4294967295"/>
+            <p:ph type="sldNum" sz="quarter" idx="12"/>
           </p:nvPr>
         </p:nvSpPr>
         <p:spPr/>
@@ -11777,48 +12156,25 @@
           <a:bodyPr/>
           <a:lstStyle/>
           <a:p>
-            <a:pPr marL="341313" indent="-341313">
-              <a:buFont typeface="Times New Roman" panose="02020603050405020304" pitchFamily="18" charset="0"/>
-              <a:buBlip>
-                <a:blip r:embed="rId3"/>
-              </a:buBlip>
-              <a:tabLst>
-                <a:tab pos="911225" algn="l"/>
-                <a:tab pos="1825625" algn="l"/>
-                <a:tab pos="2740025" algn="l"/>
-                <a:tab pos="3654425" algn="l"/>
-                <a:tab pos="4568825" algn="l"/>
-                <a:tab pos="5483225" algn="l"/>
-                <a:tab pos="6397625" algn="l"/>
-                <a:tab pos="7312025" algn="l"/>
-                <a:tab pos="8226425" algn="l"/>
-                <a:tab pos="9140825" algn="l"/>
-                <a:tab pos="10055225" algn="l"/>
-              </a:tabLst>
-            </a:pPr>
-            <a:r>
+            <a:fld id="{850042EC-FAB6-4534-B736-6CA51D2E2736}" type="slidenum">
               <a:rPr lang="en-US" altLang="en-US" smtClean="0"/>
-              <a:t>Simple Javascript Example</a:t>
-            </a:r>
+              <a:pPr/>
+              <a:t>4</a:t>
+            </a:fld>
+            <a:endParaRPr lang="en-US" altLang="en-US"/>
           </a:p>
         </p:txBody>
       </p:sp>
       <p:pic>
         <p:nvPicPr>
-          <p:cNvPr id="11268" name="Picture 3"/>
+          <p:cNvPr id="1026" name="Picture 2"/>
           <p:cNvPicPr>
             <a:picLocks noChangeAspect="1" noChangeArrowheads="1"/>
           </p:cNvPicPr>
           <p:nvPr/>
         </p:nvPicPr>
         <p:blipFill>
-          <a:blip r:embed="rId4">
-            <a:extLst>
-              <a:ext uri="{28A0092B-C50C-407E-A947-70E740481C1C}">
-                <a14:useLocalDpi xmlns:a14="http://schemas.microsoft.com/office/drawing/2010/main" xmlns="" val="0"/>
-              </a:ext>
-            </a:extLst>
-          </a:blip>
+          <a:blip r:embed="rId2" cstate="print"/>
           <a:srcRect/>
           <a:stretch>
             <a:fillRect/>
@@ -11826,70 +12182,229 @@
         </p:blipFill>
         <p:spPr bwMode="auto">
           <a:xfrm>
-            <a:off x="822325" y="3108325"/>
-            <a:ext cx="7275513" cy="3019425"/>
+            <a:off x="0" y="76200"/>
+            <a:ext cx="6153236" cy="6524625"/>
           </a:xfrm>
           <a:prstGeom prst="rect">
             <a:avLst/>
           </a:prstGeom>
           <a:noFill/>
-          <a:ln>
+          <a:ln w="9525">
             <a:noFill/>
+            <a:miter lim="800000"/>
+            <a:headEnd/>
+            <a:tailEnd/>
           </a:ln>
-          <a:extLst>
-            <a:ext uri="{909E8E84-426E-40DD-AFC4-6F175D3DCCD1}">
-              <a14:hiddenFill xmlns:a14="http://schemas.microsoft.com/office/drawing/2010/main" xmlns="">
-                <a:solidFill>
-                  <a:srgbClr val="FFFFFF"/>
-                </a:solidFill>
-              </a14:hiddenFill>
-            </a:ext>
-            <a:ext uri="{91240B29-F687-4F45-9708-019B960494DF}">
-              <a14:hiddenLine xmlns:a14="http://schemas.microsoft.com/office/drawing/2010/main" xmlns="" w="9525">
-                <a:solidFill>
-                  <a:srgbClr val="000000"/>
-                </a:solidFill>
-                <a:round/>
-                <a:headEnd/>
-                <a:tailEnd/>
-              </a14:hiddenLine>
-            </a:ext>
-          </a:extLst>
         </p:spPr>
       </p:pic>
+      <p:pic>
+        <p:nvPicPr>
+          <p:cNvPr id="1027" name="Picture 3"/>
+          <p:cNvPicPr>
+            <a:picLocks noChangeAspect="1" noChangeArrowheads="1"/>
+          </p:cNvPicPr>
+          <p:nvPr/>
+        </p:nvPicPr>
+        <p:blipFill>
+          <a:blip r:embed="rId3" cstate="print"/>
+          <a:srcRect/>
+          <a:stretch>
+            <a:fillRect/>
+          </a:stretch>
+        </p:blipFill>
+        <p:spPr bwMode="auto">
+          <a:xfrm>
+            <a:off x="6019800" y="381000"/>
+            <a:ext cx="3051994" cy="2514600"/>
+          </a:xfrm>
+          <a:prstGeom prst="rect">
+            <a:avLst/>
+          </a:prstGeom>
+          <a:noFill/>
+          <a:ln w="9525">
+            <a:noFill/>
+            <a:miter lim="800000"/>
+            <a:headEnd/>
+            <a:tailEnd/>
+          </a:ln>
+        </p:spPr>
+      </p:pic>
+      <p:pic>
+        <p:nvPicPr>
+          <p:cNvPr id="1028" name="Picture 4"/>
+          <p:cNvPicPr>
+            <a:picLocks noChangeAspect="1" noChangeArrowheads="1"/>
+          </p:cNvPicPr>
+          <p:nvPr/>
+        </p:nvPicPr>
+        <p:blipFill>
+          <a:blip r:embed="rId4" cstate="print"/>
+          <a:srcRect/>
+          <a:stretch>
+            <a:fillRect/>
+          </a:stretch>
+        </p:blipFill>
+        <p:spPr bwMode="auto">
+          <a:xfrm>
+            <a:off x="5715000" y="3733800"/>
+            <a:ext cx="3298004" cy="2743200"/>
+          </a:xfrm>
+          <a:prstGeom prst="rect">
+            <a:avLst/>
+          </a:prstGeom>
+          <a:noFill/>
+          <a:ln w="9525">
+            <a:noFill/>
+            <a:miter lim="800000"/>
+            <a:headEnd/>
+            <a:tailEnd/>
+          </a:ln>
+        </p:spPr>
+      </p:pic>
+      <p:sp>
+        <p:nvSpPr>
+          <p:cNvPr id="7" name="TextBox 6"/>
+          <p:cNvSpPr txBox="1"/>
+          <p:nvPr/>
+        </p:nvSpPr>
+        <p:spPr>
+          <a:xfrm>
+            <a:off x="1981200" y="5791200"/>
+            <a:ext cx="3048000" cy="923330"/>
+          </a:xfrm>
+          <a:prstGeom prst="rect">
+            <a:avLst/>
+          </a:prstGeom>
+          <a:noFill/>
+        </p:spPr>
+        <p:txBody>
+          <a:bodyPr wrap="square" rtlCol="0">
+            <a:spAutoFit/>
+          </a:bodyPr>
+          <a:lstStyle/>
+          <a:p>
+            <a:r>
+              <a:rPr lang="en-US" sz="1800" b="1" dirty="0" smtClean="0">
+                <a:solidFill>
+                  <a:srgbClr val="E62D33"/>
+                </a:solidFill>
+              </a:rPr>
+              <a:t>Print out/or copy out your answers and bring them with you </a:t>
+            </a:r>
+            <a:r>
+              <a:rPr lang="en-US" sz="1800" b="1" smtClean="0">
+                <a:solidFill>
+                  <a:srgbClr val="E62D33"/>
+                </a:solidFill>
+              </a:rPr>
+              <a:t>for </a:t>
+            </a:r>
+            <a:r>
+              <a:rPr lang="en-US" sz="1800" b="1" smtClean="0">
+                <a:solidFill>
+                  <a:srgbClr val="E62D33"/>
+                </a:solidFill>
+              </a:rPr>
+              <a:t>this </a:t>
+            </a:r>
+            <a:r>
+              <a:rPr lang="en-US" sz="1800" b="1" dirty="0" smtClean="0">
+                <a:solidFill>
+                  <a:srgbClr val="E62D33"/>
+                </a:solidFill>
+              </a:rPr>
+              <a:t>lesson</a:t>
+            </a:r>
+            <a:endParaRPr lang="en-US" sz="1800" b="1" dirty="0">
+              <a:solidFill>
+                <a:srgbClr val="E62D33"/>
+              </a:solidFill>
+            </a:endParaRPr>
+          </a:p>
+        </p:txBody>
+      </p:sp>
+      <p:sp>
+        <p:nvSpPr>
+          <p:cNvPr id="8" name="Title 1"/>
+          <p:cNvSpPr txBox="1">
+            <a:spLocks/>
+          </p:cNvSpPr>
+          <p:nvPr/>
+        </p:nvSpPr>
+        <p:spPr>
+          <a:xfrm>
+            <a:off x="-533400" y="76200"/>
+            <a:ext cx="4038600" cy="1143000"/>
+          </a:xfrm>
+          <a:prstGeom prst="rect">
+            <a:avLst/>
+          </a:prstGeom>
+        </p:spPr>
+        <p:txBody>
+          <a:bodyPr/>
+          <a:lstStyle/>
+          <a:p>
+            <a:pPr marL="0" marR="0" lvl="0" indent="0" algn="r" defTabSz="914400" rtl="0" eaLnBrk="0" fontAlgn="base" latinLnBrk="0" hangingPunct="0">
+              <a:lnSpc>
+                <a:spcPct val="100000"/>
+              </a:lnSpc>
+              <a:spcBef>
+                <a:spcPct val="0"/>
+              </a:spcBef>
+              <a:spcAft>
+                <a:spcPct val="0"/>
+              </a:spcAft>
+              <a:buClrTx/>
+              <a:buSzTx/>
+              <a:buFontTx/>
+              <a:buNone/>
+              <a:tabLst/>
+              <a:defRPr/>
+            </a:pPr>
+            <a:r>
+              <a:rPr kumimoji="0" lang="en-US" sz="3200" b="0" i="0" u="none" strike="noStrike" kern="1200" cap="none" spc="0" normalizeH="0" baseline="0" noProof="0" dirty="0" smtClean="0">
+                <a:ln>
+                  <a:noFill/>
+                </a:ln>
+                <a:solidFill>
+                  <a:srgbClr val="000000"/>
+                </a:solidFill>
+                <a:effectLst/>
+                <a:uLnTx/>
+                <a:uFillTx/>
+                <a:latin typeface="+mj-lt"/>
+                <a:ea typeface="+mj-ea"/>
+                <a:cs typeface="+mj-cs"/>
+              </a:rPr>
+              <a:t>Solutions Puzzle</a:t>
+            </a:r>
+            <a:endParaRPr kumimoji="0" lang="en-US" sz="3200" b="0" i="0" u="none" strike="noStrike" kern="1200" cap="none" spc="0" normalizeH="0" baseline="0" noProof="0" dirty="0">
+              <a:ln>
+                <a:noFill/>
+              </a:ln>
+              <a:solidFill>
+                <a:srgbClr val="000000"/>
+              </a:solidFill>
+              <a:effectLst/>
+              <a:uLnTx/>
+              <a:uFillTx/>
+              <a:latin typeface="+mj-lt"/>
+              <a:ea typeface="+mj-ea"/>
+              <a:cs typeface="+mj-cs"/>
+            </a:endParaRPr>
+          </a:p>
+        </p:txBody>
+      </p:sp>
     </p:spTree>
+    <p:extLst>
+      <p:ext uri="{BB962C8B-B14F-4D97-AF65-F5344CB8AC3E}">
+        <p14:creationId xmlns:p14="http://schemas.microsoft.com/office/powerpoint/2010/main" val="11439654"/>
+      </p:ext>
+    </p:extLst>
   </p:cSld>
   <p:clrMapOvr>
     <a:masterClrMapping/>
   </p:clrMapOvr>
-  <p:transition spd="med"/>
-  <p:timing>
-    <p:tnLst>
-      <p:par>
-        <p:cTn id="1" dur="indefinite" restart="never" nodeType="tmRoot">
-          <p:childTnLst>
-            <p:seq concurrent="1" nextAc="seek">
-              <p:cTn id="2" dur="0" nodeType="mainSeq"/>
-              <p:prevCondLst>
-                <p:cond evt="onPrev" delay="0">
-                  <p:tgtEl>
-                    <p:sldTgt/>
-                  </p:tgtEl>
-                </p:cond>
-              </p:prevCondLst>
-              <p:nextCondLst>
-                <p:cond evt="onNext" delay="0">
-                  <p:tgtEl>
-                    <p:sldTgt/>
-                  </p:tgtEl>
-                </p:cond>
-              </p:nextCondLst>
-            </p:seq>
-          </p:childTnLst>
-        </p:cTn>
-      </p:par>
-    </p:tnLst>
-  </p:timing>
 </p:sld>
 </file>
 
@@ -11912,7 +12427,7 @@
       </p:grpSpPr>
       <p:sp>
         <p:nvSpPr>
-          <p:cNvPr id="12290" name="Rectangle 1"/>
+          <p:cNvPr id="10242" name="Rectangle 1"/>
           <p:cNvSpPr>
             <a:spLocks noGrp="1" noChangeArrowheads="1"/>
           </p:cNvSpPr>
@@ -11943,14 +12458,14 @@
             </a:pPr>
             <a:r>
               <a:rPr lang="en-US" altLang="en-US" smtClean="0"/>
-              <a:t>Popup boxes</a:t>
+              <a:t>Review</a:t>
             </a:r>
           </a:p>
         </p:txBody>
       </p:sp>
       <p:sp>
         <p:nvSpPr>
-          <p:cNvPr id="12291" name="Rectangle 2"/>
+          <p:cNvPr id="10243" name="Rectangle 2"/>
           <p:cNvSpPr>
             <a:spLocks noGrp="1" noChangeArrowheads="1"/>
           </p:cNvSpPr>
@@ -11984,65 +12499,92 @@
             </a:pPr>
             <a:r>
               <a:rPr lang="en-US" altLang="en-US" smtClean="0"/>
-              <a:t>JavaScript introduced three dialog boxes that work well enough for alerting, confirming and prompting for values</a:t>
+              <a:t>Javascript between the tags </a:t>
+            </a:r>
+          </a:p>
+          <a:p>
+            <a:pPr marL="341313" indent="-341313">
+              <a:tabLst>
+                <a:tab pos="911225" algn="l"/>
+                <a:tab pos="1825625" algn="l"/>
+                <a:tab pos="2740025" algn="l"/>
+                <a:tab pos="3654425" algn="l"/>
+                <a:tab pos="4568825" algn="l"/>
+                <a:tab pos="5483225" algn="l"/>
+                <a:tab pos="6397625" algn="l"/>
+                <a:tab pos="7312025" algn="l"/>
+                <a:tab pos="8226425" algn="l"/>
+                <a:tab pos="9140825" algn="l"/>
+                <a:tab pos="10055225" algn="l"/>
+              </a:tabLst>
+            </a:pPr>
+            <a:endParaRPr lang="en-US" altLang="en-US" smtClean="0"/>
+          </a:p>
+          <a:p>
+            <a:pPr marL="341313" indent="-341313">
+              <a:tabLst>
+                <a:tab pos="911225" algn="l"/>
+                <a:tab pos="1825625" algn="l"/>
+                <a:tab pos="2740025" algn="l"/>
+                <a:tab pos="3654425" algn="l"/>
+                <a:tab pos="4568825" algn="l"/>
+                <a:tab pos="5483225" algn="l"/>
+                <a:tab pos="6397625" algn="l"/>
+                <a:tab pos="7312025" algn="l"/>
+                <a:tab pos="8226425" algn="l"/>
+                <a:tab pos="9140825" algn="l"/>
+                <a:tab pos="10055225" algn="l"/>
+              </a:tabLst>
+            </a:pPr>
+            <a:r>
+              <a:rPr lang="en-US" altLang="en-US" smtClean="0"/>
+              <a:t>&lt; script &gt; </a:t>
+            </a:r>
+          </a:p>
+          <a:p>
+            <a:pPr marL="341313" indent="-341313">
+              <a:tabLst>
+                <a:tab pos="911225" algn="l"/>
+                <a:tab pos="1825625" algn="l"/>
+                <a:tab pos="2740025" algn="l"/>
+                <a:tab pos="3654425" algn="l"/>
+                <a:tab pos="4568825" algn="l"/>
+                <a:tab pos="5483225" algn="l"/>
+                <a:tab pos="6397625" algn="l"/>
+                <a:tab pos="7312025" algn="l"/>
+                <a:tab pos="8226425" algn="l"/>
+                <a:tab pos="9140825" algn="l"/>
+                <a:tab pos="10055225" algn="l"/>
+              </a:tabLst>
+            </a:pPr>
+            <a:r>
+              <a:rPr lang="en-US" altLang="en-US" smtClean="0"/>
+              <a:t>     ... </a:t>
+            </a:r>
+          </a:p>
+          <a:p>
+            <a:pPr marL="341313" indent="-341313">
+              <a:tabLst>
+                <a:tab pos="911225" algn="l"/>
+                <a:tab pos="1825625" algn="l"/>
+                <a:tab pos="2740025" algn="l"/>
+                <a:tab pos="3654425" algn="l"/>
+                <a:tab pos="4568825" algn="l"/>
+                <a:tab pos="5483225" algn="l"/>
+                <a:tab pos="6397625" algn="l"/>
+                <a:tab pos="7312025" algn="l"/>
+                <a:tab pos="8226425" algn="l"/>
+                <a:tab pos="9140825" algn="l"/>
+                <a:tab pos="10055225" algn="l"/>
+              </a:tabLst>
+            </a:pPr>
+            <a:r>
+              <a:rPr lang="en-US" altLang="en-US" smtClean="0"/>
+              <a:t>&lt; /script &gt; </a:t>
             </a:r>
           </a:p>
         </p:txBody>
       </p:sp>
-      <p:pic>
-        <p:nvPicPr>
-          <p:cNvPr id="12292" name="Picture 3"/>
-          <p:cNvPicPr>
-            <a:picLocks noChangeAspect="1" noChangeArrowheads="1"/>
-          </p:cNvPicPr>
-          <p:nvPr/>
-        </p:nvPicPr>
-        <p:blipFill>
-          <a:blip r:embed="rId4">
-            <a:extLst>
-              <a:ext uri="{28A0092B-C50C-407E-A947-70E740481C1C}">
-                <a14:useLocalDpi xmlns:a14="http://schemas.microsoft.com/office/drawing/2010/main" xmlns="" val="0"/>
-              </a:ext>
-            </a:extLst>
-          </a:blip>
-          <a:srcRect/>
-          <a:stretch>
-            <a:fillRect/>
-          </a:stretch>
-        </p:blipFill>
-        <p:spPr bwMode="auto">
-          <a:xfrm>
-            <a:off x="2743200" y="4114800"/>
-            <a:ext cx="2606675" cy="1736725"/>
-          </a:xfrm>
-          <a:prstGeom prst="rect">
-            <a:avLst/>
-          </a:prstGeom>
-          <a:noFill/>
-          <a:ln>
-            <a:noFill/>
-          </a:ln>
-          <a:extLst>
-            <a:ext uri="{909E8E84-426E-40DD-AFC4-6F175D3DCCD1}">
-              <a14:hiddenFill xmlns:a14="http://schemas.microsoft.com/office/drawing/2010/main" xmlns="">
-                <a:solidFill>
-                  <a:srgbClr val="FFFFFF"/>
-                </a:solidFill>
-              </a14:hiddenFill>
-            </a:ext>
-            <a:ext uri="{91240B29-F687-4F45-9708-019B960494DF}">
-              <a14:hiddenLine xmlns:a14="http://schemas.microsoft.com/office/drawing/2010/main" xmlns="" w="9525">
-                <a:solidFill>
-                  <a:srgbClr val="000000"/>
-                </a:solidFill>
-                <a:round/>
-                <a:headEnd/>
-                <a:tailEnd/>
-              </a14:hiddenLine>
-            </a:ext>
-          </a:extLst>
-        </p:spPr>
-      </p:pic>
     </p:spTree>
   </p:cSld>
   <p:clrMapOvr>
@@ -12098,7 +12640,7 @@
       </p:grpSpPr>
       <p:sp>
         <p:nvSpPr>
-          <p:cNvPr id="13314" name="Rectangle 1"/>
+          <p:cNvPr id="11266" name="Rectangle 1"/>
           <p:cNvSpPr>
             <a:spLocks noGrp="1" noChangeArrowheads="1"/>
           </p:cNvSpPr>
@@ -12129,14 +12671,14 @@
             </a:pPr>
             <a:r>
               <a:rPr lang="en-US" altLang="en-US" smtClean="0"/>
-              <a:t>Alert Boxes</a:t>
+              <a:t>Review</a:t>
             </a:r>
           </a:p>
         </p:txBody>
       </p:sp>
       <p:sp>
         <p:nvSpPr>
-          <p:cNvPr id="13315" name="Rectangle 2"/>
+          <p:cNvPr id="11267" name="Rectangle 2"/>
           <p:cNvSpPr>
             <a:spLocks noGrp="1" noChangeArrowheads="1"/>
           </p:cNvSpPr>
@@ -12170,14 +12712,14 @@
             </a:pPr>
             <a:r>
               <a:rPr lang="en-US" altLang="en-US" smtClean="0"/>
-              <a:t>These dialog boxes are helpful to raise and alert, or to get confirmation on any type of input from the user</a:t>
+              <a:t>Simple Javascript Example</a:t>
             </a:r>
           </a:p>
         </p:txBody>
       </p:sp>
       <p:pic>
         <p:nvPicPr>
-          <p:cNvPr id="13316" name="Picture 3"/>
+          <p:cNvPr id="11268" name="Picture 3"/>
           <p:cNvPicPr>
             <a:picLocks noChangeAspect="1" noChangeArrowheads="1"/>
           </p:cNvPicPr>
@@ -12187,7 +12729,7 @@
           <a:blip r:embed="rId4">
             <a:extLst>
               <a:ext uri="{28A0092B-C50C-407E-A947-70E740481C1C}">
-                <a14:useLocalDpi xmlns:a14="http://schemas.microsoft.com/office/drawing/2010/main" xmlns="" val="0"/>
+                <a14:useLocalDpi xmlns:a14="http://schemas.microsoft.com/office/drawing/2010/main" val="0"/>
               </a:ext>
             </a:extLst>
           </a:blip>
@@ -12198,8 +12740,8 @@
         </p:blipFill>
         <p:spPr bwMode="auto">
           <a:xfrm>
-            <a:off x="1776413" y="3778250"/>
-            <a:ext cx="5356225" cy="1890713"/>
+            <a:off x="822325" y="3108325"/>
+            <a:ext cx="7275513" cy="3019425"/>
           </a:xfrm>
           <a:prstGeom prst="rect">
             <a:avLst/>
@@ -12210,68 +12752,14 @@
           </a:ln>
           <a:extLst>
             <a:ext uri="{909E8E84-426E-40DD-AFC4-6F175D3DCCD1}">
-              <a14:hiddenFill xmlns:a14="http://schemas.microsoft.com/office/drawing/2010/main" xmlns="">
+              <a14:hiddenFill xmlns:a14="http://schemas.microsoft.com/office/drawing/2010/main">
                 <a:solidFill>
                   <a:srgbClr val="FFFFFF"/>
                 </a:solidFill>
               </a14:hiddenFill>
             </a:ext>
             <a:ext uri="{91240B29-F687-4F45-9708-019B960494DF}">
-              <a14:hiddenLine xmlns:a14="http://schemas.microsoft.com/office/drawing/2010/main" xmlns="" w="9525">
-                <a:solidFill>
-                  <a:srgbClr val="000000"/>
-                </a:solidFill>
-                <a:round/>
-                <a:headEnd/>
-                <a:tailEnd/>
-              </a14:hiddenLine>
-            </a:ext>
-          </a:extLst>
-        </p:spPr>
-      </p:pic>
-      <p:pic>
-        <p:nvPicPr>
-          <p:cNvPr id="13317" name="Picture 4"/>
-          <p:cNvPicPr>
-            <a:picLocks noChangeAspect="1" noChangeArrowheads="1"/>
-          </p:cNvPicPr>
-          <p:nvPr/>
-        </p:nvPicPr>
-        <p:blipFill>
-          <a:blip r:embed="rId5">
-            <a:extLst>
-              <a:ext uri="{28A0092B-C50C-407E-A947-70E740481C1C}">
-                <a14:useLocalDpi xmlns:a14="http://schemas.microsoft.com/office/drawing/2010/main" xmlns="" val="0"/>
-              </a:ext>
-            </a:extLst>
-          </a:blip>
-          <a:srcRect/>
-          <a:stretch>
-            <a:fillRect/>
-          </a:stretch>
-        </p:blipFill>
-        <p:spPr bwMode="auto">
-          <a:xfrm>
-            <a:off x="2378075" y="5761038"/>
-            <a:ext cx="3589338" cy="606425"/>
-          </a:xfrm>
-          <a:prstGeom prst="rect">
-            <a:avLst/>
-          </a:prstGeom>
-          <a:noFill/>
-          <a:ln>
-            <a:noFill/>
-          </a:ln>
-          <a:extLst>
-            <a:ext uri="{909E8E84-426E-40DD-AFC4-6F175D3DCCD1}">
-              <a14:hiddenFill xmlns:a14="http://schemas.microsoft.com/office/drawing/2010/main" xmlns="">
-                <a:solidFill>
-                  <a:srgbClr val="FFFFFF"/>
-                </a:solidFill>
-              </a14:hiddenFill>
-            </a:ext>
-            <a:ext uri="{91240B29-F687-4F45-9708-019B960494DF}">
-              <a14:hiddenLine xmlns:a14="http://schemas.microsoft.com/office/drawing/2010/main" xmlns="" w="9525">
+              <a14:hiddenLine xmlns:a14="http://schemas.microsoft.com/office/drawing/2010/main" w="9525">
                 <a:solidFill>
                   <a:srgbClr val="000000"/>
                 </a:solidFill>
@@ -12338,7 +12826,7 @@
       </p:grpSpPr>
       <p:sp>
         <p:nvSpPr>
-          <p:cNvPr id="14338" name="Rectangle 1"/>
+          <p:cNvPr id="12290" name="Rectangle 1"/>
           <p:cNvSpPr>
             <a:spLocks noGrp="1" noChangeArrowheads="1"/>
           </p:cNvSpPr>
@@ -12369,14 +12857,14 @@
             </a:pPr>
             <a:r>
               <a:rPr lang="en-US" altLang="en-US" smtClean="0"/>
-              <a:t>Button Triggers</a:t>
+              <a:t>Popup boxes</a:t>
             </a:r>
           </a:p>
         </p:txBody>
       </p:sp>
       <p:sp>
         <p:nvSpPr>
-          <p:cNvPr id="14339" name="Rectangle 2"/>
+          <p:cNvPr id="12291" name="Rectangle 2"/>
           <p:cNvSpPr>
             <a:spLocks noGrp="1" noChangeArrowheads="1"/>
           </p:cNvSpPr>
@@ -12389,23 +12877,45 @@
           <a:bodyPr/>
           <a:lstStyle/>
           <a:p>
-            <a:endParaRPr lang="en-US" altLang="en-US" smtClean="0"/>
+            <a:pPr marL="341313" indent="-341313">
+              <a:buFont typeface="Times New Roman" panose="02020603050405020304" pitchFamily="18" charset="0"/>
+              <a:buBlip>
+                <a:blip r:embed="rId3"/>
+              </a:buBlip>
+              <a:tabLst>
+                <a:tab pos="911225" algn="l"/>
+                <a:tab pos="1825625" algn="l"/>
+                <a:tab pos="2740025" algn="l"/>
+                <a:tab pos="3654425" algn="l"/>
+                <a:tab pos="4568825" algn="l"/>
+                <a:tab pos="5483225" algn="l"/>
+                <a:tab pos="6397625" algn="l"/>
+                <a:tab pos="7312025" algn="l"/>
+                <a:tab pos="8226425" algn="l"/>
+                <a:tab pos="9140825" algn="l"/>
+                <a:tab pos="10055225" algn="l"/>
+              </a:tabLst>
+            </a:pPr>
+            <a:r>
+              <a:rPr lang="en-US" altLang="en-US" smtClean="0"/>
+              <a:t>JavaScript introduced three dialog boxes that work well enough for alerting, confirming and prompting for values</a:t>
+            </a:r>
           </a:p>
         </p:txBody>
       </p:sp>
       <p:pic>
         <p:nvPicPr>
-          <p:cNvPr id="14340" name="Picture 3"/>
+          <p:cNvPr id="12292" name="Picture 3"/>
           <p:cNvPicPr>
             <a:picLocks noChangeAspect="1" noChangeArrowheads="1"/>
           </p:cNvPicPr>
           <p:nvPr/>
         </p:nvPicPr>
         <p:blipFill>
-          <a:blip r:embed="rId3">
+          <a:blip r:embed="rId4">
             <a:extLst>
               <a:ext uri="{28A0092B-C50C-407E-A947-70E740481C1C}">
-                <a14:useLocalDpi xmlns:a14="http://schemas.microsoft.com/office/drawing/2010/main" xmlns="" val="0"/>
+                <a14:useLocalDpi xmlns:a14="http://schemas.microsoft.com/office/drawing/2010/main" val="0"/>
               </a:ext>
             </a:extLst>
           </a:blip>
@@ -12416,8 +12926,8 @@
         </p:blipFill>
         <p:spPr bwMode="auto">
           <a:xfrm>
-            <a:off x="638175" y="1836738"/>
-            <a:ext cx="4811713" cy="2003425"/>
+            <a:off x="2743200" y="4114800"/>
+            <a:ext cx="2606675" cy="1736725"/>
           </a:xfrm>
           <a:prstGeom prst="rect">
             <a:avLst/>
@@ -12428,68 +12938,14 @@
           </a:ln>
           <a:extLst>
             <a:ext uri="{909E8E84-426E-40DD-AFC4-6F175D3DCCD1}">
-              <a14:hiddenFill xmlns:a14="http://schemas.microsoft.com/office/drawing/2010/main" xmlns="">
+              <a14:hiddenFill xmlns:a14="http://schemas.microsoft.com/office/drawing/2010/main">
                 <a:solidFill>
                   <a:srgbClr val="FFFFFF"/>
                 </a:solidFill>
               </a14:hiddenFill>
             </a:ext>
             <a:ext uri="{91240B29-F687-4F45-9708-019B960494DF}">
-              <a14:hiddenLine xmlns:a14="http://schemas.microsoft.com/office/drawing/2010/main" xmlns="" w="9525">
-                <a:solidFill>
-                  <a:srgbClr val="000000"/>
-                </a:solidFill>
-                <a:round/>
-                <a:headEnd/>
-                <a:tailEnd/>
-              </a14:hiddenLine>
-            </a:ext>
-          </a:extLst>
-        </p:spPr>
-      </p:pic>
-      <p:pic>
-        <p:nvPicPr>
-          <p:cNvPr id="14341" name="Picture 4"/>
-          <p:cNvPicPr>
-            <a:picLocks noChangeAspect="1" noChangeArrowheads="1"/>
-          </p:cNvPicPr>
-          <p:nvPr/>
-        </p:nvPicPr>
-        <p:blipFill>
-          <a:blip r:embed="rId4">
-            <a:extLst>
-              <a:ext uri="{28A0092B-C50C-407E-A947-70E740481C1C}">
-                <a14:useLocalDpi xmlns:a14="http://schemas.microsoft.com/office/drawing/2010/main" xmlns="" val="0"/>
-              </a:ext>
-            </a:extLst>
-          </a:blip>
-          <a:srcRect/>
-          <a:stretch>
-            <a:fillRect/>
-          </a:stretch>
-        </p:blipFill>
-        <p:spPr bwMode="auto">
-          <a:xfrm>
-            <a:off x="2085975" y="4297363"/>
-            <a:ext cx="5686425" cy="1857375"/>
-          </a:xfrm>
-          <a:prstGeom prst="rect">
-            <a:avLst/>
-          </a:prstGeom>
-          <a:noFill/>
-          <a:ln>
-            <a:noFill/>
-          </a:ln>
-          <a:extLst>
-            <a:ext uri="{909E8E84-426E-40DD-AFC4-6F175D3DCCD1}">
-              <a14:hiddenFill xmlns:a14="http://schemas.microsoft.com/office/drawing/2010/main" xmlns="">
-                <a:solidFill>
-                  <a:srgbClr val="FFFFFF"/>
-                </a:solidFill>
-              </a14:hiddenFill>
-            </a:ext>
-            <a:ext uri="{91240B29-F687-4F45-9708-019B960494DF}">
-              <a14:hiddenLine xmlns:a14="http://schemas.microsoft.com/office/drawing/2010/main" xmlns="" w="9525">
+              <a14:hiddenLine xmlns:a14="http://schemas.microsoft.com/office/drawing/2010/main" w="9525">
                 <a:solidFill>
                   <a:srgbClr val="000000"/>
                 </a:solidFill>
@@ -12554,63 +13010,9 @@
           <a:chExt cx="0" cy="0"/>
         </a:xfrm>
       </p:grpSpPr>
-      <p:pic>
-        <p:nvPicPr>
-          <p:cNvPr id="15362" name="Picture 1"/>
-          <p:cNvPicPr>
-            <a:picLocks noChangeAspect="1" noChangeArrowheads="1"/>
-          </p:cNvPicPr>
-          <p:nvPr/>
-        </p:nvPicPr>
-        <p:blipFill>
-          <a:blip r:embed="rId3">
-            <a:extLst>
-              <a:ext uri="{28A0092B-C50C-407E-A947-70E740481C1C}">
-                <a14:useLocalDpi xmlns:a14="http://schemas.microsoft.com/office/drawing/2010/main" xmlns="" val="0"/>
-              </a:ext>
-            </a:extLst>
-          </a:blip>
-          <a:srcRect/>
-          <a:stretch>
-            <a:fillRect/>
-          </a:stretch>
-        </p:blipFill>
-        <p:spPr bwMode="auto">
-          <a:xfrm>
-            <a:off x="365125" y="549275"/>
-            <a:ext cx="4705350" cy="6038850"/>
-          </a:xfrm>
-          <a:prstGeom prst="rect">
-            <a:avLst/>
-          </a:prstGeom>
-          <a:noFill/>
-          <a:ln>
-            <a:noFill/>
-          </a:ln>
-          <a:extLst>
-            <a:ext uri="{909E8E84-426E-40DD-AFC4-6F175D3DCCD1}">
-              <a14:hiddenFill xmlns:a14="http://schemas.microsoft.com/office/drawing/2010/main" xmlns="">
-                <a:solidFill>
-                  <a:srgbClr val="FFFFFF"/>
-                </a:solidFill>
-              </a14:hiddenFill>
-            </a:ext>
-            <a:ext uri="{91240B29-F687-4F45-9708-019B960494DF}">
-              <a14:hiddenLine xmlns:a14="http://schemas.microsoft.com/office/drawing/2010/main" xmlns="" w="9525">
-                <a:solidFill>
-                  <a:srgbClr val="000000"/>
-                </a:solidFill>
-                <a:round/>
-                <a:headEnd/>
-                <a:tailEnd/>
-              </a14:hiddenLine>
-            </a:ext>
-          </a:extLst>
-        </p:spPr>
-      </p:pic>
       <p:sp>
         <p:nvSpPr>
-          <p:cNvPr id="15363" name="Rectangle 2"/>
+          <p:cNvPr id="13314" name="Rectangle 1"/>
           <p:cNvSpPr>
             <a:spLocks noGrp="1" noChangeArrowheads="1"/>
           </p:cNvSpPr>
@@ -12618,12 +13020,7 @@
             <p:ph type="title" idx="4294967295"/>
           </p:nvPr>
         </p:nvSpPr>
-        <p:spPr>
-          <a:xfrm>
-            <a:off x="3932238" y="182563"/>
-            <a:ext cx="4754562" cy="1143000"/>
-          </a:xfrm>
-        </p:spPr>
+        <p:spPr/>
         <p:txBody>
           <a:bodyPr/>
           <a:lstStyle/>
@@ -12646,14 +13043,14 @@
             </a:pPr>
             <a:r>
               <a:rPr lang="en-US" altLang="en-US" smtClean="0"/>
-              <a:t>Confirm Dialog</a:t>
+              <a:t>Alert Boxes</a:t>
             </a:r>
           </a:p>
         </p:txBody>
       </p:sp>
       <p:sp>
         <p:nvSpPr>
-          <p:cNvPr id="15364" name="Rectangle 3"/>
+          <p:cNvPr id="13315" name="Rectangle 2"/>
           <p:cNvSpPr>
             <a:spLocks noGrp="1" noChangeArrowheads="1"/>
           </p:cNvSpPr>
@@ -12666,13 +13063,35 @@
           <a:bodyPr/>
           <a:lstStyle/>
           <a:p>
-            <a:endParaRPr lang="en-US" altLang="en-US" smtClean="0"/>
+            <a:pPr marL="341313" indent="-341313">
+              <a:buFont typeface="Times New Roman" panose="02020603050405020304" pitchFamily="18" charset="0"/>
+              <a:buBlip>
+                <a:blip r:embed="rId3"/>
+              </a:buBlip>
+              <a:tabLst>
+                <a:tab pos="911225" algn="l"/>
+                <a:tab pos="1825625" algn="l"/>
+                <a:tab pos="2740025" algn="l"/>
+                <a:tab pos="3654425" algn="l"/>
+                <a:tab pos="4568825" algn="l"/>
+                <a:tab pos="5483225" algn="l"/>
+                <a:tab pos="6397625" algn="l"/>
+                <a:tab pos="7312025" algn="l"/>
+                <a:tab pos="8226425" algn="l"/>
+                <a:tab pos="9140825" algn="l"/>
+                <a:tab pos="10055225" algn="l"/>
+              </a:tabLst>
+            </a:pPr>
+            <a:r>
+              <a:rPr lang="en-US" altLang="en-US" smtClean="0"/>
+              <a:t>These dialog boxes are helpful to raise and alert, or to get confirmation on any type of input from the user</a:t>
+            </a:r>
           </a:p>
         </p:txBody>
       </p:sp>
       <p:pic>
         <p:nvPicPr>
-          <p:cNvPr id="15365" name="Picture 4"/>
+          <p:cNvPr id="13316" name="Picture 3"/>
           <p:cNvPicPr>
             <a:picLocks noChangeAspect="1" noChangeArrowheads="1"/>
           </p:cNvPicPr>
@@ -12682,7 +13101,7 @@
           <a:blip r:embed="rId4">
             <a:extLst>
               <a:ext uri="{28A0092B-C50C-407E-A947-70E740481C1C}">
-                <a14:useLocalDpi xmlns:a14="http://schemas.microsoft.com/office/drawing/2010/main" xmlns="" val="0"/>
+                <a14:useLocalDpi xmlns:a14="http://schemas.microsoft.com/office/drawing/2010/main" val="0"/>
               </a:ext>
             </a:extLst>
           </a:blip>
@@ -12693,8 +13112,8 @@
         </p:blipFill>
         <p:spPr bwMode="auto">
           <a:xfrm>
-            <a:off x="4213225" y="5029200"/>
-            <a:ext cx="3924300" cy="1585913"/>
+            <a:off x="1776413" y="3778250"/>
+            <a:ext cx="5356225" cy="1890713"/>
           </a:xfrm>
           <a:prstGeom prst="rect">
             <a:avLst/>
@@ -12705,14 +13124,68 @@
           </a:ln>
           <a:extLst>
             <a:ext uri="{909E8E84-426E-40DD-AFC4-6F175D3DCCD1}">
-              <a14:hiddenFill xmlns:a14="http://schemas.microsoft.com/office/drawing/2010/main" xmlns="">
+              <a14:hiddenFill xmlns:a14="http://schemas.microsoft.com/office/drawing/2010/main">
                 <a:solidFill>
                   <a:srgbClr val="FFFFFF"/>
                 </a:solidFill>
               </a14:hiddenFill>
             </a:ext>
             <a:ext uri="{91240B29-F687-4F45-9708-019B960494DF}">
-              <a14:hiddenLine xmlns:a14="http://schemas.microsoft.com/office/drawing/2010/main" xmlns="" w="9525">
+              <a14:hiddenLine xmlns:a14="http://schemas.microsoft.com/office/drawing/2010/main" w="9525">
+                <a:solidFill>
+                  <a:srgbClr val="000000"/>
+                </a:solidFill>
+                <a:round/>
+                <a:headEnd/>
+                <a:tailEnd/>
+              </a14:hiddenLine>
+            </a:ext>
+          </a:extLst>
+        </p:spPr>
+      </p:pic>
+      <p:pic>
+        <p:nvPicPr>
+          <p:cNvPr id="13317" name="Picture 4"/>
+          <p:cNvPicPr>
+            <a:picLocks noChangeAspect="1" noChangeArrowheads="1"/>
+          </p:cNvPicPr>
+          <p:nvPr/>
+        </p:nvPicPr>
+        <p:blipFill>
+          <a:blip r:embed="rId5">
+            <a:extLst>
+              <a:ext uri="{28A0092B-C50C-407E-A947-70E740481C1C}">
+                <a14:useLocalDpi xmlns:a14="http://schemas.microsoft.com/office/drawing/2010/main" val="0"/>
+              </a:ext>
+            </a:extLst>
+          </a:blip>
+          <a:srcRect/>
+          <a:stretch>
+            <a:fillRect/>
+          </a:stretch>
+        </p:blipFill>
+        <p:spPr bwMode="auto">
+          <a:xfrm>
+            <a:off x="2378075" y="5761038"/>
+            <a:ext cx="3589338" cy="606425"/>
+          </a:xfrm>
+          <a:prstGeom prst="rect">
+            <a:avLst/>
+          </a:prstGeom>
+          <a:noFill/>
+          <a:ln>
+            <a:noFill/>
+          </a:ln>
+          <a:extLst>
+            <a:ext uri="{909E8E84-426E-40DD-AFC4-6F175D3DCCD1}">
+              <a14:hiddenFill xmlns:a14="http://schemas.microsoft.com/office/drawing/2010/main">
+                <a:solidFill>
+                  <a:srgbClr val="FFFFFF"/>
+                </a:solidFill>
+              </a14:hiddenFill>
+            </a:ext>
+            <a:ext uri="{91240B29-F687-4F45-9708-019B960494DF}">
+              <a14:hiddenLine xmlns:a14="http://schemas.microsoft.com/office/drawing/2010/main" w="9525">
                 <a:solidFill>
                   <a:srgbClr val="000000"/>
                 </a:solidFill>
@@ -12777,63 +13250,9 @@
           <a:chExt cx="0" cy="0"/>
         </a:xfrm>
       </p:grpSpPr>
-      <p:pic>
-        <p:nvPicPr>
-          <p:cNvPr id="16386" name="Picture 1"/>
-          <p:cNvPicPr>
-            <a:picLocks noChangeAspect="1" noChangeArrowheads="1"/>
-          </p:cNvPicPr>
-          <p:nvPr/>
-        </p:nvPicPr>
-        <p:blipFill>
-          <a:blip r:embed="rId3">
-            <a:extLst>
-              <a:ext uri="{28A0092B-C50C-407E-A947-70E740481C1C}">
-                <a14:useLocalDpi xmlns:a14="http://schemas.microsoft.com/office/drawing/2010/main" xmlns="" val="0"/>
-              </a:ext>
-            </a:extLst>
-          </a:blip>
-          <a:srcRect/>
-          <a:stretch>
-            <a:fillRect/>
-          </a:stretch>
-        </p:blipFill>
-        <p:spPr bwMode="auto">
-          <a:xfrm>
-            <a:off x="339725" y="549275"/>
-            <a:ext cx="4414838" cy="4479925"/>
-          </a:xfrm>
-          <a:prstGeom prst="rect">
-            <a:avLst/>
-          </a:prstGeom>
-          <a:noFill/>
-          <a:ln>
-            <a:noFill/>
-          </a:ln>
-          <a:extLst>
-            <a:ext uri="{909E8E84-426E-40DD-AFC4-6F175D3DCCD1}">
-              <a14:hiddenFill xmlns:a14="http://schemas.microsoft.com/office/drawing/2010/main" xmlns="">
-                <a:solidFill>
-                  <a:srgbClr val="FFFFFF"/>
-                </a:solidFill>
-              </a14:hiddenFill>
-            </a:ext>
-            <a:ext uri="{91240B29-F687-4F45-9708-019B960494DF}">
-              <a14:hiddenLine xmlns:a14="http://schemas.microsoft.com/office/drawing/2010/main" xmlns="" w="9525">
-                <a:solidFill>
-                  <a:srgbClr val="000000"/>
-                </a:solidFill>
-                <a:round/>
-                <a:headEnd/>
-                <a:tailEnd/>
-              </a14:hiddenLine>
-            </a:ext>
-          </a:extLst>
-        </p:spPr>
-      </p:pic>
       <p:sp>
         <p:nvSpPr>
-          <p:cNvPr id="16387" name="Rectangle 2"/>
+          <p:cNvPr id="14338" name="Rectangle 1"/>
           <p:cNvSpPr>
             <a:spLocks noGrp="1" noChangeArrowheads="1"/>
           </p:cNvSpPr>
@@ -12841,12 +13260,7 @@
             <p:ph type="title" idx="4294967295"/>
           </p:nvPr>
         </p:nvSpPr>
-        <p:spPr>
-          <a:xfrm>
-            <a:off x="4251325" y="274638"/>
-            <a:ext cx="4708525" cy="1143000"/>
-          </a:xfrm>
-        </p:spPr>
+        <p:spPr/>
         <p:txBody>
           <a:bodyPr/>
           <a:lstStyle/>
@@ -12869,14 +13283,14 @@
             </a:pPr>
             <a:r>
               <a:rPr lang="en-US" altLang="en-US" smtClean="0"/>
-              <a:t>Prompt Box</a:t>
+              <a:t>Button Triggers</a:t>
             </a:r>
           </a:p>
         </p:txBody>
       </p:sp>
       <p:sp>
         <p:nvSpPr>
-          <p:cNvPr id="16388" name="Rectangle 3"/>
+          <p:cNvPr id="14339" name="Rectangle 2"/>
           <p:cNvSpPr>
             <a:spLocks noGrp="1" noChangeArrowheads="1"/>
           </p:cNvSpPr>
@@ -12895,17 +13309,17 @@
       </p:sp>
       <p:pic>
         <p:nvPicPr>
-          <p:cNvPr id="16389" name="Picture 4"/>
+          <p:cNvPr id="14340" name="Picture 3"/>
           <p:cNvPicPr>
             <a:picLocks noChangeAspect="1" noChangeArrowheads="1"/>
           </p:cNvPicPr>
           <p:nvPr/>
         </p:nvPicPr>
         <p:blipFill>
-          <a:blip r:embed="rId4">
+          <a:blip r:embed="rId3">
             <a:extLst>
               <a:ext uri="{28A0092B-C50C-407E-A947-70E740481C1C}">
-                <a14:useLocalDpi xmlns:a14="http://schemas.microsoft.com/office/drawing/2010/main" xmlns="" val="0"/>
+                <a14:useLocalDpi xmlns:a14="http://schemas.microsoft.com/office/drawing/2010/main" val="0"/>
               </a:ext>
             </a:extLst>
           </a:blip>
@@ -12916,8 +13330,8 @@
         </p:blipFill>
         <p:spPr bwMode="auto">
           <a:xfrm>
-            <a:off x="4297363" y="4699000"/>
-            <a:ext cx="4389437" cy="1793875"/>
+            <a:off x="638175" y="1836738"/>
+            <a:ext cx="4811713" cy="2003425"/>
           </a:xfrm>
           <a:prstGeom prst="rect">
             <a:avLst/>
@@ -12928,14 +13342,68 @@
           </a:ln>
           <a:extLst>
             <a:ext uri="{909E8E84-426E-40DD-AFC4-6F175D3DCCD1}">
-              <a14:hiddenFill xmlns:a14="http://schemas.microsoft.com/office/drawing/2010/main" xmlns="">
+              <a14:hiddenFill xmlns:a14="http://schemas.microsoft.com/office/drawing/2010/main">
                 <a:solidFill>
                   <a:srgbClr val="FFFFFF"/>
                 </a:solidFill>
               </a14:hiddenFill>
             </a:ext>
             <a:ext uri="{91240B29-F687-4F45-9708-019B960494DF}">
-              <a14:hiddenLine xmlns:a14="http://schemas.microsoft.com/office/drawing/2010/main" xmlns="" w="9525">
+              <a14:hiddenLine xmlns:a14="http://schemas.microsoft.com/office/drawing/2010/main" w="9525">
+                <a:solidFill>
+                  <a:srgbClr val="000000"/>
+                </a:solidFill>
+                <a:round/>
+                <a:headEnd/>
+                <a:tailEnd/>
+              </a14:hiddenLine>
+            </a:ext>
+          </a:extLst>
+        </p:spPr>
+      </p:pic>
+      <p:pic>
+        <p:nvPicPr>
+          <p:cNvPr id="14341" name="Picture 4"/>
+          <p:cNvPicPr>
+            <a:picLocks noChangeAspect="1" noChangeArrowheads="1"/>
+          </p:cNvPicPr>
+          <p:nvPr/>
+        </p:nvPicPr>
+        <p:blipFill>
+          <a:blip r:embed="rId4">
+            <a:extLst>
+              <a:ext uri="{28A0092B-C50C-407E-A947-70E740481C1C}">
+                <a14:useLocalDpi xmlns:a14="http://schemas.microsoft.com/office/drawing/2010/main" val="0"/>
+              </a:ext>
+            </a:extLst>
+          </a:blip>
+          <a:srcRect/>
+          <a:stretch>
+            <a:fillRect/>
+          </a:stretch>
+        </p:blipFill>
+        <p:spPr bwMode="auto">
+          <a:xfrm>
+            <a:off x="2085975" y="4297363"/>
+            <a:ext cx="5686425" cy="1857375"/>
+          </a:xfrm>
+          <a:prstGeom prst="rect">
+            <a:avLst/>
+          </a:prstGeom>
+          <a:noFill/>
+          <a:ln>
+            <a:noFill/>
+          </a:ln>
+          <a:extLst>
+            <a:ext uri="{909E8E84-426E-40DD-AFC4-6F175D3DCCD1}">
+              <a14:hiddenFill xmlns:a14="http://schemas.microsoft.com/office/drawing/2010/main">
+                <a:solidFill>
+                  <a:srgbClr val="FFFFFF"/>
+                </a:solidFill>
+              </a14:hiddenFill>
+            </a:ext>
+            <a:ext uri="{91240B29-F687-4F45-9708-019B960494DF}">
+              <a14:hiddenLine xmlns:a14="http://schemas.microsoft.com/office/drawing/2010/main" w="9525">
                 <a:solidFill>
                   <a:srgbClr val="000000"/>
                 </a:solidFill>
@@ -13466,7 +13934,7 @@
   </a:extraClrSchemeLst>
   <a:extLst>
     <a:ext uri="{05A4C25C-085E-4340-85A3-A5531E510DB2}">
-      <thm15:themeFamily xmlns:thm15="http://schemas.microsoft.com/office/thememl/2012/main" xmlns="" name="Office Theme" id="{62F939B6-93AF-4DB8-9C6B-D6C7DFDC589F}" vid="{4A3C46E8-61CC-4603-A589-7422A47A8E4A}"/>
+      <thm15:themeFamily xmlns:thm15="http://schemas.microsoft.com/office/thememl/2012/main" name="Office Theme" id="{62F939B6-93AF-4DB8-9C6B-D6C7DFDC589F}" vid="{4A3C46E8-61CC-4603-A589-7422A47A8E4A}"/>
     </a:ext>
   </a:extLst>
 </a:theme>
@@ -13727,7 +14195,7 @@
   <a:extraClrSchemeLst/>
   <a:extLst>
     <a:ext uri="{05A4C25C-085E-4340-85A3-A5531E510DB2}">
-      <thm15:themeFamily xmlns:thm15="http://schemas.microsoft.com/office/thememl/2012/main" xmlns="" name="Office Theme" id="{62F939B6-93AF-4DB8-9C6B-D6C7DFDC589F}" vid="{4A3C46E8-61CC-4603-A589-7422A47A8E4A}"/>
+      <thm15:themeFamily xmlns:thm15="http://schemas.microsoft.com/office/thememl/2012/main" name="Office Theme" id="{62F939B6-93AF-4DB8-9C6B-D6C7DFDC589F}" vid="{4A3C46E8-61CC-4603-A589-7422A47A8E4A}"/>
     </a:ext>
   </a:extLst>
 </a:theme>

--- a/WAD/lectures/090--Introduction.to.Javascript.pptx
+++ b/WAD/lectures/090--Introduction.to.Javascript.pptx
@@ -17,9 +17,9 @@
     <p:sldId id="301" r:id="rId8"/>
     <p:sldId id="302" r:id="rId9"/>
     <p:sldId id="276" r:id="rId10"/>
-    <p:sldId id="297" r:id="rId11"/>
-    <p:sldId id="298" r:id="rId12"/>
-    <p:sldId id="277" r:id="rId13"/>
+    <p:sldId id="277" r:id="rId11"/>
+    <p:sldId id="297" r:id="rId12"/>
+    <p:sldId id="298" r:id="rId13"/>
     <p:sldId id="292" r:id="rId14"/>
     <p:sldId id="293" r:id="rId15"/>
     <p:sldId id="294" r:id="rId16"/>
@@ -3052,14 +3052,14 @@
           <a:noFill/>
           <a:extLst>
             <a:ext uri="{909E8E84-426E-40DD-AFC4-6F175D3DCCD1}">
-              <a14:hiddenFill xmlns="" xmlns:a14="http://schemas.microsoft.com/office/drawing/2010/main">
+              <a14:hiddenFill xmlns:a14="http://schemas.microsoft.com/office/drawing/2010/main" xmlns="">
                 <a:solidFill>
                   <a:srgbClr val="FFFFFF"/>
                 </a:solidFill>
               </a14:hiddenFill>
             </a:ext>
             <a:ext uri="{91240B29-F687-4F45-9708-019B960494DF}">
-              <a14:hiddenLine xmlns="" xmlns:a14="http://schemas.microsoft.com/office/drawing/2010/main" w="9525">
+              <a14:hiddenLine xmlns:a14="http://schemas.microsoft.com/office/drawing/2010/main" xmlns="" w="9525">
                 <a:solidFill>
                   <a:srgbClr val="000000"/>
                 </a:solidFill>
@@ -3174,7 +3174,7 @@
             <a:fld id="{92C3D335-813C-4BB4-959C-AD6B9EB0815D}" type="slidenum">
               <a:rPr lang="en-US" altLang="en-US" sz="1200"/>
               <a:pPr/>
-              <a:t>12</a:t>
+              <a:t>10</a:t>
             </a:fld>
             <a:endParaRPr lang="en-US" altLang="en-US" sz="1200" dirty="0"/>
           </a:p>
@@ -3211,14 +3211,14 @@
           <a:noFill/>
           <a:extLst>
             <a:ext uri="{909E8E84-426E-40DD-AFC4-6F175D3DCCD1}">
-              <a14:hiddenFill xmlns="" xmlns:a14="http://schemas.microsoft.com/office/drawing/2010/main">
+              <a14:hiddenFill xmlns:a14="http://schemas.microsoft.com/office/drawing/2010/main" xmlns="">
                 <a:solidFill>
                   <a:srgbClr val="FFFFFF"/>
                 </a:solidFill>
               </a14:hiddenFill>
             </a:ext>
             <a:ext uri="{91240B29-F687-4F45-9708-019B960494DF}">
-              <a14:hiddenLine xmlns="" xmlns:a14="http://schemas.microsoft.com/office/drawing/2010/main" w="9525" cap="flat">
+              <a14:hiddenLine xmlns:a14="http://schemas.microsoft.com/office/drawing/2010/main" xmlns="" w="9525" cap="flat">
                 <a:solidFill>
                   <a:srgbClr val="000000"/>
                 </a:solidFill>
@@ -3240,7 +3240,7 @@
     </p:spTree>
     <p:extLst>
       <p:ext uri="{BB962C8B-B14F-4D97-AF65-F5344CB8AC3E}">
-        <p14:creationId xmlns="" xmlns:p14="http://schemas.microsoft.com/office/powerpoint/2010/main" val="2328323395"/>
+        <p14:creationId xmlns:p14="http://schemas.microsoft.com/office/powerpoint/2010/main" xmlns="" val="2328323395"/>
       </p:ext>
     </p:extLst>
   </p:cSld>
@@ -4934,7 +4934,7 @@
               <a:pPr>
                 <a:defRPr/>
               </a:pPr>
-              <a:t>11/22/2017</a:t>
+              <a:t>11/23/2017</a:t>
             </a:fld>
             <a:endParaRPr lang="en-US" altLang="en-US"/>
           </a:p>
@@ -5167,7 +5167,7 @@
               <a:pPr>
                 <a:defRPr/>
               </a:pPr>
-              <a:t>11/22/2017</a:t>
+              <a:t>11/23/2017</a:t>
             </a:fld>
             <a:endParaRPr lang="en-US" altLang="en-US"/>
           </a:p>
@@ -6039,7 +6039,7 @@
               <a:pPr>
                 <a:defRPr/>
               </a:pPr>
-              <a:t>11/22/2017</a:t>
+              <a:t>11/23/2017</a:t>
             </a:fld>
             <a:endParaRPr lang="en-US" altLang="en-US"/>
           </a:p>
@@ -6187,7 +6187,7 @@
               <a:pPr>
                 <a:defRPr/>
               </a:pPr>
-              <a:t>11/22/2017</a:t>
+              <a:t>11/23/2017</a:t>
             </a:fld>
             <a:endParaRPr lang="en-US" altLang="en-US"/>
           </a:p>
@@ -6517,7 +6517,7 @@
               <a:pPr>
                 <a:defRPr/>
               </a:pPr>
-              <a:t>11/22/2017</a:t>
+              <a:t>11/23/2017</a:t>
             </a:fld>
             <a:endParaRPr lang="en-US" altLang="en-US"/>
           </a:p>
@@ -6824,7 +6824,7 @@
               <a:pPr>
                 <a:defRPr/>
               </a:pPr>
-              <a:t>11/22/2017</a:t>
+              <a:t>11/23/2017</a:t>
             </a:fld>
             <a:endParaRPr lang="en-US" altLang="en-US"/>
           </a:p>
@@ -8414,6 +8414,1656 @@
       </p:grpSpPr>
       <p:sp>
         <p:nvSpPr>
+          <p:cNvPr id="28674" name="Text Box 1"/>
+          <p:cNvSpPr txBox="1">
+            <a:spLocks noChangeArrowheads="1"/>
+          </p:cNvSpPr>
+          <p:nvPr/>
+        </p:nvSpPr>
+        <p:spPr bwMode="auto">
+          <a:xfrm>
+            <a:off x="731838" y="365125"/>
+            <a:ext cx="7772400" cy="1143000"/>
+          </a:xfrm>
+          <a:prstGeom prst="rect">
+            <a:avLst/>
+          </a:prstGeom>
+          <a:noFill/>
+          <a:ln>
+            <a:noFill/>
+          </a:ln>
+          <a:extLst>
+            <a:ext uri="{909E8E84-426E-40DD-AFC4-6F175D3DCCD1}">
+              <a14:hiddenFill xmlns:a14="http://schemas.microsoft.com/office/drawing/2010/main" xmlns="">
+                <a:solidFill>
+                  <a:srgbClr val="FFFFFF"/>
+                </a:solidFill>
+              </a14:hiddenFill>
+            </a:ext>
+            <a:ext uri="{91240B29-F687-4F45-9708-019B960494DF}">
+              <a14:hiddenLine xmlns:a14="http://schemas.microsoft.com/office/drawing/2010/main" xmlns="" w="9525">
+                <a:solidFill>
+                  <a:srgbClr val="000000"/>
+                </a:solidFill>
+                <a:round/>
+                <a:headEnd/>
+                <a:tailEnd/>
+              </a14:hiddenLine>
+            </a:ext>
+          </a:extLst>
+        </p:spPr>
+        <p:txBody>
+          <a:bodyPr anchor="ctr"/>
+          <a:lstStyle>
+            <a:lvl1pPr>
+              <a:tabLst>
+                <a:tab pos="0" algn="l"/>
+                <a:tab pos="914400" algn="l"/>
+                <a:tab pos="1828800" algn="l"/>
+                <a:tab pos="2743200" algn="l"/>
+                <a:tab pos="3657600" algn="l"/>
+                <a:tab pos="4572000" algn="l"/>
+                <a:tab pos="5486400" algn="l"/>
+                <a:tab pos="6400800" algn="l"/>
+                <a:tab pos="7315200" algn="l"/>
+                <a:tab pos="8229600" algn="l"/>
+                <a:tab pos="9144000" algn="l"/>
+                <a:tab pos="10058400" algn="l"/>
+              </a:tabLst>
+              <a:defRPr sz="2400">
+                <a:solidFill>
+                  <a:schemeClr val="tx1"/>
+                </a:solidFill>
+                <a:latin typeface="Times New Roman" panose="02020603050405020304" pitchFamily="18" charset="0"/>
+              </a:defRPr>
+            </a:lvl1pPr>
+            <a:lvl2pPr marL="742950" indent="-285750">
+              <a:tabLst>
+                <a:tab pos="0" algn="l"/>
+                <a:tab pos="914400" algn="l"/>
+                <a:tab pos="1828800" algn="l"/>
+                <a:tab pos="2743200" algn="l"/>
+                <a:tab pos="3657600" algn="l"/>
+                <a:tab pos="4572000" algn="l"/>
+                <a:tab pos="5486400" algn="l"/>
+                <a:tab pos="6400800" algn="l"/>
+                <a:tab pos="7315200" algn="l"/>
+                <a:tab pos="8229600" algn="l"/>
+                <a:tab pos="9144000" algn="l"/>
+                <a:tab pos="10058400" algn="l"/>
+              </a:tabLst>
+              <a:defRPr sz="2400">
+                <a:solidFill>
+                  <a:schemeClr val="tx1"/>
+                </a:solidFill>
+                <a:latin typeface="Times New Roman" panose="02020603050405020304" pitchFamily="18" charset="0"/>
+              </a:defRPr>
+            </a:lvl2pPr>
+            <a:lvl3pPr marL="1143000" indent="-228600">
+              <a:tabLst>
+                <a:tab pos="0" algn="l"/>
+                <a:tab pos="914400" algn="l"/>
+                <a:tab pos="1828800" algn="l"/>
+                <a:tab pos="2743200" algn="l"/>
+                <a:tab pos="3657600" algn="l"/>
+                <a:tab pos="4572000" algn="l"/>
+                <a:tab pos="5486400" algn="l"/>
+                <a:tab pos="6400800" algn="l"/>
+                <a:tab pos="7315200" algn="l"/>
+                <a:tab pos="8229600" algn="l"/>
+                <a:tab pos="9144000" algn="l"/>
+                <a:tab pos="10058400" algn="l"/>
+              </a:tabLst>
+              <a:defRPr sz="2400">
+                <a:solidFill>
+                  <a:schemeClr val="tx1"/>
+                </a:solidFill>
+                <a:latin typeface="Times New Roman" panose="02020603050405020304" pitchFamily="18" charset="0"/>
+              </a:defRPr>
+            </a:lvl3pPr>
+            <a:lvl4pPr marL="1600200" indent="-228600">
+              <a:tabLst>
+                <a:tab pos="0" algn="l"/>
+                <a:tab pos="914400" algn="l"/>
+                <a:tab pos="1828800" algn="l"/>
+                <a:tab pos="2743200" algn="l"/>
+                <a:tab pos="3657600" algn="l"/>
+                <a:tab pos="4572000" algn="l"/>
+                <a:tab pos="5486400" algn="l"/>
+                <a:tab pos="6400800" algn="l"/>
+                <a:tab pos="7315200" algn="l"/>
+                <a:tab pos="8229600" algn="l"/>
+                <a:tab pos="9144000" algn="l"/>
+                <a:tab pos="10058400" algn="l"/>
+              </a:tabLst>
+              <a:defRPr sz="2400">
+                <a:solidFill>
+                  <a:schemeClr val="tx1"/>
+                </a:solidFill>
+                <a:latin typeface="Times New Roman" panose="02020603050405020304" pitchFamily="18" charset="0"/>
+              </a:defRPr>
+            </a:lvl4pPr>
+            <a:lvl5pPr marL="2057400" indent="-228600">
+              <a:tabLst>
+                <a:tab pos="0" algn="l"/>
+                <a:tab pos="914400" algn="l"/>
+                <a:tab pos="1828800" algn="l"/>
+                <a:tab pos="2743200" algn="l"/>
+                <a:tab pos="3657600" algn="l"/>
+                <a:tab pos="4572000" algn="l"/>
+                <a:tab pos="5486400" algn="l"/>
+                <a:tab pos="6400800" algn="l"/>
+                <a:tab pos="7315200" algn="l"/>
+                <a:tab pos="8229600" algn="l"/>
+                <a:tab pos="9144000" algn="l"/>
+                <a:tab pos="10058400" algn="l"/>
+              </a:tabLst>
+              <a:defRPr sz="2400">
+                <a:solidFill>
+                  <a:schemeClr val="tx1"/>
+                </a:solidFill>
+                <a:latin typeface="Times New Roman" panose="02020603050405020304" pitchFamily="18" charset="0"/>
+              </a:defRPr>
+            </a:lvl5pPr>
+            <a:lvl6pPr marL="2514600" indent="-228600" eaLnBrk="0" fontAlgn="base" hangingPunct="0">
+              <a:spcBef>
+                <a:spcPct val="0"/>
+              </a:spcBef>
+              <a:spcAft>
+                <a:spcPct val="0"/>
+              </a:spcAft>
+              <a:tabLst>
+                <a:tab pos="0" algn="l"/>
+                <a:tab pos="914400" algn="l"/>
+                <a:tab pos="1828800" algn="l"/>
+                <a:tab pos="2743200" algn="l"/>
+                <a:tab pos="3657600" algn="l"/>
+                <a:tab pos="4572000" algn="l"/>
+                <a:tab pos="5486400" algn="l"/>
+                <a:tab pos="6400800" algn="l"/>
+                <a:tab pos="7315200" algn="l"/>
+                <a:tab pos="8229600" algn="l"/>
+                <a:tab pos="9144000" algn="l"/>
+                <a:tab pos="10058400" algn="l"/>
+              </a:tabLst>
+              <a:defRPr sz="2400">
+                <a:solidFill>
+                  <a:schemeClr val="tx1"/>
+                </a:solidFill>
+                <a:latin typeface="Times New Roman" panose="02020603050405020304" pitchFamily="18" charset="0"/>
+              </a:defRPr>
+            </a:lvl6pPr>
+            <a:lvl7pPr marL="2971800" indent="-228600" eaLnBrk="0" fontAlgn="base" hangingPunct="0">
+              <a:spcBef>
+                <a:spcPct val="0"/>
+              </a:spcBef>
+              <a:spcAft>
+                <a:spcPct val="0"/>
+              </a:spcAft>
+              <a:tabLst>
+                <a:tab pos="0" algn="l"/>
+                <a:tab pos="914400" algn="l"/>
+                <a:tab pos="1828800" algn="l"/>
+                <a:tab pos="2743200" algn="l"/>
+                <a:tab pos="3657600" algn="l"/>
+                <a:tab pos="4572000" algn="l"/>
+                <a:tab pos="5486400" algn="l"/>
+                <a:tab pos="6400800" algn="l"/>
+                <a:tab pos="7315200" algn="l"/>
+                <a:tab pos="8229600" algn="l"/>
+                <a:tab pos="9144000" algn="l"/>
+                <a:tab pos="10058400" algn="l"/>
+              </a:tabLst>
+              <a:defRPr sz="2400">
+                <a:solidFill>
+                  <a:schemeClr val="tx1"/>
+                </a:solidFill>
+                <a:latin typeface="Times New Roman" panose="02020603050405020304" pitchFamily="18" charset="0"/>
+              </a:defRPr>
+            </a:lvl7pPr>
+            <a:lvl8pPr marL="3429000" indent="-228600" eaLnBrk="0" fontAlgn="base" hangingPunct="0">
+              <a:spcBef>
+                <a:spcPct val="0"/>
+              </a:spcBef>
+              <a:spcAft>
+                <a:spcPct val="0"/>
+              </a:spcAft>
+              <a:tabLst>
+                <a:tab pos="0" algn="l"/>
+                <a:tab pos="914400" algn="l"/>
+                <a:tab pos="1828800" algn="l"/>
+                <a:tab pos="2743200" algn="l"/>
+                <a:tab pos="3657600" algn="l"/>
+                <a:tab pos="4572000" algn="l"/>
+                <a:tab pos="5486400" algn="l"/>
+                <a:tab pos="6400800" algn="l"/>
+                <a:tab pos="7315200" algn="l"/>
+                <a:tab pos="8229600" algn="l"/>
+                <a:tab pos="9144000" algn="l"/>
+                <a:tab pos="10058400" algn="l"/>
+              </a:tabLst>
+              <a:defRPr sz="2400">
+                <a:solidFill>
+                  <a:schemeClr val="tx1"/>
+                </a:solidFill>
+                <a:latin typeface="Times New Roman" panose="02020603050405020304" pitchFamily="18" charset="0"/>
+              </a:defRPr>
+            </a:lvl8pPr>
+            <a:lvl9pPr marL="3886200" indent="-228600" eaLnBrk="0" fontAlgn="base" hangingPunct="0">
+              <a:spcBef>
+                <a:spcPct val="0"/>
+              </a:spcBef>
+              <a:spcAft>
+                <a:spcPct val="0"/>
+              </a:spcAft>
+              <a:tabLst>
+                <a:tab pos="0" algn="l"/>
+                <a:tab pos="914400" algn="l"/>
+                <a:tab pos="1828800" algn="l"/>
+                <a:tab pos="2743200" algn="l"/>
+                <a:tab pos="3657600" algn="l"/>
+                <a:tab pos="4572000" algn="l"/>
+                <a:tab pos="5486400" algn="l"/>
+                <a:tab pos="6400800" algn="l"/>
+                <a:tab pos="7315200" algn="l"/>
+                <a:tab pos="8229600" algn="l"/>
+                <a:tab pos="9144000" algn="l"/>
+                <a:tab pos="10058400" algn="l"/>
+              </a:tabLst>
+              <a:defRPr sz="2400">
+                <a:solidFill>
+                  <a:schemeClr val="tx1"/>
+                </a:solidFill>
+                <a:latin typeface="Times New Roman" panose="02020603050405020304" pitchFamily="18" charset="0"/>
+              </a:defRPr>
+            </a:lvl9pPr>
+          </a:lstStyle>
+          <a:p>
+            <a:pPr algn="ctr"/>
+            <a:r>
+              <a:rPr lang="en-GB" altLang="en-US" sz="4400" dirty="0" smtClean="0">
+                <a:solidFill>
+                  <a:srgbClr val="000000"/>
+                </a:solidFill>
+                <a:latin typeface="Arial" panose="020B0604020202020204" pitchFamily="34" charset="0"/>
+              </a:rPr>
+              <a:t>Answer</a:t>
+            </a:r>
+            <a:endParaRPr lang="en-GB" altLang="en-US" sz="4400" dirty="0">
+              <a:solidFill>
+                <a:srgbClr val="000000"/>
+              </a:solidFill>
+              <a:latin typeface="Arial" panose="020B0604020202020204" pitchFamily="34" charset="0"/>
+            </a:endParaRPr>
+          </a:p>
+        </p:txBody>
+      </p:sp>
+      <p:sp>
+        <p:nvSpPr>
+          <p:cNvPr id="28675" name="Text Box 2"/>
+          <p:cNvSpPr txBox="1">
+            <a:spLocks noChangeArrowheads="1"/>
+          </p:cNvSpPr>
+          <p:nvPr/>
+        </p:nvSpPr>
+        <p:spPr bwMode="auto">
+          <a:xfrm>
+            <a:off x="685800" y="2286000"/>
+            <a:ext cx="3810000" cy="4572000"/>
+          </a:xfrm>
+          <a:prstGeom prst="rect">
+            <a:avLst/>
+          </a:prstGeom>
+          <a:noFill/>
+          <a:ln>
+            <a:noFill/>
+          </a:ln>
+          <a:extLst>
+            <a:ext uri="{909E8E84-426E-40DD-AFC4-6F175D3DCCD1}">
+              <a14:hiddenFill xmlns:a14="http://schemas.microsoft.com/office/drawing/2010/main" xmlns="">
+                <a:solidFill>
+                  <a:srgbClr val="FFFFFF"/>
+                </a:solidFill>
+              </a14:hiddenFill>
+            </a:ext>
+            <a:ext uri="{91240B29-F687-4F45-9708-019B960494DF}">
+              <a14:hiddenLine xmlns:a14="http://schemas.microsoft.com/office/drawing/2010/main" xmlns="" w="9525">
+                <a:solidFill>
+                  <a:srgbClr val="000000"/>
+                </a:solidFill>
+                <a:round/>
+                <a:headEnd/>
+                <a:tailEnd/>
+              </a14:hiddenLine>
+            </a:ext>
+          </a:extLst>
+        </p:spPr>
+        <p:txBody>
+          <a:bodyPr/>
+          <a:lstStyle>
+            <a:lvl1pPr>
+              <a:tabLst>
+                <a:tab pos="569913" algn="l"/>
+                <a:tab pos="1484313" algn="l"/>
+                <a:tab pos="2398713" algn="l"/>
+                <a:tab pos="3313113" algn="l"/>
+                <a:tab pos="4227513" algn="l"/>
+                <a:tab pos="5141913" algn="l"/>
+                <a:tab pos="6056313" algn="l"/>
+                <a:tab pos="6970713" algn="l"/>
+                <a:tab pos="7885113" algn="l"/>
+                <a:tab pos="8799513" algn="l"/>
+                <a:tab pos="9713913" algn="l"/>
+              </a:tabLst>
+              <a:defRPr sz="2400">
+                <a:solidFill>
+                  <a:schemeClr val="tx1"/>
+                </a:solidFill>
+                <a:latin typeface="Times New Roman" panose="02020603050405020304" pitchFamily="18" charset="0"/>
+              </a:defRPr>
+            </a:lvl1pPr>
+            <a:lvl2pPr marL="742950" indent="-285750">
+              <a:tabLst>
+                <a:tab pos="569913" algn="l"/>
+                <a:tab pos="1484313" algn="l"/>
+                <a:tab pos="2398713" algn="l"/>
+                <a:tab pos="3313113" algn="l"/>
+                <a:tab pos="4227513" algn="l"/>
+                <a:tab pos="5141913" algn="l"/>
+                <a:tab pos="6056313" algn="l"/>
+                <a:tab pos="6970713" algn="l"/>
+                <a:tab pos="7885113" algn="l"/>
+                <a:tab pos="8799513" algn="l"/>
+                <a:tab pos="9713913" algn="l"/>
+              </a:tabLst>
+              <a:defRPr sz="2400">
+                <a:solidFill>
+                  <a:schemeClr val="tx1"/>
+                </a:solidFill>
+                <a:latin typeface="Times New Roman" panose="02020603050405020304" pitchFamily="18" charset="0"/>
+              </a:defRPr>
+            </a:lvl2pPr>
+            <a:lvl3pPr marL="1143000" indent="-228600">
+              <a:tabLst>
+                <a:tab pos="569913" algn="l"/>
+                <a:tab pos="1484313" algn="l"/>
+                <a:tab pos="2398713" algn="l"/>
+                <a:tab pos="3313113" algn="l"/>
+                <a:tab pos="4227513" algn="l"/>
+                <a:tab pos="5141913" algn="l"/>
+                <a:tab pos="6056313" algn="l"/>
+                <a:tab pos="6970713" algn="l"/>
+                <a:tab pos="7885113" algn="l"/>
+                <a:tab pos="8799513" algn="l"/>
+                <a:tab pos="9713913" algn="l"/>
+              </a:tabLst>
+              <a:defRPr sz="2400">
+                <a:solidFill>
+                  <a:schemeClr val="tx1"/>
+                </a:solidFill>
+                <a:latin typeface="Times New Roman" panose="02020603050405020304" pitchFamily="18" charset="0"/>
+              </a:defRPr>
+            </a:lvl3pPr>
+            <a:lvl4pPr marL="1600200" indent="-228600">
+              <a:tabLst>
+                <a:tab pos="569913" algn="l"/>
+                <a:tab pos="1484313" algn="l"/>
+                <a:tab pos="2398713" algn="l"/>
+                <a:tab pos="3313113" algn="l"/>
+                <a:tab pos="4227513" algn="l"/>
+                <a:tab pos="5141913" algn="l"/>
+                <a:tab pos="6056313" algn="l"/>
+                <a:tab pos="6970713" algn="l"/>
+                <a:tab pos="7885113" algn="l"/>
+                <a:tab pos="8799513" algn="l"/>
+                <a:tab pos="9713913" algn="l"/>
+              </a:tabLst>
+              <a:defRPr sz="2400">
+                <a:solidFill>
+                  <a:schemeClr val="tx1"/>
+                </a:solidFill>
+                <a:latin typeface="Times New Roman" panose="02020603050405020304" pitchFamily="18" charset="0"/>
+              </a:defRPr>
+            </a:lvl4pPr>
+            <a:lvl5pPr marL="2057400" indent="-228600">
+              <a:tabLst>
+                <a:tab pos="569913" algn="l"/>
+                <a:tab pos="1484313" algn="l"/>
+                <a:tab pos="2398713" algn="l"/>
+                <a:tab pos="3313113" algn="l"/>
+                <a:tab pos="4227513" algn="l"/>
+                <a:tab pos="5141913" algn="l"/>
+                <a:tab pos="6056313" algn="l"/>
+                <a:tab pos="6970713" algn="l"/>
+                <a:tab pos="7885113" algn="l"/>
+                <a:tab pos="8799513" algn="l"/>
+                <a:tab pos="9713913" algn="l"/>
+              </a:tabLst>
+              <a:defRPr sz="2400">
+                <a:solidFill>
+                  <a:schemeClr val="tx1"/>
+                </a:solidFill>
+                <a:latin typeface="Times New Roman" panose="02020603050405020304" pitchFamily="18" charset="0"/>
+              </a:defRPr>
+            </a:lvl5pPr>
+            <a:lvl6pPr marL="2514600" indent="-228600" eaLnBrk="0" fontAlgn="base" hangingPunct="0">
+              <a:spcBef>
+                <a:spcPct val="0"/>
+              </a:spcBef>
+              <a:spcAft>
+                <a:spcPct val="0"/>
+              </a:spcAft>
+              <a:tabLst>
+                <a:tab pos="569913" algn="l"/>
+                <a:tab pos="1484313" algn="l"/>
+                <a:tab pos="2398713" algn="l"/>
+                <a:tab pos="3313113" algn="l"/>
+                <a:tab pos="4227513" algn="l"/>
+                <a:tab pos="5141913" algn="l"/>
+                <a:tab pos="6056313" algn="l"/>
+                <a:tab pos="6970713" algn="l"/>
+                <a:tab pos="7885113" algn="l"/>
+                <a:tab pos="8799513" algn="l"/>
+                <a:tab pos="9713913" algn="l"/>
+              </a:tabLst>
+              <a:defRPr sz="2400">
+                <a:solidFill>
+                  <a:schemeClr val="tx1"/>
+                </a:solidFill>
+                <a:latin typeface="Times New Roman" panose="02020603050405020304" pitchFamily="18" charset="0"/>
+              </a:defRPr>
+            </a:lvl6pPr>
+            <a:lvl7pPr marL="2971800" indent="-228600" eaLnBrk="0" fontAlgn="base" hangingPunct="0">
+              <a:spcBef>
+                <a:spcPct val="0"/>
+              </a:spcBef>
+              <a:spcAft>
+                <a:spcPct val="0"/>
+              </a:spcAft>
+              <a:tabLst>
+                <a:tab pos="569913" algn="l"/>
+                <a:tab pos="1484313" algn="l"/>
+                <a:tab pos="2398713" algn="l"/>
+                <a:tab pos="3313113" algn="l"/>
+                <a:tab pos="4227513" algn="l"/>
+                <a:tab pos="5141913" algn="l"/>
+                <a:tab pos="6056313" algn="l"/>
+                <a:tab pos="6970713" algn="l"/>
+                <a:tab pos="7885113" algn="l"/>
+                <a:tab pos="8799513" algn="l"/>
+                <a:tab pos="9713913" algn="l"/>
+              </a:tabLst>
+              <a:defRPr sz="2400">
+                <a:solidFill>
+                  <a:schemeClr val="tx1"/>
+                </a:solidFill>
+                <a:latin typeface="Times New Roman" panose="02020603050405020304" pitchFamily="18" charset="0"/>
+              </a:defRPr>
+            </a:lvl7pPr>
+            <a:lvl8pPr marL="3429000" indent="-228600" eaLnBrk="0" fontAlgn="base" hangingPunct="0">
+              <a:spcBef>
+                <a:spcPct val="0"/>
+              </a:spcBef>
+              <a:spcAft>
+                <a:spcPct val="0"/>
+              </a:spcAft>
+              <a:tabLst>
+                <a:tab pos="569913" algn="l"/>
+                <a:tab pos="1484313" algn="l"/>
+                <a:tab pos="2398713" algn="l"/>
+                <a:tab pos="3313113" algn="l"/>
+                <a:tab pos="4227513" algn="l"/>
+                <a:tab pos="5141913" algn="l"/>
+                <a:tab pos="6056313" algn="l"/>
+                <a:tab pos="6970713" algn="l"/>
+                <a:tab pos="7885113" algn="l"/>
+                <a:tab pos="8799513" algn="l"/>
+                <a:tab pos="9713913" algn="l"/>
+              </a:tabLst>
+              <a:defRPr sz="2400">
+                <a:solidFill>
+                  <a:schemeClr val="tx1"/>
+                </a:solidFill>
+                <a:latin typeface="Times New Roman" panose="02020603050405020304" pitchFamily="18" charset="0"/>
+              </a:defRPr>
+            </a:lvl8pPr>
+            <a:lvl9pPr marL="3886200" indent="-228600" eaLnBrk="0" fontAlgn="base" hangingPunct="0">
+              <a:spcBef>
+                <a:spcPct val="0"/>
+              </a:spcBef>
+              <a:spcAft>
+                <a:spcPct val="0"/>
+              </a:spcAft>
+              <a:tabLst>
+                <a:tab pos="569913" algn="l"/>
+                <a:tab pos="1484313" algn="l"/>
+                <a:tab pos="2398713" algn="l"/>
+                <a:tab pos="3313113" algn="l"/>
+                <a:tab pos="4227513" algn="l"/>
+                <a:tab pos="5141913" algn="l"/>
+                <a:tab pos="6056313" algn="l"/>
+                <a:tab pos="6970713" algn="l"/>
+                <a:tab pos="7885113" algn="l"/>
+                <a:tab pos="8799513" algn="l"/>
+                <a:tab pos="9713913" algn="l"/>
+              </a:tabLst>
+              <a:defRPr sz="2400">
+                <a:solidFill>
+                  <a:schemeClr val="tx1"/>
+                </a:solidFill>
+                <a:latin typeface="Times New Roman" panose="02020603050405020304" pitchFamily="18" charset="0"/>
+              </a:defRPr>
+            </a:lvl9pPr>
+          </a:lstStyle>
+          <a:p>
+            <a:pPr>
+              <a:lnSpc>
+                <a:spcPct val="80000"/>
+              </a:lnSpc>
+              <a:spcBef>
+                <a:spcPts val="325"/>
+              </a:spcBef>
+            </a:pPr>
+            <a:r>
+              <a:rPr lang="en-GB" altLang="en-US" sz="1300" dirty="0" smtClean="0">
+                <a:solidFill>
+                  <a:srgbClr val="000000"/>
+                </a:solidFill>
+                <a:latin typeface="Arial" panose="020B0604020202020204" pitchFamily="34" charset="0"/>
+              </a:rPr>
+              <a:t>.</a:t>
+            </a:r>
+            <a:r>
+              <a:rPr lang="en-GB" altLang="en-US" sz="1300" dirty="0">
+                <a:solidFill>
+                  <a:srgbClr val="000000"/>
+                </a:solidFill>
+                <a:latin typeface="Arial" panose="020B0604020202020204" pitchFamily="34" charset="0"/>
+              </a:rPr>
+              <a:t>content {</a:t>
+            </a:r>
+          </a:p>
+          <a:p>
+            <a:pPr>
+              <a:lnSpc>
+                <a:spcPct val="80000"/>
+              </a:lnSpc>
+              <a:spcBef>
+                <a:spcPts val="325"/>
+              </a:spcBef>
+            </a:pPr>
+            <a:r>
+              <a:rPr lang="en-GB" altLang="en-US" sz="1300" dirty="0">
+                <a:solidFill>
+                  <a:srgbClr val="000000"/>
+                </a:solidFill>
+                <a:latin typeface="Arial" panose="020B0604020202020204" pitchFamily="34" charset="0"/>
+              </a:rPr>
+              <a:t>	</a:t>
+            </a:r>
+            <a:r>
+              <a:rPr lang="en-GB" altLang="en-US" sz="1300" dirty="0" err="1">
+                <a:solidFill>
+                  <a:srgbClr val="000000"/>
+                </a:solidFill>
+                <a:latin typeface="Arial" panose="020B0604020202020204" pitchFamily="34" charset="0"/>
+              </a:rPr>
+              <a:t>position:relative</a:t>
+            </a:r>
+            <a:r>
+              <a:rPr lang="en-GB" altLang="en-US" sz="1300" dirty="0">
+                <a:solidFill>
+                  <a:srgbClr val="000000"/>
+                </a:solidFill>
+                <a:latin typeface="Arial" panose="020B0604020202020204" pitchFamily="34" charset="0"/>
+              </a:rPr>
+              <a:t>;</a:t>
+            </a:r>
+          </a:p>
+          <a:p>
+            <a:pPr>
+              <a:lnSpc>
+                <a:spcPct val="80000"/>
+              </a:lnSpc>
+              <a:spcBef>
+                <a:spcPts val="325"/>
+              </a:spcBef>
+            </a:pPr>
+            <a:r>
+              <a:rPr lang="en-GB" altLang="en-US" sz="1300" dirty="0">
+                <a:solidFill>
+                  <a:srgbClr val="000000"/>
+                </a:solidFill>
+                <a:latin typeface="Arial" panose="020B0604020202020204" pitchFamily="34" charset="0"/>
+              </a:rPr>
+              <a:t>	</a:t>
+            </a:r>
+            <a:r>
+              <a:rPr lang="en-GB" altLang="en-US" sz="1300" dirty="0" err="1">
+                <a:solidFill>
+                  <a:srgbClr val="000000"/>
+                </a:solidFill>
+                <a:latin typeface="Arial" panose="020B0604020202020204" pitchFamily="34" charset="0"/>
+              </a:rPr>
+              <a:t>width:auto</a:t>
+            </a:r>
+            <a:r>
+              <a:rPr lang="en-GB" altLang="en-US" sz="1300" dirty="0">
+                <a:solidFill>
+                  <a:srgbClr val="000000"/>
+                </a:solidFill>
+                <a:latin typeface="Arial" panose="020B0604020202020204" pitchFamily="34" charset="0"/>
+              </a:rPr>
+              <a:t>;</a:t>
+            </a:r>
+          </a:p>
+          <a:p>
+            <a:pPr>
+              <a:lnSpc>
+                <a:spcPct val="80000"/>
+              </a:lnSpc>
+              <a:spcBef>
+                <a:spcPts val="325"/>
+              </a:spcBef>
+            </a:pPr>
+            <a:r>
+              <a:rPr lang="en-GB" altLang="en-US" sz="1300" dirty="0">
+                <a:solidFill>
+                  <a:srgbClr val="000000"/>
+                </a:solidFill>
+                <a:latin typeface="Arial" panose="020B0604020202020204" pitchFamily="34" charset="0"/>
+              </a:rPr>
+              <a:t>	min-width:120px;</a:t>
+            </a:r>
+          </a:p>
+          <a:p>
+            <a:pPr>
+              <a:lnSpc>
+                <a:spcPct val="80000"/>
+              </a:lnSpc>
+              <a:spcBef>
+                <a:spcPts val="325"/>
+              </a:spcBef>
+            </a:pPr>
+            <a:r>
+              <a:rPr lang="en-GB" altLang="en-US" sz="1300" dirty="0">
+                <a:solidFill>
+                  <a:srgbClr val="000000"/>
+                </a:solidFill>
+                <a:latin typeface="Arial" panose="020B0604020202020204" pitchFamily="34" charset="0"/>
+              </a:rPr>
+              <a:t>	margin:0px 210px 20px 170px;</a:t>
+            </a:r>
+          </a:p>
+          <a:p>
+            <a:pPr>
+              <a:lnSpc>
+                <a:spcPct val="80000"/>
+              </a:lnSpc>
+              <a:spcBef>
+                <a:spcPts val="325"/>
+              </a:spcBef>
+            </a:pPr>
+            <a:r>
+              <a:rPr lang="en-GB" altLang="en-US" sz="1300" dirty="0">
+                <a:solidFill>
+                  <a:srgbClr val="000000"/>
+                </a:solidFill>
+                <a:latin typeface="Arial" panose="020B0604020202020204" pitchFamily="34" charset="0"/>
+              </a:rPr>
+              <a:t>	border:1px solid black;</a:t>
+            </a:r>
+          </a:p>
+          <a:p>
+            <a:pPr>
+              <a:lnSpc>
+                <a:spcPct val="80000"/>
+              </a:lnSpc>
+              <a:spcBef>
+                <a:spcPts val="325"/>
+              </a:spcBef>
+            </a:pPr>
+            <a:r>
+              <a:rPr lang="en-GB" altLang="en-US" sz="1300" dirty="0">
+                <a:solidFill>
+                  <a:srgbClr val="000000"/>
+                </a:solidFill>
+                <a:latin typeface="Arial" panose="020B0604020202020204" pitchFamily="34" charset="0"/>
+              </a:rPr>
+              <a:t>	padding:10px;</a:t>
+            </a:r>
+          </a:p>
+          <a:p>
+            <a:pPr>
+              <a:lnSpc>
+                <a:spcPct val="80000"/>
+              </a:lnSpc>
+              <a:spcBef>
+                <a:spcPts val="325"/>
+              </a:spcBef>
+            </a:pPr>
+            <a:r>
+              <a:rPr lang="en-GB" altLang="en-US" sz="1300" dirty="0">
+                <a:solidFill>
+                  <a:srgbClr val="000000"/>
+                </a:solidFill>
+                <a:latin typeface="Arial" panose="020B0604020202020204" pitchFamily="34" charset="0"/>
+              </a:rPr>
+              <a:t>	z-index:3; /* This allows the content to overlap the right menu in narrow windows in good browsers. */</a:t>
+            </a:r>
+          </a:p>
+          <a:p>
+            <a:pPr>
+              <a:lnSpc>
+                <a:spcPct val="80000"/>
+              </a:lnSpc>
+              <a:spcBef>
+                <a:spcPts val="325"/>
+              </a:spcBef>
+            </a:pPr>
+            <a:r>
+              <a:rPr lang="en-GB" altLang="en-US" sz="1300" dirty="0">
+                <a:solidFill>
+                  <a:srgbClr val="000000"/>
+                </a:solidFill>
+                <a:latin typeface="Arial" panose="020B0604020202020204" pitchFamily="34" charset="0"/>
+              </a:rPr>
+              <a:t>}</a:t>
+            </a:r>
+          </a:p>
+          <a:p>
+            <a:pPr>
+              <a:lnSpc>
+                <a:spcPct val="80000"/>
+              </a:lnSpc>
+              <a:spcBef>
+                <a:spcPts val="325"/>
+              </a:spcBef>
+            </a:pPr>
+            <a:r>
+              <a:rPr lang="en-GB" altLang="en-US" sz="1300" dirty="0">
+                <a:solidFill>
+                  <a:srgbClr val="000000"/>
+                </a:solidFill>
+                <a:latin typeface="Arial" panose="020B0604020202020204" pitchFamily="34" charset="0"/>
+              </a:rPr>
+              <a:t>#</a:t>
+            </a:r>
+            <a:r>
+              <a:rPr lang="en-GB" altLang="en-US" sz="1300" dirty="0" err="1">
+                <a:solidFill>
+                  <a:srgbClr val="000000"/>
+                </a:solidFill>
+                <a:latin typeface="Arial" panose="020B0604020202020204" pitchFamily="34" charset="0"/>
+              </a:rPr>
+              <a:t>navAlpha</a:t>
+            </a:r>
+            <a:r>
+              <a:rPr lang="en-GB" altLang="en-US" sz="1300" dirty="0">
+                <a:solidFill>
+                  <a:srgbClr val="000000"/>
+                </a:solidFill>
+                <a:latin typeface="Arial" panose="020B0604020202020204" pitchFamily="34" charset="0"/>
+              </a:rPr>
+              <a:t> {</a:t>
+            </a:r>
+          </a:p>
+          <a:p>
+            <a:pPr>
+              <a:lnSpc>
+                <a:spcPct val="80000"/>
+              </a:lnSpc>
+              <a:spcBef>
+                <a:spcPts val="325"/>
+              </a:spcBef>
+            </a:pPr>
+            <a:r>
+              <a:rPr lang="en-GB" altLang="en-US" sz="1300" dirty="0">
+                <a:solidFill>
+                  <a:srgbClr val="000000"/>
+                </a:solidFill>
+                <a:latin typeface="Arial" panose="020B0604020202020204" pitchFamily="34" charset="0"/>
+              </a:rPr>
+              <a:t>	</a:t>
+            </a:r>
+            <a:r>
+              <a:rPr lang="en-GB" altLang="en-US" sz="1300" dirty="0" err="1">
+                <a:solidFill>
+                  <a:srgbClr val="000000"/>
+                </a:solidFill>
+                <a:latin typeface="Arial" panose="020B0604020202020204" pitchFamily="34" charset="0"/>
+              </a:rPr>
+              <a:t>position:absolute</a:t>
+            </a:r>
+            <a:r>
+              <a:rPr lang="en-GB" altLang="en-US" sz="1300" dirty="0">
+                <a:solidFill>
+                  <a:srgbClr val="000000"/>
+                </a:solidFill>
+                <a:latin typeface="Arial" panose="020B0604020202020204" pitchFamily="34" charset="0"/>
+              </a:rPr>
+              <a:t>;</a:t>
+            </a:r>
+          </a:p>
+          <a:p>
+            <a:pPr>
+              <a:lnSpc>
+                <a:spcPct val="80000"/>
+              </a:lnSpc>
+              <a:spcBef>
+                <a:spcPts val="325"/>
+              </a:spcBef>
+            </a:pPr>
+            <a:r>
+              <a:rPr lang="en-GB" altLang="en-US" sz="1300" dirty="0">
+                <a:solidFill>
+                  <a:srgbClr val="000000"/>
+                </a:solidFill>
+                <a:latin typeface="Arial" panose="020B0604020202020204" pitchFamily="34" charset="0"/>
+              </a:rPr>
+              <a:t>	width:128px;</a:t>
+            </a:r>
+          </a:p>
+          <a:p>
+            <a:pPr>
+              <a:lnSpc>
+                <a:spcPct val="80000"/>
+              </a:lnSpc>
+              <a:spcBef>
+                <a:spcPts val="325"/>
+              </a:spcBef>
+            </a:pPr>
+            <a:r>
+              <a:rPr lang="en-GB" altLang="en-US" sz="1300" dirty="0">
+                <a:solidFill>
+                  <a:srgbClr val="000000"/>
+                </a:solidFill>
+                <a:latin typeface="Arial" panose="020B0604020202020204" pitchFamily="34" charset="0"/>
+              </a:rPr>
+              <a:t>	top:20px;</a:t>
+            </a:r>
+          </a:p>
+          <a:p>
+            <a:pPr>
+              <a:lnSpc>
+                <a:spcPct val="80000"/>
+              </a:lnSpc>
+              <a:spcBef>
+                <a:spcPts val="325"/>
+              </a:spcBef>
+            </a:pPr>
+            <a:r>
+              <a:rPr lang="en-GB" altLang="en-US" sz="1300" dirty="0">
+                <a:solidFill>
+                  <a:srgbClr val="000000"/>
+                </a:solidFill>
+                <a:latin typeface="Arial" panose="020B0604020202020204" pitchFamily="34" charset="0"/>
+              </a:rPr>
+              <a:t>	left:20px;</a:t>
+            </a:r>
+          </a:p>
+          <a:p>
+            <a:pPr>
+              <a:lnSpc>
+                <a:spcPct val="80000"/>
+              </a:lnSpc>
+              <a:spcBef>
+                <a:spcPts val="325"/>
+              </a:spcBef>
+            </a:pPr>
+            <a:r>
+              <a:rPr lang="en-GB" altLang="en-US" sz="1300" dirty="0">
+                <a:solidFill>
+                  <a:srgbClr val="000000"/>
+                </a:solidFill>
+                <a:latin typeface="Arial" panose="020B0604020202020204" pitchFamily="34" charset="0"/>
+              </a:rPr>
+              <a:t>	border:1px dashed black;</a:t>
+            </a:r>
+          </a:p>
+          <a:p>
+            <a:pPr>
+              <a:lnSpc>
+                <a:spcPct val="80000"/>
+              </a:lnSpc>
+              <a:spcBef>
+                <a:spcPts val="325"/>
+              </a:spcBef>
+            </a:pPr>
+            <a:r>
+              <a:rPr lang="en-GB" altLang="en-US" sz="1300" dirty="0">
+                <a:solidFill>
+                  <a:srgbClr val="000000"/>
+                </a:solidFill>
+                <a:latin typeface="Arial" panose="020B0604020202020204" pitchFamily="34" charset="0"/>
+              </a:rPr>
+              <a:t>	background-</a:t>
+            </a:r>
+            <a:r>
+              <a:rPr lang="en-GB" altLang="en-US" sz="1300" dirty="0" err="1">
+                <a:solidFill>
+                  <a:srgbClr val="000000"/>
+                </a:solidFill>
+                <a:latin typeface="Arial" panose="020B0604020202020204" pitchFamily="34" charset="0"/>
+              </a:rPr>
+              <a:t>color</a:t>
+            </a:r>
+            <a:r>
+              <a:rPr lang="en-GB" altLang="en-US" sz="1300" dirty="0">
+                <a:solidFill>
+                  <a:srgbClr val="000000"/>
+                </a:solidFill>
+                <a:latin typeface="Arial" panose="020B0604020202020204" pitchFamily="34" charset="0"/>
+              </a:rPr>
+              <a:t>:#</a:t>
+            </a:r>
+            <a:r>
+              <a:rPr lang="en-GB" altLang="en-US" sz="1300" dirty="0" err="1">
+                <a:solidFill>
+                  <a:srgbClr val="000000"/>
+                </a:solidFill>
+                <a:latin typeface="Arial" panose="020B0604020202020204" pitchFamily="34" charset="0"/>
+              </a:rPr>
+              <a:t>eee</a:t>
+            </a:r>
+            <a:r>
+              <a:rPr lang="en-GB" altLang="en-US" sz="1300" dirty="0">
+                <a:solidFill>
+                  <a:srgbClr val="000000"/>
+                </a:solidFill>
+                <a:latin typeface="Arial" panose="020B0604020202020204" pitchFamily="34" charset="0"/>
+              </a:rPr>
+              <a:t>;</a:t>
+            </a:r>
+          </a:p>
+          <a:p>
+            <a:pPr>
+              <a:lnSpc>
+                <a:spcPct val="80000"/>
+              </a:lnSpc>
+              <a:spcBef>
+                <a:spcPts val="325"/>
+              </a:spcBef>
+            </a:pPr>
+            <a:r>
+              <a:rPr lang="en-GB" altLang="en-US" sz="1300" dirty="0">
+                <a:solidFill>
+                  <a:srgbClr val="000000"/>
+                </a:solidFill>
+                <a:latin typeface="Arial" panose="020B0604020202020204" pitchFamily="34" charset="0"/>
+              </a:rPr>
+              <a:t>	padding:10px;</a:t>
+            </a:r>
+          </a:p>
+          <a:p>
+            <a:pPr>
+              <a:lnSpc>
+                <a:spcPct val="80000"/>
+              </a:lnSpc>
+              <a:spcBef>
+                <a:spcPts val="325"/>
+              </a:spcBef>
+            </a:pPr>
+            <a:r>
+              <a:rPr lang="en-GB" altLang="en-US" sz="1300" dirty="0">
+                <a:solidFill>
+                  <a:srgbClr val="000000"/>
+                </a:solidFill>
+                <a:latin typeface="Arial" panose="020B0604020202020204" pitchFamily="34" charset="0"/>
+              </a:rPr>
+              <a:t>	z-index:2;</a:t>
+            </a:r>
+          </a:p>
+          <a:p>
+            <a:pPr>
+              <a:lnSpc>
+                <a:spcPct val="80000"/>
+              </a:lnSpc>
+              <a:spcBef>
+                <a:spcPts val="325"/>
+              </a:spcBef>
+            </a:pPr>
+            <a:r>
+              <a:rPr lang="en-GB" altLang="en-US" sz="1300" dirty="0">
+                <a:solidFill>
+                  <a:srgbClr val="000000"/>
+                </a:solidFill>
+                <a:latin typeface="Arial" panose="020B0604020202020204" pitchFamily="34" charset="0"/>
+              </a:rPr>
+              <a:t>}</a:t>
+            </a:r>
+          </a:p>
+        </p:txBody>
+      </p:sp>
+      <p:sp>
+        <p:nvSpPr>
+          <p:cNvPr id="28676" name="Text Box 3"/>
+          <p:cNvSpPr txBox="1">
+            <a:spLocks noChangeArrowheads="1"/>
+          </p:cNvSpPr>
+          <p:nvPr/>
+        </p:nvSpPr>
+        <p:spPr bwMode="auto">
+          <a:xfrm>
+            <a:off x="4648200" y="2133600"/>
+            <a:ext cx="3810000" cy="4495800"/>
+          </a:xfrm>
+          <a:prstGeom prst="rect">
+            <a:avLst/>
+          </a:prstGeom>
+          <a:noFill/>
+          <a:ln>
+            <a:noFill/>
+          </a:ln>
+          <a:extLst>
+            <a:ext uri="{909E8E84-426E-40DD-AFC4-6F175D3DCCD1}">
+              <a14:hiddenFill xmlns:a14="http://schemas.microsoft.com/office/drawing/2010/main" xmlns="">
+                <a:solidFill>
+                  <a:srgbClr val="FFFFFF"/>
+                </a:solidFill>
+              </a14:hiddenFill>
+            </a:ext>
+            <a:ext uri="{91240B29-F687-4F45-9708-019B960494DF}">
+              <a14:hiddenLine xmlns:a14="http://schemas.microsoft.com/office/drawing/2010/main" xmlns="" w="9525">
+                <a:solidFill>
+                  <a:srgbClr val="000000"/>
+                </a:solidFill>
+                <a:round/>
+                <a:headEnd/>
+                <a:tailEnd/>
+              </a14:hiddenLine>
+            </a:ext>
+          </a:extLst>
+        </p:spPr>
+        <p:txBody>
+          <a:bodyPr/>
+          <a:lstStyle>
+            <a:lvl1pPr>
+              <a:tabLst>
+                <a:tab pos="569913" algn="l"/>
+                <a:tab pos="1484313" algn="l"/>
+                <a:tab pos="2398713" algn="l"/>
+                <a:tab pos="3313113" algn="l"/>
+                <a:tab pos="4227513" algn="l"/>
+                <a:tab pos="5141913" algn="l"/>
+                <a:tab pos="6056313" algn="l"/>
+                <a:tab pos="6970713" algn="l"/>
+                <a:tab pos="7885113" algn="l"/>
+                <a:tab pos="8799513" algn="l"/>
+                <a:tab pos="9713913" algn="l"/>
+              </a:tabLst>
+              <a:defRPr sz="2400">
+                <a:solidFill>
+                  <a:schemeClr val="tx1"/>
+                </a:solidFill>
+                <a:latin typeface="Times New Roman" panose="02020603050405020304" pitchFamily="18" charset="0"/>
+              </a:defRPr>
+            </a:lvl1pPr>
+            <a:lvl2pPr marL="742950" indent="-285750">
+              <a:tabLst>
+                <a:tab pos="569913" algn="l"/>
+                <a:tab pos="1484313" algn="l"/>
+                <a:tab pos="2398713" algn="l"/>
+                <a:tab pos="3313113" algn="l"/>
+                <a:tab pos="4227513" algn="l"/>
+                <a:tab pos="5141913" algn="l"/>
+                <a:tab pos="6056313" algn="l"/>
+                <a:tab pos="6970713" algn="l"/>
+                <a:tab pos="7885113" algn="l"/>
+                <a:tab pos="8799513" algn="l"/>
+                <a:tab pos="9713913" algn="l"/>
+              </a:tabLst>
+              <a:defRPr sz="2400">
+                <a:solidFill>
+                  <a:schemeClr val="tx1"/>
+                </a:solidFill>
+                <a:latin typeface="Times New Roman" panose="02020603050405020304" pitchFamily="18" charset="0"/>
+              </a:defRPr>
+            </a:lvl2pPr>
+            <a:lvl3pPr marL="1143000" indent="-228600">
+              <a:tabLst>
+                <a:tab pos="569913" algn="l"/>
+                <a:tab pos="1484313" algn="l"/>
+                <a:tab pos="2398713" algn="l"/>
+                <a:tab pos="3313113" algn="l"/>
+                <a:tab pos="4227513" algn="l"/>
+                <a:tab pos="5141913" algn="l"/>
+                <a:tab pos="6056313" algn="l"/>
+                <a:tab pos="6970713" algn="l"/>
+                <a:tab pos="7885113" algn="l"/>
+                <a:tab pos="8799513" algn="l"/>
+                <a:tab pos="9713913" algn="l"/>
+              </a:tabLst>
+              <a:defRPr sz="2400">
+                <a:solidFill>
+                  <a:schemeClr val="tx1"/>
+                </a:solidFill>
+                <a:latin typeface="Times New Roman" panose="02020603050405020304" pitchFamily="18" charset="0"/>
+              </a:defRPr>
+            </a:lvl3pPr>
+            <a:lvl4pPr marL="1600200" indent="-228600">
+              <a:tabLst>
+                <a:tab pos="569913" algn="l"/>
+                <a:tab pos="1484313" algn="l"/>
+                <a:tab pos="2398713" algn="l"/>
+                <a:tab pos="3313113" algn="l"/>
+                <a:tab pos="4227513" algn="l"/>
+                <a:tab pos="5141913" algn="l"/>
+                <a:tab pos="6056313" algn="l"/>
+                <a:tab pos="6970713" algn="l"/>
+                <a:tab pos="7885113" algn="l"/>
+                <a:tab pos="8799513" algn="l"/>
+                <a:tab pos="9713913" algn="l"/>
+              </a:tabLst>
+              <a:defRPr sz="2400">
+                <a:solidFill>
+                  <a:schemeClr val="tx1"/>
+                </a:solidFill>
+                <a:latin typeface="Times New Roman" panose="02020603050405020304" pitchFamily="18" charset="0"/>
+              </a:defRPr>
+            </a:lvl4pPr>
+            <a:lvl5pPr marL="2057400" indent="-228600">
+              <a:tabLst>
+                <a:tab pos="569913" algn="l"/>
+                <a:tab pos="1484313" algn="l"/>
+                <a:tab pos="2398713" algn="l"/>
+                <a:tab pos="3313113" algn="l"/>
+                <a:tab pos="4227513" algn="l"/>
+                <a:tab pos="5141913" algn="l"/>
+                <a:tab pos="6056313" algn="l"/>
+                <a:tab pos="6970713" algn="l"/>
+                <a:tab pos="7885113" algn="l"/>
+                <a:tab pos="8799513" algn="l"/>
+                <a:tab pos="9713913" algn="l"/>
+              </a:tabLst>
+              <a:defRPr sz="2400">
+                <a:solidFill>
+                  <a:schemeClr val="tx1"/>
+                </a:solidFill>
+                <a:latin typeface="Times New Roman" panose="02020603050405020304" pitchFamily="18" charset="0"/>
+              </a:defRPr>
+            </a:lvl5pPr>
+            <a:lvl6pPr marL="2514600" indent="-228600" eaLnBrk="0" fontAlgn="base" hangingPunct="0">
+              <a:spcBef>
+                <a:spcPct val="0"/>
+              </a:spcBef>
+              <a:spcAft>
+                <a:spcPct val="0"/>
+              </a:spcAft>
+              <a:tabLst>
+                <a:tab pos="569913" algn="l"/>
+                <a:tab pos="1484313" algn="l"/>
+                <a:tab pos="2398713" algn="l"/>
+                <a:tab pos="3313113" algn="l"/>
+                <a:tab pos="4227513" algn="l"/>
+                <a:tab pos="5141913" algn="l"/>
+                <a:tab pos="6056313" algn="l"/>
+                <a:tab pos="6970713" algn="l"/>
+                <a:tab pos="7885113" algn="l"/>
+                <a:tab pos="8799513" algn="l"/>
+                <a:tab pos="9713913" algn="l"/>
+              </a:tabLst>
+              <a:defRPr sz="2400">
+                <a:solidFill>
+                  <a:schemeClr val="tx1"/>
+                </a:solidFill>
+                <a:latin typeface="Times New Roman" panose="02020603050405020304" pitchFamily="18" charset="0"/>
+              </a:defRPr>
+            </a:lvl6pPr>
+            <a:lvl7pPr marL="2971800" indent="-228600" eaLnBrk="0" fontAlgn="base" hangingPunct="0">
+              <a:spcBef>
+                <a:spcPct val="0"/>
+              </a:spcBef>
+              <a:spcAft>
+                <a:spcPct val="0"/>
+              </a:spcAft>
+              <a:tabLst>
+                <a:tab pos="569913" algn="l"/>
+                <a:tab pos="1484313" algn="l"/>
+                <a:tab pos="2398713" algn="l"/>
+                <a:tab pos="3313113" algn="l"/>
+                <a:tab pos="4227513" algn="l"/>
+                <a:tab pos="5141913" algn="l"/>
+                <a:tab pos="6056313" algn="l"/>
+                <a:tab pos="6970713" algn="l"/>
+                <a:tab pos="7885113" algn="l"/>
+                <a:tab pos="8799513" algn="l"/>
+                <a:tab pos="9713913" algn="l"/>
+              </a:tabLst>
+              <a:defRPr sz="2400">
+                <a:solidFill>
+                  <a:schemeClr val="tx1"/>
+                </a:solidFill>
+                <a:latin typeface="Times New Roman" panose="02020603050405020304" pitchFamily="18" charset="0"/>
+              </a:defRPr>
+            </a:lvl7pPr>
+            <a:lvl8pPr marL="3429000" indent="-228600" eaLnBrk="0" fontAlgn="base" hangingPunct="0">
+              <a:spcBef>
+                <a:spcPct val="0"/>
+              </a:spcBef>
+              <a:spcAft>
+                <a:spcPct val="0"/>
+              </a:spcAft>
+              <a:tabLst>
+                <a:tab pos="569913" algn="l"/>
+                <a:tab pos="1484313" algn="l"/>
+                <a:tab pos="2398713" algn="l"/>
+                <a:tab pos="3313113" algn="l"/>
+                <a:tab pos="4227513" algn="l"/>
+                <a:tab pos="5141913" algn="l"/>
+                <a:tab pos="6056313" algn="l"/>
+                <a:tab pos="6970713" algn="l"/>
+                <a:tab pos="7885113" algn="l"/>
+                <a:tab pos="8799513" algn="l"/>
+                <a:tab pos="9713913" algn="l"/>
+              </a:tabLst>
+              <a:defRPr sz="2400">
+                <a:solidFill>
+                  <a:schemeClr val="tx1"/>
+                </a:solidFill>
+                <a:latin typeface="Times New Roman" panose="02020603050405020304" pitchFamily="18" charset="0"/>
+              </a:defRPr>
+            </a:lvl8pPr>
+            <a:lvl9pPr marL="3886200" indent="-228600" eaLnBrk="0" fontAlgn="base" hangingPunct="0">
+              <a:spcBef>
+                <a:spcPct val="0"/>
+              </a:spcBef>
+              <a:spcAft>
+                <a:spcPct val="0"/>
+              </a:spcAft>
+              <a:tabLst>
+                <a:tab pos="569913" algn="l"/>
+                <a:tab pos="1484313" algn="l"/>
+                <a:tab pos="2398713" algn="l"/>
+                <a:tab pos="3313113" algn="l"/>
+                <a:tab pos="4227513" algn="l"/>
+                <a:tab pos="5141913" algn="l"/>
+                <a:tab pos="6056313" algn="l"/>
+                <a:tab pos="6970713" algn="l"/>
+                <a:tab pos="7885113" algn="l"/>
+                <a:tab pos="8799513" algn="l"/>
+                <a:tab pos="9713913" algn="l"/>
+              </a:tabLst>
+              <a:defRPr sz="2400">
+                <a:solidFill>
+                  <a:schemeClr val="tx1"/>
+                </a:solidFill>
+                <a:latin typeface="Times New Roman" panose="02020603050405020304" pitchFamily="18" charset="0"/>
+              </a:defRPr>
+            </a:lvl9pPr>
+          </a:lstStyle>
+          <a:p>
+            <a:pPr>
+              <a:lnSpc>
+                <a:spcPct val="80000"/>
+              </a:lnSpc>
+              <a:spcBef>
+                <a:spcPts val="325"/>
+              </a:spcBef>
+            </a:pPr>
+            <a:r>
+              <a:rPr lang="en-GB" altLang="en-US" sz="1300" dirty="0">
+                <a:solidFill>
+                  <a:srgbClr val="000000"/>
+                </a:solidFill>
+                <a:latin typeface="Arial" panose="020B0604020202020204" pitchFamily="34" charset="0"/>
+              </a:rPr>
+              <a:t>#</a:t>
+            </a:r>
+            <a:r>
+              <a:rPr lang="en-GB" altLang="en-US" sz="1300" dirty="0" err="1">
+                <a:solidFill>
+                  <a:srgbClr val="000000"/>
+                </a:solidFill>
+                <a:latin typeface="Arial" panose="020B0604020202020204" pitchFamily="34" charset="0"/>
+              </a:rPr>
+              <a:t>navBeta</a:t>
+            </a:r>
+            <a:r>
+              <a:rPr lang="en-GB" altLang="en-US" sz="1300" dirty="0">
+                <a:solidFill>
+                  <a:srgbClr val="000000"/>
+                </a:solidFill>
+                <a:latin typeface="Arial" panose="020B0604020202020204" pitchFamily="34" charset="0"/>
+              </a:rPr>
+              <a:t> {</a:t>
+            </a:r>
+          </a:p>
+          <a:p>
+            <a:pPr>
+              <a:lnSpc>
+                <a:spcPct val="80000"/>
+              </a:lnSpc>
+              <a:spcBef>
+                <a:spcPts val="325"/>
+              </a:spcBef>
+            </a:pPr>
+            <a:r>
+              <a:rPr lang="en-GB" altLang="en-US" sz="1300" dirty="0">
+                <a:solidFill>
+                  <a:srgbClr val="000000"/>
+                </a:solidFill>
+                <a:latin typeface="Arial" panose="020B0604020202020204" pitchFamily="34" charset="0"/>
+              </a:rPr>
+              <a:t>	</a:t>
+            </a:r>
+            <a:r>
+              <a:rPr lang="en-GB" altLang="en-US" sz="1300" dirty="0" err="1">
+                <a:solidFill>
+                  <a:srgbClr val="000000"/>
+                </a:solidFill>
+                <a:latin typeface="Arial" panose="020B0604020202020204" pitchFamily="34" charset="0"/>
+              </a:rPr>
+              <a:t>position:absolute</a:t>
+            </a:r>
+            <a:r>
+              <a:rPr lang="en-GB" altLang="en-US" sz="1300" dirty="0">
+                <a:solidFill>
+                  <a:srgbClr val="000000"/>
+                </a:solidFill>
+                <a:latin typeface="Arial" panose="020B0604020202020204" pitchFamily="34" charset="0"/>
+              </a:rPr>
+              <a:t>;</a:t>
+            </a:r>
+          </a:p>
+          <a:p>
+            <a:pPr>
+              <a:lnSpc>
+                <a:spcPct val="80000"/>
+              </a:lnSpc>
+              <a:spcBef>
+                <a:spcPts val="325"/>
+              </a:spcBef>
+            </a:pPr>
+            <a:r>
+              <a:rPr lang="en-GB" altLang="en-US" sz="1300" dirty="0">
+                <a:solidFill>
+                  <a:srgbClr val="000000"/>
+                </a:solidFill>
+                <a:latin typeface="Arial" panose="020B0604020202020204" pitchFamily="34" charset="0"/>
+              </a:rPr>
+              <a:t>	width:168px;</a:t>
+            </a:r>
+          </a:p>
+          <a:p>
+            <a:pPr>
+              <a:lnSpc>
+                <a:spcPct val="80000"/>
+              </a:lnSpc>
+              <a:spcBef>
+                <a:spcPts val="325"/>
+              </a:spcBef>
+            </a:pPr>
+            <a:r>
+              <a:rPr lang="en-GB" altLang="en-US" sz="1300" dirty="0">
+                <a:solidFill>
+                  <a:srgbClr val="000000"/>
+                </a:solidFill>
+                <a:latin typeface="Arial" panose="020B0604020202020204" pitchFamily="34" charset="0"/>
+              </a:rPr>
+              <a:t>	top:20px;</a:t>
+            </a:r>
+          </a:p>
+          <a:p>
+            <a:pPr>
+              <a:lnSpc>
+                <a:spcPct val="80000"/>
+              </a:lnSpc>
+              <a:spcBef>
+                <a:spcPts val="325"/>
+              </a:spcBef>
+            </a:pPr>
+            <a:r>
+              <a:rPr lang="en-GB" altLang="en-US" sz="1300" dirty="0">
+                <a:solidFill>
+                  <a:srgbClr val="000000"/>
+                </a:solidFill>
+                <a:latin typeface="Arial" panose="020B0604020202020204" pitchFamily="34" charset="0"/>
+              </a:rPr>
+              <a:t>	right:20px;</a:t>
+            </a:r>
+          </a:p>
+          <a:p>
+            <a:pPr>
+              <a:lnSpc>
+                <a:spcPct val="80000"/>
+              </a:lnSpc>
+              <a:spcBef>
+                <a:spcPts val="325"/>
+              </a:spcBef>
+            </a:pPr>
+            <a:r>
+              <a:rPr lang="en-GB" altLang="en-US" sz="1300" dirty="0">
+                <a:solidFill>
+                  <a:srgbClr val="000000"/>
+                </a:solidFill>
+                <a:latin typeface="Arial" panose="020B0604020202020204" pitchFamily="34" charset="0"/>
+              </a:rPr>
+              <a:t>	border:1px dashed black;</a:t>
+            </a:r>
+          </a:p>
+          <a:p>
+            <a:pPr>
+              <a:lnSpc>
+                <a:spcPct val="80000"/>
+              </a:lnSpc>
+              <a:spcBef>
+                <a:spcPts val="325"/>
+              </a:spcBef>
+            </a:pPr>
+            <a:r>
+              <a:rPr lang="en-GB" altLang="en-US" sz="1300" dirty="0">
+                <a:solidFill>
+                  <a:srgbClr val="000000"/>
+                </a:solidFill>
+                <a:latin typeface="Arial" panose="020B0604020202020204" pitchFamily="34" charset="0"/>
+              </a:rPr>
+              <a:t>	background-</a:t>
+            </a:r>
+            <a:r>
+              <a:rPr lang="en-GB" altLang="en-US" sz="1300" dirty="0" err="1">
+                <a:solidFill>
+                  <a:srgbClr val="000000"/>
+                </a:solidFill>
+                <a:latin typeface="Arial" panose="020B0604020202020204" pitchFamily="34" charset="0"/>
+              </a:rPr>
+              <a:t>color</a:t>
+            </a:r>
+            <a:r>
+              <a:rPr lang="en-GB" altLang="en-US" sz="1300" dirty="0">
+                <a:solidFill>
+                  <a:srgbClr val="000000"/>
+                </a:solidFill>
+                <a:latin typeface="Arial" panose="020B0604020202020204" pitchFamily="34" charset="0"/>
+              </a:rPr>
+              <a:t>:#</a:t>
+            </a:r>
+            <a:r>
+              <a:rPr lang="en-GB" altLang="en-US" sz="1300" dirty="0" err="1">
+                <a:solidFill>
+                  <a:srgbClr val="000000"/>
+                </a:solidFill>
+                <a:latin typeface="Arial" panose="020B0604020202020204" pitchFamily="34" charset="0"/>
+              </a:rPr>
+              <a:t>eee</a:t>
+            </a:r>
+            <a:r>
+              <a:rPr lang="en-GB" altLang="en-US" sz="1300" dirty="0">
+                <a:solidFill>
+                  <a:srgbClr val="000000"/>
+                </a:solidFill>
+                <a:latin typeface="Arial" panose="020B0604020202020204" pitchFamily="34" charset="0"/>
+              </a:rPr>
+              <a:t>;</a:t>
+            </a:r>
+          </a:p>
+          <a:p>
+            <a:pPr>
+              <a:lnSpc>
+                <a:spcPct val="80000"/>
+              </a:lnSpc>
+              <a:spcBef>
+                <a:spcPts val="325"/>
+              </a:spcBef>
+            </a:pPr>
+            <a:r>
+              <a:rPr lang="en-GB" altLang="en-US" sz="1300" dirty="0">
+                <a:solidFill>
+                  <a:srgbClr val="000000"/>
+                </a:solidFill>
+                <a:latin typeface="Arial" panose="020B0604020202020204" pitchFamily="34" charset="0"/>
+              </a:rPr>
+              <a:t>	padding:10px;</a:t>
+            </a:r>
+          </a:p>
+          <a:p>
+            <a:pPr>
+              <a:lnSpc>
+                <a:spcPct val="80000"/>
+              </a:lnSpc>
+              <a:spcBef>
+                <a:spcPts val="325"/>
+              </a:spcBef>
+            </a:pPr>
+            <a:r>
+              <a:rPr lang="en-GB" altLang="en-US" sz="1300" dirty="0">
+                <a:solidFill>
+                  <a:srgbClr val="000000"/>
+                </a:solidFill>
+                <a:latin typeface="Arial" panose="020B0604020202020204" pitchFamily="34" charset="0"/>
+              </a:rPr>
+              <a:t>	z-index:1;</a:t>
+            </a:r>
+          </a:p>
+          <a:p>
+            <a:pPr>
+              <a:lnSpc>
+                <a:spcPct val="80000"/>
+              </a:lnSpc>
+              <a:spcBef>
+                <a:spcPts val="325"/>
+              </a:spcBef>
+            </a:pPr>
+            <a:r>
+              <a:rPr lang="en-GB" altLang="en-US" sz="1300" dirty="0">
+                <a:solidFill>
+                  <a:srgbClr val="000000"/>
+                </a:solidFill>
+                <a:latin typeface="Arial" panose="020B0604020202020204" pitchFamily="34" charset="0"/>
+              </a:rPr>
+              <a:t>}</a:t>
+            </a:r>
+          </a:p>
+          <a:p>
+            <a:pPr>
+              <a:lnSpc>
+                <a:spcPct val="80000"/>
+              </a:lnSpc>
+              <a:spcBef>
+                <a:spcPts val="325"/>
+              </a:spcBef>
+            </a:pPr>
+            <a:endParaRPr lang="en-GB" altLang="en-US" sz="1300" dirty="0">
+              <a:solidFill>
+                <a:srgbClr val="000000"/>
+              </a:solidFill>
+              <a:latin typeface="Arial" panose="020B0604020202020204" pitchFamily="34" charset="0"/>
+            </a:endParaRPr>
+          </a:p>
+        </p:txBody>
+      </p:sp>
+      <p:sp>
+        <p:nvSpPr>
+          <p:cNvPr id="5" name="TextBox 4"/>
+          <p:cNvSpPr txBox="1"/>
+          <p:nvPr/>
+        </p:nvSpPr>
+        <p:spPr>
+          <a:xfrm>
+            <a:off x="533400" y="1524000"/>
+            <a:ext cx="5486400" cy="830997"/>
+          </a:xfrm>
+          <a:prstGeom prst="rect">
+            <a:avLst/>
+          </a:prstGeom>
+          <a:noFill/>
+        </p:spPr>
+        <p:txBody>
+          <a:bodyPr wrap="square" rtlCol="0">
+            <a:spAutoFit/>
+          </a:bodyPr>
+          <a:lstStyle/>
+          <a:p>
+            <a:r>
+              <a:rPr lang="en-GB" altLang="en-US" dirty="0" smtClean="0">
+                <a:solidFill>
+                  <a:srgbClr val="000000"/>
+                </a:solidFill>
+                <a:latin typeface="Arial" panose="020B0604020202020204" pitchFamily="34" charset="0"/>
+              </a:rPr>
+              <a:t>Three Columns  Flanking Menu</a:t>
+            </a:r>
+          </a:p>
+          <a:p>
+            <a:endParaRPr lang="en-US" dirty="0"/>
+          </a:p>
+        </p:txBody>
+      </p:sp>
+    </p:spTree>
+  </p:cSld>
+  <p:clrMapOvr>
+    <a:masterClrMapping/>
+  </p:clrMapOvr>
+  <p:transition spd="med"/>
+  <p:timing>
+    <p:tnLst>
+      <p:par>
+        <p:cTn id="1" dur="indefinite" restart="never" nodeType="tmRoot">
+          <p:childTnLst>
+            <p:seq concurrent="1" nextAc="seek">
+              <p:cTn id="2" dur="0" nodeType="mainSeq"/>
+              <p:prevCondLst>
+                <p:cond evt="onPrev" delay="0">
+                  <p:tgtEl>
+                    <p:sldTgt/>
+                  </p:tgtEl>
+                </p:cond>
+              </p:prevCondLst>
+              <p:nextCondLst>
+                <p:cond evt="onNext" delay="0">
+                  <p:tgtEl>
+                    <p:sldTgt/>
+                  </p:tgtEl>
+                </p:cond>
+              </p:nextCondLst>
+            </p:seq>
+          </p:childTnLst>
+        </p:cTn>
+      </p:par>
+    </p:tnLst>
+  </p:timing>
+</p:sld>
+</file>
+
+<file path=ppt/slides/slide11.xml><?xml version="1.0" encoding="utf-8"?>
+<p:sld xmlns:a="http://schemas.openxmlformats.org/drawingml/2006/main" xmlns:r="http://schemas.openxmlformats.org/officeDocument/2006/relationships" xmlns:p="http://schemas.openxmlformats.org/presentationml/2006/main">
+  <p:cSld>
+    <p:spTree>
+      <p:nvGrpSpPr>
+        <p:cNvPr id="1" name=""/>
+        <p:cNvGrpSpPr/>
+        <p:nvPr/>
+      </p:nvGrpSpPr>
+      <p:grpSpPr>
+        <a:xfrm>
+          <a:off x="0" y="0"/>
+          <a:ext cx="0" cy="0"/>
+          <a:chOff x="0" y="0"/>
+          <a:chExt cx="0" cy="0"/>
+        </a:xfrm>
+      </p:grpSpPr>
+      <p:sp>
+        <p:nvSpPr>
           <p:cNvPr id="2" name="Title 1"/>
           <p:cNvSpPr>
             <a:spLocks noGrp="1"/>
@@ -8612,7 +10262,7 @@
 </p:sld>
 </file>
 
-<file path=ppt/slides/slide11.xml><?xml version="1.0" encoding="utf-8"?>
+<file path=ppt/slides/slide12.xml><?xml version="1.0" encoding="utf-8"?>
 <p:sld xmlns:a="http://schemas.openxmlformats.org/drawingml/2006/main" xmlns:r="http://schemas.openxmlformats.org/officeDocument/2006/relationships" xmlns:p="http://schemas.openxmlformats.org/presentationml/2006/main">
   <p:cSld>
     <p:spTree>
@@ -8674,14 +10324,14 @@
           </a:ln>
           <a:extLst>
             <a:ext uri="{909E8E84-426E-40DD-AFC4-6F175D3DCCD1}">
-              <a14:hiddenFill xmlns="" xmlns:a14="http://schemas.microsoft.com/office/drawing/2010/main">
+              <a14:hiddenFill xmlns:a14="http://schemas.microsoft.com/office/drawing/2010/main" xmlns="">
                 <a:solidFill>
                   <a:srgbClr val="FFFFFF"/>
                 </a:solidFill>
               </a14:hiddenFill>
             </a:ext>
             <a:ext uri="{91240B29-F687-4F45-9708-019B960494DF}">
-              <a14:hiddenLine xmlns="" xmlns:a14="http://schemas.microsoft.com/office/drawing/2010/main" w="9525">
+              <a14:hiddenLine xmlns:a14="http://schemas.microsoft.com/office/drawing/2010/main" xmlns="" w="9525">
                 <a:solidFill>
                   <a:srgbClr val="000000"/>
                 </a:solidFill>
@@ -9025,7 +10675,7 @@
           <a:blip r:embed="rId2" cstate="print">
             <a:extLst>
               <a:ext uri="{28A0092B-C50C-407E-A947-70E740481C1C}">
-                <a14:useLocalDpi xmlns="" xmlns:a14="http://schemas.microsoft.com/office/drawing/2010/main" val="0"/>
+                <a14:useLocalDpi xmlns:a14="http://schemas.microsoft.com/office/drawing/2010/main" xmlns="" val="0"/>
               </a:ext>
             </a:extLst>
           </a:blip>
@@ -9048,14 +10698,14 @@
           </a:ln>
           <a:extLst>
             <a:ext uri="{909E8E84-426E-40DD-AFC4-6F175D3DCCD1}">
-              <a14:hiddenFill xmlns="" xmlns:a14="http://schemas.microsoft.com/office/drawing/2010/main">
+              <a14:hiddenFill xmlns:a14="http://schemas.microsoft.com/office/drawing/2010/main" xmlns="">
                 <a:solidFill>
                   <a:srgbClr val="FFFFFF"/>
                 </a:solidFill>
               </a14:hiddenFill>
             </a:ext>
             <a:ext uri="{91240B29-F687-4F45-9708-019B960494DF}">
-              <a14:hiddenLine xmlns="" xmlns:a14="http://schemas.microsoft.com/office/drawing/2010/main" w="9525">
+              <a14:hiddenLine xmlns:a14="http://schemas.microsoft.com/office/drawing/2010/main" xmlns="" w="9525">
                 <a:solidFill>
                   <a:srgbClr val="000000"/>
                 </a:solidFill>
@@ -9072,1656 +10722,6 @@
   <p:clrMapOvr>
     <a:masterClrMapping/>
   </p:clrMapOvr>
-</p:sld>
-</file>
-
-<file path=ppt/slides/slide12.xml><?xml version="1.0" encoding="utf-8"?>
-<p:sld xmlns:a="http://schemas.openxmlformats.org/drawingml/2006/main" xmlns:r="http://schemas.openxmlformats.org/officeDocument/2006/relationships" xmlns:p="http://schemas.openxmlformats.org/presentationml/2006/main">
-  <p:cSld>
-    <p:spTree>
-      <p:nvGrpSpPr>
-        <p:cNvPr id="1" name=""/>
-        <p:cNvGrpSpPr/>
-        <p:nvPr/>
-      </p:nvGrpSpPr>
-      <p:grpSpPr>
-        <a:xfrm>
-          <a:off x="0" y="0"/>
-          <a:ext cx="0" cy="0"/>
-          <a:chOff x="0" y="0"/>
-          <a:chExt cx="0" cy="0"/>
-        </a:xfrm>
-      </p:grpSpPr>
-      <p:sp>
-        <p:nvSpPr>
-          <p:cNvPr id="28674" name="Text Box 1"/>
-          <p:cNvSpPr txBox="1">
-            <a:spLocks noChangeArrowheads="1"/>
-          </p:cNvSpPr>
-          <p:nvPr/>
-        </p:nvSpPr>
-        <p:spPr bwMode="auto">
-          <a:xfrm>
-            <a:off x="731838" y="365125"/>
-            <a:ext cx="7772400" cy="1143000"/>
-          </a:xfrm>
-          <a:prstGeom prst="rect">
-            <a:avLst/>
-          </a:prstGeom>
-          <a:noFill/>
-          <a:ln>
-            <a:noFill/>
-          </a:ln>
-          <a:extLst>
-            <a:ext uri="{909E8E84-426E-40DD-AFC4-6F175D3DCCD1}">
-              <a14:hiddenFill xmlns="" xmlns:a14="http://schemas.microsoft.com/office/drawing/2010/main">
-                <a:solidFill>
-                  <a:srgbClr val="FFFFFF"/>
-                </a:solidFill>
-              </a14:hiddenFill>
-            </a:ext>
-            <a:ext uri="{91240B29-F687-4F45-9708-019B960494DF}">
-              <a14:hiddenLine xmlns="" xmlns:a14="http://schemas.microsoft.com/office/drawing/2010/main" w="9525">
-                <a:solidFill>
-                  <a:srgbClr val="000000"/>
-                </a:solidFill>
-                <a:round/>
-                <a:headEnd/>
-                <a:tailEnd/>
-              </a14:hiddenLine>
-            </a:ext>
-          </a:extLst>
-        </p:spPr>
-        <p:txBody>
-          <a:bodyPr anchor="ctr"/>
-          <a:lstStyle>
-            <a:lvl1pPr>
-              <a:tabLst>
-                <a:tab pos="0" algn="l"/>
-                <a:tab pos="914400" algn="l"/>
-                <a:tab pos="1828800" algn="l"/>
-                <a:tab pos="2743200" algn="l"/>
-                <a:tab pos="3657600" algn="l"/>
-                <a:tab pos="4572000" algn="l"/>
-                <a:tab pos="5486400" algn="l"/>
-                <a:tab pos="6400800" algn="l"/>
-                <a:tab pos="7315200" algn="l"/>
-                <a:tab pos="8229600" algn="l"/>
-                <a:tab pos="9144000" algn="l"/>
-                <a:tab pos="10058400" algn="l"/>
-              </a:tabLst>
-              <a:defRPr sz="2400">
-                <a:solidFill>
-                  <a:schemeClr val="tx1"/>
-                </a:solidFill>
-                <a:latin typeface="Times New Roman" panose="02020603050405020304" pitchFamily="18" charset="0"/>
-              </a:defRPr>
-            </a:lvl1pPr>
-            <a:lvl2pPr marL="742950" indent="-285750">
-              <a:tabLst>
-                <a:tab pos="0" algn="l"/>
-                <a:tab pos="914400" algn="l"/>
-                <a:tab pos="1828800" algn="l"/>
-                <a:tab pos="2743200" algn="l"/>
-                <a:tab pos="3657600" algn="l"/>
-                <a:tab pos="4572000" algn="l"/>
-                <a:tab pos="5486400" algn="l"/>
-                <a:tab pos="6400800" algn="l"/>
-                <a:tab pos="7315200" algn="l"/>
-                <a:tab pos="8229600" algn="l"/>
-                <a:tab pos="9144000" algn="l"/>
-                <a:tab pos="10058400" algn="l"/>
-              </a:tabLst>
-              <a:defRPr sz="2400">
-                <a:solidFill>
-                  <a:schemeClr val="tx1"/>
-                </a:solidFill>
-                <a:latin typeface="Times New Roman" panose="02020603050405020304" pitchFamily="18" charset="0"/>
-              </a:defRPr>
-            </a:lvl2pPr>
-            <a:lvl3pPr marL="1143000" indent="-228600">
-              <a:tabLst>
-                <a:tab pos="0" algn="l"/>
-                <a:tab pos="914400" algn="l"/>
-                <a:tab pos="1828800" algn="l"/>
-                <a:tab pos="2743200" algn="l"/>
-                <a:tab pos="3657600" algn="l"/>
-                <a:tab pos="4572000" algn="l"/>
-                <a:tab pos="5486400" algn="l"/>
-                <a:tab pos="6400800" algn="l"/>
-                <a:tab pos="7315200" algn="l"/>
-                <a:tab pos="8229600" algn="l"/>
-                <a:tab pos="9144000" algn="l"/>
-                <a:tab pos="10058400" algn="l"/>
-              </a:tabLst>
-              <a:defRPr sz="2400">
-                <a:solidFill>
-                  <a:schemeClr val="tx1"/>
-                </a:solidFill>
-                <a:latin typeface="Times New Roman" panose="02020603050405020304" pitchFamily="18" charset="0"/>
-              </a:defRPr>
-            </a:lvl3pPr>
-            <a:lvl4pPr marL="1600200" indent="-228600">
-              <a:tabLst>
-                <a:tab pos="0" algn="l"/>
-                <a:tab pos="914400" algn="l"/>
-                <a:tab pos="1828800" algn="l"/>
-                <a:tab pos="2743200" algn="l"/>
-                <a:tab pos="3657600" algn="l"/>
-                <a:tab pos="4572000" algn="l"/>
-                <a:tab pos="5486400" algn="l"/>
-                <a:tab pos="6400800" algn="l"/>
-                <a:tab pos="7315200" algn="l"/>
-                <a:tab pos="8229600" algn="l"/>
-                <a:tab pos="9144000" algn="l"/>
-                <a:tab pos="10058400" algn="l"/>
-              </a:tabLst>
-              <a:defRPr sz="2400">
-                <a:solidFill>
-                  <a:schemeClr val="tx1"/>
-                </a:solidFill>
-                <a:latin typeface="Times New Roman" panose="02020603050405020304" pitchFamily="18" charset="0"/>
-              </a:defRPr>
-            </a:lvl4pPr>
-            <a:lvl5pPr marL="2057400" indent="-228600">
-              <a:tabLst>
-                <a:tab pos="0" algn="l"/>
-                <a:tab pos="914400" algn="l"/>
-                <a:tab pos="1828800" algn="l"/>
-                <a:tab pos="2743200" algn="l"/>
-                <a:tab pos="3657600" algn="l"/>
-                <a:tab pos="4572000" algn="l"/>
-                <a:tab pos="5486400" algn="l"/>
-                <a:tab pos="6400800" algn="l"/>
-                <a:tab pos="7315200" algn="l"/>
-                <a:tab pos="8229600" algn="l"/>
-                <a:tab pos="9144000" algn="l"/>
-                <a:tab pos="10058400" algn="l"/>
-              </a:tabLst>
-              <a:defRPr sz="2400">
-                <a:solidFill>
-                  <a:schemeClr val="tx1"/>
-                </a:solidFill>
-                <a:latin typeface="Times New Roman" panose="02020603050405020304" pitchFamily="18" charset="0"/>
-              </a:defRPr>
-            </a:lvl5pPr>
-            <a:lvl6pPr marL="2514600" indent="-228600" eaLnBrk="0" fontAlgn="base" hangingPunct="0">
-              <a:spcBef>
-                <a:spcPct val="0"/>
-              </a:spcBef>
-              <a:spcAft>
-                <a:spcPct val="0"/>
-              </a:spcAft>
-              <a:tabLst>
-                <a:tab pos="0" algn="l"/>
-                <a:tab pos="914400" algn="l"/>
-                <a:tab pos="1828800" algn="l"/>
-                <a:tab pos="2743200" algn="l"/>
-                <a:tab pos="3657600" algn="l"/>
-                <a:tab pos="4572000" algn="l"/>
-                <a:tab pos="5486400" algn="l"/>
-                <a:tab pos="6400800" algn="l"/>
-                <a:tab pos="7315200" algn="l"/>
-                <a:tab pos="8229600" algn="l"/>
-                <a:tab pos="9144000" algn="l"/>
-                <a:tab pos="10058400" algn="l"/>
-              </a:tabLst>
-              <a:defRPr sz="2400">
-                <a:solidFill>
-                  <a:schemeClr val="tx1"/>
-                </a:solidFill>
-                <a:latin typeface="Times New Roman" panose="02020603050405020304" pitchFamily="18" charset="0"/>
-              </a:defRPr>
-            </a:lvl6pPr>
-            <a:lvl7pPr marL="2971800" indent="-228600" eaLnBrk="0" fontAlgn="base" hangingPunct="0">
-              <a:spcBef>
-                <a:spcPct val="0"/>
-              </a:spcBef>
-              <a:spcAft>
-                <a:spcPct val="0"/>
-              </a:spcAft>
-              <a:tabLst>
-                <a:tab pos="0" algn="l"/>
-                <a:tab pos="914400" algn="l"/>
-                <a:tab pos="1828800" algn="l"/>
-                <a:tab pos="2743200" algn="l"/>
-                <a:tab pos="3657600" algn="l"/>
-                <a:tab pos="4572000" algn="l"/>
-                <a:tab pos="5486400" algn="l"/>
-                <a:tab pos="6400800" algn="l"/>
-                <a:tab pos="7315200" algn="l"/>
-                <a:tab pos="8229600" algn="l"/>
-                <a:tab pos="9144000" algn="l"/>
-                <a:tab pos="10058400" algn="l"/>
-              </a:tabLst>
-              <a:defRPr sz="2400">
-                <a:solidFill>
-                  <a:schemeClr val="tx1"/>
-                </a:solidFill>
-                <a:latin typeface="Times New Roman" panose="02020603050405020304" pitchFamily="18" charset="0"/>
-              </a:defRPr>
-            </a:lvl7pPr>
-            <a:lvl8pPr marL="3429000" indent="-228600" eaLnBrk="0" fontAlgn="base" hangingPunct="0">
-              <a:spcBef>
-                <a:spcPct val="0"/>
-              </a:spcBef>
-              <a:spcAft>
-                <a:spcPct val="0"/>
-              </a:spcAft>
-              <a:tabLst>
-                <a:tab pos="0" algn="l"/>
-                <a:tab pos="914400" algn="l"/>
-                <a:tab pos="1828800" algn="l"/>
-                <a:tab pos="2743200" algn="l"/>
-                <a:tab pos="3657600" algn="l"/>
-                <a:tab pos="4572000" algn="l"/>
-                <a:tab pos="5486400" algn="l"/>
-                <a:tab pos="6400800" algn="l"/>
-                <a:tab pos="7315200" algn="l"/>
-                <a:tab pos="8229600" algn="l"/>
-                <a:tab pos="9144000" algn="l"/>
-                <a:tab pos="10058400" algn="l"/>
-              </a:tabLst>
-              <a:defRPr sz="2400">
-                <a:solidFill>
-                  <a:schemeClr val="tx1"/>
-                </a:solidFill>
-                <a:latin typeface="Times New Roman" panose="02020603050405020304" pitchFamily="18" charset="0"/>
-              </a:defRPr>
-            </a:lvl8pPr>
-            <a:lvl9pPr marL="3886200" indent="-228600" eaLnBrk="0" fontAlgn="base" hangingPunct="0">
-              <a:spcBef>
-                <a:spcPct val="0"/>
-              </a:spcBef>
-              <a:spcAft>
-                <a:spcPct val="0"/>
-              </a:spcAft>
-              <a:tabLst>
-                <a:tab pos="0" algn="l"/>
-                <a:tab pos="914400" algn="l"/>
-                <a:tab pos="1828800" algn="l"/>
-                <a:tab pos="2743200" algn="l"/>
-                <a:tab pos="3657600" algn="l"/>
-                <a:tab pos="4572000" algn="l"/>
-                <a:tab pos="5486400" algn="l"/>
-                <a:tab pos="6400800" algn="l"/>
-                <a:tab pos="7315200" algn="l"/>
-                <a:tab pos="8229600" algn="l"/>
-                <a:tab pos="9144000" algn="l"/>
-                <a:tab pos="10058400" algn="l"/>
-              </a:tabLst>
-              <a:defRPr sz="2400">
-                <a:solidFill>
-                  <a:schemeClr val="tx1"/>
-                </a:solidFill>
-                <a:latin typeface="Times New Roman" panose="02020603050405020304" pitchFamily="18" charset="0"/>
-              </a:defRPr>
-            </a:lvl9pPr>
-          </a:lstStyle>
-          <a:p>
-            <a:pPr algn="ctr"/>
-            <a:r>
-              <a:rPr lang="en-GB" altLang="en-US" sz="4400" dirty="0" smtClean="0">
-                <a:solidFill>
-                  <a:srgbClr val="000000"/>
-                </a:solidFill>
-                <a:latin typeface="Arial" panose="020B0604020202020204" pitchFamily="34" charset="0"/>
-              </a:rPr>
-              <a:t>Answer</a:t>
-            </a:r>
-            <a:endParaRPr lang="en-GB" altLang="en-US" sz="4400" dirty="0">
-              <a:solidFill>
-                <a:srgbClr val="000000"/>
-              </a:solidFill>
-              <a:latin typeface="Arial" panose="020B0604020202020204" pitchFamily="34" charset="0"/>
-            </a:endParaRPr>
-          </a:p>
-        </p:txBody>
-      </p:sp>
-      <p:sp>
-        <p:nvSpPr>
-          <p:cNvPr id="28675" name="Text Box 2"/>
-          <p:cNvSpPr txBox="1">
-            <a:spLocks noChangeArrowheads="1"/>
-          </p:cNvSpPr>
-          <p:nvPr/>
-        </p:nvSpPr>
-        <p:spPr bwMode="auto">
-          <a:xfrm>
-            <a:off x="685800" y="2286000"/>
-            <a:ext cx="3810000" cy="4572000"/>
-          </a:xfrm>
-          <a:prstGeom prst="rect">
-            <a:avLst/>
-          </a:prstGeom>
-          <a:noFill/>
-          <a:ln>
-            <a:noFill/>
-          </a:ln>
-          <a:extLst>
-            <a:ext uri="{909E8E84-426E-40DD-AFC4-6F175D3DCCD1}">
-              <a14:hiddenFill xmlns="" xmlns:a14="http://schemas.microsoft.com/office/drawing/2010/main">
-                <a:solidFill>
-                  <a:srgbClr val="FFFFFF"/>
-                </a:solidFill>
-              </a14:hiddenFill>
-            </a:ext>
-            <a:ext uri="{91240B29-F687-4F45-9708-019B960494DF}">
-              <a14:hiddenLine xmlns="" xmlns:a14="http://schemas.microsoft.com/office/drawing/2010/main" w="9525">
-                <a:solidFill>
-                  <a:srgbClr val="000000"/>
-                </a:solidFill>
-                <a:round/>
-                <a:headEnd/>
-                <a:tailEnd/>
-              </a14:hiddenLine>
-            </a:ext>
-          </a:extLst>
-        </p:spPr>
-        <p:txBody>
-          <a:bodyPr/>
-          <a:lstStyle>
-            <a:lvl1pPr>
-              <a:tabLst>
-                <a:tab pos="569913" algn="l"/>
-                <a:tab pos="1484313" algn="l"/>
-                <a:tab pos="2398713" algn="l"/>
-                <a:tab pos="3313113" algn="l"/>
-                <a:tab pos="4227513" algn="l"/>
-                <a:tab pos="5141913" algn="l"/>
-                <a:tab pos="6056313" algn="l"/>
-                <a:tab pos="6970713" algn="l"/>
-                <a:tab pos="7885113" algn="l"/>
-                <a:tab pos="8799513" algn="l"/>
-                <a:tab pos="9713913" algn="l"/>
-              </a:tabLst>
-              <a:defRPr sz="2400">
-                <a:solidFill>
-                  <a:schemeClr val="tx1"/>
-                </a:solidFill>
-                <a:latin typeface="Times New Roman" panose="02020603050405020304" pitchFamily="18" charset="0"/>
-              </a:defRPr>
-            </a:lvl1pPr>
-            <a:lvl2pPr marL="742950" indent="-285750">
-              <a:tabLst>
-                <a:tab pos="569913" algn="l"/>
-                <a:tab pos="1484313" algn="l"/>
-                <a:tab pos="2398713" algn="l"/>
-                <a:tab pos="3313113" algn="l"/>
-                <a:tab pos="4227513" algn="l"/>
-                <a:tab pos="5141913" algn="l"/>
-                <a:tab pos="6056313" algn="l"/>
-                <a:tab pos="6970713" algn="l"/>
-                <a:tab pos="7885113" algn="l"/>
-                <a:tab pos="8799513" algn="l"/>
-                <a:tab pos="9713913" algn="l"/>
-              </a:tabLst>
-              <a:defRPr sz="2400">
-                <a:solidFill>
-                  <a:schemeClr val="tx1"/>
-                </a:solidFill>
-                <a:latin typeface="Times New Roman" panose="02020603050405020304" pitchFamily="18" charset="0"/>
-              </a:defRPr>
-            </a:lvl2pPr>
-            <a:lvl3pPr marL="1143000" indent="-228600">
-              <a:tabLst>
-                <a:tab pos="569913" algn="l"/>
-                <a:tab pos="1484313" algn="l"/>
-                <a:tab pos="2398713" algn="l"/>
-                <a:tab pos="3313113" algn="l"/>
-                <a:tab pos="4227513" algn="l"/>
-                <a:tab pos="5141913" algn="l"/>
-                <a:tab pos="6056313" algn="l"/>
-                <a:tab pos="6970713" algn="l"/>
-                <a:tab pos="7885113" algn="l"/>
-                <a:tab pos="8799513" algn="l"/>
-                <a:tab pos="9713913" algn="l"/>
-              </a:tabLst>
-              <a:defRPr sz="2400">
-                <a:solidFill>
-                  <a:schemeClr val="tx1"/>
-                </a:solidFill>
-                <a:latin typeface="Times New Roman" panose="02020603050405020304" pitchFamily="18" charset="0"/>
-              </a:defRPr>
-            </a:lvl3pPr>
-            <a:lvl4pPr marL="1600200" indent="-228600">
-              <a:tabLst>
-                <a:tab pos="569913" algn="l"/>
-                <a:tab pos="1484313" algn="l"/>
-                <a:tab pos="2398713" algn="l"/>
-                <a:tab pos="3313113" algn="l"/>
-                <a:tab pos="4227513" algn="l"/>
-                <a:tab pos="5141913" algn="l"/>
-                <a:tab pos="6056313" algn="l"/>
-                <a:tab pos="6970713" algn="l"/>
-                <a:tab pos="7885113" algn="l"/>
-                <a:tab pos="8799513" algn="l"/>
-                <a:tab pos="9713913" algn="l"/>
-              </a:tabLst>
-              <a:defRPr sz="2400">
-                <a:solidFill>
-                  <a:schemeClr val="tx1"/>
-                </a:solidFill>
-                <a:latin typeface="Times New Roman" panose="02020603050405020304" pitchFamily="18" charset="0"/>
-              </a:defRPr>
-            </a:lvl4pPr>
-            <a:lvl5pPr marL="2057400" indent="-228600">
-              <a:tabLst>
-                <a:tab pos="569913" algn="l"/>
-                <a:tab pos="1484313" algn="l"/>
-                <a:tab pos="2398713" algn="l"/>
-                <a:tab pos="3313113" algn="l"/>
-                <a:tab pos="4227513" algn="l"/>
-                <a:tab pos="5141913" algn="l"/>
-                <a:tab pos="6056313" algn="l"/>
-                <a:tab pos="6970713" algn="l"/>
-                <a:tab pos="7885113" algn="l"/>
-                <a:tab pos="8799513" algn="l"/>
-                <a:tab pos="9713913" algn="l"/>
-              </a:tabLst>
-              <a:defRPr sz="2400">
-                <a:solidFill>
-                  <a:schemeClr val="tx1"/>
-                </a:solidFill>
-                <a:latin typeface="Times New Roman" panose="02020603050405020304" pitchFamily="18" charset="0"/>
-              </a:defRPr>
-            </a:lvl5pPr>
-            <a:lvl6pPr marL="2514600" indent="-228600" eaLnBrk="0" fontAlgn="base" hangingPunct="0">
-              <a:spcBef>
-                <a:spcPct val="0"/>
-              </a:spcBef>
-              <a:spcAft>
-                <a:spcPct val="0"/>
-              </a:spcAft>
-              <a:tabLst>
-                <a:tab pos="569913" algn="l"/>
-                <a:tab pos="1484313" algn="l"/>
-                <a:tab pos="2398713" algn="l"/>
-                <a:tab pos="3313113" algn="l"/>
-                <a:tab pos="4227513" algn="l"/>
-                <a:tab pos="5141913" algn="l"/>
-                <a:tab pos="6056313" algn="l"/>
-                <a:tab pos="6970713" algn="l"/>
-                <a:tab pos="7885113" algn="l"/>
-                <a:tab pos="8799513" algn="l"/>
-                <a:tab pos="9713913" algn="l"/>
-              </a:tabLst>
-              <a:defRPr sz="2400">
-                <a:solidFill>
-                  <a:schemeClr val="tx1"/>
-                </a:solidFill>
-                <a:latin typeface="Times New Roman" panose="02020603050405020304" pitchFamily="18" charset="0"/>
-              </a:defRPr>
-            </a:lvl6pPr>
-            <a:lvl7pPr marL="2971800" indent="-228600" eaLnBrk="0" fontAlgn="base" hangingPunct="0">
-              <a:spcBef>
-                <a:spcPct val="0"/>
-              </a:spcBef>
-              <a:spcAft>
-                <a:spcPct val="0"/>
-              </a:spcAft>
-              <a:tabLst>
-                <a:tab pos="569913" algn="l"/>
-                <a:tab pos="1484313" algn="l"/>
-                <a:tab pos="2398713" algn="l"/>
-                <a:tab pos="3313113" algn="l"/>
-                <a:tab pos="4227513" algn="l"/>
-                <a:tab pos="5141913" algn="l"/>
-                <a:tab pos="6056313" algn="l"/>
-                <a:tab pos="6970713" algn="l"/>
-                <a:tab pos="7885113" algn="l"/>
-                <a:tab pos="8799513" algn="l"/>
-                <a:tab pos="9713913" algn="l"/>
-              </a:tabLst>
-              <a:defRPr sz="2400">
-                <a:solidFill>
-                  <a:schemeClr val="tx1"/>
-                </a:solidFill>
-                <a:latin typeface="Times New Roman" panose="02020603050405020304" pitchFamily="18" charset="0"/>
-              </a:defRPr>
-            </a:lvl7pPr>
-            <a:lvl8pPr marL="3429000" indent="-228600" eaLnBrk="0" fontAlgn="base" hangingPunct="0">
-              <a:spcBef>
-                <a:spcPct val="0"/>
-              </a:spcBef>
-              <a:spcAft>
-                <a:spcPct val="0"/>
-              </a:spcAft>
-              <a:tabLst>
-                <a:tab pos="569913" algn="l"/>
-                <a:tab pos="1484313" algn="l"/>
-                <a:tab pos="2398713" algn="l"/>
-                <a:tab pos="3313113" algn="l"/>
-                <a:tab pos="4227513" algn="l"/>
-                <a:tab pos="5141913" algn="l"/>
-                <a:tab pos="6056313" algn="l"/>
-                <a:tab pos="6970713" algn="l"/>
-                <a:tab pos="7885113" algn="l"/>
-                <a:tab pos="8799513" algn="l"/>
-                <a:tab pos="9713913" algn="l"/>
-              </a:tabLst>
-              <a:defRPr sz="2400">
-                <a:solidFill>
-                  <a:schemeClr val="tx1"/>
-                </a:solidFill>
-                <a:latin typeface="Times New Roman" panose="02020603050405020304" pitchFamily="18" charset="0"/>
-              </a:defRPr>
-            </a:lvl8pPr>
-            <a:lvl9pPr marL="3886200" indent="-228600" eaLnBrk="0" fontAlgn="base" hangingPunct="0">
-              <a:spcBef>
-                <a:spcPct val="0"/>
-              </a:spcBef>
-              <a:spcAft>
-                <a:spcPct val="0"/>
-              </a:spcAft>
-              <a:tabLst>
-                <a:tab pos="569913" algn="l"/>
-                <a:tab pos="1484313" algn="l"/>
-                <a:tab pos="2398713" algn="l"/>
-                <a:tab pos="3313113" algn="l"/>
-                <a:tab pos="4227513" algn="l"/>
-                <a:tab pos="5141913" algn="l"/>
-                <a:tab pos="6056313" algn="l"/>
-                <a:tab pos="6970713" algn="l"/>
-                <a:tab pos="7885113" algn="l"/>
-                <a:tab pos="8799513" algn="l"/>
-                <a:tab pos="9713913" algn="l"/>
-              </a:tabLst>
-              <a:defRPr sz="2400">
-                <a:solidFill>
-                  <a:schemeClr val="tx1"/>
-                </a:solidFill>
-                <a:latin typeface="Times New Roman" panose="02020603050405020304" pitchFamily="18" charset="0"/>
-              </a:defRPr>
-            </a:lvl9pPr>
-          </a:lstStyle>
-          <a:p>
-            <a:pPr>
-              <a:lnSpc>
-                <a:spcPct val="80000"/>
-              </a:lnSpc>
-              <a:spcBef>
-                <a:spcPts val="325"/>
-              </a:spcBef>
-            </a:pPr>
-            <a:r>
-              <a:rPr lang="en-GB" altLang="en-US" sz="1300" dirty="0" smtClean="0">
-                <a:solidFill>
-                  <a:srgbClr val="000000"/>
-                </a:solidFill>
-                <a:latin typeface="Arial" panose="020B0604020202020204" pitchFamily="34" charset="0"/>
-              </a:rPr>
-              <a:t>.</a:t>
-            </a:r>
-            <a:r>
-              <a:rPr lang="en-GB" altLang="en-US" sz="1300" dirty="0">
-                <a:solidFill>
-                  <a:srgbClr val="000000"/>
-                </a:solidFill>
-                <a:latin typeface="Arial" panose="020B0604020202020204" pitchFamily="34" charset="0"/>
-              </a:rPr>
-              <a:t>content {</a:t>
-            </a:r>
-          </a:p>
-          <a:p>
-            <a:pPr>
-              <a:lnSpc>
-                <a:spcPct val="80000"/>
-              </a:lnSpc>
-              <a:spcBef>
-                <a:spcPts val="325"/>
-              </a:spcBef>
-            </a:pPr>
-            <a:r>
-              <a:rPr lang="en-GB" altLang="en-US" sz="1300" dirty="0">
-                <a:solidFill>
-                  <a:srgbClr val="000000"/>
-                </a:solidFill>
-                <a:latin typeface="Arial" panose="020B0604020202020204" pitchFamily="34" charset="0"/>
-              </a:rPr>
-              <a:t>	</a:t>
-            </a:r>
-            <a:r>
-              <a:rPr lang="en-GB" altLang="en-US" sz="1300" dirty="0" err="1">
-                <a:solidFill>
-                  <a:srgbClr val="000000"/>
-                </a:solidFill>
-                <a:latin typeface="Arial" panose="020B0604020202020204" pitchFamily="34" charset="0"/>
-              </a:rPr>
-              <a:t>position:relative</a:t>
-            </a:r>
-            <a:r>
-              <a:rPr lang="en-GB" altLang="en-US" sz="1300" dirty="0">
-                <a:solidFill>
-                  <a:srgbClr val="000000"/>
-                </a:solidFill>
-                <a:latin typeface="Arial" panose="020B0604020202020204" pitchFamily="34" charset="0"/>
-              </a:rPr>
-              <a:t>;</a:t>
-            </a:r>
-          </a:p>
-          <a:p>
-            <a:pPr>
-              <a:lnSpc>
-                <a:spcPct val="80000"/>
-              </a:lnSpc>
-              <a:spcBef>
-                <a:spcPts val="325"/>
-              </a:spcBef>
-            </a:pPr>
-            <a:r>
-              <a:rPr lang="en-GB" altLang="en-US" sz="1300" dirty="0">
-                <a:solidFill>
-                  <a:srgbClr val="000000"/>
-                </a:solidFill>
-                <a:latin typeface="Arial" panose="020B0604020202020204" pitchFamily="34" charset="0"/>
-              </a:rPr>
-              <a:t>	</a:t>
-            </a:r>
-            <a:r>
-              <a:rPr lang="en-GB" altLang="en-US" sz="1300" dirty="0" err="1">
-                <a:solidFill>
-                  <a:srgbClr val="000000"/>
-                </a:solidFill>
-                <a:latin typeface="Arial" panose="020B0604020202020204" pitchFamily="34" charset="0"/>
-              </a:rPr>
-              <a:t>width:auto</a:t>
-            </a:r>
-            <a:r>
-              <a:rPr lang="en-GB" altLang="en-US" sz="1300" dirty="0">
-                <a:solidFill>
-                  <a:srgbClr val="000000"/>
-                </a:solidFill>
-                <a:latin typeface="Arial" panose="020B0604020202020204" pitchFamily="34" charset="0"/>
-              </a:rPr>
-              <a:t>;</a:t>
-            </a:r>
-          </a:p>
-          <a:p>
-            <a:pPr>
-              <a:lnSpc>
-                <a:spcPct val="80000"/>
-              </a:lnSpc>
-              <a:spcBef>
-                <a:spcPts val="325"/>
-              </a:spcBef>
-            </a:pPr>
-            <a:r>
-              <a:rPr lang="en-GB" altLang="en-US" sz="1300" dirty="0">
-                <a:solidFill>
-                  <a:srgbClr val="000000"/>
-                </a:solidFill>
-                <a:latin typeface="Arial" panose="020B0604020202020204" pitchFamily="34" charset="0"/>
-              </a:rPr>
-              <a:t>	min-width:120px;</a:t>
-            </a:r>
-          </a:p>
-          <a:p>
-            <a:pPr>
-              <a:lnSpc>
-                <a:spcPct val="80000"/>
-              </a:lnSpc>
-              <a:spcBef>
-                <a:spcPts val="325"/>
-              </a:spcBef>
-            </a:pPr>
-            <a:r>
-              <a:rPr lang="en-GB" altLang="en-US" sz="1300" dirty="0">
-                <a:solidFill>
-                  <a:srgbClr val="000000"/>
-                </a:solidFill>
-                <a:latin typeface="Arial" panose="020B0604020202020204" pitchFamily="34" charset="0"/>
-              </a:rPr>
-              <a:t>	margin:0px 210px 20px 170px;</a:t>
-            </a:r>
-          </a:p>
-          <a:p>
-            <a:pPr>
-              <a:lnSpc>
-                <a:spcPct val="80000"/>
-              </a:lnSpc>
-              <a:spcBef>
-                <a:spcPts val="325"/>
-              </a:spcBef>
-            </a:pPr>
-            <a:r>
-              <a:rPr lang="en-GB" altLang="en-US" sz="1300" dirty="0">
-                <a:solidFill>
-                  <a:srgbClr val="000000"/>
-                </a:solidFill>
-                <a:latin typeface="Arial" panose="020B0604020202020204" pitchFamily="34" charset="0"/>
-              </a:rPr>
-              <a:t>	border:1px solid black;</a:t>
-            </a:r>
-          </a:p>
-          <a:p>
-            <a:pPr>
-              <a:lnSpc>
-                <a:spcPct val="80000"/>
-              </a:lnSpc>
-              <a:spcBef>
-                <a:spcPts val="325"/>
-              </a:spcBef>
-            </a:pPr>
-            <a:r>
-              <a:rPr lang="en-GB" altLang="en-US" sz="1300" dirty="0">
-                <a:solidFill>
-                  <a:srgbClr val="000000"/>
-                </a:solidFill>
-                <a:latin typeface="Arial" panose="020B0604020202020204" pitchFamily="34" charset="0"/>
-              </a:rPr>
-              <a:t>	padding:10px;</a:t>
-            </a:r>
-          </a:p>
-          <a:p>
-            <a:pPr>
-              <a:lnSpc>
-                <a:spcPct val="80000"/>
-              </a:lnSpc>
-              <a:spcBef>
-                <a:spcPts val="325"/>
-              </a:spcBef>
-            </a:pPr>
-            <a:r>
-              <a:rPr lang="en-GB" altLang="en-US" sz="1300" dirty="0">
-                <a:solidFill>
-                  <a:srgbClr val="000000"/>
-                </a:solidFill>
-                <a:latin typeface="Arial" panose="020B0604020202020204" pitchFamily="34" charset="0"/>
-              </a:rPr>
-              <a:t>	z-index:3; /* This allows the content to overlap the right menu in narrow windows in good browsers. */</a:t>
-            </a:r>
-          </a:p>
-          <a:p>
-            <a:pPr>
-              <a:lnSpc>
-                <a:spcPct val="80000"/>
-              </a:lnSpc>
-              <a:spcBef>
-                <a:spcPts val="325"/>
-              </a:spcBef>
-            </a:pPr>
-            <a:r>
-              <a:rPr lang="en-GB" altLang="en-US" sz="1300" dirty="0">
-                <a:solidFill>
-                  <a:srgbClr val="000000"/>
-                </a:solidFill>
-                <a:latin typeface="Arial" panose="020B0604020202020204" pitchFamily="34" charset="0"/>
-              </a:rPr>
-              <a:t>}</a:t>
-            </a:r>
-          </a:p>
-          <a:p>
-            <a:pPr>
-              <a:lnSpc>
-                <a:spcPct val="80000"/>
-              </a:lnSpc>
-              <a:spcBef>
-                <a:spcPts val="325"/>
-              </a:spcBef>
-            </a:pPr>
-            <a:r>
-              <a:rPr lang="en-GB" altLang="en-US" sz="1300" dirty="0">
-                <a:solidFill>
-                  <a:srgbClr val="000000"/>
-                </a:solidFill>
-                <a:latin typeface="Arial" panose="020B0604020202020204" pitchFamily="34" charset="0"/>
-              </a:rPr>
-              <a:t>#</a:t>
-            </a:r>
-            <a:r>
-              <a:rPr lang="en-GB" altLang="en-US" sz="1300" dirty="0" err="1">
-                <a:solidFill>
-                  <a:srgbClr val="000000"/>
-                </a:solidFill>
-                <a:latin typeface="Arial" panose="020B0604020202020204" pitchFamily="34" charset="0"/>
-              </a:rPr>
-              <a:t>navAlpha</a:t>
-            </a:r>
-            <a:r>
-              <a:rPr lang="en-GB" altLang="en-US" sz="1300" dirty="0">
-                <a:solidFill>
-                  <a:srgbClr val="000000"/>
-                </a:solidFill>
-                <a:latin typeface="Arial" panose="020B0604020202020204" pitchFamily="34" charset="0"/>
-              </a:rPr>
-              <a:t> {</a:t>
-            </a:r>
-          </a:p>
-          <a:p>
-            <a:pPr>
-              <a:lnSpc>
-                <a:spcPct val="80000"/>
-              </a:lnSpc>
-              <a:spcBef>
-                <a:spcPts val="325"/>
-              </a:spcBef>
-            </a:pPr>
-            <a:r>
-              <a:rPr lang="en-GB" altLang="en-US" sz="1300" dirty="0">
-                <a:solidFill>
-                  <a:srgbClr val="000000"/>
-                </a:solidFill>
-                <a:latin typeface="Arial" panose="020B0604020202020204" pitchFamily="34" charset="0"/>
-              </a:rPr>
-              <a:t>	</a:t>
-            </a:r>
-            <a:r>
-              <a:rPr lang="en-GB" altLang="en-US" sz="1300" dirty="0" err="1">
-                <a:solidFill>
-                  <a:srgbClr val="000000"/>
-                </a:solidFill>
-                <a:latin typeface="Arial" panose="020B0604020202020204" pitchFamily="34" charset="0"/>
-              </a:rPr>
-              <a:t>position:absolute</a:t>
-            </a:r>
-            <a:r>
-              <a:rPr lang="en-GB" altLang="en-US" sz="1300" dirty="0">
-                <a:solidFill>
-                  <a:srgbClr val="000000"/>
-                </a:solidFill>
-                <a:latin typeface="Arial" panose="020B0604020202020204" pitchFamily="34" charset="0"/>
-              </a:rPr>
-              <a:t>;</a:t>
-            </a:r>
-          </a:p>
-          <a:p>
-            <a:pPr>
-              <a:lnSpc>
-                <a:spcPct val="80000"/>
-              </a:lnSpc>
-              <a:spcBef>
-                <a:spcPts val="325"/>
-              </a:spcBef>
-            </a:pPr>
-            <a:r>
-              <a:rPr lang="en-GB" altLang="en-US" sz="1300" dirty="0">
-                <a:solidFill>
-                  <a:srgbClr val="000000"/>
-                </a:solidFill>
-                <a:latin typeface="Arial" panose="020B0604020202020204" pitchFamily="34" charset="0"/>
-              </a:rPr>
-              <a:t>	width:128px;</a:t>
-            </a:r>
-          </a:p>
-          <a:p>
-            <a:pPr>
-              <a:lnSpc>
-                <a:spcPct val="80000"/>
-              </a:lnSpc>
-              <a:spcBef>
-                <a:spcPts val="325"/>
-              </a:spcBef>
-            </a:pPr>
-            <a:r>
-              <a:rPr lang="en-GB" altLang="en-US" sz="1300" dirty="0">
-                <a:solidFill>
-                  <a:srgbClr val="000000"/>
-                </a:solidFill>
-                <a:latin typeface="Arial" panose="020B0604020202020204" pitchFamily="34" charset="0"/>
-              </a:rPr>
-              <a:t>	top:20px;</a:t>
-            </a:r>
-          </a:p>
-          <a:p>
-            <a:pPr>
-              <a:lnSpc>
-                <a:spcPct val="80000"/>
-              </a:lnSpc>
-              <a:spcBef>
-                <a:spcPts val="325"/>
-              </a:spcBef>
-            </a:pPr>
-            <a:r>
-              <a:rPr lang="en-GB" altLang="en-US" sz="1300" dirty="0">
-                <a:solidFill>
-                  <a:srgbClr val="000000"/>
-                </a:solidFill>
-                <a:latin typeface="Arial" panose="020B0604020202020204" pitchFamily="34" charset="0"/>
-              </a:rPr>
-              <a:t>	left:20px;</a:t>
-            </a:r>
-          </a:p>
-          <a:p>
-            <a:pPr>
-              <a:lnSpc>
-                <a:spcPct val="80000"/>
-              </a:lnSpc>
-              <a:spcBef>
-                <a:spcPts val="325"/>
-              </a:spcBef>
-            </a:pPr>
-            <a:r>
-              <a:rPr lang="en-GB" altLang="en-US" sz="1300" dirty="0">
-                <a:solidFill>
-                  <a:srgbClr val="000000"/>
-                </a:solidFill>
-                <a:latin typeface="Arial" panose="020B0604020202020204" pitchFamily="34" charset="0"/>
-              </a:rPr>
-              <a:t>	border:1px dashed black;</a:t>
-            </a:r>
-          </a:p>
-          <a:p>
-            <a:pPr>
-              <a:lnSpc>
-                <a:spcPct val="80000"/>
-              </a:lnSpc>
-              <a:spcBef>
-                <a:spcPts val="325"/>
-              </a:spcBef>
-            </a:pPr>
-            <a:r>
-              <a:rPr lang="en-GB" altLang="en-US" sz="1300" dirty="0">
-                <a:solidFill>
-                  <a:srgbClr val="000000"/>
-                </a:solidFill>
-                <a:latin typeface="Arial" panose="020B0604020202020204" pitchFamily="34" charset="0"/>
-              </a:rPr>
-              <a:t>	background-</a:t>
-            </a:r>
-            <a:r>
-              <a:rPr lang="en-GB" altLang="en-US" sz="1300" dirty="0" err="1">
-                <a:solidFill>
-                  <a:srgbClr val="000000"/>
-                </a:solidFill>
-                <a:latin typeface="Arial" panose="020B0604020202020204" pitchFamily="34" charset="0"/>
-              </a:rPr>
-              <a:t>color</a:t>
-            </a:r>
-            <a:r>
-              <a:rPr lang="en-GB" altLang="en-US" sz="1300" dirty="0">
-                <a:solidFill>
-                  <a:srgbClr val="000000"/>
-                </a:solidFill>
-                <a:latin typeface="Arial" panose="020B0604020202020204" pitchFamily="34" charset="0"/>
-              </a:rPr>
-              <a:t>:#</a:t>
-            </a:r>
-            <a:r>
-              <a:rPr lang="en-GB" altLang="en-US" sz="1300" dirty="0" err="1">
-                <a:solidFill>
-                  <a:srgbClr val="000000"/>
-                </a:solidFill>
-                <a:latin typeface="Arial" panose="020B0604020202020204" pitchFamily="34" charset="0"/>
-              </a:rPr>
-              <a:t>eee</a:t>
-            </a:r>
-            <a:r>
-              <a:rPr lang="en-GB" altLang="en-US" sz="1300" dirty="0">
-                <a:solidFill>
-                  <a:srgbClr val="000000"/>
-                </a:solidFill>
-                <a:latin typeface="Arial" panose="020B0604020202020204" pitchFamily="34" charset="0"/>
-              </a:rPr>
-              <a:t>;</a:t>
-            </a:r>
-          </a:p>
-          <a:p>
-            <a:pPr>
-              <a:lnSpc>
-                <a:spcPct val="80000"/>
-              </a:lnSpc>
-              <a:spcBef>
-                <a:spcPts val="325"/>
-              </a:spcBef>
-            </a:pPr>
-            <a:r>
-              <a:rPr lang="en-GB" altLang="en-US" sz="1300" dirty="0">
-                <a:solidFill>
-                  <a:srgbClr val="000000"/>
-                </a:solidFill>
-                <a:latin typeface="Arial" panose="020B0604020202020204" pitchFamily="34" charset="0"/>
-              </a:rPr>
-              <a:t>	padding:10px;</a:t>
-            </a:r>
-          </a:p>
-          <a:p>
-            <a:pPr>
-              <a:lnSpc>
-                <a:spcPct val="80000"/>
-              </a:lnSpc>
-              <a:spcBef>
-                <a:spcPts val="325"/>
-              </a:spcBef>
-            </a:pPr>
-            <a:r>
-              <a:rPr lang="en-GB" altLang="en-US" sz="1300" dirty="0">
-                <a:solidFill>
-                  <a:srgbClr val="000000"/>
-                </a:solidFill>
-                <a:latin typeface="Arial" panose="020B0604020202020204" pitchFamily="34" charset="0"/>
-              </a:rPr>
-              <a:t>	z-index:2;</a:t>
-            </a:r>
-          </a:p>
-          <a:p>
-            <a:pPr>
-              <a:lnSpc>
-                <a:spcPct val="80000"/>
-              </a:lnSpc>
-              <a:spcBef>
-                <a:spcPts val="325"/>
-              </a:spcBef>
-            </a:pPr>
-            <a:r>
-              <a:rPr lang="en-GB" altLang="en-US" sz="1300" dirty="0">
-                <a:solidFill>
-                  <a:srgbClr val="000000"/>
-                </a:solidFill>
-                <a:latin typeface="Arial" panose="020B0604020202020204" pitchFamily="34" charset="0"/>
-              </a:rPr>
-              <a:t>}</a:t>
-            </a:r>
-          </a:p>
-        </p:txBody>
-      </p:sp>
-      <p:sp>
-        <p:nvSpPr>
-          <p:cNvPr id="28676" name="Text Box 3"/>
-          <p:cNvSpPr txBox="1">
-            <a:spLocks noChangeArrowheads="1"/>
-          </p:cNvSpPr>
-          <p:nvPr/>
-        </p:nvSpPr>
-        <p:spPr bwMode="auto">
-          <a:xfrm>
-            <a:off x="4648200" y="2133600"/>
-            <a:ext cx="3810000" cy="4495800"/>
-          </a:xfrm>
-          <a:prstGeom prst="rect">
-            <a:avLst/>
-          </a:prstGeom>
-          <a:noFill/>
-          <a:ln>
-            <a:noFill/>
-          </a:ln>
-          <a:extLst>
-            <a:ext uri="{909E8E84-426E-40DD-AFC4-6F175D3DCCD1}">
-              <a14:hiddenFill xmlns="" xmlns:a14="http://schemas.microsoft.com/office/drawing/2010/main">
-                <a:solidFill>
-                  <a:srgbClr val="FFFFFF"/>
-                </a:solidFill>
-              </a14:hiddenFill>
-            </a:ext>
-            <a:ext uri="{91240B29-F687-4F45-9708-019B960494DF}">
-              <a14:hiddenLine xmlns="" xmlns:a14="http://schemas.microsoft.com/office/drawing/2010/main" w="9525">
-                <a:solidFill>
-                  <a:srgbClr val="000000"/>
-                </a:solidFill>
-                <a:round/>
-                <a:headEnd/>
-                <a:tailEnd/>
-              </a14:hiddenLine>
-            </a:ext>
-          </a:extLst>
-        </p:spPr>
-        <p:txBody>
-          <a:bodyPr/>
-          <a:lstStyle>
-            <a:lvl1pPr>
-              <a:tabLst>
-                <a:tab pos="569913" algn="l"/>
-                <a:tab pos="1484313" algn="l"/>
-                <a:tab pos="2398713" algn="l"/>
-                <a:tab pos="3313113" algn="l"/>
-                <a:tab pos="4227513" algn="l"/>
-                <a:tab pos="5141913" algn="l"/>
-                <a:tab pos="6056313" algn="l"/>
-                <a:tab pos="6970713" algn="l"/>
-                <a:tab pos="7885113" algn="l"/>
-                <a:tab pos="8799513" algn="l"/>
-                <a:tab pos="9713913" algn="l"/>
-              </a:tabLst>
-              <a:defRPr sz="2400">
-                <a:solidFill>
-                  <a:schemeClr val="tx1"/>
-                </a:solidFill>
-                <a:latin typeface="Times New Roman" panose="02020603050405020304" pitchFamily="18" charset="0"/>
-              </a:defRPr>
-            </a:lvl1pPr>
-            <a:lvl2pPr marL="742950" indent="-285750">
-              <a:tabLst>
-                <a:tab pos="569913" algn="l"/>
-                <a:tab pos="1484313" algn="l"/>
-                <a:tab pos="2398713" algn="l"/>
-                <a:tab pos="3313113" algn="l"/>
-                <a:tab pos="4227513" algn="l"/>
-                <a:tab pos="5141913" algn="l"/>
-                <a:tab pos="6056313" algn="l"/>
-                <a:tab pos="6970713" algn="l"/>
-                <a:tab pos="7885113" algn="l"/>
-                <a:tab pos="8799513" algn="l"/>
-                <a:tab pos="9713913" algn="l"/>
-              </a:tabLst>
-              <a:defRPr sz="2400">
-                <a:solidFill>
-                  <a:schemeClr val="tx1"/>
-                </a:solidFill>
-                <a:latin typeface="Times New Roman" panose="02020603050405020304" pitchFamily="18" charset="0"/>
-              </a:defRPr>
-            </a:lvl2pPr>
-            <a:lvl3pPr marL="1143000" indent="-228600">
-              <a:tabLst>
-                <a:tab pos="569913" algn="l"/>
-                <a:tab pos="1484313" algn="l"/>
-                <a:tab pos="2398713" algn="l"/>
-                <a:tab pos="3313113" algn="l"/>
-                <a:tab pos="4227513" algn="l"/>
-                <a:tab pos="5141913" algn="l"/>
-                <a:tab pos="6056313" algn="l"/>
-                <a:tab pos="6970713" algn="l"/>
-                <a:tab pos="7885113" algn="l"/>
-                <a:tab pos="8799513" algn="l"/>
-                <a:tab pos="9713913" algn="l"/>
-              </a:tabLst>
-              <a:defRPr sz="2400">
-                <a:solidFill>
-                  <a:schemeClr val="tx1"/>
-                </a:solidFill>
-                <a:latin typeface="Times New Roman" panose="02020603050405020304" pitchFamily="18" charset="0"/>
-              </a:defRPr>
-            </a:lvl3pPr>
-            <a:lvl4pPr marL="1600200" indent="-228600">
-              <a:tabLst>
-                <a:tab pos="569913" algn="l"/>
-                <a:tab pos="1484313" algn="l"/>
-                <a:tab pos="2398713" algn="l"/>
-                <a:tab pos="3313113" algn="l"/>
-                <a:tab pos="4227513" algn="l"/>
-                <a:tab pos="5141913" algn="l"/>
-                <a:tab pos="6056313" algn="l"/>
-                <a:tab pos="6970713" algn="l"/>
-                <a:tab pos="7885113" algn="l"/>
-                <a:tab pos="8799513" algn="l"/>
-                <a:tab pos="9713913" algn="l"/>
-              </a:tabLst>
-              <a:defRPr sz="2400">
-                <a:solidFill>
-                  <a:schemeClr val="tx1"/>
-                </a:solidFill>
-                <a:latin typeface="Times New Roman" panose="02020603050405020304" pitchFamily="18" charset="0"/>
-              </a:defRPr>
-            </a:lvl4pPr>
-            <a:lvl5pPr marL="2057400" indent="-228600">
-              <a:tabLst>
-                <a:tab pos="569913" algn="l"/>
-                <a:tab pos="1484313" algn="l"/>
-                <a:tab pos="2398713" algn="l"/>
-                <a:tab pos="3313113" algn="l"/>
-                <a:tab pos="4227513" algn="l"/>
-                <a:tab pos="5141913" algn="l"/>
-                <a:tab pos="6056313" algn="l"/>
-                <a:tab pos="6970713" algn="l"/>
-                <a:tab pos="7885113" algn="l"/>
-                <a:tab pos="8799513" algn="l"/>
-                <a:tab pos="9713913" algn="l"/>
-              </a:tabLst>
-              <a:defRPr sz="2400">
-                <a:solidFill>
-                  <a:schemeClr val="tx1"/>
-                </a:solidFill>
-                <a:latin typeface="Times New Roman" panose="02020603050405020304" pitchFamily="18" charset="0"/>
-              </a:defRPr>
-            </a:lvl5pPr>
-            <a:lvl6pPr marL="2514600" indent="-228600" eaLnBrk="0" fontAlgn="base" hangingPunct="0">
-              <a:spcBef>
-                <a:spcPct val="0"/>
-              </a:spcBef>
-              <a:spcAft>
-                <a:spcPct val="0"/>
-              </a:spcAft>
-              <a:tabLst>
-                <a:tab pos="569913" algn="l"/>
-                <a:tab pos="1484313" algn="l"/>
-                <a:tab pos="2398713" algn="l"/>
-                <a:tab pos="3313113" algn="l"/>
-                <a:tab pos="4227513" algn="l"/>
-                <a:tab pos="5141913" algn="l"/>
-                <a:tab pos="6056313" algn="l"/>
-                <a:tab pos="6970713" algn="l"/>
-                <a:tab pos="7885113" algn="l"/>
-                <a:tab pos="8799513" algn="l"/>
-                <a:tab pos="9713913" algn="l"/>
-              </a:tabLst>
-              <a:defRPr sz="2400">
-                <a:solidFill>
-                  <a:schemeClr val="tx1"/>
-                </a:solidFill>
-                <a:latin typeface="Times New Roman" panose="02020603050405020304" pitchFamily="18" charset="0"/>
-              </a:defRPr>
-            </a:lvl6pPr>
-            <a:lvl7pPr marL="2971800" indent="-228600" eaLnBrk="0" fontAlgn="base" hangingPunct="0">
-              <a:spcBef>
-                <a:spcPct val="0"/>
-              </a:spcBef>
-              <a:spcAft>
-                <a:spcPct val="0"/>
-              </a:spcAft>
-              <a:tabLst>
-                <a:tab pos="569913" algn="l"/>
-                <a:tab pos="1484313" algn="l"/>
-                <a:tab pos="2398713" algn="l"/>
-                <a:tab pos="3313113" algn="l"/>
-                <a:tab pos="4227513" algn="l"/>
-                <a:tab pos="5141913" algn="l"/>
-                <a:tab pos="6056313" algn="l"/>
-                <a:tab pos="6970713" algn="l"/>
-                <a:tab pos="7885113" algn="l"/>
-                <a:tab pos="8799513" algn="l"/>
-                <a:tab pos="9713913" algn="l"/>
-              </a:tabLst>
-              <a:defRPr sz="2400">
-                <a:solidFill>
-                  <a:schemeClr val="tx1"/>
-                </a:solidFill>
-                <a:latin typeface="Times New Roman" panose="02020603050405020304" pitchFamily="18" charset="0"/>
-              </a:defRPr>
-            </a:lvl7pPr>
-            <a:lvl8pPr marL="3429000" indent="-228600" eaLnBrk="0" fontAlgn="base" hangingPunct="0">
-              <a:spcBef>
-                <a:spcPct val="0"/>
-              </a:spcBef>
-              <a:spcAft>
-                <a:spcPct val="0"/>
-              </a:spcAft>
-              <a:tabLst>
-                <a:tab pos="569913" algn="l"/>
-                <a:tab pos="1484313" algn="l"/>
-                <a:tab pos="2398713" algn="l"/>
-                <a:tab pos="3313113" algn="l"/>
-                <a:tab pos="4227513" algn="l"/>
-                <a:tab pos="5141913" algn="l"/>
-                <a:tab pos="6056313" algn="l"/>
-                <a:tab pos="6970713" algn="l"/>
-                <a:tab pos="7885113" algn="l"/>
-                <a:tab pos="8799513" algn="l"/>
-                <a:tab pos="9713913" algn="l"/>
-              </a:tabLst>
-              <a:defRPr sz="2400">
-                <a:solidFill>
-                  <a:schemeClr val="tx1"/>
-                </a:solidFill>
-                <a:latin typeface="Times New Roman" panose="02020603050405020304" pitchFamily="18" charset="0"/>
-              </a:defRPr>
-            </a:lvl8pPr>
-            <a:lvl9pPr marL="3886200" indent="-228600" eaLnBrk="0" fontAlgn="base" hangingPunct="0">
-              <a:spcBef>
-                <a:spcPct val="0"/>
-              </a:spcBef>
-              <a:spcAft>
-                <a:spcPct val="0"/>
-              </a:spcAft>
-              <a:tabLst>
-                <a:tab pos="569913" algn="l"/>
-                <a:tab pos="1484313" algn="l"/>
-                <a:tab pos="2398713" algn="l"/>
-                <a:tab pos="3313113" algn="l"/>
-                <a:tab pos="4227513" algn="l"/>
-                <a:tab pos="5141913" algn="l"/>
-                <a:tab pos="6056313" algn="l"/>
-                <a:tab pos="6970713" algn="l"/>
-                <a:tab pos="7885113" algn="l"/>
-                <a:tab pos="8799513" algn="l"/>
-                <a:tab pos="9713913" algn="l"/>
-              </a:tabLst>
-              <a:defRPr sz="2400">
-                <a:solidFill>
-                  <a:schemeClr val="tx1"/>
-                </a:solidFill>
-                <a:latin typeface="Times New Roman" panose="02020603050405020304" pitchFamily="18" charset="0"/>
-              </a:defRPr>
-            </a:lvl9pPr>
-          </a:lstStyle>
-          <a:p>
-            <a:pPr>
-              <a:lnSpc>
-                <a:spcPct val="80000"/>
-              </a:lnSpc>
-              <a:spcBef>
-                <a:spcPts val="325"/>
-              </a:spcBef>
-            </a:pPr>
-            <a:r>
-              <a:rPr lang="en-GB" altLang="en-US" sz="1300" dirty="0">
-                <a:solidFill>
-                  <a:srgbClr val="000000"/>
-                </a:solidFill>
-                <a:latin typeface="Arial" panose="020B0604020202020204" pitchFamily="34" charset="0"/>
-              </a:rPr>
-              <a:t>#</a:t>
-            </a:r>
-            <a:r>
-              <a:rPr lang="en-GB" altLang="en-US" sz="1300" dirty="0" err="1">
-                <a:solidFill>
-                  <a:srgbClr val="000000"/>
-                </a:solidFill>
-                <a:latin typeface="Arial" panose="020B0604020202020204" pitchFamily="34" charset="0"/>
-              </a:rPr>
-              <a:t>navBeta</a:t>
-            </a:r>
-            <a:r>
-              <a:rPr lang="en-GB" altLang="en-US" sz="1300" dirty="0">
-                <a:solidFill>
-                  <a:srgbClr val="000000"/>
-                </a:solidFill>
-                <a:latin typeface="Arial" panose="020B0604020202020204" pitchFamily="34" charset="0"/>
-              </a:rPr>
-              <a:t> {</a:t>
-            </a:r>
-          </a:p>
-          <a:p>
-            <a:pPr>
-              <a:lnSpc>
-                <a:spcPct val="80000"/>
-              </a:lnSpc>
-              <a:spcBef>
-                <a:spcPts val="325"/>
-              </a:spcBef>
-            </a:pPr>
-            <a:r>
-              <a:rPr lang="en-GB" altLang="en-US" sz="1300" dirty="0">
-                <a:solidFill>
-                  <a:srgbClr val="000000"/>
-                </a:solidFill>
-                <a:latin typeface="Arial" panose="020B0604020202020204" pitchFamily="34" charset="0"/>
-              </a:rPr>
-              <a:t>	</a:t>
-            </a:r>
-            <a:r>
-              <a:rPr lang="en-GB" altLang="en-US" sz="1300" dirty="0" err="1">
-                <a:solidFill>
-                  <a:srgbClr val="000000"/>
-                </a:solidFill>
-                <a:latin typeface="Arial" panose="020B0604020202020204" pitchFamily="34" charset="0"/>
-              </a:rPr>
-              <a:t>position:absolute</a:t>
-            </a:r>
-            <a:r>
-              <a:rPr lang="en-GB" altLang="en-US" sz="1300" dirty="0">
-                <a:solidFill>
-                  <a:srgbClr val="000000"/>
-                </a:solidFill>
-                <a:latin typeface="Arial" panose="020B0604020202020204" pitchFamily="34" charset="0"/>
-              </a:rPr>
-              <a:t>;</a:t>
-            </a:r>
-          </a:p>
-          <a:p>
-            <a:pPr>
-              <a:lnSpc>
-                <a:spcPct val="80000"/>
-              </a:lnSpc>
-              <a:spcBef>
-                <a:spcPts val="325"/>
-              </a:spcBef>
-            </a:pPr>
-            <a:r>
-              <a:rPr lang="en-GB" altLang="en-US" sz="1300" dirty="0">
-                <a:solidFill>
-                  <a:srgbClr val="000000"/>
-                </a:solidFill>
-                <a:latin typeface="Arial" panose="020B0604020202020204" pitchFamily="34" charset="0"/>
-              </a:rPr>
-              <a:t>	width:168px;</a:t>
-            </a:r>
-          </a:p>
-          <a:p>
-            <a:pPr>
-              <a:lnSpc>
-                <a:spcPct val="80000"/>
-              </a:lnSpc>
-              <a:spcBef>
-                <a:spcPts val="325"/>
-              </a:spcBef>
-            </a:pPr>
-            <a:r>
-              <a:rPr lang="en-GB" altLang="en-US" sz="1300" dirty="0">
-                <a:solidFill>
-                  <a:srgbClr val="000000"/>
-                </a:solidFill>
-                <a:latin typeface="Arial" panose="020B0604020202020204" pitchFamily="34" charset="0"/>
-              </a:rPr>
-              <a:t>	top:20px;</a:t>
-            </a:r>
-          </a:p>
-          <a:p>
-            <a:pPr>
-              <a:lnSpc>
-                <a:spcPct val="80000"/>
-              </a:lnSpc>
-              <a:spcBef>
-                <a:spcPts val="325"/>
-              </a:spcBef>
-            </a:pPr>
-            <a:r>
-              <a:rPr lang="en-GB" altLang="en-US" sz="1300" dirty="0">
-                <a:solidFill>
-                  <a:srgbClr val="000000"/>
-                </a:solidFill>
-                <a:latin typeface="Arial" panose="020B0604020202020204" pitchFamily="34" charset="0"/>
-              </a:rPr>
-              <a:t>	right:20px;</a:t>
-            </a:r>
-          </a:p>
-          <a:p>
-            <a:pPr>
-              <a:lnSpc>
-                <a:spcPct val="80000"/>
-              </a:lnSpc>
-              <a:spcBef>
-                <a:spcPts val="325"/>
-              </a:spcBef>
-            </a:pPr>
-            <a:r>
-              <a:rPr lang="en-GB" altLang="en-US" sz="1300" dirty="0">
-                <a:solidFill>
-                  <a:srgbClr val="000000"/>
-                </a:solidFill>
-                <a:latin typeface="Arial" panose="020B0604020202020204" pitchFamily="34" charset="0"/>
-              </a:rPr>
-              <a:t>	border:1px dashed black;</a:t>
-            </a:r>
-          </a:p>
-          <a:p>
-            <a:pPr>
-              <a:lnSpc>
-                <a:spcPct val="80000"/>
-              </a:lnSpc>
-              <a:spcBef>
-                <a:spcPts val="325"/>
-              </a:spcBef>
-            </a:pPr>
-            <a:r>
-              <a:rPr lang="en-GB" altLang="en-US" sz="1300" dirty="0">
-                <a:solidFill>
-                  <a:srgbClr val="000000"/>
-                </a:solidFill>
-                <a:latin typeface="Arial" panose="020B0604020202020204" pitchFamily="34" charset="0"/>
-              </a:rPr>
-              <a:t>	background-</a:t>
-            </a:r>
-            <a:r>
-              <a:rPr lang="en-GB" altLang="en-US" sz="1300" dirty="0" err="1">
-                <a:solidFill>
-                  <a:srgbClr val="000000"/>
-                </a:solidFill>
-                <a:latin typeface="Arial" panose="020B0604020202020204" pitchFamily="34" charset="0"/>
-              </a:rPr>
-              <a:t>color</a:t>
-            </a:r>
-            <a:r>
-              <a:rPr lang="en-GB" altLang="en-US" sz="1300" dirty="0">
-                <a:solidFill>
-                  <a:srgbClr val="000000"/>
-                </a:solidFill>
-                <a:latin typeface="Arial" panose="020B0604020202020204" pitchFamily="34" charset="0"/>
-              </a:rPr>
-              <a:t>:#</a:t>
-            </a:r>
-            <a:r>
-              <a:rPr lang="en-GB" altLang="en-US" sz="1300" dirty="0" err="1">
-                <a:solidFill>
-                  <a:srgbClr val="000000"/>
-                </a:solidFill>
-                <a:latin typeface="Arial" panose="020B0604020202020204" pitchFamily="34" charset="0"/>
-              </a:rPr>
-              <a:t>eee</a:t>
-            </a:r>
-            <a:r>
-              <a:rPr lang="en-GB" altLang="en-US" sz="1300" dirty="0">
-                <a:solidFill>
-                  <a:srgbClr val="000000"/>
-                </a:solidFill>
-                <a:latin typeface="Arial" panose="020B0604020202020204" pitchFamily="34" charset="0"/>
-              </a:rPr>
-              <a:t>;</a:t>
-            </a:r>
-          </a:p>
-          <a:p>
-            <a:pPr>
-              <a:lnSpc>
-                <a:spcPct val="80000"/>
-              </a:lnSpc>
-              <a:spcBef>
-                <a:spcPts val="325"/>
-              </a:spcBef>
-            </a:pPr>
-            <a:r>
-              <a:rPr lang="en-GB" altLang="en-US" sz="1300" dirty="0">
-                <a:solidFill>
-                  <a:srgbClr val="000000"/>
-                </a:solidFill>
-                <a:latin typeface="Arial" panose="020B0604020202020204" pitchFamily="34" charset="0"/>
-              </a:rPr>
-              <a:t>	padding:10px;</a:t>
-            </a:r>
-          </a:p>
-          <a:p>
-            <a:pPr>
-              <a:lnSpc>
-                <a:spcPct val="80000"/>
-              </a:lnSpc>
-              <a:spcBef>
-                <a:spcPts val="325"/>
-              </a:spcBef>
-            </a:pPr>
-            <a:r>
-              <a:rPr lang="en-GB" altLang="en-US" sz="1300" dirty="0">
-                <a:solidFill>
-                  <a:srgbClr val="000000"/>
-                </a:solidFill>
-                <a:latin typeface="Arial" panose="020B0604020202020204" pitchFamily="34" charset="0"/>
-              </a:rPr>
-              <a:t>	z-index:1;</a:t>
-            </a:r>
-          </a:p>
-          <a:p>
-            <a:pPr>
-              <a:lnSpc>
-                <a:spcPct val="80000"/>
-              </a:lnSpc>
-              <a:spcBef>
-                <a:spcPts val="325"/>
-              </a:spcBef>
-            </a:pPr>
-            <a:r>
-              <a:rPr lang="en-GB" altLang="en-US" sz="1300" dirty="0">
-                <a:solidFill>
-                  <a:srgbClr val="000000"/>
-                </a:solidFill>
-                <a:latin typeface="Arial" panose="020B0604020202020204" pitchFamily="34" charset="0"/>
-              </a:rPr>
-              <a:t>}</a:t>
-            </a:r>
-          </a:p>
-          <a:p>
-            <a:pPr>
-              <a:lnSpc>
-                <a:spcPct val="80000"/>
-              </a:lnSpc>
-              <a:spcBef>
-                <a:spcPts val="325"/>
-              </a:spcBef>
-            </a:pPr>
-            <a:endParaRPr lang="en-GB" altLang="en-US" sz="1300" dirty="0">
-              <a:solidFill>
-                <a:srgbClr val="000000"/>
-              </a:solidFill>
-              <a:latin typeface="Arial" panose="020B0604020202020204" pitchFamily="34" charset="0"/>
-            </a:endParaRPr>
-          </a:p>
-        </p:txBody>
-      </p:sp>
-      <p:sp>
-        <p:nvSpPr>
-          <p:cNvPr id="5" name="TextBox 4"/>
-          <p:cNvSpPr txBox="1"/>
-          <p:nvPr/>
-        </p:nvSpPr>
-        <p:spPr>
-          <a:xfrm>
-            <a:off x="533400" y="1524000"/>
-            <a:ext cx="5486400" cy="830997"/>
-          </a:xfrm>
-          <a:prstGeom prst="rect">
-            <a:avLst/>
-          </a:prstGeom>
-          <a:noFill/>
-        </p:spPr>
-        <p:txBody>
-          <a:bodyPr wrap="square" rtlCol="0">
-            <a:spAutoFit/>
-          </a:bodyPr>
-          <a:lstStyle/>
-          <a:p>
-            <a:r>
-              <a:rPr lang="en-GB" altLang="en-US" dirty="0" smtClean="0">
-                <a:solidFill>
-                  <a:srgbClr val="000000"/>
-                </a:solidFill>
-                <a:latin typeface="Arial" panose="020B0604020202020204" pitchFamily="34" charset="0"/>
-              </a:rPr>
-              <a:t>Three Columns  Flanking Menu</a:t>
-            </a:r>
-          </a:p>
-          <a:p>
-            <a:endParaRPr lang="en-US" dirty="0"/>
-          </a:p>
-        </p:txBody>
-      </p:sp>
-    </p:spTree>
-  </p:cSld>
-  <p:clrMapOvr>
-    <a:masterClrMapping/>
-  </p:clrMapOvr>
-  <p:transition spd="med"/>
-  <p:timing>
-    <p:tnLst>
-      <p:par>
-        <p:cTn id="1" dur="indefinite" restart="never" nodeType="tmRoot">
-          <p:childTnLst>
-            <p:seq concurrent="1" nextAc="seek">
-              <p:cTn id="2" dur="0" nodeType="mainSeq"/>
-              <p:prevCondLst>
-                <p:cond evt="onPrev" delay="0">
-                  <p:tgtEl>
-                    <p:sldTgt/>
-                  </p:tgtEl>
-                </p:cond>
-              </p:prevCondLst>
-              <p:nextCondLst>
-                <p:cond evt="onNext" delay="0">
-                  <p:tgtEl>
-                    <p:sldTgt/>
-                  </p:tgtEl>
-                </p:cond>
-              </p:nextCondLst>
-            </p:seq>
-          </p:childTnLst>
-        </p:cTn>
-      </p:par>
-    </p:tnLst>
-  </p:timing>
 </p:sld>
 </file>
 
@@ -14226,7 +14226,7 @@
               </a:buBlip>
             </a:pPr>
             <a:r>
-              <a:rPr lang="en-US" altLang="en-US" sz="3200" dirty="0">
+              <a:rPr lang="en-US" altLang="en-US" sz="3200" dirty="0" smtClean="0">
                 <a:solidFill>
                   <a:srgbClr val="000000"/>
                 </a:solidFill>
@@ -14234,6 +14234,58 @@
               </a:rPr>
               <a:t>Review/Discussion</a:t>
             </a:r>
+          </a:p>
+          <a:p>
+            <a:pPr eaLnBrk="1" hangingPunct="1">
+              <a:spcBef>
+                <a:spcPts val="800"/>
+              </a:spcBef>
+              <a:buFont typeface="Times New Roman" panose="02020603050405020304" pitchFamily="18" charset="0"/>
+              <a:buBlip>
+                <a:blip r:embed="rId3"/>
+              </a:buBlip>
+            </a:pPr>
+            <a:endParaRPr lang="en-US" altLang="en-US" sz="3200" dirty="0">
+              <a:solidFill>
+                <a:srgbClr val="000000"/>
+              </a:solidFill>
+              <a:latin typeface="Arial" panose="020B0604020202020204" pitchFamily="34" charset="0"/>
+            </a:endParaRPr>
+          </a:p>
+          <a:p>
+            <a:pPr marL="0" indent="0" eaLnBrk="1" hangingPunct="1">
+              <a:spcBef>
+                <a:spcPts val="800"/>
+              </a:spcBef>
+            </a:pPr>
+            <a:r>
+              <a:rPr lang="en-GB" smtClean="0">
+                <a:solidFill>
+                  <a:schemeClr val="tx1">
+                    <a:lumMod val="75000"/>
+                  </a:schemeClr>
+                </a:solidFill>
+              </a:rPr>
+              <a:t>Example: http</a:t>
+            </a:r>
+            <a:r>
+              <a:rPr lang="en-GB" dirty="0">
+                <a:solidFill>
+                  <a:schemeClr val="tx1">
+                    <a:lumMod val="75000"/>
+                  </a:schemeClr>
+                </a:solidFill>
+              </a:rPr>
+              <a:t>://www.schillmania.com/projects/snowstorm/</a:t>
+            </a:r>
+            <a:endParaRPr lang="en-US" altLang="en-US" dirty="0">
+              <a:solidFill>
+                <a:schemeClr val="tx1">
+                  <a:lumMod val="75000"/>
+                </a:schemeClr>
+              </a:solidFill>
+              <a:latin typeface="Arial" panose="020B0604020202020204" pitchFamily="34" charset="0"/>
+            </a:endParaRPr>
           </a:p>
         </p:txBody>
       </p:sp>
@@ -18848,7 +18900,7 @@
           <a:blip r:embed="rId2" cstate="print">
             <a:extLst>
               <a:ext uri="{28A0092B-C50C-407E-A947-70E740481C1C}">
-                <a14:useLocalDpi xmlns="" xmlns:a14="http://schemas.microsoft.com/office/drawing/2010/main" val="0"/>
+                <a14:useLocalDpi xmlns:a14="http://schemas.microsoft.com/office/drawing/2010/main" xmlns="" val="0"/>
               </a:ext>
             </a:extLst>
           </a:blip>
@@ -18871,14 +18923,14 @@
           </a:ln>
           <a:extLst>
             <a:ext uri="{909E8E84-426E-40DD-AFC4-6F175D3DCCD1}">
-              <a14:hiddenFill xmlns="" xmlns:a14="http://schemas.microsoft.com/office/drawing/2010/main">
+              <a14:hiddenFill xmlns:a14="http://schemas.microsoft.com/office/drawing/2010/main" xmlns="">
                 <a:solidFill>
                   <a:srgbClr val="FFFFFF"/>
                 </a:solidFill>
               </a14:hiddenFill>
             </a:ext>
             <a:ext uri="{91240B29-F687-4F45-9708-019B960494DF}">
-              <a14:hiddenLine xmlns="" xmlns:a14="http://schemas.microsoft.com/office/drawing/2010/main" w="9525">
+              <a14:hiddenLine xmlns:a14="http://schemas.microsoft.com/office/drawing/2010/main" xmlns="" w="9525">
                 <a:solidFill>
                   <a:srgbClr val="000000"/>
                 </a:solidFill>
@@ -19074,7 +19126,6 @@
               <a:rPr lang="en-US" sz="2200" dirty="0" smtClean="0"/>
               <a:t>Inside CSS Script, ...&lt;!--  --&gt;</a:t>
             </a:r>
-            <a:endParaRPr lang="en-US" sz="2200" dirty="0" smtClean="0"/>
           </a:p>
           <a:p>
             <a:pPr>
@@ -19481,7 +19532,7 @@
           <a:blip r:embed="rId3" cstate="print">
             <a:extLst>
               <a:ext uri="{28A0092B-C50C-407E-A947-70E740481C1C}">
-                <a14:useLocalDpi xmlns="" xmlns:a14="http://schemas.microsoft.com/office/drawing/2010/main" val="0"/>
+                <a14:useLocalDpi xmlns:a14="http://schemas.microsoft.com/office/drawing/2010/main" xmlns="" val="0"/>
               </a:ext>
             </a:extLst>
           </a:blip>
@@ -19504,14 +19555,14 @@
           </a:ln>
           <a:extLst>
             <a:ext uri="{909E8E84-426E-40DD-AFC4-6F175D3DCCD1}">
-              <a14:hiddenFill xmlns="" xmlns:a14="http://schemas.microsoft.com/office/drawing/2010/main">
+              <a14:hiddenFill xmlns:a14="http://schemas.microsoft.com/office/drawing/2010/main" xmlns="">
                 <a:solidFill>
                   <a:srgbClr val="FFFFFF"/>
                 </a:solidFill>
               </a14:hiddenFill>
             </a:ext>
             <a:ext uri="{91240B29-F687-4F45-9708-019B960494DF}">
-              <a14:hiddenLine xmlns="" xmlns:a14="http://schemas.microsoft.com/office/drawing/2010/main" w="9525">
+              <a14:hiddenLine xmlns:a14="http://schemas.microsoft.com/office/drawing/2010/main" xmlns="" w="9525">
                 <a:solidFill>
                   <a:srgbClr val="000000"/>
                 </a:solidFill>

--- a/WAD/lectures/090--Introduction.to.Javascript.pptx
+++ b/WAD/lectures/090--Introduction.to.Javascript.pptx
@@ -183,7 +183,7 @@
   </p:defaultTextStyle>
   <p:extLst>
     <p:ext uri="{EFAFB233-063F-42B5-8137-9DF3F51BA10A}">
-      <p15:sldGuideLst xmlns:p15="http://schemas.microsoft.com/office/powerpoint/2012/main" xmlns="">
+      <p15:sldGuideLst xmlns="" xmlns:p15="http://schemas.microsoft.com/office/powerpoint/2012/main">
         <p15:guide id="1" orient="horz" pos="2160">
           <p15:clr>
             <a:srgbClr val="A4A3A4"/>
@@ -342,7 +342,7 @@
           </a:ln>
           <a:extLst>
             <a:ext uri="{909E8E84-426E-40DD-AFC4-6F175D3DCCD1}">
-              <a14:hiddenFill xmlns:a14="http://schemas.microsoft.com/office/drawing/2010/main" xmlns="">
+              <a14:hiddenFill xmlns="" xmlns:a14="http://schemas.microsoft.com/office/drawing/2010/main">
                 <a:solidFill>
                   <a:srgbClr val="FFFFFF"/>
                 </a:solidFill>
@@ -513,7 +513,7 @@
     </p:spTree>
     <p:extLst>
       <p:ext uri="{BB962C8B-B14F-4D97-AF65-F5344CB8AC3E}">
-        <p14:creationId xmlns:p14="http://schemas.microsoft.com/office/powerpoint/2010/main" xmlns="" val="2395374056"/>
+        <p14:creationId xmlns="" xmlns:p14="http://schemas.microsoft.com/office/powerpoint/2010/main" val="2395374056"/>
       </p:ext>
     </p:extLst>
   </p:cSld>
@@ -682,14 +682,14 @@
           <a:noFill/>
           <a:extLst>
             <a:ext uri="{909E8E84-426E-40DD-AFC4-6F175D3DCCD1}">
-              <a14:hiddenFill xmlns:a14="http://schemas.microsoft.com/office/drawing/2010/main" xmlns="">
+              <a14:hiddenFill xmlns="" xmlns:a14="http://schemas.microsoft.com/office/drawing/2010/main">
                 <a:solidFill>
                   <a:srgbClr val="FFFFFF"/>
                 </a:solidFill>
               </a14:hiddenFill>
             </a:ext>
             <a:ext uri="{91240B29-F687-4F45-9708-019B960494DF}">
-              <a14:hiddenLine xmlns:a14="http://schemas.microsoft.com/office/drawing/2010/main" xmlns="" w="9525">
+              <a14:hiddenLine xmlns="" xmlns:a14="http://schemas.microsoft.com/office/drawing/2010/main" w="9525">
                 <a:solidFill>
                   <a:srgbClr val="000000"/>
                 </a:solidFill>
@@ -841,14 +841,14 @@
           <a:noFill/>
           <a:extLst>
             <a:ext uri="{909E8E84-426E-40DD-AFC4-6F175D3DCCD1}">
-              <a14:hiddenFill xmlns:a14="http://schemas.microsoft.com/office/drawing/2010/main" xmlns="">
+              <a14:hiddenFill xmlns="" xmlns:a14="http://schemas.microsoft.com/office/drawing/2010/main">
                 <a:solidFill>
                   <a:srgbClr val="FFFFFF"/>
                 </a:solidFill>
               </a14:hiddenFill>
             </a:ext>
             <a:ext uri="{91240B29-F687-4F45-9708-019B960494DF}">
-              <a14:hiddenLine xmlns:a14="http://schemas.microsoft.com/office/drawing/2010/main" xmlns="" w="9525" cap="flat">
+              <a14:hiddenLine xmlns="" xmlns:a14="http://schemas.microsoft.com/office/drawing/2010/main" w="9525" cap="flat">
                 <a:solidFill>
                   <a:srgbClr val="000000"/>
                 </a:solidFill>
@@ -870,7 +870,7 @@
     </p:spTree>
     <p:extLst>
       <p:ext uri="{BB962C8B-B14F-4D97-AF65-F5344CB8AC3E}">
-        <p14:creationId xmlns:p14="http://schemas.microsoft.com/office/powerpoint/2010/main" xmlns="" val="388511515"/>
+        <p14:creationId xmlns="" xmlns:p14="http://schemas.microsoft.com/office/powerpoint/2010/main" val="388511515"/>
       </p:ext>
     </p:extLst>
   </p:cSld>
@@ -919,14 +919,14 @@
           <a:noFill/>
           <a:extLst>
             <a:ext uri="{909E8E84-426E-40DD-AFC4-6F175D3DCCD1}">
-              <a14:hiddenFill xmlns:a14="http://schemas.microsoft.com/office/drawing/2010/main" xmlns="">
+              <a14:hiddenFill xmlns="" xmlns:a14="http://schemas.microsoft.com/office/drawing/2010/main">
                 <a:solidFill>
                   <a:srgbClr val="FFFFFF"/>
                 </a:solidFill>
               </a14:hiddenFill>
             </a:ext>
             <a:ext uri="{91240B29-F687-4F45-9708-019B960494DF}">
-              <a14:hiddenLine xmlns:a14="http://schemas.microsoft.com/office/drawing/2010/main" xmlns="" w="9525">
+              <a14:hiddenLine xmlns="" xmlns:a14="http://schemas.microsoft.com/office/drawing/2010/main" w="9525">
                 <a:solidFill>
                   <a:srgbClr val="000000"/>
                 </a:solidFill>
@@ -1078,14 +1078,14 @@
           <a:noFill/>
           <a:extLst>
             <a:ext uri="{909E8E84-426E-40DD-AFC4-6F175D3DCCD1}">
-              <a14:hiddenFill xmlns:a14="http://schemas.microsoft.com/office/drawing/2010/main" xmlns="">
+              <a14:hiddenFill xmlns="" xmlns:a14="http://schemas.microsoft.com/office/drawing/2010/main">
                 <a:solidFill>
                   <a:srgbClr val="FFFFFF"/>
                 </a:solidFill>
               </a14:hiddenFill>
             </a:ext>
             <a:ext uri="{91240B29-F687-4F45-9708-019B960494DF}">
-              <a14:hiddenLine xmlns:a14="http://schemas.microsoft.com/office/drawing/2010/main" xmlns="" w="9525" cap="flat">
+              <a14:hiddenLine xmlns="" xmlns:a14="http://schemas.microsoft.com/office/drawing/2010/main" w="9525" cap="flat">
                 <a:solidFill>
                   <a:srgbClr val="000000"/>
                 </a:solidFill>
@@ -1107,7 +1107,7 @@
     </p:spTree>
     <p:extLst>
       <p:ext uri="{BB962C8B-B14F-4D97-AF65-F5344CB8AC3E}">
-        <p14:creationId xmlns:p14="http://schemas.microsoft.com/office/powerpoint/2010/main" xmlns="" val="1514107799"/>
+        <p14:creationId xmlns="" xmlns:p14="http://schemas.microsoft.com/office/powerpoint/2010/main" val="1514107799"/>
       </p:ext>
     </p:extLst>
   </p:cSld>
@@ -1156,14 +1156,14 @@
           <a:noFill/>
           <a:extLst>
             <a:ext uri="{909E8E84-426E-40DD-AFC4-6F175D3DCCD1}">
-              <a14:hiddenFill xmlns:a14="http://schemas.microsoft.com/office/drawing/2010/main" xmlns="">
+              <a14:hiddenFill xmlns="" xmlns:a14="http://schemas.microsoft.com/office/drawing/2010/main">
                 <a:solidFill>
                   <a:srgbClr val="FFFFFF"/>
                 </a:solidFill>
               </a14:hiddenFill>
             </a:ext>
             <a:ext uri="{91240B29-F687-4F45-9708-019B960494DF}">
-              <a14:hiddenLine xmlns:a14="http://schemas.microsoft.com/office/drawing/2010/main" xmlns="" w="9525">
+              <a14:hiddenLine xmlns="" xmlns:a14="http://schemas.microsoft.com/office/drawing/2010/main" w="9525">
                 <a:solidFill>
                   <a:srgbClr val="000000"/>
                 </a:solidFill>
@@ -1315,14 +1315,14 @@
           <a:noFill/>
           <a:extLst>
             <a:ext uri="{909E8E84-426E-40DD-AFC4-6F175D3DCCD1}">
-              <a14:hiddenFill xmlns:a14="http://schemas.microsoft.com/office/drawing/2010/main" xmlns="">
+              <a14:hiddenFill xmlns="" xmlns:a14="http://schemas.microsoft.com/office/drawing/2010/main">
                 <a:solidFill>
                   <a:srgbClr val="FFFFFF"/>
                 </a:solidFill>
               </a14:hiddenFill>
             </a:ext>
             <a:ext uri="{91240B29-F687-4F45-9708-019B960494DF}">
-              <a14:hiddenLine xmlns:a14="http://schemas.microsoft.com/office/drawing/2010/main" xmlns="" w="9525" cap="flat">
+              <a14:hiddenLine xmlns="" xmlns:a14="http://schemas.microsoft.com/office/drawing/2010/main" w="9525" cap="flat">
                 <a:solidFill>
                   <a:srgbClr val="000000"/>
                 </a:solidFill>
@@ -1344,7 +1344,7 @@
     </p:spTree>
     <p:extLst>
       <p:ext uri="{BB962C8B-B14F-4D97-AF65-F5344CB8AC3E}">
-        <p14:creationId xmlns:p14="http://schemas.microsoft.com/office/powerpoint/2010/main" xmlns="" val="4234850671"/>
+        <p14:creationId xmlns="" xmlns:p14="http://schemas.microsoft.com/office/powerpoint/2010/main" val="4234850671"/>
       </p:ext>
     </p:extLst>
   </p:cSld>
@@ -1393,14 +1393,14 @@
           <a:noFill/>
           <a:extLst>
             <a:ext uri="{909E8E84-426E-40DD-AFC4-6F175D3DCCD1}">
-              <a14:hiddenFill xmlns:a14="http://schemas.microsoft.com/office/drawing/2010/main" xmlns="">
+              <a14:hiddenFill xmlns="" xmlns:a14="http://schemas.microsoft.com/office/drawing/2010/main">
                 <a:solidFill>
                   <a:srgbClr val="FFFFFF"/>
                 </a:solidFill>
               </a14:hiddenFill>
             </a:ext>
             <a:ext uri="{91240B29-F687-4F45-9708-019B960494DF}">
-              <a14:hiddenLine xmlns:a14="http://schemas.microsoft.com/office/drawing/2010/main" xmlns="" w="9525">
+              <a14:hiddenLine xmlns="" xmlns:a14="http://schemas.microsoft.com/office/drawing/2010/main" w="9525">
                 <a:solidFill>
                   <a:srgbClr val="000000"/>
                 </a:solidFill>
@@ -1552,14 +1552,14 @@
           <a:noFill/>
           <a:extLst>
             <a:ext uri="{909E8E84-426E-40DD-AFC4-6F175D3DCCD1}">
-              <a14:hiddenFill xmlns:a14="http://schemas.microsoft.com/office/drawing/2010/main" xmlns="">
+              <a14:hiddenFill xmlns="" xmlns:a14="http://schemas.microsoft.com/office/drawing/2010/main">
                 <a:solidFill>
                   <a:srgbClr val="FFFFFF"/>
                 </a:solidFill>
               </a14:hiddenFill>
             </a:ext>
             <a:ext uri="{91240B29-F687-4F45-9708-019B960494DF}">
-              <a14:hiddenLine xmlns:a14="http://schemas.microsoft.com/office/drawing/2010/main" xmlns="" w="9525" cap="flat">
+              <a14:hiddenLine xmlns="" xmlns:a14="http://schemas.microsoft.com/office/drawing/2010/main" w="9525" cap="flat">
                 <a:solidFill>
                   <a:srgbClr val="000000"/>
                 </a:solidFill>
@@ -1581,7 +1581,7 @@
     </p:spTree>
     <p:extLst>
       <p:ext uri="{BB962C8B-B14F-4D97-AF65-F5344CB8AC3E}">
-        <p14:creationId xmlns:p14="http://schemas.microsoft.com/office/powerpoint/2010/main" xmlns="" val="1478532010"/>
+        <p14:creationId xmlns="" xmlns:p14="http://schemas.microsoft.com/office/powerpoint/2010/main" val="1478532010"/>
       </p:ext>
     </p:extLst>
   </p:cSld>
@@ -1630,14 +1630,14 @@
           <a:noFill/>
           <a:extLst>
             <a:ext uri="{909E8E84-426E-40DD-AFC4-6F175D3DCCD1}">
-              <a14:hiddenFill xmlns:a14="http://schemas.microsoft.com/office/drawing/2010/main" xmlns="">
+              <a14:hiddenFill xmlns="" xmlns:a14="http://schemas.microsoft.com/office/drawing/2010/main">
                 <a:solidFill>
                   <a:srgbClr val="FFFFFF"/>
                 </a:solidFill>
               </a14:hiddenFill>
             </a:ext>
             <a:ext uri="{91240B29-F687-4F45-9708-019B960494DF}">
-              <a14:hiddenLine xmlns:a14="http://schemas.microsoft.com/office/drawing/2010/main" xmlns="" w="9525">
+              <a14:hiddenLine xmlns="" xmlns:a14="http://schemas.microsoft.com/office/drawing/2010/main" w="9525">
                 <a:solidFill>
                   <a:srgbClr val="000000"/>
                 </a:solidFill>
@@ -1789,14 +1789,14 @@
           <a:noFill/>
           <a:extLst>
             <a:ext uri="{909E8E84-426E-40DD-AFC4-6F175D3DCCD1}">
-              <a14:hiddenFill xmlns:a14="http://schemas.microsoft.com/office/drawing/2010/main" xmlns="">
+              <a14:hiddenFill xmlns="" xmlns:a14="http://schemas.microsoft.com/office/drawing/2010/main">
                 <a:solidFill>
                   <a:srgbClr val="FFFFFF"/>
                 </a:solidFill>
               </a14:hiddenFill>
             </a:ext>
             <a:ext uri="{91240B29-F687-4F45-9708-019B960494DF}">
-              <a14:hiddenLine xmlns:a14="http://schemas.microsoft.com/office/drawing/2010/main" xmlns="" w="9525" cap="flat">
+              <a14:hiddenLine xmlns="" xmlns:a14="http://schemas.microsoft.com/office/drawing/2010/main" w="9525" cap="flat">
                 <a:solidFill>
                   <a:srgbClr val="000000"/>
                 </a:solidFill>
@@ -1818,7 +1818,7 @@
     </p:spTree>
     <p:extLst>
       <p:ext uri="{BB962C8B-B14F-4D97-AF65-F5344CB8AC3E}">
-        <p14:creationId xmlns:p14="http://schemas.microsoft.com/office/powerpoint/2010/main" xmlns="" val="3803582813"/>
+        <p14:creationId xmlns="" xmlns:p14="http://schemas.microsoft.com/office/powerpoint/2010/main" val="3803582813"/>
       </p:ext>
     </p:extLst>
   </p:cSld>
@@ -1867,14 +1867,14 @@
           <a:noFill/>
           <a:extLst>
             <a:ext uri="{909E8E84-426E-40DD-AFC4-6F175D3DCCD1}">
-              <a14:hiddenFill xmlns:a14="http://schemas.microsoft.com/office/drawing/2010/main" xmlns="">
+              <a14:hiddenFill xmlns="" xmlns:a14="http://schemas.microsoft.com/office/drawing/2010/main">
                 <a:solidFill>
                   <a:srgbClr val="FFFFFF"/>
                 </a:solidFill>
               </a14:hiddenFill>
             </a:ext>
             <a:ext uri="{91240B29-F687-4F45-9708-019B960494DF}">
-              <a14:hiddenLine xmlns:a14="http://schemas.microsoft.com/office/drawing/2010/main" xmlns="" w="9525">
+              <a14:hiddenLine xmlns="" xmlns:a14="http://schemas.microsoft.com/office/drawing/2010/main" w="9525">
                 <a:solidFill>
                   <a:srgbClr val="000000"/>
                 </a:solidFill>
@@ -2026,14 +2026,14 @@
           <a:noFill/>
           <a:extLst>
             <a:ext uri="{909E8E84-426E-40DD-AFC4-6F175D3DCCD1}">
-              <a14:hiddenFill xmlns:a14="http://schemas.microsoft.com/office/drawing/2010/main" xmlns="">
+              <a14:hiddenFill xmlns="" xmlns:a14="http://schemas.microsoft.com/office/drawing/2010/main">
                 <a:solidFill>
                   <a:srgbClr val="FFFFFF"/>
                 </a:solidFill>
               </a14:hiddenFill>
             </a:ext>
             <a:ext uri="{91240B29-F687-4F45-9708-019B960494DF}">
-              <a14:hiddenLine xmlns:a14="http://schemas.microsoft.com/office/drawing/2010/main" xmlns="" w="9525" cap="flat">
+              <a14:hiddenLine xmlns="" xmlns:a14="http://schemas.microsoft.com/office/drawing/2010/main" w="9525" cap="flat">
                 <a:solidFill>
                   <a:srgbClr val="000000"/>
                 </a:solidFill>
@@ -2055,7 +2055,7 @@
     </p:spTree>
     <p:extLst>
       <p:ext uri="{BB962C8B-B14F-4D97-AF65-F5344CB8AC3E}">
-        <p14:creationId xmlns:p14="http://schemas.microsoft.com/office/powerpoint/2010/main" xmlns="" val="1094099529"/>
+        <p14:creationId xmlns="" xmlns:p14="http://schemas.microsoft.com/office/powerpoint/2010/main" val="1094099529"/>
       </p:ext>
     </p:extLst>
   </p:cSld>
@@ -2104,14 +2104,14 @@
           <a:noFill/>
           <a:extLst>
             <a:ext uri="{909E8E84-426E-40DD-AFC4-6F175D3DCCD1}">
-              <a14:hiddenFill xmlns:a14="http://schemas.microsoft.com/office/drawing/2010/main" xmlns="">
+              <a14:hiddenFill xmlns="" xmlns:a14="http://schemas.microsoft.com/office/drawing/2010/main">
                 <a:solidFill>
                   <a:srgbClr val="FFFFFF"/>
                 </a:solidFill>
               </a14:hiddenFill>
             </a:ext>
             <a:ext uri="{91240B29-F687-4F45-9708-019B960494DF}">
-              <a14:hiddenLine xmlns:a14="http://schemas.microsoft.com/office/drawing/2010/main" xmlns="" w="9525">
+              <a14:hiddenLine xmlns="" xmlns:a14="http://schemas.microsoft.com/office/drawing/2010/main" w="9525">
                 <a:solidFill>
                   <a:srgbClr val="000000"/>
                 </a:solidFill>
@@ -2263,14 +2263,14 @@
           <a:noFill/>
           <a:extLst>
             <a:ext uri="{909E8E84-426E-40DD-AFC4-6F175D3DCCD1}">
-              <a14:hiddenFill xmlns:a14="http://schemas.microsoft.com/office/drawing/2010/main" xmlns="">
+              <a14:hiddenFill xmlns="" xmlns:a14="http://schemas.microsoft.com/office/drawing/2010/main">
                 <a:solidFill>
                   <a:srgbClr val="FFFFFF"/>
                 </a:solidFill>
               </a14:hiddenFill>
             </a:ext>
             <a:ext uri="{91240B29-F687-4F45-9708-019B960494DF}">
-              <a14:hiddenLine xmlns:a14="http://schemas.microsoft.com/office/drawing/2010/main" xmlns="" w="9525" cap="flat">
+              <a14:hiddenLine xmlns="" xmlns:a14="http://schemas.microsoft.com/office/drawing/2010/main" w="9525" cap="flat">
                 <a:solidFill>
                   <a:srgbClr val="000000"/>
                 </a:solidFill>
@@ -2292,7 +2292,7 @@
     </p:spTree>
     <p:extLst>
       <p:ext uri="{BB962C8B-B14F-4D97-AF65-F5344CB8AC3E}">
-        <p14:creationId xmlns:p14="http://schemas.microsoft.com/office/powerpoint/2010/main" xmlns="" val="2993695088"/>
+        <p14:creationId xmlns="" xmlns:p14="http://schemas.microsoft.com/office/powerpoint/2010/main" val="2993695088"/>
       </p:ext>
     </p:extLst>
   </p:cSld>
@@ -2341,14 +2341,14 @@
           <a:noFill/>
           <a:extLst>
             <a:ext uri="{909E8E84-426E-40DD-AFC4-6F175D3DCCD1}">
-              <a14:hiddenFill xmlns:a14="http://schemas.microsoft.com/office/drawing/2010/main" xmlns="">
+              <a14:hiddenFill xmlns="" xmlns:a14="http://schemas.microsoft.com/office/drawing/2010/main">
                 <a:solidFill>
                   <a:srgbClr val="FFFFFF"/>
                 </a:solidFill>
               </a14:hiddenFill>
             </a:ext>
             <a:ext uri="{91240B29-F687-4F45-9708-019B960494DF}">
-              <a14:hiddenLine xmlns:a14="http://schemas.microsoft.com/office/drawing/2010/main" xmlns="" w="9525">
+              <a14:hiddenLine xmlns="" xmlns:a14="http://schemas.microsoft.com/office/drawing/2010/main" w="9525">
                 <a:solidFill>
                   <a:srgbClr val="000000"/>
                 </a:solidFill>
@@ -2500,14 +2500,14 @@
           <a:noFill/>
           <a:extLst>
             <a:ext uri="{909E8E84-426E-40DD-AFC4-6F175D3DCCD1}">
-              <a14:hiddenFill xmlns:a14="http://schemas.microsoft.com/office/drawing/2010/main" xmlns="">
+              <a14:hiddenFill xmlns="" xmlns:a14="http://schemas.microsoft.com/office/drawing/2010/main">
                 <a:solidFill>
                   <a:srgbClr val="FFFFFF"/>
                 </a:solidFill>
               </a14:hiddenFill>
             </a:ext>
             <a:ext uri="{91240B29-F687-4F45-9708-019B960494DF}">
-              <a14:hiddenLine xmlns:a14="http://schemas.microsoft.com/office/drawing/2010/main" xmlns="" w="9525" cap="flat">
+              <a14:hiddenLine xmlns="" xmlns:a14="http://schemas.microsoft.com/office/drawing/2010/main" w="9525" cap="flat">
                 <a:solidFill>
                   <a:srgbClr val="000000"/>
                 </a:solidFill>
@@ -2529,7 +2529,7 @@
     </p:spTree>
     <p:extLst>
       <p:ext uri="{BB962C8B-B14F-4D97-AF65-F5344CB8AC3E}">
-        <p14:creationId xmlns:p14="http://schemas.microsoft.com/office/powerpoint/2010/main" xmlns="" val="4145369065"/>
+        <p14:creationId xmlns="" xmlns:p14="http://schemas.microsoft.com/office/powerpoint/2010/main" val="4145369065"/>
       </p:ext>
     </p:extLst>
   </p:cSld>
@@ -2578,14 +2578,14 @@
           <a:noFill/>
           <a:extLst>
             <a:ext uri="{909E8E84-426E-40DD-AFC4-6F175D3DCCD1}">
-              <a14:hiddenFill xmlns:a14="http://schemas.microsoft.com/office/drawing/2010/main" xmlns="">
+              <a14:hiddenFill xmlns="" xmlns:a14="http://schemas.microsoft.com/office/drawing/2010/main">
                 <a:solidFill>
                   <a:srgbClr val="FFFFFF"/>
                 </a:solidFill>
               </a14:hiddenFill>
             </a:ext>
             <a:ext uri="{91240B29-F687-4F45-9708-019B960494DF}">
-              <a14:hiddenLine xmlns:a14="http://schemas.microsoft.com/office/drawing/2010/main" xmlns="" w="9525">
+              <a14:hiddenLine xmlns="" xmlns:a14="http://schemas.microsoft.com/office/drawing/2010/main" w="9525">
                 <a:solidFill>
                   <a:srgbClr val="000000"/>
                 </a:solidFill>
@@ -2737,14 +2737,14 @@
           <a:noFill/>
           <a:extLst>
             <a:ext uri="{909E8E84-426E-40DD-AFC4-6F175D3DCCD1}">
-              <a14:hiddenFill xmlns:a14="http://schemas.microsoft.com/office/drawing/2010/main" xmlns="">
+              <a14:hiddenFill xmlns="" xmlns:a14="http://schemas.microsoft.com/office/drawing/2010/main">
                 <a:solidFill>
                   <a:srgbClr val="FFFFFF"/>
                 </a:solidFill>
               </a14:hiddenFill>
             </a:ext>
             <a:ext uri="{91240B29-F687-4F45-9708-019B960494DF}">
-              <a14:hiddenLine xmlns:a14="http://schemas.microsoft.com/office/drawing/2010/main" xmlns="" w="9525" cap="flat">
+              <a14:hiddenLine xmlns="" xmlns:a14="http://schemas.microsoft.com/office/drawing/2010/main" w="9525" cap="flat">
                 <a:solidFill>
                   <a:srgbClr val="000000"/>
                 </a:solidFill>
@@ -2766,7 +2766,7 @@
     </p:spTree>
     <p:extLst>
       <p:ext uri="{BB962C8B-B14F-4D97-AF65-F5344CB8AC3E}">
-        <p14:creationId xmlns:p14="http://schemas.microsoft.com/office/powerpoint/2010/main" xmlns="" val="2556465596"/>
+        <p14:creationId xmlns="" xmlns:p14="http://schemas.microsoft.com/office/powerpoint/2010/main" val="2556465596"/>
       </p:ext>
     </p:extLst>
   </p:cSld>
@@ -2815,14 +2815,14 @@
           <a:noFill/>
           <a:extLst>
             <a:ext uri="{909E8E84-426E-40DD-AFC4-6F175D3DCCD1}">
-              <a14:hiddenFill xmlns:a14="http://schemas.microsoft.com/office/drawing/2010/main" xmlns="">
+              <a14:hiddenFill xmlns="" xmlns:a14="http://schemas.microsoft.com/office/drawing/2010/main">
                 <a:solidFill>
                   <a:srgbClr val="FFFFFF"/>
                 </a:solidFill>
               </a14:hiddenFill>
             </a:ext>
             <a:ext uri="{91240B29-F687-4F45-9708-019B960494DF}">
-              <a14:hiddenLine xmlns:a14="http://schemas.microsoft.com/office/drawing/2010/main" xmlns="" w="9525">
+              <a14:hiddenLine xmlns="" xmlns:a14="http://schemas.microsoft.com/office/drawing/2010/main" w="9525">
                 <a:solidFill>
                   <a:srgbClr val="000000"/>
                 </a:solidFill>
@@ -2974,14 +2974,14 @@
           <a:noFill/>
           <a:extLst>
             <a:ext uri="{909E8E84-426E-40DD-AFC4-6F175D3DCCD1}">
-              <a14:hiddenFill xmlns:a14="http://schemas.microsoft.com/office/drawing/2010/main" xmlns="">
+              <a14:hiddenFill xmlns="" xmlns:a14="http://schemas.microsoft.com/office/drawing/2010/main">
                 <a:solidFill>
                   <a:srgbClr val="FFFFFF"/>
                 </a:solidFill>
               </a14:hiddenFill>
             </a:ext>
             <a:ext uri="{91240B29-F687-4F45-9708-019B960494DF}">
-              <a14:hiddenLine xmlns:a14="http://schemas.microsoft.com/office/drawing/2010/main" xmlns="" w="9525" cap="flat">
+              <a14:hiddenLine xmlns="" xmlns:a14="http://schemas.microsoft.com/office/drawing/2010/main" w="9525" cap="flat">
                 <a:solidFill>
                   <a:srgbClr val="000000"/>
                 </a:solidFill>
@@ -3003,7 +3003,7 @@
     </p:spTree>
     <p:extLst>
       <p:ext uri="{BB962C8B-B14F-4D97-AF65-F5344CB8AC3E}">
-        <p14:creationId xmlns:p14="http://schemas.microsoft.com/office/powerpoint/2010/main" xmlns="" val="706177337"/>
+        <p14:creationId xmlns="" xmlns:p14="http://schemas.microsoft.com/office/powerpoint/2010/main" val="706177337"/>
       </p:ext>
     </p:extLst>
   </p:cSld>
@@ -3052,14 +3052,14 @@
           <a:noFill/>
           <a:extLst>
             <a:ext uri="{909E8E84-426E-40DD-AFC4-6F175D3DCCD1}">
-              <a14:hiddenFill xmlns:a14="http://schemas.microsoft.com/office/drawing/2010/main" xmlns="">
+              <a14:hiddenFill xmlns="" xmlns:a14="http://schemas.microsoft.com/office/drawing/2010/main">
                 <a:solidFill>
                   <a:srgbClr val="FFFFFF"/>
                 </a:solidFill>
               </a14:hiddenFill>
             </a:ext>
             <a:ext uri="{91240B29-F687-4F45-9708-019B960494DF}">
-              <a14:hiddenLine xmlns:a14="http://schemas.microsoft.com/office/drawing/2010/main" xmlns="" w="9525">
+              <a14:hiddenLine xmlns="" xmlns:a14="http://schemas.microsoft.com/office/drawing/2010/main" w="9525">
                 <a:solidFill>
                   <a:srgbClr val="000000"/>
                 </a:solidFill>
@@ -3211,14 +3211,14 @@
           <a:noFill/>
           <a:extLst>
             <a:ext uri="{909E8E84-426E-40DD-AFC4-6F175D3DCCD1}">
-              <a14:hiddenFill xmlns:a14="http://schemas.microsoft.com/office/drawing/2010/main" xmlns="">
+              <a14:hiddenFill xmlns="" xmlns:a14="http://schemas.microsoft.com/office/drawing/2010/main">
                 <a:solidFill>
                   <a:srgbClr val="FFFFFF"/>
                 </a:solidFill>
               </a14:hiddenFill>
             </a:ext>
             <a:ext uri="{91240B29-F687-4F45-9708-019B960494DF}">
-              <a14:hiddenLine xmlns:a14="http://schemas.microsoft.com/office/drawing/2010/main" xmlns="" w="9525" cap="flat">
+              <a14:hiddenLine xmlns="" xmlns:a14="http://schemas.microsoft.com/office/drawing/2010/main" w="9525" cap="flat">
                 <a:solidFill>
                   <a:srgbClr val="000000"/>
                 </a:solidFill>
@@ -3240,7 +3240,7 @@
     </p:spTree>
     <p:extLst>
       <p:ext uri="{BB962C8B-B14F-4D97-AF65-F5344CB8AC3E}">
-        <p14:creationId xmlns:p14="http://schemas.microsoft.com/office/powerpoint/2010/main" xmlns="" val="2328323395"/>
+        <p14:creationId xmlns="" xmlns:p14="http://schemas.microsoft.com/office/powerpoint/2010/main" val="2328323395"/>
       </p:ext>
     </p:extLst>
   </p:cSld>
@@ -3289,14 +3289,14 @@
           <a:noFill/>
           <a:extLst>
             <a:ext uri="{909E8E84-426E-40DD-AFC4-6F175D3DCCD1}">
-              <a14:hiddenFill xmlns:a14="http://schemas.microsoft.com/office/drawing/2010/main" xmlns="">
+              <a14:hiddenFill xmlns="" xmlns:a14="http://schemas.microsoft.com/office/drawing/2010/main">
                 <a:solidFill>
                   <a:srgbClr val="FFFFFF"/>
                 </a:solidFill>
               </a14:hiddenFill>
             </a:ext>
             <a:ext uri="{91240B29-F687-4F45-9708-019B960494DF}">
-              <a14:hiddenLine xmlns:a14="http://schemas.microsoft.com/office/drawing/2010/main" xmlns="" w="9525">
+              <a14:hiddenLine xmlns="" xmlns:a14="http://schemas.microsoft.com/office/drawing/2010/main" w="9525">
                 <a:solidFill>
                   <a:srgbClr val="000000"/>
                 </a:solidFill>
@@ -3456,14 +3456,14 @@
           <a:noFill/>
           <a:extLst>
             <a:ext uri="{909E8E84-426E-40DD-AFC4-6F175D3DCCD1}">
-              <a14:hiddenFill xmlns:a14="http://schemas.microsoft.com/office/drawing/2010/main" xmlns="">
+              <a14:hiddenFill xmlns="" xmlns:a14="http://schemas.microsoft.com/office/drawing/2010/main">
                 <a:solidFill>
                   <a:srgbClr val="FFFFFF"/>
                 </a:solidFill>
               </a14:hiddenFill>
             </a:ext>
             <a:ext uri="{91240B29-F687-4F45-9708-019B960494DF}">
-              <a14:hiddenLine xmlns:a14="http://schemas.microsoft.com/office/drawing/2010/main" xmlns="" w="9525" cap="flat">
+              <a14:hiddenLine xmlns="" xmlns:a14="http://schemas.microsoft.com/office/drawing/2010/main" w="9525" cap="flat">
                 <a:solidFill>
                   <a:srgbClr val="000000"/>
                 </a:solidFill>
@@ -3485,7 +3485,7 @@
     </p:spTree>
     <p:extLst>
       <p:ext uri="{BB962C8B-B14F-4D97-AF65-F5344CB8AC3E}">
-        <p14:creationId xmlns:p14="http://schemas.microsoft.com/office/powerpoint/2010/main" xmlns="" val="567212851"/>
+        <p14:creationId xmlns="" xmlns:p14="http://schemas.microsoft.com/office/powerpoint/2010/main" val="567212851"/>
       </p:ext>
     </p:extLst>
   </p:cSld>
@@ -3534,14 +3534,14 @@
           <a:noFill/>
           <a:extLst>
             <a:ext uri="{909E8E84-426E-40DD-AFC4-6F175D3DCCD1}">
-              <a14:hiddenFill xmlns:a14="http://schemas.microsoft.com/office/drawing/2010/main" xmlns="">
+              <a14:hiddenFill xmlns="" xmlns:a14="http://schemas.microsoft.com/office/drawing/2010/main">
                 <a:solidFill>
                   <a:srgbClr val="FFFFFF"/>
                 </a:solidFill>
               </a14:hiddenFill>
             </a:ext>
             <a:ext uri="{91240B29-F687-4F45-9708-019B960494DF}">
-              <a14:hiddenLine xmlns:a14="http://schemas.microsoft.com/office/drawing/2010/main" xmlns="" w="9525">
+              <a14:hiddenLine xmlns="" xmlns:a14="http://schemas.microsoft.com/office/drawing/2010/main" w="9525">
                 <a:solidFill>
                   <a:srgbClr val="000000"/>
                 </a:solidFill>
@@ -3693,14 +3693,14 @@
           <a:noFill/>
           <a:extLst>
             <a:ext uri="{909E8E84-426E-40DD-AFC4-6F175D3DCCD1}">
-              <a14:hiddenFill xmlns:a14="http://schemas.microsoft.com/office/drawing/2010/main" xmlns="">
+              <a14:hiddenFill xmlns="" xmlns:a14="http://schemas.microsoft.com/office/drawing/2010/main">
                 <a:solidFill>
                   <a:srgbClr val="FFFFFF"/>
                 </a:solidFill>
               </a14:hiddenFill>
             </a:ext>
             <a:ext uri="{91240B29-F687-4F45-9708-019B960494DF}">
-              <a14:hiddenLine xmlns:a14="http://schemas.microsoft.com/office/drawing/2010/main" xmlns="" w="9525" cap="flat">
+              <a14:hiddenLine xmlns="" xmlns:a14="http://schemas.microsoft.com/office/drawing/2010/main" w="9525" cap="flat">
                 <a:solidFill>
                   <a:srgbClr val="000000"/>
                 </a:solidFill>
@@ -3722,7 +3722,7 @@
     </p:spTree>
     <p:extLst>
       <p:ext uri="{BB962C8B-B14F-4D97-AF65-F5344CB8AC3E}">
-        <p14:creationId xmlns:p14="http://schemas.microsoft.com/office/powerpoint/2010/main" xmlns="" val="1727569112"/>
+        <p14:creationId xmlns="" xmlns:p14="http://schemas.microsoft.com/office/powerpoint/2010/main" val="1727569112"/>
       </p:ext>
     </p:extLst>
   </p:cSld>
@@ -3771,14 +3771,14 @@
           <a:noFill/>
           <a:extLst>
             <a:ext uri="{909E8E84-426E-40DD-AFC4-6F175D3DCCD1}">
-              <a14:hiddenFill xmlns:a14="http://schemas.microsoft.com/office/drawing/2010/main" xmlns="">
+              <a14:hiddenFill xmlns="" xmlns:a14="http://schemas.microsoft.com/office/drawing/2010/main">
                 <a:solidFill>
                   <a:srgbClr val="FFFFFF"/>
                 </a:solidFill>
               </a14:hiddenFill>
             </a:ext>
             <a:ext uri="{91240B29-F687-4F45-9708-019B960494DF}">
-              <a14:hiddenLine xmlns:a14="http://schemas.microsoft.com/office/drawing/2010/main" xmlns="" w="9525">
+              <a14:hiddenLine xmlns="" xmlns:a14="http://schemas.microsoft.com/office/drawing/2010/main" w="9525">
                 <a:solidFill>
                   <a:srgbClr val="000000"/>
                 </a:solidFill>
@@ -3930,14 +3930,14 @@
           <a:noFill/>
           <a:extLst>
             <a:ext uri="{909E8E84-426E-40DD-AFC4-6F175D3DCCD1}">
-              <a14:hiddenFill xmlns:a14="http://schemas.microsoft.com/office/drawing/2010/main" xmlns="">
+              <a14:hiddenFill xmlns="" xmlns:a14="http://schemas.microsoft.com/office/drawing/2010/main">
                 <a:solidFill>
                   <a:srgbClr val="FFFFFF"/>
                 </a:solidFill>
               </a14:hiddenFill>
             </a:ext>
             <a:ext uri="{91240B29-F687-4F45-9708-019B960494DF}">
-              <a14:hiddenLine xmlns:a14="http://schemas.microsoft.com/office/drawing/2010/main" xmlns="" w="9525" cap="flat">
+              <a14:hiddenLine xmlns="" xmlns:a14="http://schemas.microsoft.com/office/drawing/2010/main" w="9525" cap="flat">
                 <a:solidFill>
                   <a:srgbClr val="000000"/>
                 </a:solidFill>
@@ -3959,7 +3959,7 @@
     </p:spTree>
     <p:extLst>
       <p:ext uri="{BB962C8B-B14F-4D97-AF65-F5344CB8AC3E}">
-        <p14:creationId xmlns:p14="http://schemas.microsoft.com/office/powerpoint/2010/main" xmlns="" val="274565703"/>
+        <p14:creationId xmlns="" xmlns:p14="http://schemas.microsoft.com/office/powerpoint/2010/main" val="274565703"/>
       </p:ext>
     </p:extLst>
   </p:cSld>
@@ -4008,14 +4008,14 @@
           <a:noFill/>
           <a:extLst>
             <a:ext uri="{909E8E84-426E-40DD-AFC4-6F175D3DCCD1}">
-              <a14:hiddenFill xmlns:a14="http://schemas.microsoft.com/office/drawing/2010/main" xmlns="">
+              <a14:hiddenFill xmlns="" xmlns:a14="http://schemas.microsoft.com/office/drawing/2010/main">
                 <a:solidFill>
                   <a:srgbClr val="FFFFFF"/>
                 </a:solidFill>
               </a14:hiddenFill>
             </a:ext>
             <a:ext uri="{91240B29-F687-4F45-9708-019B960494DF}">
-              <a14:hiddenLine xmlns:a14="http://schemas.microsoft.com/office/drawing/2010/main" xmlns="" w="9525">
+              <a14:hiddenLine xmlns="" xmlns:a14="http://schemas.microsoft.com/office/drawing/2010/main" w="9525">
                 <a:solidFill>
                   <a:srgbClr val="000000"/>
                 </a:solidFill>
@@ -4167,14 +4167,14 @@
           <a:noFill/>
           <a:extLst>
             <a:ext uri="{909E8E84-426E-40DD-AFC4-6F175D3DCCD1}">
-              <a14:hiddenFill xmlns:a14="http://schemas.microsoft.com/office/drawing/2010/main" xmlns="">
+              <a14:hiddenFill xmlns="" xmlns:a14="http://schemas.microsoft.com/office/drawing/2010/main">
                 <a:solidFill>
                   <a:srgbClr val="FFFFFF"/>
                 </a:solidFill>
               </a14:hiddenFill>
             </a:ext>
             <a:ext uri="{91240B29-F687-4F45-9708-019B960494DF}">
-              <a14:hiddenLine xmlns:a14="http://schemas.microsoft.com/office/drawing/2010/main" xmlns="" w="9525" cap="flat">
+              <a14:hiddenLine xmlns="" xmlns:a14="http://schemas.microsoft.com/office/drawing/2010/main" w="9525" cap="flat">
                 <a:solidFill>
                   <a:srgbClr val="000000"/>
                 </a:solidFill>
@@ -4196,7 +4196,7 @@
     </p:spTree>
     <p:extLst>
       <p:ext uri="{BB962C8B-B14F-4D97-AF65-F5344CB8AC3E}">
-        <p14:creationId xmlns:p14="http://schemas.microsoft.com/office/powerpoint/2010/main" xmlns="" val="3595201039"/>
+        <p14:creationId xmlns="" xmlns:p14="http://schemas.microsoft.com/office/powerpoint/2010/main" val="3595201039"/>
       </p:ext>
     </p:extLst>
   </p:cSld>
@@ -4245,14 +4245,14 @@
           <a:noFill/>
           <a:extLst>
             <a:ext uri="{909E8E84-426E-40DD-AFC4-6F175D3DCCD1}">
-              <a14:hiddenFill xmlns:a14="http://schemas.microsoft.com/office/drawing/2010/main" xmlns="">
+              <a14:hiddenFill xmlns="" xmlns:a14="http://schemas.microsoft.com/office/drawing/2010/main">
                 <a:solidFill>
                   <a:srgbClr val="FFFFFF"/>
                 </a:solidFill>
               </a14:hiddenFill>
             </a:ext>
             <a:ext uri="{91240B29-F687-4F45-9708-019B960494DF}">
-              <a14:hiddenLine xmlns:a14="http://schemas.microsoft.com/office/drawing/2010/main" xmlns="" w="9525">
+              <a14:hiddenLine xmlns="" xmlns:a14="http://schemas.microsoft.com/office/drawing/2010/main" w="9525">
                 <a:solidFill>
                   <a:srgbClr val="000000"/>
                 </a:solidFill>
@@ -4404,14 +4404,14 @@
           <a:noFill/>
           <a:extLst>
             <a:ext uri="{909E8E84-426E-40DD-AFC4-6F175D3DCCD1}">
-              <a14:hiddenFill xmlns:a14="http://schemas.microsoft.com/office/drawing/2010/main" xmlns="">
+              <a14:hiddenFill xmlns="" xmlns:a14="http://schemas.microsoft.com/office/drawing/2010/main">
                 <a:solidFill>
                   <a:srgbClr val="FFFFFF"/>
                 </a:solidFill>
               </a14:hiddenFill>
             </a:ext>
             <a:ext uri="{91240B29-F687-4F45-9708-019B960494DF}">
-              <a14:hiddenLine xmlns:a14="http://schemas.microsoft.com/office/drawing/2010/main" xmlns="" w="9525" cap="flat">
+              <a14:hiddenLine xmlns="" xmlns:a14="http://schemas.microsoft.com/office/drawing/2010/main" w="9525" cap="flat">
                 <a:solidFill>
                   <a:srgbClr val="000000"/>
                 </a:solidFill>
@@ -4433,7 +4433,7 @@
     </p:spTree>
     <p:extLst>
       <p:ext uri="{BB962C8B-B14F-4D97-AF65-F5344CB8AC3E}">
-        <p14:creationId xmlns:p14="http://schemas.microsoft.com/office/powerpoint/2010/main" xmlns="" val="964031603"/>
+        <p14:creationId xmlns="" xmlns:p14="http://schemas.microsoft.com/office/powerpoint/2010/main" val="964031603"/>
       </p:ext>
     </p:extLst>
   </p:cSld>
@@ -4482,14 +4482,14 @@
           <a:noFill/>
           <a:extLst>
             <a:ext uri="{909E8E84-426E-40DD-AFC4-6F175D3DCCD1}">
-              <a14:hiddenFill xmlns:a14="http://schemas.microsoft.com/office/drawing/2010/main" xmlns="">
+              <a14:hiddenFill xmlns="" xmlns:a14="http://schemas.microsoft.com/office/drawing/2010/main">
                 <a:solidFill>
                   <a:srgbClr val="FFFFFF"/>
                 </a:solidFill>
               </a14:hiddenFill>
             </a:ext>
             <a:ext uri="{91240B29-F687-4F45-9708-019B960494DF}">
-              <a14:hiddenLine xmlns:a14="http://schemas.microsoft.com/office/drawing/2010/main" xmlns="" w="9525">
+              <a14:hiddenLine xmlns="" xmlns:a14="http://schemas.microsoft.com/office/drawing/2010/main" w="9525">
                 <a:solidFill>
                   <a:srgbClr val="000000"/>
                 </a:solidFill>
@@ -4641,14 +4641,14 @@
           <a:noFill/>
           <a:extLst>
             <a:ext uri="{909E8E84-426E-40DD-AFC4-6F175D3DCCD1}">
-              <a14:hiddenFill xmlns:a14="http://schemas.microsoft.com/office/drawing/2010/main" xmlns="">
+              <a14:hiddenFill xmlns="" xmlns:a14="http://schemas.microsoft.com/office/drawing/2010/main">
                 <a:solidFill>
                   <a:srgbClr val="FFFFFF"/>
                 </a:solidFill>
               </a14:hiddenFill>
             </a:ext>
             <a:ext uri="{91240B29-F687-4F45-9708-019B960494DF}">
-              <a14:hiddenLine xmlns:a14="http://schemas.microsoft.com/office/drawing/2010/main" xmlns="" w="9525" cap="flat">
+              <a14:hiddenLine xmlns="" xmlns:a14="http://schemas.microsoft.com/office/drawing/2010/main" w="9525" cap="flat">
                 <a:solidFill>
                   <a:srgbClr val="000000"/>
                 </a:solidFill>
@@ -4670,7 +4670,7 @@
     </p:spTree>
     <p:extLst>
       <p:ext uri="{BB962C8B-B14F-4D97-AF65-F5344CB8AC3E}">
-        <p14:creationId xmlns:p14="http://schemas.microsoft.com/office/powerpoint/2010/main" xmlns="" val="3026785298"/>
+        <p14:creationId xmlns="" xmlns:p14="http://schemas.microsoft.com/office/powerpoint/2010/main" val="3026785298"/>
       </p:ext>
     </p:extLst>
   </p:cSld>
@@ -4797,7 +4797,7 @@
     </p:spTree>
     <p:extLst>
       <p:ext uri="{BB962C8B-B14F-4D97-AF65-F5344CB8AC3E}">
-        <p14:creationId xmlns:p14="http://schemas.microsoft.com/office/powerpoint/2010/main" xmlns="" val="4194925875"/>
+        <p14:creationId xmlns="" xmlns:p14="http://schemas.microsoft.com/office/powerpoint/2010/main" val="4194925875"/>
       </p:ext>
     </p:extLst>
   </p:cSld>
@@ -4934,7 +4934,7 @@
               <a:pPr>
                 <a:defRPr/>
               </a:pPr>
-              <a:t>11/23/2017</a:t>
+              <a:t>12/18/2017</a:t>
             </a:fld>
             <a:endParaRPr lang="en-US" altLang="en-US"/>
           </a:p>
@@ -5020,7 +5020,7 @@
     </p:spTree>
     <p:extLst>
       <p:ext uri="{BB962C8B-B14F-4D97-AF65-F5344CB8AC3E}">
-        <p14:creationId xmlns:p14="http://schemas.microsoft.com/office/powerpoint/2010/main" xmlns="" val="1741164192"/>
+        <p14:creationId xmlns="" xmlns:p14="http://schemas.microsoft.com/office/powerpoint/2010/main" val="1741164192"/>
       </p:ext>
     </p:extLst>
   </p:cSld>
@@ -5167,7 +5167,7 @@
               <a:pPr>
                 <a:defRPr/>
               </a:pPr>
-              <a:t>11/23/2017</a:t>
+              <a:t>12/18/2017</a:t>
             </a:fld>
             <a:endParaRPr lang="en-US" altLang="en-US"/>
           </a:p>
@@ -5253,7 +5253,7 @@
     </p:spTree>
     <p:extLst>
       <p:ext uri="{BB962C8B-B14F-4D97-AF65-F5344CB8AC3E}">
-        <p14:creationId xmlns:p14="http://schemas.microsoft.com/office/powerpoint/2010/main" xmlns="" val="2866338608"/>
+        <p14:creationId xmlns="" xmlns:p14="http://schemas.microsoft.com/office/powerpoint/2010/main" val="2866338608"/>
       </p:ext>
     </p:extLst>
   </p:cSld>
@@ -5358,7 +5358,7 @@
     </p:spTree>
     <p:extLst>
       <p:ext uri="{BB962C8B-B14F-4D97-AF65-F5344CB8AC3E}">
-        <p14:creationId xmlns:p14="http://schemas.microsoft.com/office/powerpoint/2010/main" xmlns="" val="2725100791"/>
+        <p14:creationId xmlns="" xmlns:p14="http://schemas.microsoft.com/office/powerpoint/2010/main" val="2725100791"/>
       </p:ext>
     </p:extLst>
   </p:cSld>
@@ -5485,7 +5485,7 @@
     </p:spTree>
     <p:extLst>
       <p:ext uri="{BB962C8B-B14F-4D97-AF65-F5344CB8AC3E}">
-        <p14:creationId xmlns:p14="http://schemas.microsoft.com/office/powerpoint/2010/main" xmlns="" val="694531350"/>
+        <p14:creationId xmlns="" xmlns:p14="http://schemas.microsoft.com/office/powerpoint/2010/main" val="694531350"/>
       </p:ext>
     </p:extLst>
   </p:cSld>
@@ -5652,7 +5652,7 @@
     </p:spTree>
     <p:extLst>
       <p:ext uri="{BB962C8B-B14F-4D97-AF65-F5344CB8AC3E}">
-        <p14:creationId xmlns:p14="http://schemas.microsoft.com/office/powerpoint/2010/main" xmlns="" val="1298835224"/>
+        <p14:creationId xmlns="" xmlns:p14="http://schemas.microsoft.com/office/powerpoint/2010/main" val="1298835224"/>
       </p:ext>
     </p:extLst>
   </p:cSld>
@@ -5954,7 +5954,7 @@
     </p:spTree>
     <p:extLst>
       <p:ext uri="{BB962C8B-B14F-4D97-AF65-F5344CB8AC3E}">
-        <p14:creationId xmlns:p14="http://schemas.microsoft.com/office/powerpoint/2010/main" xmlns="" val="2682297746"/>
+        <p14:creationId xmlns="" xmlns:p14="http://schemas.microsoft.com/office/powerpoint/2010/main" val="2682297746"/>
       </p:ext>
     </p:extLst>
   </p:cSld>
@@ -6039,7 +6039,7 @@
               <a:pPr>
                 <a:defRPr/>
               </a:pPr>
-              <a:t>11/23/2017</a:t>
+              <a:t>12/18/2017</a:t>
             </a:fld>
             <a:endParaRPr lang="en-US" altLang="en-US"/>
           </a:p>
@@ -6125,7 +6125,7 @@
     </p:spTree>
     <p:extLst>
       <p:ext uri="{BB962C8B-B14F-4D97-AF65-F5344CB8AC3E}">
-        <p14:creationId xmlns:p14="http://schemas.microsoft.com/office/powerpoint/2010/main" xmlns="" val="2927876315"/>
+        <p14:creationId xmlns="" xmlns:p14="http://schemas.microsoft.com/office/powerpoint/2010/main" val="2927876315"/>
       </p:ext>
     </p:extLst>
   </p:cSld>
@@ -6187,7 +6187,7 @@
               <a:pPr>
                 <a:defRPr/>
               </a:pPr>
-              <a:t>11/23/2017</a:t>
+              <a:t>12/18/2017</a:t>
             </a:fld>
             <a:endParaRPr lang="en-US" altLang="en-US"/>
           </a:p>
@@ -6273,7 +6273,7 @@
     </p:spTree>
     <p:extLst>
       <p:ext uri="{BB962C8B-B14F-4D97-AF65-F5344CB8AC3E}">
-        <p14:creationId xmlns:p14="http://schemas.microsoft.com/office/powerpoint/2010/main" xmlns="" val="3238583012"/>
+        <p14:creationId xmlns="" xmlns:p14="http://schemas.microsoft.com/office/powerpoint/2010/main" val="3238583012"/>
       </p:ext>
     </p:extLst>
   </p:cSld>
@@ -6517,7 +6517,7 @@
               <a:pPr>
                 <a:defRPr/>
               </a:pPr>
-              <a:t>11/23/2017</a:t>
+              <a:t>12/18/2017</a:t>
             </a:fld>
             <a:endParaRPr lang="en-US" altLang="en-US"/>
           </a:p>
@@ -6603,7 +6603,7 @@
     </p:spTree>
     <p:extLst>
       <p:ext uri="{BB962C8B-B14F-4D97-AF65-F5344CB8AC3E}">
-        <p14:creationId xmlns:p14="http://schemas.microsoft.com/office/powerpoint/2010/main" xmlns="" val="1520447279"/>
+        <p14:creationId xmlns="" xmlns:p14="http://schemas.microsoft.com/office/powerpoint/2010/main" val="1520447279"/>
       </p:ext>
     </p:extLst>
   </p:cSld>
@@ -6824,7 +6824,7 @@
               <a:pPr>
                 <a:defRPr/>
               </a:pPr>
-              <a:t>11/23/2017</a:t>
+              <a:t>12/18/2017</a:t>
             </a:fld>
             <a:endParaRPr lang="en-US" altLang="en-US"/>
           </a:p>
@@ -6910,7 +6910,7 @@
     </p:spTree>
     <p:extLst>
       <p:ext uri="{BB962C8B-B14F-4D97-AF65-F5344CB8AC3E}">
-        <p14:creationId xmlns:p14="http://schemas.microsoft.com/office/powerpoint/2010/main" xmlns="" val="17182400"/>
+        <p14:creationId xmlns="" xmlns:p14="http://schemas.microsoft.com/office/powerpoint/2010/main" val="17182400"/>
       </p:ext>
     </p:extLst>
   </p:cSld>
@@ -6969,14 +6969,14 @@
           </a:ln>
           <a:extLst>
             <a:ext uri="{909E8E84-426E-40DD-AFC4-6F175D3DCCD1}">
-              <a14:hiddenFill xmlns:a14="http://schemas.microsoft.com/office/drawing/2010/main" xmlns="">
+              <a14:hiddenFill xmlns="" xmlns:a14="http://schemas.microsoft.com/office/drawing/2010/main">
                 <a:solidFill>
                   <a:srgbClr val="FFFFFF"/>
                 </a:solidFill>
               </a14:hiddenFill>
             </a:ext>
             <a:ext uri="{91240B29-F687-4F45-9708-019B960494DF}">
-              <a14:hiddenLine xmlns:a14="http://schemas.microsoft.com/office/drawing/2010/main" xmlns="" w="9525">
+              <a14:hiddenLine xmlns="" xmlns:a14="http://schemas.microsoft.com/office/drawing/2010/main" w="9525">
                 <a:solidFill>
                   <a:srgbClr val="000000"/>
                 </a:solidFill>
@@ -7027,14 +7027,14 @@
           </a:ln>
           <a:extLst>
             <a:ext uri="{909E8E84-426E-40DD-AFC4-6F175D3DCCD1}">
-              <a14:hiddenFill xmlns:a14="http://schemas.microsoft.com/office/drawing/2010/main" xmlns="">
+              <a14:hiddenFill xmlns="" xmlns:a14="http://schemas.microsoft.com/office/drawing/2010/main">
                 <a:solidFill>
                   <a:srgbClr val="FFFFFF"/>
                 </a:solidFill>
               </a14:hiddenFill>
             </a:ext>
             <a:ext uri="{91240B29-F687-4F45-9708-019B960494DF}">
-              <a14:hiddenLine xmlns:a14="http://schemas.microsoft.com/office/drawing/2010/main" xmlns="" w="9525">
+              <a14:hiddenLine xmlns="" xmlns:a14="http://schemas.microsoft.com/office/drawing/2010/main" w="9525">
                 <a:solidFill>
                   <a:srgbClr val="000000"/>
                 </a:solidFill>
@@ -7537,14 +7537,14 @@
           </a:ln>
           <a:extLst>
             <a:ext uri="{909E8E84-426E-40DD-AFC4-6F175D3DCCD1}">
-              <a14:hiddenFill xmlns:a14="http://schemas.microsoft.com/office/drawing/2010/main" xmlns="">
+              <a14:hiddenFill xmlns="" xmlns:a14="http://schemas.microsoft.com/office/drawing/2010/main">
                 <a:solidFill>
                   <a:srgbClr val="FFFFFF"/>
                 </a:solidFill>
               </a14:hiddenFill>
             </a:ext>
             <a:ext uri="{91240B29-F687-4F45-9708-019B960494DF}">
-              <a14:hiddenLine xmlns:a14="http://schemas.microsoft.com/office/drawing/2010/main" xmlns="" w="9525">
+              <a14:hiddenLine xmlns="" xmlns:a14="http://schemas.microsoft.com/office/drawing/2010/main" w="9525">
                 <a:solidFill>
                   <a:srgbClr val="000000"/>
                 </a:solidFill>
@@ -7817,14 +7817,14 @@
           </a:ln>
           <a:extLst>
             <a:ext uri="{909E8E84-426E-40DD-AFC4-6F175D3DCCD1}">
-              <a14:hiddenFill xmlns:a14="http://schemas.microsoft.com/office/drawing/2010/main" xmlns="">
+              <a14:hiddenFill xmlns="" xmlns:a14="http://schemas.microsoft.com/office/drawing/2010/main">
                 <a:solidFill>
                   <a:srgbClr val="FFFFFF"/>
                 </a:solidFill>
               </a14:hiddenFill>
             </a:ext>
             <a:ext uri="{91240B29-F687-4F45-9708-019B960494DF}">
-              <a14:hiddenLine xmlns:a14="http://schemas.microsoft.com/office/drawing/2010/main" xmlns="" w="9525">
+              <a14:hiddenLine xmlns="" xmlns:a14="http://schemas.microsoft.com/office/drawing/2010/main" w="9525">
                 <a:solidFill>
                   <a:srgbClr val="000000"/>
                 </a:solidFill>
@@ -8101,14 +8101,14 @@
           </a:ln>
           <a:extLst>
             <a:ext uri="{909E8E84-426E-40DD-AFC4-6F175D3DCCD1}">
-              <a14:hiddenFill xmlns:a14="http://schemas.microsoft.com/office/drawing/2010/main" xmlns="">
+              <a14:hiddenFill xmlns="" xmlns:a14="http://schemas.microsoft.com/office/drawing/2010/main">
                 <a:solidFill>
                   <a:srgbClr val="FFFFFF"/>
                 </a:solidFill>
               </a14:hiddenFill>
             </a:ext>
             <a:ext uri="{91240B29-F687-4F45-9708-019B960494DF}">
-              <a14:hiddenLine xmlns:a14="http://schemas.microsoft.com/office/drawing/2010/main" xmlns="" w="9525">
+              <a14:hiddenLine xmlns="" xmlns:a14="http://schemas.microsoft.com/office/drawing/2010/main" w="9525">
                 <a:solidFill>
                   <a:srgbClr val="000000"/>
                 </a:solidFill>
@@ -8434,14 +8434,14 @@
           </a:ln>
           <a:extLst>
             <a:ext uri="{909E8E84-426E-40DD-AFC4-6F175D3DCCD1}">
-              <a14:hiddenFill xmlns:a14="http://schemas.microsoft.com/office/drawing/2010/main" xmlns="">
+              <a14:hiddenFill xmlns="" xmlns:a14="http://schemas.microsoft.com/office/drawing/2010/main">
                 <a:solidFill>
                   <a:srgbClr val="FFFFFF"/>
                 </a:solidFill>
               </a14:hiddenFill>
             </a:ext>
             <a:ext uri="{91240B29-F687-4F45-9708-019B960494DF}">
-              <a14:hiddenLine xmlns:a14="http://schemas.microsoft.com/office/drawing/2010/main" xmlns="" w="9525">
+              <a14:hiddenLine xmlns="" xmlns:a14="http://schemas.microsoft.com/office/drawing/2010/main" w="9525">
                 <a:solidFill>
                   <a:srgbClr val="000000"/>
                 </a:solidFill>
@@ -8720,14 +8720,14 @@
           </a:ln>
           <a:extLst>
             <a:ext uri="{909E8E84-426E-40DD-AFC4-6F175D3DCCD1}">
-              <a14:hiddenFill xmlns:a14="http://schemas.microsoft.com/office/drawing/2010/main" xmlns="">
+              <a14:hiddenFill xmlns="" xmlns:a14="http://schemas.microsoft.com/office/drawing/2010/main">
                 <a:solidFill>
                   <a:srgbClr val="FFFFFF"/>
                 </a:solidFill>
               </a14:hiddenFill>
             </a:ext>
             <a:ext uri="{91240B29-F687-4F45-9708-019B960494DF}">
-              <a14:hiddenLine xmlns:a14="http://schemas.microsoft.com/office/drawing/2010/main" xmlns="" w="9525">
+              <a14:hiddenLine xmlns="" xmlns:a14="http://schemas.microsoft.com/office/drawing/2010/main" w="9525">
                 <a:solidFill>
                   <a:srgbClr val="000000"/>
                 </a:solidFill>
@@ -9457,14 +9457,14 @@
           </a:ln>
           <a:extLst>
             <a:ext uri="{909E8E84-426E-40DD-AFC4-6F175D3DCCD1}">
-              <a14:hiddenFill xmlns:a14="http://schemas.microsoft.com/office/drawing/2010/main" xmlns="">
+              <a14:hiddenFill xmlns="" xmlns:a14="http://schemas.microsoft.com/office/drawing/2010/main">
                 <a:solidFill>
                   <a:srgbClr val="FFFFFF"/>
                 </a:solidFill>
               </a14:hiddenFill>
             </a:ext>
             <a:ext uri="{91240B29-F687-4F45-9708-019B960494DF}">
-              <a14:hiddenLine xmlns:a14="http://schemas.microsoft.com/office/drawing/2010/main" xmlns="" w="9525">
+              <a14:hiddenLine xmlns="" xmlns:a14="http://schemas.microsoft.com/office/drawing/2010/main" w="9525">
                 <a:solidFill>
                   <a:srgbClr val="000000"/>
                 </a:solidFill>
@@ -10324,14 +10324,14 @@
           </a:ln>
           <a:extLst>
             <a:ext uri="{909E8E84-426E-40DD-AFC4-6F175D3DCCD1}">
-              <a14:hiddenFill xmlns:a14="http://schemas.microsoft.com/office/drawing/2010/main" xmlns="">
+              <a14:hiddenFill xmlns="" xmlns:a14="http://schemas.microsoft.com/office/drawing/2010/main">
                 <a:solidFill>
                   <a:srgbClr val="FFFFFF"/>
                 </a:solidFill>
               </a14:hiddenFill>
             </a:ext>
             <a:ext uri="{91240B29-F687-4F45-9708-019B960494DF}">
-              <a14:hiddenLine xmlns:a14="http://schemas.microsoft.com/office/drawing/2010/main" xmlns="" w="9525">
+              <a14:hiddenLine xmlns="" xmlns:a14="http://schemas.microsoft.com/office/drawing/2010/main" w="9525">
                 <a:solidFill>
                   <a:srgbClr val="000000"/>
                 </a:solidFill>
@@ -10675,7 +10675,7 @@
           <a:blip r:embed="rId2" cstate="print">
             <a:extLst>
               <a:ext uri="{28A0092B-C50C-407E-A947-70E740481C1C}">
-                <a14:useLocalDpi xmlns:a14="http://schemas.microsoft.com/office/drawing/2010/main" xmlns="" val="0"/>
+                <a14:useLocalDpi xmlns="" xmlns:a14="http://schemas.microsoft.com/office/drawing/2010/main" val="0"/>
               </a:ext>
             </a:extLst>
           </a:blip>
@@ -10698,14 +10698,14 @@
           </a:ln>
           <a:extLst>
             <a:ext uri="{909E8E84-426E-40DD-AFC4-6F175D3DCCD1}">
-              <a14:hiddenFill xmlns:a14="http://schemas.microsoft.com/office/drawing/2010/main" xmlns="">
+              <a14:hiddenFill xmlns="" xmlns:a14="http://schemas.microsoft.com/office/drawing/2010/main">
                 <a:solidFill>
                   <a:srgbClr val="FFFFFF"/>
                 </a:solidFill>
               </a14:hiddenFill>
             </a:ext>
             <a:ext uri="{91240B29-F687-4F45-9708-019B960494DF}">
-              <a14:hiddenLine xmlns:a14="http://schemas.microsoft.com/office/drawing/2010/main" xmlns="" w="9525">
+              <a14:hiddenLine xmlns="" xmlns:a14="http://schemas.microsoft.com/office/drawing/2010/main" w="9525">
                 <a:solidFill>
                   <a:srgbClr val="000000"/>
                 </a:solidFill>
@@ -11006,7 +11006,7 @@
           <a:blip r:embed="rId2" cstate="print">
             <a:extLst>
               <a:ext uri="{28A0092B-C50C-407E-A947-70E740481C1C}">
-                <a14:useLocalDpi xmlns:a14="http://schemas.microsoft.com/office/drawing/2010/main" xmlns="" val="0"/>
+                <a14:useLocalDpi xmlns="" xmlns:a14="http://schemas.microsoft.com/office/drawing/2010/main" val="0"/>
               </a:ext>
             </a:extLst>
           </a:blip>
@@ -11029,14 +11029,14 @@
           </a:ln>
           <a:extLst>
             <a:ext uri="{909E8E84-426E-40DD-AFC4-6F175D3DCCD1}">
-              <a14:hiddenFill xmlns:a14="http://schemas.microsoft.com/office/drawing/2010/main" xmlns="">
+              <a14:hiddenFill xmlns="" xmlns:a14="http://schemas.microsoft.com/office/drawing/2010/main">
                 <a:solidFill>
                   <a:srgbClr val="FFFFFF"/>
                 </a:solidFill>
               </a14:hiddenFill>
             </a:ext>
             <a:ext uri="{91240B29-F687-4F45-9708-019B960494DF}">
-              <a14:hiddenLine xmlns:a14="http://schemas.microsoft.com/office/drawing/2010/main" xmlns="" w="9525">
+              <a14:hiddenLine xmlns="" xmlns:a14="http://schemas.microsoft.com/office/drawing/2010/main" w="9525">
                 <a:solidFill>
                   <a:srgbClr val="000000"/>
                 </a:solidFill>
@@ -11060,7 +11060,7 @@
           <a:blip r:embed="rId3" cstate="print">
             <a:extLst>
               <a:ext uri="{28A0092B-C50C-407E-A947-70E740481C1C}">
-                <a14:useLocalDpi xmlns:a14="http://schemas.microsoft.com/office/drawing/2010/main" xmlns="" val="0"/>
+                <a14:useLocalDpi xmlns="" xmlns:a14="http://schemas.microsoft.com/office/drawing/2010/main" val="0"/>
               </a:ext>
             </a:extLst>
           </a:blip>
@@ -11083,14 +11083,14 @@
           </a:ln>
           <a:extLst>
             <a:ext uri="{909E8E84-426E-40DD-AFC4-6F175D3DCCD1}">
-              <a14:hiddenFill xmlns:a14="http://schemas.microsoft.com/office/drawing/2010/main" xmlns="">
+              <a14:hiddenFill xmlns="" xmlns:a14="http://schemas.microsoft.com/office/drawing/2010/main">
                 <a:solidFill>
                   <a:srgbClr val="FFFFFF"/>
                 </a:solidFill>
               </a14:hiddenFill>
             </a:ext>
             <a:ext uri="{91240B29-F687-4F45-9708-019B960494DF}">
-              <a14:hiddenLine xmlns:a14="http://schemas.microsoft.com/office/drawing/2010/main" xmlns="" w="9525">
+              <a14:hiddenLine xmlns="" xmlns:a14="http://schemas.microsoft.com/office/drawing/2010/main" w="9525">
                 <a:solidFill>
                   <a:srgbClr val="000000"/>
                 </a:solidFill>
@@ -11234,7 +11234,7 @@
           <a:blip r:embed="rId3" cstate="print">
             <a:extLst>
               <a:ext uri="{28A0092B-C50C-407E-A947-70E740481C1C}">
-                <a14:useLocalDpi xmlns:a14="http://schemas.microsoft.com/office/drawing/2010/main" xmlns="" val="0"/>
+                <a14:useLocalDpi xmlns="" xmlns:a14="http://schemas.microsoft.com/office/drawing/2010/main" val="0"/>
               </a:ext>
             </a:extLst>
           </a:blip>
@@ -11257,14 +11257,14 @@
           </a:ln>
           <a:extLst>
             <a:ext uri="{909E8E84-426E-40DD-AFC4-6F175D3DCCD1}">
-              <a14:hiddenFill xmlns:a14="http://schemas.microsoft.com/office/drawing/2010/main" xmlns="">
+              <a14:hiddenFill xmlns="" xmlns:a14="http://schemas.microsoft.com/office/drawing/2010/main">
                 <a:solidFill>
                   <a:srgbClr val="FFFFFF"/>
                 </a:solidFill>
               </a14:hiddenFill>
             </a:ext>
             <a:ext uri="{91240B29-F687-4F45-9708-019B960494DF}">
-              <a14:hiddenLine xmlns:a14="http://schemas.microsoft.com/office/drawing/2010/main" xmlns="" w="9525">
+              <a14:hiddenLine xmlns="" xmlns:a14="http://schemas.microsoft.com/office/drawing/2010/main" w="9525">
                 <a:solidFill>
                   <a:srgbClr val="000000"/>
                 </a:solidFill>
@@ -11288,7 +11288,7 @@
           <a:blip r:embed="rId4" cstate="print">
             <a:extLst>
               <a:ext uri="{28A0092B-C50C-407E-A947-70E740481C1C}">
-                <a14:useLocalDpi xmlns:a14="http://schemas.microsoft.com/office/drawing/2010/main" xmlns="" val="0"/>
+                <a14:useLocalDpi xmlns="" xmlns:a14="http://schemas.microsoft.com/office/drawing/2010/main" val="0"/>
               </a:ext>
             </a:extLst>
           </a:blip>
@@ -11311,14 +11311,14 @@
           </a:ln>
           <a:extLst>
             <a:ext uri="{909E8E84-426E-40DD-AFC4-6F175D3DCCD1}">
-              <a14:hiddenFill xmlns:a14="http://schemas.microsoft.com/office/drawing/2010/main" xmlns="">
+              <a14:hiddenFill xmlns="" xmlns:a14="http://schemas.microsoft.com/office/drawing/2010/main">
                 <a:solidFill>
                   <a:srgbClr val="FFFFFF"/>
                 </a:solidFill>
               </a14:hiddenFill>
             </a:ext>
             <a:ext uri="{91240B29-F687-4F45-9708-019B960494DF}">
-              <a14:hiddenLine xmlns:a14="http://schemas.microsoft.com/office/drawing/2010/main" xmlns="" w="9525">
+              <a14:hiddenLine xmlns="" xmlns:a14="http://schemas.microsoft.com/office/drawing/2010/main" w="9525">
                 <a:solidFill>
                   <a:srgbClr val="000000"/>
                 </a:solidFill>
@@ -11687,7 +11687,7 @@
           <a:blip r:embed="rId4" cstate="print">
             <a:extLst>
               <a:ext uri="{28A0092B-C50C-407E-A947-70E740481C1C}">
-                <a14:useLocalDpi xmlns:a14="http://schemas.microsoft.com/office/drawing/2010/main" xmlns="" val="0"/>
+                <a14:useLocalDpi xmlns="" xmlns:a14="http://schemas.microsoft.com/office/drawing/2010/main" val="0"/>
               </a:ext>
             </a:extLst>
           </a:blip>
@@ -11710,14 +11710,14 @@
           </a:ln>
           <a:extLst>
             <a:ext uri="{909E8E84-426E-40DD-AFC4-6F175D3DCCD1}">
-              <a14:hiddenFill xmlns:a14="http://schemas.microsoft.com/office/drawing/2010/main" xmlns="">
+              <a14:hiddenFill xmlns="" xmlns:a14="http://schemas.microsoft.com/office/drawing/2010/main">
                 <a:solidFill>
                   <a:srgbClr val="FFFFFF"/>
                 </a:solidFill>
               </a14:hiddenFill>
             </a:ext>
             <a:ext uri="{91240B29-F687-4F45-9708-019B960494DF}">
-              <a14:hiddenLine xmlns:a14="http://schemas.microsoft.com/office/drawing/2010/main" xmlns="" w="9525">
+              <a14:hiddenLine xmlns="" xmlns:a14="http://schemas.microsoft.com/office/drawing/2010/main" w="9525">
                 <a:solidFill>
                   <a:srgbClr val="000000"/>
                 </a:solidFill>
@@ -11940,7 +11940,7 @@
     </p:spTree>
     <p:extLst>
       <p:ext uri="{BB962C8B-B14F-4D97-AF65-F5344CB8AC3E}">
-        <p14:creationId xmlns:p14="http://schemas.microsoft.com/office/powerpoint/2010/main" xmlns="" val="4247796886"/>
+        <p14:creationId xmlns="" xmlns:p14="http://schemas.microsoft.com/office/powerpoint/2010/main" val="4247796886"/>
       </p:ext>
     </p:extLst>
   </p:cSld>
@@ -12376,7 +12376,7 @@
           <a:blip r:embed="rId4" cstate="print">
             <a:extLst>
               <a:ext uri="{28A0092B-C50C-407E-A947-70E740481C1C}">
-                <a14:useLocalDpi xmlns:a14="http://schemas.microsoft.com/office/drawing/2010/main" xmlns="" val="0"/>
+                <a14:useLocalDpi xmlns="" xmlns:a14="http://schemas.microsoft.com/office/drawing/2010/main" val="0"/>
               </a:ext>
             </a:extLst>
           </a:blip>
@@ -12399,14 +12399,14 @@
           </a:ln>
           <a:extLst>
             <a:ext uri="{909E8E84-426E-40DD-AFC4-6F175D3DCCD1}">
-              <a14:hiddenFill xmlns:a14="http://schemas.microsoft.com/office/drawing/2010/main" xmlns="">
+              <a14:hiddenFill xmlns="" xmlns:a14="http://schemas.microsoft.com/office/drawing/2010/main">
                 <a:solidFill>
                   <a:srgbClr val="FFFFFF"/>
                 </a:solidFill>
               </a14:hiddenFill>
             </a:ext>
             <a:ext uri="{91240B29-F687-4F45-9708-019B960494DF}">
-              <a14:hiddenLine xmlns:a14="http://schemas.microsoft.com/office/drawing/2010/main" xmlns="" w="9525">
+              <a14:hiddenLine xmlns="" xmlns:a14="http://schemas.microsoft.com/office/drawing/2010/main" w="9525">
                 <a:solidFill>
                   <a:srgbClr val="000000"/>
                 </a:solidFill>
@@ -12562,7 +12562,7 @@
           <a:blip r:embed="rId4" cstate="print">
             <a:extLst>
               <a:ext uri="{28A0092B-C50C-407E-A947-70E740481C1C}">
-                <a14:useLocalDpi xmlns:a14="http://schemas.microsoft.com/office/drawing/2010/main" xmlns="" val="0"/>
+                <a14:useLocalDpi xmlns="" xmlns:a14="http://schemas.microsoft.com/office/drawing/2010/main" val="0"/>
               </a:ext>
             </a:extLst>
           </a:blip>
@@ -12585,14 +12585,14 @@
           </a:ln>
           <a:extLst>
             <a:ext uri="{909E8E84-426E-40DD-AFC4-6F175D3DCCD1}">
-              <a14:hiddenFill xmlns:a14="http://schemas.microsoft.com/office/drawing/2010/main" xmlns="">
+              <a14:hiddenFill xmlns="" xmlns:a14="http://schemas.microsoft.com/office/drawing/2010/main">
                 <a:solidFill>
                   <a:srgbClr val="FFFFFF"/>
                 </a:solidFill>
               </a14:hiddenFill>
             </a:ext>
             <a:ext uri="{91240B29-F687-4F45-9708-019B960494DF}">
-              <a14:hiddenLine xmlns:a14="http://schemas.microsoft.com/office/drawing/2010/main" xmlns="" w="9525">
+              <a14:hiddenLine xmlns="" xmlns:a14="http://schemas.microsoft.com/office/drawing/2010/main" w="9525">
                 <a:solidFill>
                   <a:srgbClr val="000000"/>
                 </a:solidFill>
@@ -12616,7 +12616,7 @@
           <a:blip r:embed="rId5" cstate="print">
             <a:extLst>
               <a:ext uri="{28A0092B-C50C-407E-A947-70E740481C1C}">
-                <a14:useLocalDpi xmlns:a14="http://schemas.microsoft.com/office/drawing/2010/main" xmlns="" val="0"/>
+                <a14:useLocalDpi xmlns="" xmlns:a14="http://schemas.microsoft.com/office/drawing/2010/main" val="0"/>
               </a:ext>
             </a:extLst>
           </a:blip>
@@ -12639,14 +12639,14 @@
           </a:ln>
           <a:extLst>
             <a:ext uri="{909E8E84-426E-40DD-AFC4-6F175D3DCCD1}">
-              <a14:hiddenFill xmlns:a14="http://schemas.microsoft.com/office/drawing/2010/main" xmlns="">
+              <a14:hiddenFill xmlns="" xmlns:a14="http://schemas.microsoft.com/office/drawing/2010/main">
                 <a:solidFill>
                   <a:srgbClr val="FFFFFF"/>
                 </a:solidFill>
               </a14:hiddenFill>
             </a:ext>
             <a:ext uri="{91240B29-F687-4F45-9708-019B960494DF}">
-              <a14:hiddenLine xmlns:a14="http://schemas.microsoft.com/office/drawing/2010/main" xmlns="" w="9525">
+              <a14:hiddenLine xmlns="" xmlns:a14="http://schemas.microsoft.com/office/drawing/2010/main" w="9525">
                 <a:solidFill>
                   <a:srgbClr val="000000"/>
                 </a:solidFill>
@@ -12780,7 +12780,7 @@
           <a:blip r:embed="rId3" cstate="print">
             <a:extLst>
               <a:ext uri="{28A0092B-C50C-407E-A947-70E740481C1C}">
-                <a14:useLocalDpi xmlns:a14="http://schemas.microsoft.com/office/drawing/2010/main" xmlns="" val="0"/>
+                <a14:useLocalDpi xmlns="" xmlns:a14="http://schemas.microsoft.com/office/drawing/2010/main" val="0"/>
               </a:ext>
             </a:extLst>
           </a:blip>
@@ -12803,14 +12803,14 @@
           </a:ln>
           <a:extLst>
             <a:ext uri="{909E8E84-426E-40DD-AFC4-6F175D3DCCD1}">
-              <a14:hiddenFill xmlns:a14="http://schemas.microsoft.com/office/drawing/2010/main" xmlns="">
+              <a14:hiddenFill xmlns="" xmlns:a14="http://schemas.microsoft.com/office/drawing/2010/main">
                 <a:solidFill>
                   <a:srgbClr val="FFFFFF"/>
                 </a:solidFill>
               </a14:hiddenFill>
             </a:ext>
             <a:ext uri="{91240B29-F687-4F45-9708-019B960494DF}">
-              <a14:hiddenLine xmlns:a14="http://schemas.microsoft.com/office/drawing/2010/main" xmlns="" w="9525">
+              <a14:hiddenLine xmlns="" xmlns:a14="http://schemas.microsoft.com/office/drawing/2010/main" w="9525">
                 <a:solidFill>
                   <a:srgbClr val="000000"/>
                 </a:solidFill>
@@ -12834,7 +12834,7 @@
           <a:blip r:embed="rId4" cstate="print">
             <a:extLst>
               <a:ext uri="{28A0092B-C50C-407E-A947-70E740481C1C}">
-                <a14:useLocalDpi xmlns:a14="http://schemas.microsoft.com/office/drawing/2010/main" xmlns="" val="0"/>
+                <a14:useLocalDpi xmlns="" xmlns:a14="http://schemas.microsoft.com/office/drawing/2010/main" val="0"/>
               </a:ext>
             </a:extLst>
           </a:blip>
@@ -12857,14 +12857,14 @@
           </a:ln>
           <a:extLst>
             <a:ext uri="{909E8E84-426E-40DD-AFC4-6F175D3DCCD1}">
-              <a14:hiddenFill xmlns:a14="http://schemas.microsoft.com/office/drawing/2010/main" xmlns="">
+              <a14:hiddenFill xmlns="" xmlns:a14="http://schemas.microsoft.com/office/drawing/2010/main">
                 <a:solidFill>
                   <a:srgbClr val="FFFFFF"/>
                 </a:solidFill>
               </a14:hiddenFill>
             </a:ext>
             <a:ext uri="{91240B29-F687-4F45-9708-019B960494DF}">
-              <a14:hiddenLine xmlns:a14="http://schemas.microsoft.com/office/drawing/2010/main" xmlns="" w="9525">
+              <a14:hiddenLine xmlns="" xmlns:a14="http://schemas.microsoft.com/office/drawing/2010/main" w="9525">
                 <a:solidFill>
                   <a:srgbClr val="000000"/>
                 </a:solidFill>
@@ -12941,7 +12941,7 @@
           <a:blip r:embed="rId3" cstate="print">
             <a:extLst>
               <a:ext uri="{28A0092B-C50C-407E-A947-70E740481C1C}">
-                <a14:useLocalDpi xmlns:a14="http://schemas.microsoft.com/office/drawing/2010/main" xmlns="" val="0"/>
+                <a14:useLocalDpi xmlns="" xmlns:a14="http://schemas.microsoft.com/office/drawing/2010/main" val="0"/>
               </a:ext>
             </a:extLst>
           </a:blip>
@@ -12964,14 +12964,14 @@
           </a:ln>
           <a:extLst>
             <a:ext uri="{909E8E84-426E-40DD-AFC4-6F175D3DCCD1}">
-              <a14:hiddenFill xmlns:a14="http://schemas.microsoft.com/office/drawing/2010/main" xmlns="">
+              <a14:hiddenFill xmlns="" xmlns:a14="http://schemas.microsoft.com/office/drawing/2010/main">
                 <a:solidFill>
                   <a:srgbClr val="FFFFFF"/>
                 </a:solidFill>
               </a14:hiddenFill>
             </a:ext>
             <a:ext uri="{91240B29-F687-4F45-9708-019B960494DF}">
-              <a14:hiddenLine xmlns:a14="http://schemas.microsoft.com/office/drawing/2010/main" xmlns="" w="9525">
+              <a14:hiddenLine xmlns="" xmlns:a14="http://schemas.microsoft.com/office/drawing/2010/main" w="9525">
                 <a:solidFill>
                   <a:srgbClr val="000000"/>
                 </a:solidFill>
@@ -13038,7 +13038,7 @@
           <a:blip r:embed="rId4" cstate="print">
             <a:extLst>
               <a:ext uri="{28A0092B-C50C-407E-A947-70E740481C1C}">
-                <a14:useLocalDpi xmlns:a14="http://schemas.microsoft.com/office/drawing/2010/main" xmlns="" val="0"/>
+                <a14:useLocalDpi xmlns="" xmlns:a14="http://schemas.microsoft.com/office/drawing/2010/main" val="0"/>
               </a:ext>
             </a:extLst>
           </a:blip>
@@ -13061,14 +13061,14 @@
           </a:ln>
           <a:extLst>
             <a:ext uri="{909E8E84-426E-40DD-AFC4-6F175D3DCCD1}">
-              <a14:hiddenFill xmlns:a14="http://schemas.microsoft.com/office/drawing/2010/main" xmlns="">
+              <a14:hiddenFill xmlns="" xmlns:a14="http://schemas.microsoft.com/office/drawing/2010/main">
                 <a:solidFill>
                   <a:srgbClr val="FFFFFF"/>
                 </a:solidFill>
               </a14:hiddenFill>
             </a:ext>
             <a:ext uri="{91240B29-F687-4F45-9708-019B960494DF}">
-              <a14:hiddenLine xmlns:a14="http://schemas.microsoft.com/office/drawing/2010/main" xmlns="" w="9525">
+              <a14:hiddenLine xmlns="" xmlns:a14="http://schemas.microsoft.com/office/drawing/2010/main" w="9525">
                 <a:solidFill>
                   <a:srgbClr val="000000"/>
                 </a:solidFill>
@@ -13266,7 +13266,7 @@
           <a:blip r:embed="rId2" cstate="print">
             <a:extLst>
               <a:ext uri="{28A0092B-C50C-407E-A947-70E740481C1C}">
-                <a14:useLocalDpi xmlns:a14="http://schemas.microsoft.com/office/drawing/2010/main" xmlns="" val="0"/>
+                <a14:useLocalDpi xmlns="" xmlns:a14="http://schemas.microsoft.com/office/drawing/2010/main" val="0"/>
               </a:ext>
             </a:extLst>
           </a:blip>
@@ -13289,14 +13289,14 @@
           </a:ln>
           <a:extLst>
             <a:ext uri="{909E8E84-426E-40DD-AFC4-6F175D3DCCD1}">
-              <a14:hiddenFill xmlns:a14="http://schemas.microsoft.com/office/drawing/2010/main" xmlns="">
+              <a14:hiddenFill xmlns="" xmlns:a14="http://schemas.microsoft.com/office/drawing/2010/main">
                 <a:solidFill>
                   <a:srgbClr val="FFFFFF"/>
                 </a:solidFill>
               </a14:hiddenFill>
             </a:ext>
             <a:ext uri="{91240B29-F687-4F45-9708-019B960494DF}">
-              <a14:hiddenLine xmlns:a14="http://schemas.microsoft.com/office/drawing/2010/main" xmlns="" w="9525">
+              <a14:hiddenLine xmlns="" xmlns:a14="http://schemas.microsoft.com/office/drawing/2010/main" w="9525">
                 <a:solidFill>
                   <a:srgbClr val="000000"/>
                 </a:solidFill>
@@ -13345,7 +13345,7 @@
           <a:blip r:embed="rId3" cstate="print">
             <a:extLst>
               <a:ext uri="{28A0092B-C50C-407E-A947-70E740481C1C}">
-                <a14:useLocalDpi xmlns:a14="http://schemas.microsoft.com/office/drawing/2010/main" xmlns="" val="0"/>
+                <a14:useLocalDpi xmlns="" xmlns:a14="http://schemas.microsoft.com/office/drawing/2010/main" val="0"/>
               </a:ext>
             </a:extLst>
           </a:blip>
@@ -13368,14 +13368,14 @@
           </a:ln>
           <a:extLst>
             <a:ext uri="{909E8E84-426E-40DD-AFC4-6F175D3DCCD1}">
-              <a14:hiddenFill xmlns:a14="http://schemas.microsoft.com/office/drawing/2010/main" xmlns="">
+              <a14:hiddenFill xmlns="" xmlns:a14="http://schemas.microsoft.com/office/drawing/2010/main">
                 <a:solidFill>
                   <a:srgbClr val="FFFFFF"/>
                 </a:solidFill>
               </a14:hiddenFill>
             </a:ext>
             <a:ext uri="{91240B29-F687-4F45-9708-019B960494DF}">
-              <a14:hiddenLine xmlns:a14="http://schemas.microsoft.com/office/drawing/2010/main" xmlns="" w="9525">
+              <a14:hiddenLine xmlns="" xmlns:a14="http://schemas.microsoft.com/office/drawing/2010/main" w="9525">
                 <a:solidFill>
                   <a:srgbClr val="000000"/>
                 </a:solidFill>
@@ -13461,7 +13461,7 @@
           <a:blip r:embed="rId4" cstate="print">
             <a:extLst>
               <a:ext uri="{28A0092B-C50C-407E-A947-70E740481C1C}">
-                <a14:useLocalDpi xmlns:a14="http://schemas.microsoft.com/office/drawing/2010/main" xmlns="" val="0"/>
+                <a14:useLocalDpi xmlns="" xmlns:a14="http://schemas.microsoft.com/office/drawing/2010/main" val="0"/>
               </a:ext>
             </a:extLst>
           </a:blip>
@@ -13484,14 +13484,14 @@
           </a:ln>
           <a:extLst>
             <a:ext uri="{909E8E84-426E-40DD-AFC4-6F175D3DCCD1}">
-              <a14:hiddenFill xmlns:a14="http://schemas.microsoft.com/office/drawing/2010/main" xmlns="">
+              <a14:hiddenFill xmlns="" xmlns:a14="http://schemas.microsoft.com/office/drawing/2010/main">
                 <a:solidFill>
                   <a:srgbClr val="FFFFFF"/>
                 </a:solidFill>
               </a14:hiddenFill>
             </a:ext>
             <a:ext uri="{91240B29-F687-4F45-9708-019B960494DF}">
-              <a14:hiddenLine xmlns:a14="http://schemas.microsoft.com/office/drawing/2010/main" xmlns="" w="9525">
+              <a14:hiddenLine xmlns="" xmlns:a14="http://schemas.microsoft.com/office/drawing/2010/main" w="9525">
                 <a:solidFill>
                   <a:srgbClr val="000000"/>
                 </a:solidFill>
@@ -13578,14 +13578,14 @@
           </a:ln>
           <a:extLst>
             <a:ext uri="{909E8E84-426E-40DD-AFC4-6F175D3DCCD1}">
-              <a14:hiddenFill xmlns:a14="http://schemas.microsoft.com/office/drawing/2010/main" xmlns="">
+              <a14:hiddenFill xmlns="" xmlns:a14="http://schemas.microsoft.com/office/drawing/2010/main">
                 <a:solidFill>
                   <a:srgbClr val="FFFFFF"/>
                 </a:solidFill>
               </a14:hiddenFill>
             </a:ext>
             <a:ext uri="{91240B29-F687-4F45-9708-019B960494DF}">
-              <a14:hiddenLine xmlns:a14="http://schemas.microsoft.com/office/drawing/2010/main" xmlns="" w="9525">
+              <a14:hiddenLine xmlns="" xmlns:a14="http://schemas.microsoft.com/office/drawing/2010/main" w="9525">
                 <a:solidFill>
                   <a:srgbClr val="000000"/>
                 </a:solidFill>
@@ -13858,14 +13858,14 @@
           </a:ln>
           <a:extLst>
             <a:ext uri="{909E8E84-426E-40DD-AFC4-6F175D3DCCD1}">
-              <a14:hiddenFill xmlns:a14="http://schemas.microsoft.com/office/drawing/2010/main" xmlns="">
+              <a14:hiddenFill xmlns="" xmlns:a14="http://schemas.microsoft.com/office/drawing/2010/main">
                 <a:solidFill>
                   <a:srgbClr val="FFFFFF"/>
                 </a:solidFill>
               </a14:hiddenFill>
             </a:ext>
             <a:ext uri="{91240B29-F687-4F45-9708-019B960494DF}">
-              <a14:hiddenLine xmlns:a14="http://schemas.microsoft.com/office/drawing/2010/main" xmlns="" w="9525">
+              <a14:hiddenLine xmlns="" xmlns:a14="http://schemas.microsoft.com/office/drawing/2010/main" w="9525">
                 <a:solidFill>
                   <a:srgbClr val="000000"/>
                 </a:solidFill>
@@ -14411,7 +14411,7 @@
           <a:blip r:embed="rId3" cstate="print">
             <a:extLst>
               <a:ext uri="{28A0092B-C50C-407E-A947-70E740481C1C}">
-                <a14:useLocalDpi xmlns:a14="http://schemas.microsoft.com/office/drawing/2010/main" xmlns="" val="0"/>
+                <a14:useLocalDpi xmlns="" xmlns:a14="http://schemas.microsoft.com/office/drawing/2010/main" val="0"/>
               </a:ext>
             </a:extLst>
           </a:blip>
@@ -14434,14 +14434,14 @@
           </a:ln>
           <a:extLst>
             <a:ext uri="{909E8E84-426E-40DD-AFC4-6F175D3DCCD1}">
-              <a14:hiddenFill xmlns:a14="http://schemas.microsoft.com/office/drawing/2010/main" xmlns="">
+              <a14:hiddenFill xmlns="" xmlns:a14="http://schemas.microsoft.com/office/drawing/2010/main">
                 <a:solidFill>
                   <a:srgbClr val="FFFFFF"/>
                 </a:solidFill>
               </a14:hiddenFill>
             </a:ext>
             <a:ext uri="{91240B29-F687-4F45-9708-019B960494DF}">
-              <a14:hiddenLine xmlns:a14="http://schemas.microsoft.com/office/drawing/2010/main" xmlns="" w="9525">
+              <a14:hiddenLine xmlns="" xmlns:a14="http://schemas.microsoft.com/office/drawing/2010/main" w="9525">
                 <a:solidFill>
                   <a:srgbClr val="000000"/>
                 </a:solidFill>
@@ -14465,7 +14465,7 @@
           <a:blip r:embed="rId4" cstate="print">
             <a:extLst>
               <a:ext uri="{28A0092B-C50C-407E-A947-70E740481C1C}">
-                <a14:useLocalDpi xmlns:a14="http://schemas.microsoft.com/office/drawing/2010/main" xmlns="" val="0"/>
+                <a14:useLocalDpi xmlns="" xmlns:a14="http://schemas.microsoft.com/office/drawing/2010/main" val="0"/>
               </a:ext>
             </a:extLst>
           </a:blip>
@@ -14488,14 +14488,14 @@
           </a:ln>
           <a:extLst>
             <a:ext uri="{909E8E84-426E-40DD-AFC4-6F175D3DCCD1}">
-              <a14:hiddenFill xmlns:a14="http://schemas.microsoft.com/office/drawing/2010/main" xmlns="">
+              <a14:hiddenFill xmlns="" xmlns:a14="http://schemas.microsoft.com/office/drawing/2010/main">
                 <a:solidFill>
                   <a:srgbClr val="FFFFFF"/>
                 </a:solidFill>
               </a14:hiddenFill>
             </a:ext>
             <a:ext uri="{91240B29-F687-4F45-9708-019B960494DF}">
-              <a14:hiddenLine xmlns:a14="http://schemas.microsoft.com/office/drawing/2010/main" xmlns="" w="9525">
+              <a14:hiddenLine xmlns="" xmlns:a14="http://schemas.microsoft.com/office/drawing/2010/main" w="9525">
                 <a:solidFill>
                   <a:srgbClr val="000000"/>
                 </a:solidFill>
@@ -14629,7 +14629,7 @@
           <a:blip r:embed="rId3" cstate="print">
             <a:extLst>
               <a:ext uri="{28A0092B-C50C-407E-A947-70E740481C1C}">
-                <a14:useLocalDpi xmlns:a14="http://schemas.microsoft.com/office/drawing/2010/main" xmlns="" val="0"/>
+                <a14:useLocalDpi xmlns="" xmlns:a14="http://schemas.microsoft.com/office/drawing/2010/main" val="0"/>
               </a:ext>
             </a:extLst>
           </a:blip>
@@ -14652,14 +14652,14 @@
           </a:ln>
           <a:extLst>
             <a:ext uri="{909E8E84-426E-40DD-AFC4-6F175D3DCCD1}">
-              <a14:hiddenFill xmlns:a14="http://schemas.microsoft.com/office/drawing/2010/main" xmlns="">
+              <a14:hiddenFill xmlns="" xmlns:a14="http://schemas.microsoft.com/office/drawing/2010/main">
                 <a:solidFill>
                   <a:srgbClr val="FFFFFF"/>
                 </a:solidFill>
               </a14:hiddenFill>
             </a:ext>
             <a:ext uri="{91240B29-F687-4F45-9708-019B960494DF}">
-              <a14:hiddenLine xmlns:a14="http://schemas.microsoft.com/office/drawing/2010/main" xmlns="" w="9525">
+              <a14:hiddenLine xmlns="" xmlns:a14="http://schemas.microsoft.com/office/drawing/2010/main" w="9525">
                 <a:solidFill>
                   <a:srgbClr val="000000"/>
                 </a:solidFill>
@@ -14683,7 +14683,7 @@
           <a:blip r:embed="rId4" cstate="print">
             <a:extLst>
               <a:ext uri="{28A0092B-C50C-407E-A947-70E740481C1C}">
-                <a14:useLocalDpi xmlns:a14="http://schemas.microsoft.com/office/drawing/2010/main" xmlns="" val="0"/>
+                <a14:useLocalDpi xmlns="" xmlns:a14="http://schemas.microsoft.com/office/drawing/2010/main" val="0"/>
               </a:ext>
             </a:extLst>
           </a:blip>
@@ -14706,14 +14706,14 @@
           </a:ln>
           <a:extLst>
             <a:ext uri="{909E8E84-426E-40DD-AFC4-6F175D3DCCD1}">
-              <a14:hiddenFill xmlns:a14="http://schemas.microsoft.com/office/drawing/2010/main" xmlns="">
+              <a14:hiddenFill xmlns="" xmlns:a14="http://schemas.microsoft.com/office/drawing/2010/main">
                 <a:solidFill>
                   <a:srgbClr val="FFFFFF"/>
                 </a:solidFill>
               </a14:hiddenFill>
             </a:ext>
             <a:ext uri="{91240B29-F687-4F45-9708-019B960494DF}">
-              <a14:hiddenLine xmlns:a14="http://schemas.microsoft.com/office/drawing/2010/main" xmlns="" w="9525">
+              <a14:hiddenLine xmlns="" xmlns:a14="http://schemas.microsoft.com/office/drawing/2010/main" w="9525">
                 <a:solidFill>
                   <a:srgbClr val="000000"/>
                 </a:solidFill>
@@ -14911,7 +14911,7 @@
           <a:blip r:embed="rId2" cstate="print">
             <a:extLst>
               <a:ext uri="{28A0092B-C50C-407E-A947-70E740481C1C}">
-                <a14:useLocalDpi xmlns:a14="http://schemas.microsoft.com/office/drawing/2010/main" xmlns="" val="0"/>
+                <a14:useLocalDpi xmlns="" xmlns:a14="http://schemas.microsoft.com/office/drawing/2010/main" val="0"/>
               </a:ext>
             </a:extLst>
           </a:blip>
@@ -14934,14 +14934,14 @@
           </a:ln>
           <a:extLst>
             <a:ext uri="{909E8E84-426E-40DD-AFC4-6F175D3DCCD1}">
-              <a14:hiddenFill xmlns:a14="http://schemas.microsoft.com/office/drawing/2010/main" xmlns="">
+              <a14:hiddenFill xmlns="" xmlns:a14="http://schemas.microsoft.com/office/drawing/2010/main">
                 <a:solidFill>
                   <a:srgbClr val="FFFFFF"/>
                 </a:solidFill>
               </a14:hiddenFill>
             </a:ext>
             <a:ext uri="{91240B29-F687-4F45-9708-019B960494DF}">
-              <a14:hiddenLine xmlns:a14="http://schemas.microsoft.com/office/drawing/2010/main" xmlns="" w="9525">
+              <a14:hiddenLine xmlns="" xmlns:a14="http://schemas.microsoft.com/office/drawing/2010/main" w="9525">
                 <a:solidFill>
                   <a:srgbClr val="000000"/>
                 </a:solidFill>
@@ -15196,7 +15196,15 @@
           <a:p>
             <a:r>
               <a:rPr lang="en-US" dirty="0" smtClean="0"/>
-              <a:t>Write a small HTML/JS example, which as:</a:t>
+              <a:t>Write a small HTML/JS example, which </a:t>
+            </a:r>
+            <a:r>
+              <a:rPr lang="en-US" dirty="0" smtClean="0"/>
+              <a:t>has</a:t>
+            </a:r>
+            <a:r>
+              <a:rPr lang="en-US" dirty="0" smtClean="0"/>
+              <a:t>:</a:t>
             </a:r>
           </a:p>
           <a:p>
@@ -15292,25 +15300,6 @@
               <a:t>Answer</a:t>
             </a:r>
             <a:endParaRPr lang="en-US" dirty="0"/>
-          </a:p>
-        </p:txBody>
-      </p:sp>
-      <p:sp>
-        <p:nvSpPr>
-          <p:cNvPr id="3" name="Content Placeholder 2"/>
-          <p:cNvSpPr>
-            <a:spLocks noGrp="1"/>
-          </p:cNvSpPr>
-          <p:nvPr>
-            <p:ph idx="1"/>
-          </p:nvPr>
-        </p:nvSpPr>
-        <p:spPr/>
-        <p:txBody>
-          <a:bodyPr/>
-          <a:lstStyle/>
-          <a:p>
-            <a:endParaRPr lang="en-US"/>
           </a:p>
         </p:txBody>
       </p:sp>
@@ -15610,7 +15599,7 @@
           <a:blip r:embed="rId2" cstate="print">
             <a:extLst>
               <a:ext uri="{28A0092B-C50C-407E-A947-70E740481C1C}">
-                <a14:useLocalDpi xmlns:a14="http://schemas.microsoft.com/office/drawing/2010/main" xmlns="" val="0"/>
+                <a14:useLocalDpi xmlns="" xmlns:a14="http://schemas.microsoft.com/office/drawing/2010/main" val="0"/>
               </a:ext>
             </a:extLst>
           </a:blip>
@@ -15633,14 +15622,14 @@
           </a:ln>
           <a:extLst>
             <a:ext uri="{909E8E84-426E-40DD-AFC4-6F175D3DCCD1}">
-              <a14:hiddenFill xmlns:a14="http://schemas.microsoft.com/office/drawing/2010/main" xmlns="">
+              <a14:hiddenFill xmlns="" xmlns:a14="http://schemas.microsoft.com/office/drawing/2010/main">
                 <a:solidFill>
                   <a:srgbClr val="FFFFFF"/>
                 </a:solidFill>
               </a14:hiddenFill>
             </a:ext>
             <a:ext uri="{91240B29-F687-4F45-9708-019B960494DF}">
-              <a14:hiddenLine xmlns:a14="http://schemas.microsoft.com/office/drawing/2010/main" xmlns="" w="9525">
+              <a14:hiddenLine xmlns="" xmlns:a14="http://schemas.microsoft.com/office/drawing/2010/main" w="9525">
                 <a:solidFill>
                   <a:srgbClr val="000000"/>
                 </a:solidFill>
@@ -15664,7 +15653,7 @@
           <a:blip r:embed="rId3" cstate="print">
             <a:extLst>
               <a:ext uri="{28A0092B-C50C-407E-A947-70E740481C1C}">
-                <a14:useLocalDpi xmlns:a14="http://schemas.microsoft.com/office/drawing/2010/main" xmlns="" val="0"/>
+                <a14:useLocalDpi xmlns="" xmlns:a14="http://schemas.microsoft.com/office/drawing/2010/main" val="0"/>
               </a:ext>
             </a:extLst>
           </a:blip>
@@ -15687,14 +15676,14 @@
           </a:ln>
           <a:extLst>
             <a:ext uri="{909E8E84-426E-40DD-AFC4-6F175D3DCCD1}">
-              <a14:hiddenFill xmlns:a14="http://schemas.microsoft.com/office/drawing/2010/main" xmlns="">
+              <a14:hiddenFill xmlns="" xmlns:a14="http://schemas.microsoft.com/office/drawing/2010/main">
                 <a:solidFill>
                   <a:srgbClr val="FFFFFF"/>
                 </a:solidFill>
               </a14:hiddenFill>
             </a:ext>
             <a:ext uri="{91240B29-F687-4F45-9708-019B960494DF}">
-              <a14:hiddenLine xmlns:a14="http://schemas.microsoft.com/office/drawing/2010/main" xmlns="" w="9525">
+              <a14:hiddenLine xmlns="" xmlns:a14="http://schemas.microsoft.com/office/drawing/2010/main" w="9525">
                 <a:solidFill>
                   <a:srgbClr val="000000"/>
                 </a:solidFill>
@@ -15990,7 +15979,7 @@
     </p:spTree>
     <p:extLst>
       <p:ext uri="{BB962C8B-B14F-4D97-AF65-F5344CB8AC3E}">
-        <p14:creationId xmlns:p14="http://schemas.microsoft.com/office/powerpoint/2010/main" xmlns="" val="11439654"/>
+        <p14:creationId xmlns="" xmlns:p14="http://schemas.microsoft.com/office/powerpoint/2010/main" val="11439654"/>
       </p:ext>
     </p:extLst>
   </p:cSld>
@@ -16039,14 +16028,14 @@
           </a:ln>
           <a:extLst>
             <a:ext uri="{909E8E84-426E-40DD-AFC4-6F175D3DCCD1}">
-              <a14:hiddenFill xmlns:a14="http://schemas.microsoft.com/office/drawing/2010/main" xmlns="">
+              <a14:hiddenFill xmlns="" xmlns:a14="http://schemas.microsoft.com/office/drawing/2010/main">
                 <a:solidFill>
                   <a:srgbClr val="FFFFFF"/>
                 </a:solidFill>
               </a14:hiddenFill>
             </a:ext>
             <a:ext uri="{91240B29-F687-4F45-9708-019B960494DF}">
-              <a14:hiddenLine xmlns:a14="http://schemas.microsoft.com/office/drawing/2010/main" xmlns="" w="9525">
+              <a14:hiddenLine xmlns="" xmlns:a14="http://schemas.microsoft.com/office/drawing/2010/main" w="9525">
                 <a:solidFill>
                   <a:srgbClr val="000000"/>
                 </a:solidFill>
@@ -16319,14 +16308,14 @@
           </a:ln>
           <a:extLst>
             <a:ext uri="{909E8E84-426E-40DD-AFC4-6F175D3DCCD1}">
-              <a14:hiddenFill xmlns:a14="http://schemas.microsoft.com/office/drawing/2010/main" xmlns="">
+              <a14:hiddenFill xmlns="" xmlns:a14="http://schemas.microsoft.com/office/drawing/2010/main">
                 <a:solidFill>
                   <a:srgbClr val="FFFFFF"/>
                 </a:solidFill>
               </a14:hiddenFill>
             </a:ext>
             <a:ext uri="{91240B29-F687-4F45-9708-019B960494DF}">
-              <a14:hiddenLine xmlns:a14="http://schemas.microsoft.com/office/drawing/2010/main" xmlns="" w="9525">
+              <a14:hiddenLine xmlns="" xmlns:a14="http://schemas.microsoft.com/office/drawing/2010/main" w="9525">
                 <a:solidFill>
                   <a:srgbClr val="000000"/>
                 </a:solidFill>
@@ -16729,14 +16718,14 @@
           </a:ln>
           <a:extLst>
             <a:ext uri="{909E8E84-426E-40DD-AFC4-6F175D3DCCD1}">
-              <a14:hiddenFill xmlns:a14="http://schemas.microsoft.com/office/drawing/2010/main" xmlns="">
+              <a14:hiddenFill xmlns="" xmlns:a14="http://schemas.microsoft.com/office/drawing/2010/main">
                 <a:solidFill>
                   <a:srgbClr val="FFFFFF"/>
                 </a:solidFill>
               </a14:hiddenFill>
             </a:ext>
             <a:ext uri="{91240B29-F687-4F45-9708-019B960494DF}">
-              <a14:hiddenLine xmlns:a14="http://schemas.microsoft.com/office/drawing/2010/main" xmlns="" w="9525">
+              <a14:hiddenLine xmlns="" xmlns:a14="http://schemas.microsoft.com/office/drawing/2010/main" w="9525">
                 <a:solidFill>
                   <a:srgbClr val="000000"/>
                 </a:solidFill>
@@ -17009,14 +16998,14 @@
           </a:ln>
           <a:extLst>
             <a:ext uri="{909E8E84-426E-40DD-AFC4-6F175D3DCCD1}">
-              <a14:hiddenFill xmlns:a14="http://schemas.microsoft.com/office/drawing/2010/main" xmlns="">
+              <a14:hiddenFill xmlns="" xmlns:a14="http://schemas.microsoft.com/office/drawing/2010/main">
                 <a:solidFill>
                   <a:srgbClr val="FFFFFF"/>
                 </a:solidFill>
               </a14:hiddenFill>
             </a:ext>
             <a:ext uri="{91240B29-F687-4F45-9708-019B960494DF}">
-              <a14:hiddenLine xmlns:a14="http://schemas.microsoft.com/office/drawing/2010/main" xmlns="" w="9525">
+              <a14:hiddenLine xmlns="" xmlns:a14="http://schemas.microsoft.com/office/drawing/2010/main" w="9525">
                 <a:solidFill>
                   <a:srgbClr val="000000"/>
                 </a:solidFill>
@@ -17776,14 +17765,14 @@
           </a:ln>
           <a:extLst>
             <a:ext uri="{909E8E84-426E-40DD-AFC4-6F175D3DCCD1}">
-              <a14:hiddenFill xmlns:a14="http://schemas.microsoft.com/office/drawing/2010/main" xmlns="">
+              <a14:hiddenFill xmlns="" xmlns:a14="http://schemas.microsoft.com/office/drawing/2010/main">
                 <a:solidFill>
                   <a:srgbClr val="FFFFFF"/>
                 </a:solidFill>
               </a14:hiddenFill>
             </a:ext>
             <a:ext uri="{91240B29-F687-4F45-9708-019B960494DF}">
-              <a14:hiddenLine xmlns:a14="http://schemas.microsoft.com/office/drawing/2010/main" xmlns="" w="9525">
+              <a14:hiddenLine xmlns="" xmlns:a14="http://schemas.microsoft.com/office/drawing/2010/main" w="9525">
                 <a:solidFill>
                   <a:srgbClr val="000000"/>
                 </a:solidFill>
@@ -18056,14 +18045,14 @@
           </a:ln>
           <a:extLst>
             <a:ext uri="{909E8E84-426E-40DD-AFC4-6F175D3DCCD1}">
-              <a14:hiddenFill xmlns:a14="http://schemas.microsoft.com/office/drawing/2010/main" xmlns="">
+              <a14:hiddenFill xmlns="" xmlns:a14="http://schemas.microsoft.com/office/drawing/2010/main">
                 <a:solidFill>
                   <a:srgbClr val="FFFFFF"/>
                 </a:solidFill>
               </a14:hiddenFill>
             </a:ext>
             <a:ext uri="{91240B29-F687-4F45-9708-019B960494DF}">
-              <a14:hiddenLine xmlns:a14="http://schemas.microsoft.com/office/drawing/2010/main" xmlns="" w="9525">
+              <a14:hiddenLine xmlns="" xmlns:a14="http://schemas.microsoft.com/office/drawing/2010/main" w="9525">
                 <a:solidFill>
                   <a:srgbClr val="000000"/>
                 </a:solidFill>
@@ -18378,14 +18367,14 @@
           </a:ln>
           <a:extLst>
             <a:ext uri="{909E8E84-426E-40DD-AFC4-6F175D3DCCD1}">
-              <a14:hiddenFill xmlns:a14="http://schemas.microsoft.com/office/drawing/2010/main" xmlns="">
+              <a14:hiddenFill xmlns="" xmlns:a14="http://schemas.microsoft.com/office/drawing/2010/main">
                 <a:solidFill>
                   <a:srgbClr val="FFFFFF"/>
                 </a:solidFill>
               </a14:hiddenFill>
             </a:ext>
             <a:ext uri="{91240B29-F687-4F45-9708-019B960494DF}">
-              <a14:hiddenLine xmlns:a14="http://schemas.microsoft.com/office/drawing/2010/main" xmlns="" w="9525">
+              <a14:hiddenLine xmlns="" xmlns:a14="http://schemas.microsoft.com/office/drawing/2010/main" w="9525">
                 <a:solidFill>
                   <a:srgbClr val="000000"/>
                 </a:solidFill>
@@ -18658,14 +18647,14 @@
           </a:ln>
           <a:extLst>
             <a:ext uri="{909E8E84-426E-40DD-AFC4-6F175D3DCCD1}">
-              <a14:hiddenFill xmlns:a14="http://schemas.microsoft.com/office/drawing/2010/main" xmlns="">
+              <a14:hiddenFill xmlns="" xmlns:a14="http://schemas.microsoft.com/office/drawing/2010/main">
                 <a:solidFill>
                   <a:srgbClr val="FFFFFF"/>
                 </a:solidFill>
               </a14:hiddenFill>
             </a:ext>
             <a:ext uri="{91240B29-F687-4F45-9708-019B960494DF}">
-              <a14:hiddenLine xmlns:a14="http://schemas.microsoft.com/office/drawing/2010/main" xmlns="" w="9525">
+              <a14:hiddenLine xmlns="" xmlns:a14="http://schemas.microsoft.com/office/drawing/2010/main" w="9525">
                 <a:solidFill>
                   <a:srgbClr val="000000"/>
                 </a:solidFill>
@@ -18793,7 +18782,7 @@
           <a:blip r:embed="rId3" cstate="print">
             <a:extLst>
               <a:ext uri="{28A0092B-C50C-407E-A947-70E740481C1C}">
-                <a14:useLocalDpi xmlns:a14="http://schemas.microsoft.com/office/drawing/2010/main" xmlns="" val="0"/>
+                <a14:useLocalDpi xmlns="" xmlns:a14="http://schemas.microsoft.com/office/drawing/2010/main" val="0"/>
               </a:ext>
             </a:extLst>
           </a:blip>
@@ -18816,14 +18805,14 @@
           </a:ln>
           <a:extLst>
             <a:ext uri="{909E8E84-426E-40DD-AFC4-6F175D3DCCD1}">
-              <a14:hiddenFill xmlns:a14="http://schemas.microsoft.com/office/drawing/2010/main" xmlns="">
+              <a14:hiddenFill xmlns="" xmlns:a14="http://schemas.microsoft.com/office/drawing/2010/main">
                 <a:solidFill>
                   <a:srgbClr val="FFFFFF"/>
                 </a:solidFill>
               </a14:hiddenFill>
             </a:ext>
             <a:ext uri="{91240B29-F687-4F45-9708-019B960494DF}">
-              <a14:hiddenLine xmlns:a14="http://schemas.microsoft.com/office/drawing/2010/main" xmlns="" w="9525">
+              <a14:hiddenLine xmlns="" xmlns:a14="http://schemas.microsoft.com/office/drawing/2010/main" w="9525">
                 <a:solidFill>
                   <a:srgbClr val="000000"/>
                 </a:solidFill>
@@ -18900,7 +18889,7 @@
           <a:blip r:embed="rId2" cstate="print">
             <a:extLst>
               <a:ext uri="{28A0092B-C50C-407E-A947-70E740481C1C}">
-                <a14:useLocalDpi xmlns:a14="http://schemas.microsoft.com/office/drawing/2010/main" xmlns="" val="0"/>
+                <a14:useLocalDpi xmlns="" xmlns:a14="http://schemas.microsoft.com/office/drawing/2010/main" val="0"/>
               </a:ext>
             </a:extLst>
           </a:blip>
@@ -18923,14 +18912,14 @@
           </a:ln>
           <a:extLst>
             <a:ext uri="{909E8E84-426E-40DD-AFC4-6F175D3DCCD1}">
-              <a14:hiddenFill xmlns:a14="http://schemas.microsoft.com/office/drawing/2010/main" xmlns="">
+              <a14:hiddenFill xmlns="" xmlns:a14="http://schemas.microsoft.com/office/drawing/2010/main">
                 <a:solidFill>
                   <a:srgbClr val="FFFFFF"/>
                 </a:solidFill>
               </a14:hiddenFill>
             </a:ext>
             <a:ext uri="{91240B29-F687-4F45-9708-019B960494DF}">
-              <a14:hiddenLine xmlns:a14="http://schemas.microsoft.com/office/drawing/2010/main" xmlns="" w="9525">
+              <a14:hiddenLine xmlns="" xmlns:a14="http://schemas.microsoft.com/office/drawing/2010/main" w="9525">
                 <a:solidFill>
                   <a:srgbClr val="000000"/>
                 </a:solidFill>
@@ -19532,7 +19521,7 @@
           <a:blip r:embed="rId3" cstate="print">
             <a:extLst>
               <a:ext uri="{28A0092B-C50C-407E-A947-70E740481C1C}">
-                <a14:useLocalDpi xmlns:a14="http://schemas.microsoft.com/office/drawing/2010/main" xmlns="" val="0"/>
+                <a14:useLocalDpi xmlns="" xmlns:a14="http://schemas.microsoft.com/office/drawing/2010/main" val="0"/>
               </a:ext>
             </a:extLst>
           </a:blip>
@@ -19555,14 +19544,14 @@
           </a:ln>
           <a:extLst>
             <a:ext uri="{909E8E84-426E-40DD-AFC4-6F175D3DCCD1}">
-              <a14:hiddenFill xmlns:a14="http://schemas.microsoft.com/office/drawing/2010/main" xmlns="">
+              <a14:hiddenFill xmlns="" xmlns:a14="http://schemas.microsoft.com/office/drawing/2010/main">
                 <a:solidFill>
                   <a:srgbClr val="FFFFFF"/>
                 </a:solidFill>
               </a14:hiddenFill>
             </a:ext>
             <a:ext uri="{91240B29-F687-4F45-9708-019B960494DF}">
-              <a14:hiddenLine xmlns:a14="http://schemas.microsoft.com/office/drawing/2010/main" xmlns="" w="9525">
+              <a14:hiddenLine xmlns="" xmlns:a14="http://schemas.microsoft.com/office/drawing/2010/main" w="9525">
                 <a:solidFill>
                   <a:srgbClr val="000000"/>
                 </a:solidFill>
@@ -20072,7 +20061,7 @@
   </a:extraClrSchemeLst>
   <a:extLst>
     <a:ext uri="{05A4C25C-085E-4340-85A3-A5531E510DB2}">
-      <thm15:themeFamily xmlns:thm15="http://schemas.microsoft.com/office/thememl/2012/main" xmlns="" name="Office Theme" id="{62F939B6-93AF-4DB8-9C6B-D6C7DFDC589F}" vid="{4A3C46E8-61CC-4603-A589-7422A47A8E4A}"/>
+      <thm15:themeFamily xmlns="" xmlns:thm15="http://schemas.microsoft.com/office/thememl/2012/main" name="Office Theme" id="{62F939B6-93AF-4DB8-9C6B-D6C7DFDC589F}" vid="{4A3C46E8-61CC-4603-A589-7422A47A8E4A}"/>
     </a:ext>
   </a:extLst>
 </a:theme>
@@ -20333,7 +20322,7 @@
   <a:extraClrSchemeLst/>
   <a:extLst>
     <a:ext uri="{05A4C25C-085E-4340-85A3-A5531E510DB2}">
-      <thm15:themeFamily xmlns:thm15="http://schemas.microsoft.com/office/thememl/2012/main" xmlns="" name="Office Theme" id="{62F939B6-93AF-4DB8-9C6B-D6C7DFDC589F}" vid="{4A3C46E8-61CC-4603-A589-7422A47A8E4A}"/>
+      <thm15:themeFamily xmlns="" xmlns:thm15="http://schemas.microsoft.com/office/thememl/2012/main" name="Office Theme" id="{62F939B6-93AF-4DB8-9C6B-D6C7DFDC589F}" vid="{4A3C46E8-61CC-4603-A589-7422A47A8E4A}"/>
     </a:ext>
   </a:extLst>
 </a:theme>
